--- a/Colina, Casillas & Díaz HLS 2018.pptx
+++ b/Colina, Casillas & Díaz HLS 2018.pptx
@@ -5,10 +5,10 @@
     <p:sldMasterId id="2147483950" r:id="rId1"/>
   </p:sldMasterIdLst>
   <p:notesMasterIdLst>
-    <p:notesMasterId r:id="rId16"/>
+    <p:notesMasterId r:id="rId30"/>
   </p:notesMasterIdLst>
   <p:handoutMasterIdLst>
-    <p:handoutMasterId r:id="rId17"/>
+    <p:handoutMasterId r:id="rId31"/>
   </p:handoutMasterIdLst>
   <p:sldIdLst>
     <p:sldId id="256" r:id="rId2"/>
@@ -16,15 +16,29 @@
     <p:sldId id="312" r:id="rId4"/>
     <p:sldId id="316" r:id="rId5"/>
     <p:sldId id="315" r:id="rId6"/>
-    <p:sldId id="313" r:id="rId7"/>
-    <p:sldId id="317" r:id="rId8"/>
-    <p:sldId id="314" r:id="rId9"/>
-    <p:sldId id="318" r:id="rId10"/>
-    <p:sldId id="321" r:id="rId11"/>
-    <p:sldId id="320" r:id="rId12"/>
-    <p:sldId id="322" r:id="rId13"/>
-    <p:sldId id="261" r:id="rId14"/>
-    <p:sldId id="300" r:id="rId15"/>
+    <p:sldId id="317" r:id="rId7"/>
+    <p:sldId id="313" r:id="rId8"/>
+    <p:sldId id="318" r:id="rId9"/>
+    <p:sldId id="321" r:id="rId10"/>
+    <p:sldId id="320" r:id="rId11"/>
+    <p:sldId id="322" r:id="rId12"/>
+    <p:sldId id="261" r:id="rId13"/>
+    <p:sldId id="323" r:id="rId14"/>
+    <p:sldId id="327" r:id="rId15"/>
+    <p:sldId id="328" r:id="rId16"/>
+    <p:sldId id="324" r:id="rId17"/>
+    <p:sldId id="329" r:id="rId18"/>
+    <p:sldId id="330" r:id="rId19"/>
+    <p:sldId id="331" r:id="rId20"/>
+    <p:sldId id="332" r:id="rId21"/>
+    <p:sldId id="333" r:id="rId22"/>
+    <p:sldId id="334" r:id="rId23"/>
+    <p:sldId id="335" r:id="rId24"/>
+    <p:sldId id="336" r:id="rId25"/>
+    <p:sldId id="337" r:id="rId26"/>
+    <p:sldId id="338" r:id="rId27"/>
+    <p:sldId id="300" r:id="rId28"/>
+    <p:sldId id="326" r:id="rId29"/>
   </p:sldIdLst>
   <p:sldSz cx="9144000" cy="6858000" type="screen4x3"/>
   <p:notesSz cx="7010400" cy="9296400"/>
@@ -224,7 +238,7 @@
           <a:p>
             <a:fld id="{F7A997DC-2566-1F49-938B-F7FAC7252CD3}" type="datetimeFigureOut">
               <a:rPr lang="en-US" smtClean="0"/>
-              <a:t>8/2/18</a:t>
+              <a:t>10/13/18</a:t>
             </a:fld>
             <a:endParaRPr lang="en-US"/>
           </a:p>
@@ -389,7 +403,7 @@
           <a:p>
             <a:fld id="{52DA3CF6-9E1E-1346-B10E-CF7AE5F98066}" type="datetimeFigureOut">
               <a:rPr lang="en-US" smtClean="0"/>
-              <a:t>8/2/18</a:t>
+              <a:t>10/13/18</a:t>
             </a:fld>
             <a:endParaRPr lang="es-ES_tradnl"/>
           </a:p>
@@ -656,6 +670,1395 @@
 </p:notesMaster>
 </file>
 
+<file path=ppt/notesSlides/notesSlide1.xml><?xml version="1.0" encoding="utf-8"?>
+<p:notes xmlns:a="http://schemas.openxmlformats.org/drawingml/2006/main" xmlns:r="http://schemas.openxmlformats.org/officeDocument/2006/relationships" xmlns:p="http://schemas.openxmlformats.org/presentationml/2006/main">
+  <p:cSld>
+    <p:spTree>
+      <p:nvGrpSpPr>
+        <p:cNvPr id="1" name=""/>
+        <p:cNvGrpSpPr/>
+        <p:nvPr/>
+      </p:nvGrpSpPr>
+      <p:grpSpPr>
+        <a:xfrm>
+          <a:off x="0" y="0"/>
+          <a:ext cx="0" cy="0"/>
+          <a:chOff x="0" y="0"/>
+          <a:chExt cx="0" cy="0"/>
+        </a:xfrm>
+      </p:grpSpPr>
+      <p:sp>
+        <p:nvSpPr>
+          <p:cNvPr id="2" name="Slide Image Placeholder 1"/>
+          <p:cNvSpPr>
+            <a:spLocks noGrp="1" noRot="1" noChangeAspect="1"/>
+          </p:cNvSpPr>
+          <p:nvPr>
+            <p:ph type="sldImg"/>
+          </p:nvPr>
+        </p:nvSpPr>
+        <p:spPr/>
+      </p:sp>
+      <p:sp>
+        <p:nvSpPr>
+          <p:cNvPr id="3" name="Notes Placeholder 2"/>
+          <p:cNvSpPr>
+            <a:spLocks noGrp="1"/>
+          </p:cNvSpPr>
+          <p:nvPr>
+            <p:ph type="body" idx="1"/>
+          </p:nvPr>
+        </p:nvSpPr>
+        <p:spPr/>
+        <p:txBody>
+          <a:bodyPr/>
+          <a:lstStyle/>
+          <a:p>
+            <a:r>
+              <a:rPr lang="en-US" dirty="0" smtClean="0"/>
+              <a:t>The</a:t>
+            </a:r>
+            <a:r>
+              <a:rPr lang="en-US" baseline="0" dirty="0" smtClean="0"/>
+              <a:t> first task examines two main questions: </a:t>
+            </a:r>
+          </a:p>
+          <a:p>
+            <a:r>
+              <a:rPr lang="en-US" baseline="0" dirty="0" smtClean="0"/>
+              <a:t>First, how do participants syllabify the </a:t>
+            </a:r>
+            <a:r>
+              <a:rPr lang="en-US" baseline="0" dirty="0" err="1" smtClean="0"/>
+              <a:t>nonse</a:t>
+            </a:r>
+            <a:r>
+              <a:rPr lang="en-US" baseline="0" dirty="0" smtClean="0"/>
+              <a:t> words? Is glide-vowel-glide a possible realization?</a:t>
+            </a:r>
+          </a:p>
+          <a:p>
+            <a:r>
+              <a:rPr lang="en-US" baseline="0" dirty="0" smtClean="0"/>
+              <a:t>Second, are responses predicted by the type of glide of the preceding consonant?</a:t>
+            </a:r>
+          </a:p>
+          <a:p>
+            <a:endParaRPr lang="en-US" baseline="0" dirty="0" smtClean="0"/>
+          </a:p>
+          <a:p>
+            <a:r>
+              <a:rPr lang="en-US" baseline="0" dirty="0" smtClean="0"/>
+              <a:t>To answer these questions we coded the responses in the following manner: </a:t>
+            </a:r>
+          </a:p>
+          <a:p>
+            <a:r>
+              <a:rPr lang="en-US" baseline="0" dirty="0" smtClean="0"/>
+              <a:t>Triphthong, Hiatus, or Simplification (can read direct from slide) </a:t>
+            </a:r>
+          </a:p>
+          <a:p>
+            <a:r>
+              <a:rPr lang="en-US" baseline="0" dirty="0" smtClean="0"/>
+              <a:t>Explain example word “lakapiasto” for each possible realization</a:t>
+            </a:r>
+          </a:p>
+          <a:p>
+            <a:endParaRPr lang="en-US" dirty="0" smtClean="0"/>
+          </a:p>
+          <a:p>
+            <a:r>
+              <a:rPr lang="en-US" dirty="0" smtClean="0"/>
+              <a:t>We fit the data using a multinomial</a:t>
+            </a:r>
+            <a:r>
+              <a:rPr lang="en-US" baseline="0" dirty="0" smtClean="0"/>
+              <a:t> mixed-effects model with</a:t>
+            </a:r>
+          </a:p>
+          <a:p>
+            <a:r>
+              <a:rPr lang="en-US" b="1" baseline="0" dirty="0" smtClean="0"/>
+              <a:t>response </a:t>
+            </a:r>
+            <a:r>
+              <a:rPr lang="en-US" b="0" baseline="0" dirty="0" smtClean="0"/>
+              <a:t>as the criterion and</a:t>
+            </a:r>
+          </a:p>
+          <a:p>
+            <a:r>
+              <a:rPr lang="en-US" b="1" baseline="0" dirty="0" smtClean="0"/>
+              <a:t>Glide type </a:t>
+            </a:r>
+            <a:r>
+              <a:rPr lang="en-US" b="0" baseline="0" dirty="0" smtClean="0"/>
+              <a:t>and </a:t>
+            </a:r>
+            <a:r>
+              <a:rPr lang="en-US" b="1" baseline="0" dirty="0" smtClean="0"/>
+              <a:t>preceding consonant</a:t>
+            </a:r>
+            <a:r>
+              <a:rPr lang="en-US" b="0" baseline="0" dirty="0" smtClean="0"/>
+              <a:t> as fixed effects</a:t>
+            </a:r>
+          </a:p>
+          <a:p>
+            <a:r>
+              <a:rPr lang="en-US" b="0" baseline="0" dirty="0" smtClean="0"/>
+              <a:t>The model included by-subjects and by-items intercepts with random </a:t>
+            </a:r>
+          </a:p>
+          <a:p>
+            <a:r>
+              <a:rPr lang="en-US" b="0" baseline="0" dirty="0" smtClean="0"/>
+              <a:t>slopes for glide_type and preceding consonant</a:t>
+            </a:r>
+          </a:p>
+          <a:p>
+            <a:endParaRPr lang="en-US" b="1" dirty="0" smtClean="0"/>
+          </a:p>
+          <a:p>
+            <a:r>
+              <a:rPr lang="en-US" dirty="0" smtClean="0"/>
+              <a:t>The</a:t>
+            </a:r>
+            <a:r>
+              <a:rPr lang="en-US" baseline="0" dirty="0" smtClean="0"/>
+              <a:t> m</a:t>
+            </a:r>
+            <a:r>
+              <a:rPr lang="en-US" dirty="0" smtClean="0"/>
+              <a:t>odel found that responses did not vary as a function of the </a:t>
+            </a:r>
+            <a:r>
+              <a:rPr lang="en-US" baseline="0" dirty="0" smtClean="0"/>
+              <a:t>glide type </a:t>
+            </a:r>
+          </a:p>
+          <a:p>
+            <a:r>
+              <a:rPr lang="en-US" baseline="0" dirty="0" smtClean="0"/>
+              <a:t>nor the preceding consonant, so we will look at overall response rates</a:t>
+            </a:r>
+            <a:endParaRPr lang="en-US" dirty="0"/>
+          </a:p>
+        </p:txBody>
+      </p:sp>
+      <p:sp>
+        <p:nvSpPr>
+          <p:cNvPr id="4" name="Slide Number Placeholder 3"/>
+          <p:cNvSpPr>
+            <a:spLocks noGrp="1"/>
+          </p:cNvSpPr>
+          <p:nvPr>
+            <p:ph type="sldNum" sz="quarter" idx="10"/>
+          </p:nvPr>
+        </p:nvSpPr>
+        <p:spPr/>
+        <p:txBody>
+          <a:bodyPr/>
+          <a:lstStyle/>
+          <a:p>
+            <a:fld id="{6B84B913-0650-8A41-A4F4-F9FEF2C621A4}" type="slidenum">
+              <a:rPr lang="es-ES_tradnl" smtClean="0"/>
+              <a:t>12</a:t>
+            </a:fld>
+            <a:endParaRPr lang="es-ES_tradnl"/>
+          </a:p>
+        </p:txBody>
+      </p:sp>
+    </p:spTree>
+    <p:extLst>
+      <p:ext uri="{BB962C8B-B14F-4D97-AF65-F5344CB8AC3E}">
+        <p14:creationId xmlns:p14="http://schemas.microsoft.com/office/powerpoint/2010/main" val="893800227"/>
+      </p:ext>
+    </p:extLst>
+  </p:cSld>
+  <p:clrMapOvr>
+    <a:masterClrMapping/>
+  </p:clrMapOvr>
+</p:notes>
+</file>
+
+<file path=ppt/notesSlides/notesSlide2.xml><?xml version="1.0" encoding="utf-8"?>
+<p:notes xmlns:a="http://schemas.openxmlformats.org/drawingml/2006/main" xmlns:r="http://schemas.openxmlformats.org/officeDocument/2006/relationships" xmlns:p="http://schemas.openxmlformats.org/presentationml/2006/main">
+  <p:cSld>
+    <p:spTree>
+      <p:nvGrpSpPr>
+        <p:cNvPr id="1" name=""/>
+        <p:cNvGrpSpPr/>
+        <p:nvPr/>
+      </p:nvGrpSpPr>
+      <p:grpSpPr>
+        <a:xfrm>
+          <a:off x="0" y="0"/>
+          <a:ext cx="0" cy="0"/>
+          <a:chOff x="0" y="0"/>
+          <a:chExt cx="0" cy="0"/>
+        </a:xfrm>
+      </p:grpSpPr>
+      <p:sp>
+        <p:nvSpPr>
+          <p:cNvPr id="2" name="Slide Image Placeholder 1"/>
+          <p:cNvSpPr>
+            <a:spLocks noGrp="1" noRot="1" noChangeAspect="1"/>
+          </p:cNvSpPr>
+          <p:nvPr>
+            <p:ph type="sldImg"/>
+          </p:nvPr>
+        </p:nvSpPr>
+        <p:spPr/>
+      </p:sp>
+      <p:sp>
+        <p:nvSpPr>
+          <p:cNvPr id="3" name="Notes Placeholder 2"/>
+          <p:cNvSpPr>
+            <a:spLocks noGrp="1"/>
+          </p:cNvSpPr>
+          <p:nvPr>
+            <p:ph type="body" idx="1"/>
+          </p:nvPr>
+        </p:nvSpPr>
+        <p:spPr/>
+        <p:txBody>
+          <a:bodyPr/>
+          <a:lstStyle/>
+          <a:p>
+            <a:r>
+              <a:rPr lang="en-US" dirty="0" smtClean="0"/>
+              <a:t>Plot: </a:t>
+            </a:r>
+            <a:r>
+              <a:rPr lang="en-US" sz="1200" b="0" i="0" kern="1200" dirty="0" smtClean="0">
+                <a:solidFill>
+                  <a:schemeClr val="tx1"/>
+                </a:solidFill>
+                <a:effectLst/>
+                <a:latin typeface="+mn-lt"/>
+                <a:ea typeface="+mn-ea"/>
+                <a:cs typeface="+mn-cs"/>
+              </a:rPr>
+              <a:t>Proportion of responses across all data </a:t>
+            </a:r>
+          </a:p>
+          <a:p>
+            <a:r>
+              <a:rPr lang="en-US" sz="1200" b="0" i="0" kern="1200" dirty="0" smtClean="0">
+                <a:solidFill>
+                  <a:schemeClr val="tx1"/>
+                </a:solidFill>
+                <a:effectLst/>
+                <a:latin typeface="+mn-lt"/>
+                <a:ea typeface="+mn-ea"/>
+                <a:cs typeface="+mn-cs"/>
+              </a:rPr>
+              <a:t>We observe that </a:t>
+            </a:r>
+            <a:r>
+              <a:rPr lang="en-US" sz="1200" b="0" i="0" kern="1200" dirty="0" err="1" smtClean="0">
+                <a:solidFill>
+                  <a:schemeClr val="tx1"/>
+                </a:solidFill>
+                <a:effectLst/>
+                <a:latin typeface="+mn-lt"/>
+                <a:ea typeface="+mn-ea"/>
+                <a:cs typeface="+mn-cs"/>
+              </a:rPr>
+              <a:t>triphthongs</a:t>
+            </a:r>
+            <a:r>
+              <a:rPr lang="en-US" sz="1200" b="0" i="0" kern="1200" dirty="0" smtClean="0">
+                <a:solidFill>
+                  <a:schemeClr val="tx1"/>
+                </a:solidFill>
+                <a:effectLst/>
+                <a:latin typeface="+mn-lt"/>
+                <a:ea typeface="+mn-ea"/>
+                <a:cs typeface="+mn-cs"/>
+              </a:rPr>
+              <a:t> were produced in approximately 45% of the targets. </a:t>
+            </a:r>
+          </a:p>
+          <a:p>
+            <a:r>
+              <a:rPr lang="en-US" sz="1200" b="0" i="0" kern="1200" dirty="0" smtClean="0">
+                <a:solidFill>
+                  <a:schemeClr val="tx1"/>
+                </a:solidFill>
+                <a:effectLst/>
+                <a:latin typeface="+mn-lt"/>
+                <a:ea typeface="+mn-ea"/>
+                <a:cs typeface="+mn-cs"/>
+              </a:rPr>
+              <a:t>A production containing a hiatus made up roughly 30% of the data, followed by a simplification of some sort (~25% of the time).</a:t>
+            </a:r>
+            <a:endParaRPr lang="en-US" dirty="0"/>
+          </a:p>
+        </p:txBody>
+      </p:sp>
+      <p:sp>
+        <p:nvSpPr>
+          <p:cNvPr id="4" name="Slide Number Placeholder 3"/>
+          <p:cNvSpPr>
+            <a:spLocks noGrp="1"/>
+          </p:cNvSpPr>
+          <p:nvPr>
+            <p:ph type="sldNum" sz="quarter" idx="10"/>
+          </p:nvPr>
+        </p:nvSpPr>
+        <p:spPr/>
+        <p:txBody>
+          <a:bodyPr/>
+          <a:lstStyle/>
+          <a:p>
+            <a:fld id="{6B84B913-0650-8A41-A4F4-F9FEF2C621A4}" type="slidenum">
+              <a:rPr lang="es-ES_tradnl" smtClean="0"/>
+              <a:t>13</a:t>
+            </a:fld>
+            <a:endParaRPr lang="es-ES_tradnl"/>
+          </a:p>
+        </p:txBody>
+      </p:sp>
+    </p:spTree>
+    <p:extLst>
+      <p:ext uri="{BB962C8B-B14F-4D97-AF65-F5344CB8AC3E}">
+        <p14:creationId xmlns:p14="http://schemas.microsoft.com/office/powerpoint/2010/main" val="2036334668"/>
+      </p:ext>
+    </p:extLst>
+  </p:cSld>
+  <p:clrMapOvr>
+    <a:masterClrMapping/>
+  </p:clrMapOvr>
+</p:notes>
+</file>
+
+<file path=ppt/notesSlides/notesSlide3.xml><?xml version="1.0" encoding="utf-8"?>
+<p:notes xmlns:a="http://schemas.openxmlformats.org/drawingml/2006/main" xmlns:r="http://schemas.openxmlformats.org/officeDocument/2006/relationships" xmlns:p="http://schemas.openxmlformats.org/presentationml/2006/main">
+  <p:cSld>
+    <p:spTree>
+      <p:nvGrpSpPr>
+        <p:cNvPr id="1" name=""/>
+        <p:cNvGrpSpPr/>
+        <p:nvPr/>
+      </p:nvGrpSpPr>
+      <p:grpSpPr>
+        <a:xfrm>
+          <a:off x="0" y="0"/>
+          <a:ext cx="0" cy="0"/>
+          <a:chOff x="0" y="0"/>
+          <a:chExt cx="0" cy="0"/>
+        </a:xfrm>
+      </p:grpSpPr>
+      <p:sp>
+        <p:nvSpPr>
+          <p:cNvPr id="2" name="Slide Image Placeholder 1"/>
+          <p:cNvSpPr>
+            <a:spLocks noGrp="1" noRot="1" noChangeAspect="1"/>
+          </p:cNvSpPr>
+          <p:nvPr>
+            <p:ph type="sldImg"/>
+          </p:nvPr>
+        </p:nvSpPr>
+        <p:spPr/>
+      </p:sp>
+      <p:sp>
+        <p:nvSpPr>
+          <p:cNvPr id="3" name="Notes Placeholder 2"/>
+          <p:cNvSpPr>
+            <a:spLocks noGrp="1"/>
+          </p:cNvSpPr>
+          <p:nvPr>
+            <p:ph type="body" idx="1"/>
+          </p:nvPr>
+        </p:nvSpPr>
+        <p:spPr/>
+        <p:txBody>
+          <a:bodyPr/>
+          <a:lstStyle/>
+          <a:p>
+            <a:r>
+              <a:rPr lang="en-US" dirty="0" smtClean="0"/>
+              <a:t>Plot: </a:t>
+            </a:r>
+            <a:r>
+              <a:rPr lang="en-US" sz="1200" b="0" i="0" kern="1200" dirty="0" smtClean="0">
+                <a:solidFill>
+                  <a:schemeClr val="tx1"/>
+                </a:solidFill>
+                <a:effectLst/>
+                <a:latin typeface="+mn-lt"/>
+                <a:ea typeface="+mn-ea"/>
+                <a:cs typeface="+mn-cs"/>
+              </a:rPr>
+              <a:t>Proportion of responses across all data </a:t>
+            </a:r>
+          </a:p>
+          <a:p>
+            <a:r>
+              <a:rPr lang="en-US" sz="1200" b="0" i="0" kern="1200" dirty="0" smtClean="0">
+                <a:solidFill>
+                  <a:schemeClr val="tx1"/>
+                </a:solidFill>
+                <a:effectLst/>
+                <a:latin typeface="+mn-lt"/>
+                <a:ea typeface="+mn-ea"/>
+                <a:cs typeface="+mn-cs"/>
+              </a:rPr>
+              <a:t>If we combine hiatus and simplification (Figure 2), we see that they make up approximately 60% of the data.</a:t>
+            </a:r>
+          </a:p>
+          <a:p>
+            <a:r>
+              <a:rPr lang="en-US" dirty="0" smtClean="0"/>
+              <a:t/>
+            </a:r>
+            <a:br>
+              <a:rPr lang="en-US" dirty="0" smtClean="0"/>
+            </a:br>
+            <a:endParaRPr lang="en-US" dirty="0"/>
+          </a:p>
+        </p:txBody>
+      </p:sp>
+      <p:sp>
+        <p:nvSpPr>
+          <p:cNvPr id="4" name="Slide Number Placeholder 3"/>
+          <p:cNvSpPr>
+            <a:spLocks noGrp="1"/>
+          </p:cNvSpPr>
+          <p:nvPr>
+            <p:ph type="sldNum" sz="quarter" idx="10"/>
+          </p:nvPr>
+        </p:nvSpPr>
+        <p:spPr/>
+        <p:txBody>
+          <a:bodyPr/>
+          <a:lstStyle/>
+          <a:p>
+            <a:fld id="{6B84B913-0650-8A41-A4F4-F9FEF2C621A4}" type="slidenum">
+              <a:rPr lang="es-ES_tradnl" smtClean="0"/>
+              <a:t>14</a:t>
+            </a:fld>
+            <a:endParaRPr lang="es-ES_tradnl"/>
+          </a:p>
+        </p:txBody>
+      </p:sp>
+    </p:spTree>
+    <p:extLst>
+      <p:ext uri="{BB962C8B-B14F-4D97-AF65-F5344CB8AC3E}">
+        <p14:creationId xmlns:p14="http://schemas.microsoft.com/office/powerpoint/2010/main" val="496284233"/>
+      </p:ext>
+    </p:extLst>
+  </p:cSld>
+  <p:clrMapOvr>
+    <a:masterClrMapping/>
+  </p:clrMapOvr>
+</p:notes>
+</file>
+
+<file path=ppt/notesSlides/notesSlide4.xml><?xml version="1.0" encoding="utf-8"?>
+<p:notes xmlns:a="http://schemas.openxmlformats.org/drawingml/2006/main" xmlns:r="http://schemas.openxmlformats.org/officeDocument/2006/relationships" xmlns:p="http://schemas.openxmlformats.org/presentationml/2006/main">
+  <p:cSld>
+    <p:spTree>
+      <p:nvGrpSpPr>
+        <p:cNvPr id="1" name=""/>
+        <p:cNvGrpSpPr/>
+        <p:nvPr/>
+      </p:nvGrpSpPr>
+      <p:grpSpPr>
+        <a:xfrm>
+          <a:off x="0" y="0"/>
+          <a:ext cx="0" cy="0"/>
+          <a:chOff x="0" y="0"/>
+          <a:chExt cx="0" cy="0"/>
+        </a:xfrm>
+      </p:grpSpPr>
+      <p:sp>
+        <p:nvSpPr>
+          <p:cNvPr id="2" name="Slide Image Placeholder 1"/>
+          <p:cNvSpPr>
+            <a:spLocks noGrp="1" noRot="1" noChangeAspect="1"/>
+          </p:cNvSpPr>
+          <p:nvPr>
+            <p:ph type="sldImg"/>
+          </p:nvPr>
+        </p:nvSpPr>
+        <p:spPr/>
+      </p:sp>
+      <p:sp>
+        <p:nvSpPr>
+          <p:cNvPr id="3" name="Notes Placeholder 2"/>
+          <p:cNvSpPr>
+            <a:spLocks noGrp="1"/>
+          </p:cNvSpPr>
+          <p:nvPr>
+            <p:ph type="body" idx="1"/>
+          </p:nvPr>
+        </p:nvSpPr>
+        <p:spPr/>
+        <p:txBody>
+          <a:bodyPr/>
+          <a:lstStyle/>
+          <a:p>
+            <a:r>
+              <a:rPr lang="en-US" dirty="0" smtClean="0"/>
+              <a:t>Main finding: we have evidence supporting the hypothesis that pre-vocalic glides can be part of the onset</a:t>
+            </a:r>
+          </a:p>
+          <a:p>
+            <a:r>
+              <a:rPr lang="en-US" dirty="0" smtClean="0"/>
+              <a:t>Why: because the participants produced </a:t>
+            </a:r>
+            <a:r>
+              <a:rPr lang="en-US" dirty="0" err="1" smtClean="0"/>
+              <a:t>triphthongs</a:t>
+            </a:r>
+            <a:r>
+              <a:rPr lang="en-US" dirty="0" smtClean="0"/>
+              <a:t> at least some of the time. </a:t>
+            </a:r>
+          </a:p>
+          <a:p>
+            <a:endParaRPr lang="en-US" dirty="0" smtClean="0"/>
+          </a:p>
+          <a:p>
+            <a:r>
+              <a:rPr lang="en-US" dirty="0" smtClean="0"/>
+              <a:t>Responses were</a:t>
+            </a:r>
+            <a:r>
+              <a:rPr lang="en-US" baseline="0" dirty="0" smtClean="0"/>
+              <a:t> variable and we cannot account for this variability with glide type nor preceding consonant</a:t>
+            </a:r>
+            <a:endParaRPr lang="en-US" dirty="0"/>
+          </a:p>
+        </p:txBody>
+      </p:sp>
+      <p:sp>
+        <p:nvSpPr>
+          <p:cNvPr id="4" name="Slide Number Placeholder 3"/>
+          <p:cNvSpPr>
+            <a:spLocks noGrp="1"/>
+          </p:cNvSpPr>
+          <p:nvPr>
+            <p:ph type="sldNum" sz="quarter" idx="10"/>
+          </p:nvPr>
+        </p:nvSpPr>
+        <p:spPr/>
+        <p:txBody>
+          <a:bodyPr/>
+          <a:lstStyle/>
+          <a:p>
+            <a:fld id="{6B84B913-0650-8A41-A4F4-F9FEF2C621A4}" type="slidenum">
+              <a:rPr lang="es-ES_tradnl" smtClean="0"/>
+              <a:t>15</a:t>
+            </a:fld>
+            <a:endParaRPr lang="es-ES_tradnl"/>
+          </a:p>
+        </p:txBody>
+      </p:sp>
+    </p:spTree>
+    <p:extLst>
+      <p:ext uri="{BB962C8B-B14F-4D97-AF65-F5344CB8AC3E}">
+        <p14:creationId xmlns:p14="http://schemas.microsoft.com/office/powerpoint/2010/main" val="1987419394"/>
+      </p:ext>
+    </p:extLst>
+  </p:cSld>
+  <p:clrMapOvr>
+    <a:masterClrMapping/>
+  </p:clrMapOvr>
+</p:notes>
+</file>
+
+<file path=ppt/notesSlides/notesSlide5.xml><?xml version="1.0" encoding="utf-8"?>
+<p:notes xmlns:a="http://schemas.openxmlformats.org/drawingml/2006/main" xmlns:r="http://schemas.openxmlformats.org/officeDocument/2006/relationships" xmlns:p="http://schemas.openxmlformats.org/presentationml/2006/main">
+  <p:cSld>
+    <p:spTree>
+      <p:nvGrpSpPr>
+        <p:cNvPr id="1" name=""/>
+        <p:cNvGrpSpPr/>
+        <p:nvPr/>
+      </p:nvGrpSpPr>
+      <p:grpSpPr>
+        <a:xfrm>
+          <a:off x="0" y="0"/>
+          <a:ext cx="0" cy="0"/>
+          <a:chOff x="0" y="0"/>
+          <a:chExt cx="0" cy="0"/>
+        </a:xfrm>
+      </p:grpSpPr>
+      <p:sp>
+        <p:nvSpPr>
+          <p:cNvPr id="2" name="Slide Image Placeholder 1"/>
+          <p:cNvSpPr>
+            <a:spLocks noGrp="1" noRot="1" noChangeAspect="1"/>
+          </p:cNvSpPr>
+          <p:nvPr>
+            <p:ph type="sldImg"/>
+          </p:nvPr>
+        </p:nvSpPr>
+        <p:spPr/>
+      </p:sp>
+      <p:sp>
+        <p:nvSpPr>
+          <p:cNvPr id="3" name="Notes Placeholder 2"/>
+          <p:cNvSpPr>
+            <a:spLocks noGrp="1"/>
+          </p:cNvSpPr>
+          <p:nvPr>
+            <p:ph type="body" idx="1"/>
+          </p:nvPr>
+        </p:nvSpPr>
+        <p:spPr/>
+        <p:txBody>
+          <a:bodyPr/>
+          <a:lstStyle/>
+          <a:p>
+            <a:r>
+              <a:rPr lang="en-US" dirty="0" smtClean="0"/>
+              <a:t>This plot shows duration as a function of preceding consonant (palatal vs. non-palatal). </a:t>
+            </a:r>
+          </a:p>
+          <a:p>
+            <a:endParaRPr lang="en-US" dirty="0" smtClean="0"/>
+          </a:p>
+          <a:p>
+            <a:r>
+              <a:rPr lang="en-US" sz="1200" b="0" i="0" kern="1200" dirty="0" smtClean="0">
+                <a:solidFill>
+                  <a:schemeClr val="tx1"/>
+                </a:solidFill>
+                <a:effectLst/>
+                <a:latin typeface="+mn-lt"/>
+                <a:ea typeface="+mn-ea"/>
+                <a:cs typeface="+mn-cs"/>
+              </a:rPr>
+              <a:t>We see a longer duration for glide segments following a palatal consonant</a:t>
+            </a:r>
+            <a:r>
+              <a:rPr lang="en-US" baseline="0" dirty="0" smtClean="0"/>
+              <a:t> (roughly 30 </a:t>
+            </a:r>
+            <a:r>
+              <a:rPr lang="en-US" baseline="0" dirty="0" err="1" smtClean="0"/>
+              <a:t>ms</a:t>
+            </a:r>
+            <a:r>
+              <a:rPr lang="en-US" baseline="0" dirty="0" smtClean="0"/>
+              <a:t> longer)</a:t>
+            </a:r>
+          </a:p>
+          <a:p>
+            <a:endParaRPr lang="en-US" baseline="0" dirty="0" smtClean="0"/>
+          </a:p>
+          <a:p>
+            <a:r>
+              <a:rPr lang="en-US" baseline="0" dirty="0" smtClean="0"/>
+              <a:t>Not expected (intuitively, if glide is blocked, one might expect a shorter duration, at least I did)</a:t>
+            </a:r>
+          </a:p>
+          <a:p>
+            <a:endParaRPr lang="en-US" baseline="0" dirty="0" smtClean="0"/>
+          </a:p>
+          <a:p>
+            <a:r>
+              <a:rPr lang="en-US" baseline="0" dirty="0" smtClean="0"/>
+              <a:t>Two possible explanations: </a:t>
+            </a:r>
+          </a:p>
+          <a:p>
+            <a:pPr marL="228600" indent="-228600">
+              <a:buAutoNum type="arabicParenR"/>
+            </a:pPr>
+            <a:r>
+              <a:rPr lang="en-US" sz="1200" b="0" i="0" kern="1200" dirty="0" smtClean="0">
+                <a:solidFill>
+                  <a:schemeClr val="tx1"/>
+                </a:solidFill>
+                <a:effectLst/>
+                <a:latin typeface="+mn-lt"/>
+                <a:ea typeface="+mn-ea"/>
+                <a:cs typeface="+mn-cs"/>
+              </a:rPr>
+              <a:t>The participants are able to produce a glide in this context (at least in some cases) because </a:t>
+            </a:r>
+          </a:p>
+          <a:p>
+            <a:pPr marL="0" indent="0">
+              <a:buNone/>
+            </a:pPr>
+            <a:r>
+              <a:rPr lang="en-US" sz="1200" b="0" i="0" kern="1200" dirty="0" smtClean="0">
+                <a:solidFill>
+                  <a:schemeClr val="tx1"/>
+                </a:solidFill>
+                <a:effectLst/>
+                <a:latin typeface="+mn-lt"/>
+                <a:ea typeface="+mn-ea"/>
+                <a:cs typeface="+mn-cs"/>
+              </a:rPr>
+              <a:t>     the preceding consonant is not palatal (i.e., '</a:t>
+            </a:r>
+            <a:r>
+              <a:rPr lang="en-US" sz="1200" b="0" i="0" kern="1200" dirty="0" err="1" smtClean="0">
+                <a:solidFill>
+                  <a:schemeClr val="tx1"/>
+                </a:solidFill>
+                <a:effectLst/>
+                <a:latin typeface="+mn-lt"/>
+                <a:ea typeface="+mn-ea"/>
+                <a:cs typeface="+mn-cs"/>
+              </a:rPr>
+              <a:t>ch</a:t>
+            </a:r>
+            <a:r>
+              <a:rPr lang="en-US" sz="1200" b="0" i="0" kern="1200" dirty="0" smtClean="0">
+                <a:solidFill>
+                  <a:schemeClr val="tx1"/>
+                </a:solidFill>
+                <a:effectLst/>
+                <a:latin typeface="+mn-lt"/>
+                <a:ea typeface="+mn-ea"/>
+                <a:cs typeface="+mn-cs"/>
+              </a:rPr>
+              <a:t>' is surfacing as [</a:t>
+            </a:r>
+            <a:r>
+              <a:rPr lang="en-US" sz="1200" b="0" i="0" kern="1200" dirty="0" err="1" smtClean="0">
+                <a:solidFill>
+                  <a:schemeClr val="tx1"/>
+                </a:solidFill>
+                <a:effectLst/>
+                <a:latin typeface="+mn-lt"/>
+                <a:ea typeface="+mn-ea"/>
+                <a:cs typeface="+mn-cs"/>
+              </a:rPr>
+              <a:t>ʃ</a:t>
+            </a:r>
+            <a:r>
+              <a:rPr lang="en-US" sz="1200" b="0" i="0" kern="1200" dirty="0" smtClean="0">
+                <a:solidFill>
+                  <a:schemeClr val="tx1"/>
+                </a:solidFill>
+                <a:effectLst/>
+                <a:latin typeface="+mn-lt"/>
+                <a:ea typeface="+mn-ea"/>
+                <a:cs typeface="+mn-cs"/>
+              </a:rPr>
+              <a:t>] or the fact that it is </a:t>
+            </a:r>
+          </a:p>
+          <a:p>
+            <a:pPr marL="0" indent="0">
+              <a:buNone/>
+            </a:pPr>
+            <a:r>
+              <a:rPr lang="en-US" sz="1200" b="0" i="0" kern="1200" dirty="0" smtClean="0">
+                <a:solidFill>
+                  <a:schemeClr val="tx1"/>
+                </a:solidFill>
+                <a:effectLst/>
+                <a:latin typeface="+mn-lt"/>
+                <a:ea typeface="+mn-ea"/>
+                <a:cs typeface="+mn-cs"/>
+              </a:rPr>
+              <a:t>     </a:t>
+            </a:r>
+            <a:r>
+              <a:rPr lang="en-US" sz="1200" b="0" i="0" kern="1200" dirty="0" err="1" smtClean="0">
+                <a:solidFill>
+                  <a:schemeClr val="tx1"/>
+                </a:solidFill>
+                <a:effectLst/>
+                <a:latin typeface="+mn-lt"/>
+                <a:ea typeface="+mn-ea"/>
+                <a:cs typeface="+mn-cs"/>
+              </a:rPr>
+              <a:t>alveo</a:t>
+            </a:r>
+            <a:r>
+              <a:rPr lang="en-US" sz="1200" b="0" i="0" kern="1200" dirty="0" smtClean="0">
+                <a:solidFill>
+                  <a:schemeClr val="tx1"/>
+                </a:solidFill>
+                <a:effectLst/>
+                <a:latin typeface="+mn-lt"/>
+                <a:ea typeface="+mn-ea"/>
+                <a:cs typeface="+mn-cs"/>
+              </a:rPr>
+              <a:t>-palatal is different enough to allow a glide afterwards).</a:t>
+            </a:r>
+          </a:p>
+          <a:p>
+            <a:pPr marL="0" indent="0">
+              <a:buNone/>
+            </a:pPr>
+            <a:r>
+              <a:rPr lang="en-US" sz="1200" b="0" i="0" kern="1200" dirty="0" smtClean="0">
+                <a:solidFill>
+                  <a:schemeClr val="tx1"/>
+                </a:solidFill>
+                <a:effectLst/>
+                <a:latin typeface="+mn-lt"/>
+                <a:ea typeface="+mn-ea"/>
+                <a:cs typeface="+mn-cs"/>
+              </a:rPr>
+              <a:t>2) The participants are not producing a glide, but rather are lengthening the onset.</a:t>
+            </a:r>
+            <a:endParaRPr lang="en-US" dirty="0"/>
+          </a:p>
+        </p:txBody>
+      </p:sp>
+      <p:sp>
+        <p:nvSpPr>
+          <p:cNvPr id="4" name="Slide Number Placeholder 3"/>
+          <p:cNvSpPr>
+            <a:spLocks noGrp="1"/>
+          </p:cNvSpPr>
+          <p:nvPr>
+            <p:ph type="sldNum" sz="quarter" idx="10"/>
+          </p:nvPr>
+        </p:nvSpPr>
+        <p:spPr/>
+        <p:txBody>
+          <a:bodyPr/>
+          <a:lstStyle/>
+          <a:p>
+            <a:fld id="{6B84B913-0650-8A41-A4F4-F9FEF2C621A4}" type="slidenum">
+              <a:rPr lang="es-ES_tradnl" smtClean="0"/>
+              <a:t>18</a:t>
+            </a:fld>
+            <a:endParaRPr lang="es-ES_tradnl"/>
+          </a:p>
+        </p:txBody>
+      </p:sp>
+    </p:spTree>
+    <p:extLst>
+      <p:ext uri="{BB962C8B-B14F-4D97-AF65-F5344CB8AC3E}">
+        <p14:creationId xmlns:p14="http://schemas.microsoft.com/office/powerpoint/2010/main" val="691096994"/>
+      </p:ext>
+    </p:extLst>
+  </p:cSld>
+  <p:clrMapOvr>
+    <a:masterClrMapping/>
+  </p:clrMapOvr>
+</p:notes>
+</file>
+
+<file path=ppt/notesSlides/notesSlide6.xml><?xml version="1.0" encoding="utf-8"?>
+<p:notes xmlns:a="http://schemas.openxmlformats.org/drawingml/2006/main" xmlns:r="http://schemas.openxmlformats.org/officeDocument/2006/relationships" xmlns:p="http://schemas.openxmlformats.org/presentationml/2006/main">
+  <p:cSld>
+    <p:spTree>
+      <p:nvGrpSpPr>
+        <p:cNvPr id="1" name=""/>
+        <p:cNvGrpSpPr/>
+        <p:nvPr/>
+      </p:nvGrpSpPr>
+      <p:grpSpPr>
+        <a:xfrm>
+          <a:off x="0" y="0"/>
+          <a:ext cx="0" cy="0"/>
+          <a:chOff x="0" y="0"/>
+          <a:chExt cx="0" cy="0"/>
+        </a:xfrm>
+      </p:grpSpPr>
+      <p:sp>
+        <p:nvSpPr>
+          <p:cNvPr id="2" name="Slide Image Placeholder 1"/>
+          <p:cNvSpPr>
+            <a:spLocks noGrp="1" noRot="1" noChangeAspect="1"/>
+          </p:cNvSpPr>
+          <p:nvPr>
+            <p:ph type="sldImg"/>
+          </p:nvPr>
+        </p:nvSpPr>
+        <p:spPr/>
+      </p:sp>
+      <p:sp>
+        <p:nvSpPr>
+          <p:cNvPr id="3" name="Notes Placeholder 2"/>
+          <p:cNvSpPr>
+            <a:spLocks noGrp="1"/>
+          </p:cNvSpPr>
+          <p:nvPr>
+            <p:ph type="body" idx="1"/>
+          </p:nvPr>
+        </p:nvSpPr>
+        <p:spPr/>
+        <p:txBody>
+          <a:bodyPr/>
+          <a:lstStyle/>
+          <a:p>
+            <a:r>
+              <a:rPr lang="en-US" sz="1200" b="0" i="0" kern="1200" dirty="0" smtClean="0">
+                <a:solidFill>
+                  <a:schemeClr val="tx1"/>
+                </a:solidFill>
+                <a:effectLst/>
+                <a:latin typeface="+mn-lt"/>
+                <a:ea typeface="+mn-ea"/>
+                <a:cs typeface="+mn-cs"/>
+              </a:rPr>
+              <a:t>We can examine the plausibility of (1) by looking at the formant trajectory over </a:t>
+            </a:r>
+          </a:p>
+          <a:p>
+            <a:r>
+              <a:rPr lang="en-US" sz="1200" b="0" i="0" kern="1200" dirty="0" smtClean="0">
+                <a:solidFill>
+                  <a:schemeClr val="tx1"/>
+                </a:solidFill>
+                <a:effectLst/>
+                <a:latin typeface="+mn-lt"/>
+                <a:ea typeface="+mn-ea"/>
+                <a:cs typeface="+mn-cs"/>
+              </a:rPr>
+              <a:t>the course of the segment. </a:t>
+            </a:r>
+          </a:p>
+          <a:p>
+            <a:endParaRPr lang="en-US" sz="1200" b="0" i="0" kern="1200" dirty="0" smtClean="0">
+              <a:solidFill>
+                <a:schemeClr val="tx1"/>
+              </a:solidFill>
+              <a:effectLst/>
+              <a:latin typeface="+mn-lt"/>
+              <a:ea typeface="+mn-ea"/>
+              <a:cs typeface="+mn-cs"/>
+            </a:endParaRPr>
+          </a:p>
+          <a:p>
+            <a:r>
+              <a:rPr lang="en-US" sz="1200" b="0" i="0" kern="1200" dirty="0" smtClean="0">
+                <a:solidFill>
+                  <a:schemeClr val="tx1"/>
+                </a:solidFill>
+                <a:effectLst/>
+                <a:latin typeface="+mn-lt"/>
+                <a:ea typeface="+mn-ea"/>
+                <a:cs typeface="+mn-cs"/>
+              </a:rPr>
+              <a:t>If the participants are able to produce a glide in some contexts but not others </a:t>
+            </a:r>
+          </a:p>
+          <a:p>
+            <a:r>
+              <a:rPr lang="en-US" sz="1200" b="0" i="0" kern="1200" dirty="0" smtClean="0">
+                <a:solidFill>
+                  <a:schemeClr val="tx1"/>
+                </a:solidFill>
+                <a:effectLst/>
+                <a:latin typeface="+mn-lt"/>
+                <a:ea typeface="+mn-ea"/>
+                <a:cs typeface="+mn-cs"/>
+              </a:rPr>
+              <a:t>we should see differences in F1 as a function of the preceding consonant.</a:t>
+            </a:r>
+            <a:endParaRPr lang="en-US" dirty="0"/>
+          </a:p>
+        </p:txBody>
+      </p:sp>
+      <p:sp>
+        <p:nvSpPr>
+          <p:cNvPr id="4" name="Slide Number Placeholder 3"/>
+          <p:cNvSpPr>
+            <a:spLocks noGrp="1"/>
+          </p:cNvSpPr>
+          <p:nvPr>
+            <p:ph type="sldNum" sz="quarter" idx="10"/>
+          </p:nvPr>
+        </p:nvSpPr>
+        <p:spPr/>
+        <p:txBody>
+          <a:bodyPr/>
+          <a:lstStyle/>
+          <a:p>
+            <a:fld id="{6B84B913-0650-8A41-A4F4-F9FEF2C621A4}" type="slidenum">
+              <a:rPr lang="es-ES_tradnl" smtClean="0"/>
+              <a:t>19</a:t>
+            </a:fld>
+            <a:endParaRPr lang="es-ES_tradnl"/>
+          </a:p>
+        </p:txBody>
+      </p:sp>
+    </p:spTree>
+    <p:extLst>
+      <p:ext uri="{BB962C8B-B14F-4D97-AF65-F5344CB8AC3E}">
+        <p14:creationId xmlns:p14="http://schemas.microsoft.com/office/powerpoint/2010/main" val="1771273951"/>
+      </p:ext>
+    </p:extLst>
+  </p:cSld>
+  <p:clrMapOvr>
+    <a:masterClrMapping/>
+  </p:clrMapOvr>
+</p:notes>
+</file>
+
+<file path=ppt/notesSlides/notesSlide7.xml><?xml version="1.0" encoding="utf-8"?>
+<p:notes xmlns:a="http://schemas.openxmlformats.org/drawingml/2006/main" xmlns:r="http://schemas.openxmlformats.org/officeDocument/2006/relationships" xmlns:p="http://schemas.openxmlformats.org/presentationml/2006/main">
+  <p:cSld>
+    <p:spTree>
+      <p:nvGrpSpPr>
+        <p:cNvPr id="1" name=""/>
+        <p:cNvGrpSpPr/>
+        <p:nvPr/>
+      </p:nvGrpSpPr>
+      <p:grpSpPr>
+        <a:xfrm>
+          <a:off x="0" y="0"/>
+          <a:ext cx="0" cy="0"/>
+          <a:chOff x="0" y="0"/>
+          <a:chExt cx="0" cy="0"/>
+        </a:xfrm>
+      </p:grpSpPr>
+      <p:sp>
+        <p:nvSpPr>
+          <p:cNvPr id="2" name="Slide Image Placeholder 1"/>
+          <p:cNvSpPr>
+            <a:spLocks noGrp="1" noRot="1" noChangeAspect="1"/>
+          </p:cNvSpPr>
+          <p:nvPr>
+            <p:ph type="sldImg"/>
+          </p:nvPr>
+        </p:nvSpPr>
+        <p:spPr/>
+      </p:sp>
+      <p:sp>
+        <p:nvSpPr>
+          <p:cNvPr id="3" name="Notes Placeholder 2"/>
+          <p:cNvSpPr>
+            <a:spLocks noGrp="1"/>
+          </p:cNvSpPr>
+          <p:nvPr>
+            <p:ph type="body" idx="1"/>
+          </p:nvPr>
+        </p:nvSpPr>
+        <p:spPr/>
+        <p:txBody>
+          <a:bodyPr/>
+          <a:lstStyle/>
+          <a:p>
+            <a:r>
+              <a:rPr lang="en-US" dirty="0" smtClean="0"/>
+              <a:t>No effect of preceding consonant: </a:t>
+            </a:r>
+          </a:p>
+          <a:p>
+            <a:r>
+              <a:rPr lang="en-US" dirty="0" err="1" smtClean="0"/>
+              <a:t>Df</a:t>
+            </a:r>
+            <a:r>
+              <a:rPr lang="en-US" dirty="0" smtClean="0"/>
+              <a:t> = 3, p = 0.260</a:t>
+            </a:r>
+          </a:p>
+          <a:p>
+            <a:endParaRPr lang="en-US" dirty="0" smtClean="0"/>
+          </a:p>
+          <a:p>
+            <a:r>
+              <a:rPr lang="en-US" dirty="0" smtClean="0"/>
+              <a:t>F1 movement minimal</a:t>
+            </a:r>
+            <a:r>
+              <a:rPr lang="en-US" baseline="0" dirty="0" smtClean="0"/>
+              <a:t> and </a:t>
+            </a:r>
+            <a:r>
+              <a:rPr lang="en-US" dirty="0" smtClean="0"/>
+              <a:t>similar across contexts. </a:t>
+            </a:r>
+          </a:p>
+          <a:p>
+            <a:r>
+              <a:rPr lang="en-US" dirty="0" smtClean="0"/>
+              <a:t>Likely</a:t>
+            </a:r>
+            <a:r>
+              <a:rPr lang="en-US" baseline="0" dirty="0" smtClean="0"/>
+              <a:t> aren’t producing glides</a:t>
+            </a:r>
+          </a:p>
+          <a:p>
+            <a:endParaRPr lang="en-US" baseline="0" dirty="0" smtClean="0"/>
+          </a:p>
+          <a:p>
+            <a:endParaRPr lang="en-US" dirty="0"/>
+          </a:p>
+        </p:txBody>
+      </p:sp>
+      <p:sp>
+        <p:nvSpPr>
+          <p:cNvPr id="4" name="Slide Number Placeholder 3"/>
+          <p:cNvSpPr>
+            <a:spLocks noGrp="1"/>
+          </p:cNvSpPr>
+          <p:nvPr>
+            <p:ph type="sldNum" sz="quarter" idx="10"/>
+          </p:nvPr>
+        </p:nvSpPr>
+        <p:spPr/>
+        <p:txBody>
+          <a:bodyPr/>
+          <a:lstStyle/>
+          <a:p>
+            <a:fld id="{6B84B913-0650-8A41-A4F4-F9FEF2C621A4}" type="slidenum">
+              <a:rPr lang="es-ES_tradnl" smtClean="0"/>
+              <a:t>20</a:t>
+            </a:fld>
+            <a:endParaRPr lang="es-ES_tradnl"/>
+          </a:p>
+        </p:txBody>
+      </p:sp>
+    </p:spTree>
+    <p:extLst>
+      <p:ext uri="{BB962C8B-B14F-4D97-AF65-F5344CB8AC3E}">
+        <p14:creationId xmlns:p14="http://schemas.microsoft.com/office/powerpoint/2010/main" val="1092192765"/>
+      </p:ext>
+    </p:extLst>
+  </p:cSld>
+  <p:clrMapOvr>
+    <a:masterClrMapping/>
+  </p:clrMapOvr>
+</p:notes>
+</file>
+
+<file path=ppt/notesSlides/notesSlide8.xml><?xml version="1.0" encoding="utf-8"?>
+<p:notes xmlns:a="http://schemas.openxmlformats.org/drawingml/2006/main" xmlns:r="http://schemas.openxmlformats.org/officeDocument/2006/relationships" xmlns:p="http://schemas.openxmlformats.org/presentationml/2006/main">
+  <p:cSld>
+    <p:spTree>
+      <p:nvGrpSpPr>
+        <p:cNvPr id="1" name=""/>
+        <p:cNvGrpSpPr/>
+        <p:nvPr/>
+      </p:nvGrpSpPr>
+      <p:grpSpPr>
+        <a:xfrm>
+          <a:off x="0" y="0"/>
+          <a:ext cx="0" cy="0"/>
+          <a:chOff x="0" y="0"/>
+          <a:chExt cx="0" cy="0"/>
+        </a:xfrm>
+      </p:grpSpPr>
+      <p:sp>
+        <p:nvSpPr>
+          <p:cNvPr id="2" name="Slide Image Placeholder 1"/>
+          <p:cNvSpPr>
+            <a:spLocks noGrp="1" noRot="1" noChangeAspect="1"/>
+          </p:cNvSpPr>
+          <p:nvPr>
+            <p:ph type="sldImg"/>
+          </p:nvPr>
+        </p:nvSpPr>
+        <p:spPr/>
+      </p:sp>
+      <p:sp>
+        <p:nvSpPr>
+          <p:cNvPr id="3" name="Notes Placeholder 2"/>
+          <p:cNvSpPr>
+            <a:spLocks noGrp="1"/>
+          </p:cNvSpPr>
+          <p:nvPr>
+            <p:ph type="body" idx="1"/>
+          </p:nvPr>
+        </p:nvSpPr>
+        <p:spPr/>
+        <p:txBody>
+          <a:bodyPr/>
+          <a:lstStyle/>
+          <a:p>
+            <a:r>
+              <a:rPr lang="en-US" dirty="0" smtClean="0"/>
+              <a:t>Intensity is different</a:t>
+            </a:r>
+            <a:r>
+              <a:rPr lang="en-US" baseline="0" dirty="0" smtClean="0"/>
+              <a:t> for palatal vs. non-palatal preceding consonants after 35% of the time course</a:t>
+            </a:r>
+          </a:p>
+          <a:p>
+            <a:endParaRPr lang="en-US" baseline="0" dirty="0" smtClean="0"/>
+          </a:p>
+          <a:p>
+            <a:r>
+              <a:rPr lang="en-US" baseline="0" dirty="0" smtClean="0"/>
+              <a:t>The productions are more consonant like (lower intensity) after the palatal</a:t>
+            </a:r>
+            <a:endParaRPr lang="en-US" dirty="0"/>
+          </a:p>
+        </p:txBody>
+      </p:sp>
+      <p:sp>
+        <p:nvSpPr>
+          <p:cNvPr id="4" name="Slide Number Placeholder 3"/>
+          <p:cNvSpPr>
+            <a:spLocks noGrp="1"/>
+          </p:cNvSpPr>
+          <p:nvPr>
+            <p:ph type="sldNum" sz="quarter" idx="10"/>
+          </p:nvPr>
+        </p:nvSpPr>
+        <p:spPr/>
+        <p:txBody>
+          <a:bodyPr/>
+          <a:lstStyle/>
+          <a:p>
+            <a:fld id="{6B84B913-0650-8A41-A4F4-F9FEF2C621A4}" type="slidenum">
+              <a:rPr lang="es-ES_tradnl" smtClean="0"/>
+              <a:t>23</a:t>
+            </a:fld>
+            <a:endParaRPr lang="es-ES_tradnl"/>
+          </a:p>
+        </p:txBody>
+      </p:sp>
+    </p:spTree>
+    <p:extLst>
+      <p:ext uri="{BB962C8B-B14F-4D97-AF65-F5344CB8AC3E}">
+        <p14:creationId xmlns:p14="http://schemas.microsoft.com/office/powerpoint/2010/main" val="1754258715"/>
+      </p:ext>
+    </p:extLst>
+  </p:cSld>
+  <p:clrMapOvr>
+    <a:masterClrMapping/>
+  </p:clrMapOvr>
+</p:notes>
+</file>
+
+<file path=ppt/notesSlides/notesSlide9.xml><?xml version="1.0" encoding="utf-8"?>
+<p:notes xmlns:a="http://schemas.openxmlformats.org/drawingml/2006/main" xmlns:r="http://schemas.openxmlformats.org/officeDocument/2006/relationships" xmlns:p="http://schemas.openxmlformats.org/presentationml/2006/main">
+  <p:cSld>
+    <p:spTree>
+      <p:nvGrpSpPr>
+        <p:cNvPr id="1" name=""/>
+        <p:cNvGrpSpPr/>
+        <p:nvPr/>
+      </p:nvGrpSpPr>
+      <p:grpSpPr>
+        <a:xfrm>
+          <a:off x="0" y="0"/>
+          <a:ext cx="0" cy="0"/>
+          <a:chOff x="0" y="0"/>
+          <a:chExt cx="0" cy="0"/>
+        </a:xfrm>
+      </p:grpSpPr>
+      <p:sp>
+        <p:nvSpPr>
+          <p:cNvPr id="2" name="Slide Image Placeholder 1"/>
+          <p:cNvSpPr>
+            <a:spLocks noGrp="1" noRot="1" noChangeAspect="1"/>
+          </p:cNvSpPr>
+          <p:nvPr>
+            <p:ph type="sldImg"/>
+          </p:nvPr>
+        </p:nvSpPr>
+        <p:spPr/>
+      </p:sp>
+      <p:sp>
+        <p:nvSpPr>
+          <p:cNvPr id="3" name="Notes Placeholder 2"/>
+          <p:cNvSpPr>
+            <a:spLocks noGrp="1"/>
+          </p:cNvSpPr>
+          <p:nvPr>
+            <p:ph type="body" idx="1"/>
+          </p:nvPr>
+        </p:nvSpPr>
+        <p:spPr/>
+        <p:txBody>
+          <a:bodyPr/>
+          <a:lstStyle/>
+          <a:p>
+            <a:r>
+              <a:rPr lang="en-US" dirty="0" smtClean="0"/>
+              <a:t>EXTRA</a:t>
+            </a:r>
+          </a:p>
+          <a:p>
+            <a:endParaRPr lang="en-US" dirty="0" smtClean="0"/>
+          </a:p>
+          <a:p>
+            <a:r>
+              <a:rPr lang="en-US" dirty="0" smtClean="0"/>
+              <a:t>Plot: syllabification</a:t>
+            </a:r>
+            <a:r>
+              <a:rPr lang="en-US" baseline="0" dirty="0" smtClean="0"/>
+              <a:t> responses by POA, voicing, and glide type</a:t>
+            </a:r>
+          </a:p>
+          <a:p>
+            <a:r>
+              <a:rPr lang="en-US" baseline="0" dirty="0" err="1" smtClean="0"/>
+              <a:t>Frontness</a:t>
+            </a:r>
+            <a:r>
+              <a:rPr lang="en-US" baseline="0" dirty="0" smtClean="0"/>
+              <a:t> doesn’t matter (j is not different from w)</a:t>
+            </a:r>
+          </a:p>
+          <a:p>
+            <a:r>
+              <a:rPr lang="en-US" baseline="0" dirty="0" smtClean="0"/>
+              <a:t>The preceding consonant doesn’t matter (though </a:t>
+            </a:r>
+            <a:r>
+              <a:rPr lang="en-US" baseline="0" smtClean="0"/>
+              <a:t>not easy </a:t>
+            </a:r>
+            <a:r>
+              <a:rPr lang="en-US" baseline="0" dirty="0" smtClean="0"/>
+              <a:t>to see here)</a:t>
+            </a:r>
+          </a:p>
+          <a:p>
+            <a:r>
+              <a:rPr lang="en-US" baseline="0" dirty="0" smtClean="0"/>
+              <a:t>Take away: the responses are pretty equally spread out</a:t>
+            </a:r>
+            <a:endParaRPr lang="en-US" dirty="0"/>
+          </a:p>
+        </p:txBody>
+      </p:sp>
+      <p:sp>
+        <p:nvSpPr>
+          <p:cNvPr id="4" name="Slide Number Placeholder 3"/>
+          <p:cNvSpPr>
+            <a:spLocks noGrp="1"/>
+          </p:cNvSpPr>
+          <p:nvPr>
+            <p:ph type="sldNum" sz="quarter" idx="10"/>
+          </p:nvPr>
+        </p:nvSpPr>
+        <p:spPr/>
+        <p:txBody>
+          <a:bodyPr/>
+          <a:lstStyle/>
+          <a:p>
+            <a:fld id="{6B84B913-0650-8A41-A4F4-F9FEF2C621A4}" type="slidenum">
+              <a:rPr lang="es-ES_tradnl" smtClean="0"/>
+              <a:t>28</a:t>
+            </a:fld>
+            <a:endParaRPr lang="es-ES_tradnl"/>
+          </a:p>
+        </p:txBody>
+      </p:sp>
+    </p:spTree>
+    <p:extLst>
+      <p:ext uri="{BB962C8B-B14F-4D97-AF65-F5344CB8AC3E}">
+        <p14:creationId xmlns:p14="http://schemas.microsoft.com/office/powerpoint/2010/main" val="1064530980"/>
+      </p:ext>
+    </p:extLst>
+  </p:cSld>
+  <p:clrMapOvr>
+    <a:masterClrMapping/>
+  </p:clrMapOvr>
+</p:notes>
+</file>
+
 <file path=ppt/slideLayouts/slideLayout1.xml><?xml version="1.0" encoding="utf-8"?>
 <p:sldLayout xmlns:a="http://schemas.openxmlformats.org/drawingml/2006/main" xmlns:r="http://schemas.openxmlformats.org/officeDocument/2006/relationships" xmlns:p="http://schemas.openxmlformats.org/presentationml/2006/main" type="title" preserve="1">
   <p:cSld name="Title Slide">
@@ -851,7 +2254,7 @@
             <a:fld id="{04AF466F-BDA4-4F18-9C7B-FF0A9A1B0E80}" type="datetime1">
               <a:rPr lang="en-US" smtClean="0"/>
               <a:pPr/>
-              <a:t>8/2/18</a:t>
+              <a:t>10/13/18</a:t>
             </a:fld>
             <a:endParaRPr lang="en-US"/>
           </a:p>
@@ -1018,7 +2421,7 @@
             <a:fld id="{58FB4290-6522-4139-852E-05BD9E7F0D2E}" type="datetime1">
               <a:rPr lang="en-US" smtClean="0"/>
               <a:pPr/>
-              <a:t>8/2/18</a:t>
+              <a:t>10/13/18</a:t>
             </a:fld>
             <a:endParaRPr lang="en-US"/>
           </a:p>
@@ -1195,7 +2598,7 @@
             <a:fld id="{AAB955F9-81EA-47C5-8059-9E5C2B437C70}" type="datetime1">
               <a:rPr lang="en-US" smtClean="0"/>
               <a:pPr/>
-              <a:t>8/2/18</a:t>
+              <a:t>10/13/18</a:t>
             </a:fld>
             <a:endParaRPr lang="en-US"/>
           </a:p>
@@ -1362,7 +2765,7 @@
             <a:fld id="{1CEF607B-A47E-422C-9BEF-122CCDB7C526}" type="datetime1">
               <a:rPr lang="en-US" smtClean="0"/>
               <a:pPr/>
-              <a:t>8/2/18</a:t>
+              <a:t>10/13/18</a:t>
             </a:fld>
             <a:endParaRPr lang="en-US"/>
           </a:p>
@@ -1605,7 +3008,7 @@
             <a:fld id="{63A9A7CB-BEE6-4F99-898E-913F06E8E125}" type="datetime1">
               <a:rPr lang="en-US" smtClean="0"/>
               <a:pPr/>
-              <a:t>8/2/18</a:t>
+              <a:t>10/13/18</a:t>
             </a:fld>
             <a:endParaRPr lang="en-US"/>
           </a:p>
@@ -1890,7 +3293,7 @@
             <a:fld id="{B6EE300C-6FC5-4FC3-AF1A-075E4F50620D}" type="datetime1">
               <a:rPr lang="en-US" smtClean="0"/>
               <a:pPr/>
-              <a:t>8/2/18</a:t>
+              <a:t>10/13/18</a:t>
             </a:fld>
             <a:endParaRPr lang="en-US"/>
           </a:p>
@@ -2321,7 +3724,7 @@
             <a:fld id="{F50D295D-4A77-4DEB-B04C-9F4282A8BC04}" type="datetime1">
               <a:rPr lang="en-US" smtClean="0"/>
               <a:pPr/>
-              <a:t>8/2/18</a:t>
+              <a:t>10/13/18</a:t>
             </a:fld>
             <a:endParaRPr lang="en-US"/>
           </a:p>
@@ -2436,7 +3839,7 @@
             <a:fld id="{02B28685-4D0C-42D5-8013-B5904CD1FCBC}" type="datetime1">
               <a:rPr lang="en-US" smtClean="0"/>
               <a:pPr/>
-              <a:t>8/2/18</a:t>
+              <a:t>10/13/18</a:t>
             </a:fld>
             <a:endParaRPr lang="en-US"/>
           </a:p>
@@ -2528,7 +3931,7 @@
             <a:fld id="{FDF226C0-9885-4BA9-BBFA-A52CBFEBB775}" type="datetime1">
               <a:rPr lang="en-US" smtClean="0"/>
               <a:pPr/>
-              <a:t>8/2/18</a:t>
+              <a:t>10/13/18</a:t>
             </a:fld>
             <a:endParaRPr lang="en-US"/>
           </a:p>
@@ -2719,7 +4122,7 @@
             <a:fld id="{EBEE1B38-C5EB-4D66-9137-0AFE9CDEDE8F}" type="datetime1">
               <a:rPr lang="en-US" smtClean="0"/>
               <a:pPr/>
-              <a:t>8/2/18</a:t>
+              <a:t>10/13/18</a:t>
             </a:fld>
             <a:endParaRPr lang="en-US"/>
           </a:p>
@@ -3039,7 +4442,7 @@
             <a:fld id="{327B613C-1AD7-49D3-885D-F654C5CDBAA6}" type="datetime1">
               <a:rPr lang="en-US" smtClean="0"/>
               <a:pPr/>
-              <a:t>8/2/18</a:t>
+              <a:t>10/13/18</a:t>
             </a:fld>
             <a:endParaRPr lang="en-US" dirty="0"/>
           </a:p>
@@ -3421,7 +4824,7 @@
             <a:fld id="{327B613C-1AD7-49D3-885D-F654C5CDBAA6}" type="datetime1">
               <a:rPr lang="en-US" smtClean="0"/>
               <a:pPr/>
-              <a:t>8/2/18</a:t>
+              <a:t>10/13/18</a:t>
             </a:fld>
             <a:endParaRPr lang="en-US" dirty="0"/>
           </a:p>
@@ -3883,7 +5286,7 @@
           <p:cNvPr id="2" name="Title 1">
             <a:extLst>
               <a:ext uri="{FF2B5EF4-FFF2-40B4-BE49-F238E27FC236}">
-                <a16:creationId xmlns:a16="http://schemas.microsoft.com/office/drawing/2014/main" id="{6CCAD466-EE8C-0B4E-B0DF-08BF74C467A5}"/>
+                <a16:creationId xmlns:a16="http://schemas.microsoft.com/office/drawing/2014/main" xmlns="" id="{6CCAD466-EE8C-0B4E-B0DF-08BF74C467A5}"/>
               </a:ext>
             </a:extLst>
           </p:cNvPr>
@@ -3911,7 +5314,7 @@
           <p:cNvPr id="3" name="Content Placeholder 2">
             <a:extLst>
               <a:ext uri="{FF2B5EF4-FFF2-40B4-BE49-F238E27FC236}">
-                <a16:creationId xmlns:a16="http://schemas.microsoft.com/office/drawing/2014/main" id="{E1802F1D-6C4A-BA4F-AFEA-EF28322B2A17}"/>
+                <a16:creationId xmlns:a16="http://schemas.microsoft.com/office/drawing/2014/main" xmlns="" id="{E1802F1D-6C4A-BA4F-AFEA-EF28322B2A17}"/>
               </a:ext>
             </a:extLst>
           </p:cNvPr>
@@ -3924,62 +5327,98 @@
         </p:nvSpPr>
         <p:spPr/>
         <p:txBody>
-          <a:bodyPr/>
-          <a:lstStyle/>
-          <a:p>
-            <a:r>
-              <a:rPr lang="en-US" dirty="0"/>
-              <a:t>Oral data </a:t>
-            </a:r>
-          </a:p>
-          <a:p>
-            <a:r>
-              <a:rPr lang="en-US" dirty="0"/>
-              <a:t>10 speakers of Sonoran Mexican Spanish (limited English proficiency) </a:t>
-            </a:r>
-          </a:p>
-          <a:p>
-            <a:r>
-              <a:rPr lang="en-US" dirty="0"/>
-              <a:t>Two tasks: (</a:t>
+          <a:bodyPr>
+            <a:normAutofit fontScale="92500"/>
+          </a:bodyPr>
+          <a:lstStyle/>
+          <a:p>
+            <a:r>
+              <a:rPr lang="en-US" dirty="0"/>
+              <a:t>Two sets of stimuli designed according to two hypotheses.  </a:t>
+            </a:r>
+          </a:p>
+          <a:p>
+            <a:pPr marL="114300" indent="0">
+              <a:buNone/>
+            </a:pPr>
+            <a:r>
+              <a:rPr lang="en-US" dirty="0"/>
+              <a:t>Set 1, Hypothesis 1: </a:t>
+            </a:r>
+          </a:p>
+          <a:p>
+            <a:r>
+              <a:rPr lang="en-US" dirty="0"/>
+              <a:t>Spanish only allows a maximum of three rhyme segments (Harris 1983). If a sequence of CGVGC (Consonant + Glide + Vowel + Glide + Consonant) is allowed, the glide should be in the onset, because otherwise the rhyme would contain four segments and would be illicit. </a:t>
+            </a:r>
+          </a:p>
+          <a:p>
+            <a:r>
+              <a:rPr lang="en-US" dirty="0"/>
+              <a:t>14 four-syllable nonce words that contained a postconsonantal high vocoid followed by a diphthong (four segment rhyme or complex onset + three segment rhyme). </a:t>
+            </a:r>
+            <a:r>
+              <a:rPr lang="en-US" i="1" dirty="0" err="1"/>
+              <a:t>lacap</a:t>
+            </a:r>
+            <a:r>
+              <a:rPr lang="en-US" dirty="0"/>
+              <a:t>[</a:t>
             </a:r>
             <a:r>
               <a:rPr lang="en-US" dirty="0" err="1"/>
-              <a:t>i</a:t>
-            </a:r>
-            <a:r>
-              <a:rPr lang="en-US" dirty="0"/>
-              <a:t>) oral recorded phrase reading (e.g. “</a:t>
+              <a:t>jaj</a:t>
+            </a:r>
+            <a:r>
+              <a:rPr lang="en-US" dirty="0"/>
+              <a:t>]</a:t>
+            </a:r>
+            <a:r>
+              <a:rPr lang="en-US" i="1" dirty="0" err="1"/>
+              <a:t>sto</a:t>
+            </a:r>
+            <a:r>
+              <a:rPr lang="en-US" i="1" dirty="0"/>
+              <a:t>,</a:t>
+            </a:r>
+            <a:r>
+              <a:rPr lang="en-US" dirty="0"/>
+              <a:t> </a:t>
+            </a:r>
+            <a:r>
+              <a:rPr lang="en-US" i="1" dirty="0" err="1"/>
+              <a:t>lacap</a:t>
+            </a:r>
+            <a:r>
+              <a:rPr lang="en-US" dirty="0"/>
+              <a:t>[</a:t>
             </a:r>
             <a:r>
               <a:rPr lang="en-US" dirty="0" err="1"/>
-              <a:t>Digo</a:t>
-            </a:r>
-            <a:r>
-              <a:rPr lang="en-US" dirty="0"/>
-              <a:t> ___ </a:t>
+              <a:t>waj</a:t>
+            </a:r>
+            <a:r>
+              <a:rPr lang="en-US" dirty="0"/>
+              <a:t>]</a:t>
+            </a:r>
+            <a:r>
+              <a:rPr lang="en-US" i="1" dirty="0" err="1"/>
+              <a:t>sto</a:t>
+            </a:r>
+            <a:endParaRPr lang="en-US" dirty="0"/>
+          </a:p>
+          <a:p>
+            <a:r>
+              <a:rPr lang="en-US" dirty="0"/>
+              <a:t>Four syllable words were created to avoid a glide + vowel sequence too close to the beginning or end of the word, positions known to favor hiatuses in some dialects (</a:t>
             </a:r>
             <a:r>
               <a:rPr lang="en-US" dirty="0" err="1"/>
-              <a:t>porque</a:t>
-            </a:r>
-            <a:r>
-              <a:rPr lang="en-US" dirty="0"/>
-              <a:t> </a:t>
-            </a:r>
-            <a:r>
-              <a:rPr lang="en-US" dirty="0" err="1"/>
-              <a:t>sí</a:t>
-            </a:r>
-            <a:r>
-              <a:rPr lang="en-US" dirty="0"/>
-              <a:t>”) (ii) an oral syllable division task. </a:t>
-            </a:r>
-          </a:p>
-          <a:p>
-            <a:r>
-              <a:rPr lang="en-US" dirty="0"/>
-              <a:t>Stimuli:  two sets, each had 23 nonce words (alongside 23 fillers) with a C+G+V sequence </a:t>
+              <a:t>Hualde</a:t>
+            </a:r>
+            <a:r>
+              <a:rPr lang="en-US" dirty="0"/>
+              <a:t> 1999, 2005). </a:t>
             </a:r>
           </a:p>
           <a:p>
@@ -3990,7 +5429,7 @@
     </p:spTree>
     <p:extLst>
       <p:ext uri="{BB962C8B-B14F-4D97-AF65-F5344CB8AC3E}">
-        <p14:creationId xmlns:p14="http://schemas.microsoft.com/office/powerpoint/2010/main" val="276237932"/>
+        <p14:creationId xmlns:p14="http://schemas.microsoft.com/office/powerpoint/2010/main" val="4145189838"/>
       </p:ext>
     </p:extLst>
   </p:cSld>
@@ -4019,13 +5458,7 @@
       </p:grpSpPr>
       <p:sp>
         <p:nvSpPr>
-          <p:cNvPr id="2" name="Title 1">
-            <a:extLst>
-              <a:ext uri="{FF2B5EF4-FFF2-40B4-BE49-F238E27FC236}">
-                <a16:creationId xmlns:a16="http://schemas.microsoft.com/office/drawing/2014/main" id="{6CCAD466-EE8C-0B4E-B0DF-08BF74C467A5}"/>
-              </a:ext>
-            </a:extLst>
-          </p:cNvPr>
+          <p:cNvPr id="2" name="Title 1"/>
           <p:cNvSpPr>
             <a:spLocks noGrp="1"/>
           </p:cNvSpPr>
@@ -4039,21 +5472,16 @@
           <a:lstStyle/>
           <a:p>
             <a:r>
-              <a:rPr lang="en-US" dirty="0"/>
-              <a:t>Experimental design</a:t>
-            </a:r>
-          </a:p>
-        </p:txBody>
-      </p:sp>
-      <p:sp>
-        <p:nvSpPr>
-          <p:cNvPr id="3" name="Content Placeholder 2">
-            <a:extLst>
-              <a:ext uri="{FF2B5EF4-FFF2-40B4-BE49-F238E27FC236}">
-                <a16:creationId xmlns:a16="http://schemas.microsoft.com/office/drawing/2014/main" id="{E1802F1D-6C4A-BA4F-AFEA-EF28322B2A17}"/>
-              </a:ext>
-            </a:extLst>
-          </p:cNvPr>
+              <a:rPr lang="en-US" sz="4000" dirty="0"/>
+              <a:t>Experimental Design</a:t>
+            </a:r>
+            <a:endParaRPr lang="es-ES_tradnl" sz="4000" dirty="0"/>
+          </a:p>
+        </p:txBody>
+      </p:sp>
+      <p:sp>
+        <p:nvSpPr>
+          <p:cNvPr id="3" name="Content Placeholder 2"/>
           <p:cNvSpPr>
             <a:spLocks noGrp="1"/>
           </p:cNvSpPr>
@@ -4064,38 +5492,61 @@
         <p:spPr/>
         <p:txBody>
           <a:bodyPr>
-            <a:normAutofit fontScale="92500"/>
+            <a:normAutofit/>
           </a:bodyPr>
           <a:lstStyle/>
-          <a:p>
-            <a:r>
-              <a:rPr lang="en-US" dirty="0"/>
-              <a:t>Two sets of stimuli designed according to two hypotheses.  </a:t>
-            </a:r>
-          </a:p>
           <a:p>
             <a:pPr marL="114300" indent="0">
               <a:buNone/>
             </a:pPr>
             <a:r>
               <a:rPr lang="en-US" dirty="0"/>
-              <a:t>Set 1, Hypothesis 1: </a:t>
-            </a:r>
-          </a:p>
-          <a:p>
-            <a:r>
-              <a:rPr lang="en-US" dirty="0"/>
-              <a:t>Spanish only allows a maximum of three rhyme segments (Harris 1983). If a sequence of CGVGC (Consonant + Glide + Vowel + Glide + Consonant) is allowed, the glide should be in the onset, because otherwise the rhyme would contain four segments and would be illicit. </a:t>
-            </a:r>
-          </a:p>
-          <a:p>
-            <a:r>
-              <a:rPr lang="en-US" dirty="0"/>
-              <a:t>14 four-syllable nonce words that contained a postconsonantal high vocoid followed by a diphthong (four segment rhyme or complex onset + three segment rhyme). </a:t>
+              <a:t>Set 2, Hypothesis 2:</a:t>
+            </a:r>
+          </a:p>
+          <a:p>
+            <a:endParaRPr lang="en-US" dirty="0"/>
+          </a:p>
+          <a:p>
+            <a:r>
+              <a:rPr lang="en-US" dirty="0"/>
+              <a:t>If the glide is in the onset, there should be onset co-occurrence restrictions, i.e., only some combinations of consonant + glide should be possible as complex clusters.  For instance, a palatal consonant + homorganic glide [j] (e.g., *</a:t>
             </a:r>
             <a:r>
               <a:rPr lang="en-US" i="1" dirty="0" err="1"/>
-              <a:t>lacap</a:t>
+              <a:t>ch</a:t>
+            </a:r>
+            <a:r>
+              <a:rPr lang="en-US" dirty="0"/>
+              <a:t>[j]</a:t>
+            </a:r>
+            <a:r>
+              <a:rPr lang="en-US" i="1" dirty="0"/>
+              <a:t>aba, </a:t>
+            </a:r>
+            <a:r>
+              <a:rPr lang="en-US" dirty="0"/>
+              <a:t>*[</a:t>
+            </a:r>
+            <a:r>
+              <a:rPr lang="en-US" dirty="0" err="1"/>
+              <a:t>jj</a:t>
+            </a:r>
+            <a:r>
+              <a:rPr lang="en-US" dirty="0"/>
+              <a:t>]</a:t>
+            </a:r>
+            <a:r>
+              <a:rPr lang="en-US" i="1" dirty="0"/>
+              <a:t>ape,</a:t>
+            </a:r>
+            <a:r>
+              <a:rPr lang="en-US" dirty="0"/>
+              <a:t> *</a:t>
+            </a:r>
+            <a:r>
+              <a:rPr lang="en-US" i="1" dirty="0"/>
+              <a:t>ma</a:t>
             </a:r>
             <a:r>
               <a:rPr lang="en-US" dirty="0"/>
@@ -4103,61 +5554,23 @@
             </a:r>
             <a:r>
               <a:rPr lang="en-US" dirty="0" err="1"/>
-              <a:t>jaj</a:t>
+              <a:t>ɲj</a:t>
             </a:r>
             <a:r>
               <a:rPr lang="en-US" dirty="0"/>
               <a:t>]</a:t>
             </a:r>
             <a:r>
-              <a:rPr lang="en-US" i="1" dirty="0" err="1"/>
-              <a:t>sto</a:t>
-            </a:r>
-            <a:r>
               <a:rPr lang="en-US" i="1" dirty="0"/>
-              <a:t>,</a:t>
-            </a:r>
-            <a:r>
-              <a:rPr lang="en-US" dirty="0"/>
-              <a:t> </a:t>
-            </a:r>
-            <a:r>
-              <a:rPr lang="en-US" i="1" dirty="0" err="1"/>
-              <a:t>lacap</a:t>
-            </a:r>
-            <a:r>
-              <a:rPr lang="en-US" dirty="0"/>
-              <a:t>[</a:t>
-            </a:r>
-            <a:r>
-              <a:rPr lang="en-US" dirty="0" err="1"/>
-              <a:t>waj</a:t>
-            </a:r>
-            <a:r>
-              <a:rPr lang="en-US" dirty="0"/>
-              <a:t>]</a:t>
-            </a:r>
-            <a:r>
-              <a:rPr lang="en-US" i="1" dirty="0" err="1"/>
-              <a:t>sto</a:t>
-            </a:r>
-            <a:endParaRPr lang="en-US" dirty="0"/>
-          </a:p>
-          <a:p>
-            <a:r>
-              <a:rPr lang="en-US" dirty="0"/>
-              <a:t>Four syllable words were created to avoid a glide + vowel sequence too close to the beginning or end of the word, positions known to favor hiatuses in some dialects (</a:t>
-            </a:r>
-            <a:r>
-              <a:rPr lang="en-US" dirty="0" err="1"/>
-              <a:t>Hualde</a:t>
-            </a:r>
-            <a:r>
-              <a:rPr lang="en-US" dirty="0"/>
-              <a:t> 1999, 2005). </a:t>
-            </a:r>
-          </a:p>
-          <a:p>
+              <a:t>ala)</a:t>
+            </a:r>
+            <a:r>
+              <a:rPr lang="en-US" dirty="0"/>
+              <a:t> should be disallowed because their articulations are too similar. </a:t>
+            </a:r>
+          </a:p>
+          <a:p>
+            <a:pPr lvl="1"/>
             <a:endParaRPr lang="en-US" dirty="0"/>
           </a:p>
         </p:txBody>
@@ -4165,7 +5578,7 @@
     </p:spTree>
     <p:extLst>
       <p:ext uri="{BB962C8B-B14F-4D97-AF65-F5344CB8AC3E}">
-        <p14:creationId xmlns:p14="http://schemas.microsoft.com/office/powerpoint/2010/main" val="4145189838"/>
+        <p14:creationId xmlns:p14="http://schemas.microsoft.com/office/powerpoint/2010/main" val="1752017861"/>
       </p:ext>
     </p:extLst>
   </p:cSld>
@@ -4207,11 +5620,20 @@
           <a:bodyPr/>
           <a:lstStyle/>
           <a:p>
-            <a:r>
-              <a:rPr lang="en-US" sz="4000" dirty="0"/>
-              <a:t>Experimental Design</a:t>
-            </a:r>
-            <a:endParaRPr lang="es-ES_tradnl" sz="4000" dirty="0"/>
+            <a:pPr lvl="1" algn="l" rtl="0">
+              <a:spcBef>
+                <a:spcPct val="0"/>
+              </a:spcBef>
+            </a:pPr>
+            <a:r>
+              <a:rPr lang="en-US" sz="4000" dirty="0" smtClean="0"/>
+              <a:t>Results</a:t>
+            </a:r>
+            <a:r>
+              <a:rPr lang="en-US" sz="4000" dirty="0" smtClean="0"/>
+              <a:t> – syllable division task</a:t>
+            </a:r>
+            <a:endParaRPr lang="en-US" sz="4000" dirty="0"/>
           </a:p>
         </p:txBody>
       </p:sp>
@@ -4228,85 +5650,236 @@
         <p:spPr/>
         <p:txBody>
           <a:bodyPr>
-            <a:normAutofit/>
+            <a:normAutofit fontScale="92500" lnSpcReduction="20000"/>
           </a:bodyPr>
           <a:lstStyle/>
           <a:p>
-            <a:pPr marL="114300" indent="0">
-              <a:buNone/>
-            </a:pPr>
-            <a:r>
-              <a:rPr lang="en-US" dirty="0"/>
-              <a:t>Set 2, Hypothesis 2:</a:t>
-            </a:r>
-          </a:p>
-          <a:p>
+            <a:pPr lvl="1"/>
+            <a:r>
+              <a:rPr lang="en-US" dirty="0" smtClean="0"/>
+              <a:t>Questions: </a:t>
+            </a:r>
+          </a:p>
+          <a:p>
+            <a:pPr lvl="2"/>
+            <a:r>
+              <a:rPr lang="en-US" dirty="0" smtClean="0"/>
+              <a:t>How do participants respond? </a:t>
+            </a:r>
+            <a:r>
+              <a:rPr lang="en-US" dirty="0" smtClean="0"/>
+              <a:t>Is GVG possible?</a:t>
+            </a:r>
+          </a:p>
+          <a:p>
+            <a:pPr lvl="2"/>
+            <a:r>
+              <a:rPr lang="en-US" dirty="0" smtClean="0"/>
+              <a:t>Does production depend on the glide type or the phonetic environment?</a:t>
+            </a:r>
+          </a:p>
+          <a:p>
+            <a:pPr lvl="2"/>
+            <a:endParaRPr lang="en-US" dirty="0" smtClean="0"/>
+          </a:p>
+          <a:p>
+            <a:pPr lvl="1"/>
+            <a:r>
+              <a:rPr lang="en-US" dirty="0" smtClean="0"/>
+              <a:t>Coding</a:t>
+            </a:r>
+          </a:p>
+          <a:p>
+            <a:pPr lvl="2"/>
+            <a:r>
+              <a:rPr lang="en-US" b="1" dirty="0" smtClean="0"/>
+              <a:t>Triphthong</a:t>
+            </a:r>
+            <a:r>
+              <a:rPr lang="en-US" dirty="0" smtClean="0"/>
+              <a:t>: critical sequence produced in a single syllable</a:t>
+            </a:r>
+          </a:p>
+          <a:p>
+            <a:pPr lvl="3"/>
+            <a:r>
+              <a:rPr lang="en-US" dirty="0" smtClean="0"/>
+              <a:t>i.e. “</a:t>
+            </a:r>
+            <a:r>
+              <a:rPr lang="en-US" dirty="0" err="1" smtClean="0"/>
+              <a:t>lakapiaisto</a:t>
+            </a:r>
+            <a:r>
+              <a:rPr lang="en-US" dirty="0" smtClean="0"/>
+              <a:t>” ⇾ [</a:t>
+            </a:r>
+            <a:r>
+              <a:rPr lang="en-US" dirty="0" smtClean="0">
+                <a:latin typeface="Times New Roman" charset="0"/>
+                <a:ea typeface="Times New Roman" charset="0"/>
+                <a:cs typeface="Times New Roman" charset="0"/>
+              </a:rPr>
+              <a:t>la.ka.ˈ</a:t>
+            </a:r>
+            <a:r>
+              <a:rPr lang="en-US" dirty="0" err="1" smtClean="0">
+                <a:latin typeface="Times New Roman" charset="0"/>
+                <a:ea typeface="Times New Roman" charset="0"/>
+                <a:cs typeface="Times New Roman" charset="0"/>
+              </a:rPr>
+              <a:t>pi̯ai</a:t>
+            </a:r>
+            <a:r>
+              <a:rPr lang="en-US" dirty="0" err="1">
+                <a:latin typeface="Times New Roman" charset="0"/>
+                <a:ea typeface="Times New Roman" charset="0"/>
+                <a:cs typeface="Times New Roman" charset="0"/>
+              </a:rPr>
+              <a:t>̯</a:t>
+            </a:r>
+            <a:r>
+              <a:rPr lang="en-US" dirty="0" err="1" smtClean="0">
+                <a:latin typeface="Times New Roman" charset="0"/>
+                <a:ea typeface="Times New Roman" charset="0"/>
+                <a:cs typeface="Times New Roman" charset="0"/>
+              </a:rPr>
+              <a:t>s.to</a:t>
+            </a:r>
+            <a:r>
+              <a:rPr lang="en-US" dirty="0" smtClean="0">
+                <a:latin typeface="Times New Roman" charset="0"/>
+                <a:ea typeface="Times New Roman" charset="0"/>
+                <a:cs typeface="Times New Roman" charset="0"/>
+              </a:rPr>
+              <a:t>]</a:t>
+            </a:r>
+            <a:endParaRPr lang="en-US" dirty="0" smtClean="0"/>
+          </a:p>
+          <a:p>
+            <a:pPr lvl="2"/>
+            <a:r>
+              <a:rPr lang="en-US" b="1" dirty="0" smtClean="0"/>
+              <a:t>Hiatus: </a:t>
+            </a:r>
+            <a:r>
+              <a:rPr lang="en-US" dirty="0"/>
+              <a:t>v</a:t>
+            </a:r>
+            <a:r>
+              <a:rPr lang="en-US" dirty="0" smtClean="0"/>
+              <a:t>owel + diphthong (CV + VGC), </a:t>
+            </a:r>
+          </a:p>
+          <a:p>
+            <a:pPr lvl="3"/>
+            <a:r>
+              <a:rPr lang="en-US" dirty="0" smtClean="0"/>
+              <a:t>i.e., “</a:t>
+            </a:r>
+            <a:r>
+              <a:rPr lang="en-US" dirty="0" err="1" smtClean="0"/>
+              <a:t>lakapiaisto</a:t>
+            </a:r>
+            <a:r>
+              <a:rPr lang="en-US" dirty="0" smtClean="0"/>
+              <a:t>” ⇾</a:t>
+            </a:r>
+            <a:r>
+              <a:rPr lang="en-US" dirty="0" smtClean="0"/>
+              <a:t> </a:t>
+            </a:r>
+            <a:r>
+              <a:rPr lang="en-US" dirty="0" smtClean="0">
+                <a:latin typeface="Times New Roman" charset="0"/>
+                <a:ea typeface="Times New Roman" charset="0"/>
+                <a:cs typeface="Times New Roman" charset="0"/>
+              </a:rPr>
+              <a:t>[la.ka.pi.ˈai̯s.to]</a:t>
+            </a:r>
+          </a:p>
+          <a:p>
+            <a:pPr lvl="2"/>
+            <a:r>
+              <a:rPr lang="en-US" b="1" dirty="0" smtClean="0"/>
+              <a:t>Simplification</a:t>
+            </a:r>
+            <a:r>
+              <a:rPr lang="en-US" dirty="0" smtClean="0"/>
+              <a:t>: a segment was elided (typically the pre-vocalic glide)</a:t>
+            </a:r>
+          </a:p>
+          <a:p>
+            <a:pPr lvl="3"/>
+            <a:r>
+              <a:rPr lang="en-US" dirty="0" smtClean="0"/>
+              <a:t>i.e., “</a:t>
+            </a:r>
+            <a:r>
+              <a:rPr lang="en-US" dirty="0" err="1" smtClean="0"/>
+              <a:t>lakapiaisto</a:t>
+            </a:r>
+            <a:r>
+              <a:rPr lang="en-US" dirty="0" smtClean="0"/>
+              <a:t>” ⇾ [la.ka.</a:t>
+            </a:r>
+            <a:r>
+              <a:rPr lang="en-US" dirty="0" smtClean="0">
+                <a:latin typeface="Times New Roman" charset="0"/>
+                <a:ea typeface="Times New Roman" charset="0"/>
+                <a:cs typeface="Times New Roman" charset="0"/>
+              </a:rPr>
+              <a:t>ˈpai</a:t>
+            </a:r>
+            <a:r>
+              <a:rPr lang="en-US" dirty="0">
+                <a:latin typeface="Times New Roman" charset="0"/>
+                <a:ea typeface="Times New Roman" charset="0"/>
+                <a:cs typeface="Times New Roman" charset="0"/>
+              </a:rPr>
+              <a:t>̯s</a:t>
+            </a:r>
+            <a:r>
+              <a:rPr lang="en-US" dirty="0" smtClean="0"/>
+              <a:t>.to]</a:t>
+            </a:r>
+          </a:p>
+          <a:p>
+            <a:pPr lvl="1"/>
             <a:endParaRPr lang="en-US" dirty="0"/>
           </a:p>
           <a:p>
-            <a:r>
-              <a:rPr lang="en-US" dirty="0"/>
-              <a:t>If the glide is in the onset, there should be onset co-occurrence restrictions, i.e., only some combinations of consonant + glide should be possible as complex clusters.  For instance, a palatal consonant + homorganic glide [j] (e.g., *</a:t>
-            </a:r>
-            <a:r>
-              <a:rPr lang="en-US" i="1" dirty="0" err="1"/>
-              <a:t>ch</a:t>
-            </a:r>
-            <a:r>
-              <a:rPr lang="en-US" dirty="0"/>
-              <a:t>[j]</a:t>
-            </a:r>
-            <a:r>
-              <a:rPr lang="en-US" i="1" dirty="0"/>
-              <a:t>aba, </a:t>
-            </a:r>
-            <a:r>
-              <a:rPr lang="en-US" dirty="0"/>
-              <a:t>*[</a:t>
-            </a:r>
-            <a:r>
-              <a:rPr lang="en-US" dirty="0" err="1"/>
-              <a:t>jj</a:t>
-            </a:r>
-            <a:r>
-              <a:rPr lang="en-US" dirty="0"/>
-              <a:t>]</a:t>
-            </a:r>
-            <a:r>
-              <a:rPr lang="en-US" i="1" dirty="0"/>
-              <a:t>ape,</a:t>
-            </a:r>
-            <a:r>
-              <a:rPr lang="en-US" dirty="0"/>
-              <a:t> *</a:t>
-            </a:r>
-            <a:r>
-              <a:rPr lang="en-US" i="1" dirty="0"/>
-              <a:t>ma</a:t>
-            </a:r>
-            <a:r>
-              <a:rPr lang="en-US" dirty="0"/>
-              <a:t>[</a:t>
-            </a:r>
-            <a:r>
-              <a:rPr lang="en-US" dirty="0" err="1"/>
-              <a:t>ɲj</a:t>
-            </a:r>
-            <a:r>
-              <a:rPr lang="en-US" dirty="0"/>
-              <a:t>]</a:t>
-            </a:r>
-            <a:r>
-              <a:rPr lang="en-US" i="1" dirty="0"/>
-              <a:t>ala)</a:t>
-            </a:r>
-            <a:r>
-              <a:rPr lang="en-US" dirty="0"/>
-              <a:t> should be disallowed because their articulations are too similar. </a:t>
-            </a:r>
-          </a:p>
-          <a:p>
             <a:pPr lvl="1"/>
+            <a:r>
+              <a:rPr lang="en-US" dirty="0" smtClean="0"/>
+              <a:t>Analysis</a:t>
+            </a:r>
+          </a:p>
+          <a:p>
+            <a:pPr lvl="2"/>
+            <a:r>
+              <a:rPr lang="en-US" dirty="0" smtClean="0"/>
+              <a:t>Multinomial mixed-effects regression</a:t>
+            </a:r>
+          </a:p>
+          <a:p>
+            <a:pPr lvl="2"/>
+            <a:r>
+              <a:rPr lang="en-US" dirty="0" smtClean="0"/>
+              <a:t>Model: response ~ glide_type + </a:t>
+            </a:r>
+            <a:r>
+              <a:rPr lang="en-US" dirty="0" err="1" smtClean="0"/>
+              <a:t>preceding_consonant</a:t>
+            </a:r>
+            <a:endParaRPr lang="en-US" dirty="0" smtClean="0"/>
+          </a:p>
+          <a:p>
+            <a:pPr lvl="2"/>
+            <a:r>
+              <a:rPr lang="en-US" dirty="0" smtClean="0"/>
+              <a:t>Random effects: by-subject/by-item intercepts with random slopes glide and preceding consonant</a:t>
+            </a:r>
             <a:endParaRPr lang="en-US" dirty="0"/>
           </a:p>
         </p:txBody>
@@ -4314,17 +5887,174 @@
     </p:spTree>
     <p:extLst>
       <p:ext uri="{BB962C8B-B14F-4D97-AF65-F5344CB8AC3E}">
-        <p14:creationId xmlns:p14="http://schemas.microsoft.com/office/powerpoint/2010/main" val="1752017861"/>
+        <p14:creationId xmlns:p14="http://schemas.microsoft.com/office/powerpoint/2010/main" val="4092445557"/>
       </p:ext>
     </p:extLst>
   </p:cSld>
   <p:clrMapOvr>
     <a:masterClrMapping/>
   </p:clrMapOvr>
+  <p:timing>
+    <p:tnLst>
+      <p:par>
+        <p:cTn id="1" dur="indefinite" restart="never" nodeType="tmRoot"/>
+      </p:par>
+    </p:tnLst>
+  </p:timing>
 </p:sld>
 </file>
 
 <file path=ppt/slides/slide13.xml><?xml version="1.0" encoding="utf-8"?>
+<p:sld xmlns:a="http://schemas.openxmlformats.org/drawingml/2006/main" xmlns:r="http://schemas.openxmlformats.org/officeDocument/2006/relationships" xmlns:p="http://schemas.openxmlformats.org/presentationml/2006/main" showMasterSp="0">
+  <p:cSld>
+    <p:bg>
+      <p:bgPr>
+        <a:solidFill>
+          <a:schemeClr val="bg1"/>
+        </a:solidFill>
+        <a:effectLst/>
+      </p:bgPr>
+    </p:bg>
+    <p:spTree>
+      <p:nvGrpSpPr>
+        <p:cNvPr id="1" name=""/>
+        <p:cNvGrpSpPr/>
+        <p:nvPr/>
+      </p:nvGrpSpPr>
+      <p:grpSpPr>
+        <a:xfrm>
+          <a:off x="0" y="0"/>
+          <a:ext cx="0" cy="0"/>
+          <a:chOff x="0" y="0"/>
+          <a:chExt cx="0" cy="0"/>
+        </a:xfrm>
+      </p:grpSpPr>
+      <p:pic>
+        <p:nvPicPr>
+          <p:cNvPr id="7" name="Picture 6"/>
+          <p:cNvPicPr>
+            <a:picLocks noChangeAspect="1"/>
+          </p:cNvPicPr>
+          <p:nvPr/>
+        </p:nvPicPr>
+        <p:blipFill>
+          <a:blip r:embed="rId3">
+            <a:extLst>
+              <a:ext uri="{28A0092B-C50C-407E-A947-70E740481C1C}">
+                <a14:useLocalDpi xmlns:a14="http://schemas.microsoft.com/office/drawing/2010/main" val="0"/>
+              </a:ext>
+            </a:extLst>
+          </a:blip>
+          <a:stretch>
+            <a:fillRect/>
+          </a:stretch>
+        </p:blipFill>
+        <p:spPr>
+          <a:xfrm>
+            <a:off x="0" y="482600"/>
+            <a:ext cx="9144000" cy="5878286"/>
+          </a:xfrm>
+          <a:prstGeom prst="rect">
+            <a:avLst/>
+          </a:prstGeom>
+        </p:spPr>
+      </p:pic>
+    </p:spTree>
+    <p:extLst>
+      <p:ext uri="{BB962C8B-B14F-4D97-AF65-F5344CB8AC3E}">
+        <p14:creationId xmlns:p14="http://schemas.microsoft.com/office/powerpoint/2010/main" val="1189169120"/>
+      </p:ext>
+    </p:extLst>
+  </p:cSld>
+  <p:clrMapOvr>
+    <a:masterClrMapping/>
+  </p:clrMapOvr>
+  <p:timing>
+    <p:tnLst>
+      <p:par>
+        <p:cTn id="1" dur="indefinite" restart="never" nodeType="tmRoot"/>
+      </p:par>
+    </p:tnLst>
+  </p:timing>
+</p:sld>
+</file>
+
+<file path=ppt/slides/slide14.xml><?xml version="1.0" encoding="utf-8"?>
+<p:sld xmlns:a="http://schemas.openxmlformats.org/drawingml/2006/main" xmlns:r="http://schemas.openxmlformats.org/officeDocument/2006/relationships" xmlns:p="http://schemas.openxmlformats.org/presentationml/2006/main" showMasterSp="0">
+  <p:cSld>
+    <p:bg>
+      <p:bgPr>
+        <a:solidFill>
+          <a:schemeClr val="bg1"/>
+        </a:solidFill>
+        <a:effectLst/>
+      </p:bgPr>
+    </p:bg>
+    <p:spTree>
+      <p:nvGrpSpPr>
+        <p:cNvPr id="1" name=""/>
+        <p:cNvGrpSpPr/>
+        <p:nvPr/>
+      </p:nvGrpSpPr>
+      <p:grpSpPr>
+        <a:xfrm>
+          <a:off x="0" y="0"/>
+          <a:ext cx="0" cy="0"/>
+          <a:chOff x="0" y="0"/>
+          <a:chExt cx="0" cy="0"/>
+        </a:xfrm>
+      </p:grpSpPr>
+      <p:pic>
+        <p:nvPicPr>
+          <p:cNvPr id="5" name="Picture 4"/>
+          <p:cNvPicPr>
+            <a:picLocks noChangeAspect="1"/>
+          </p:cNvPicPr>
+          <p:nvPr/>
+        </p:nvPicPr>
+        <p:blipFill>
+          <a:blip r:embed="rId3">
+            <a:extLst>
+              <a:ext uri="{28A0092B-C50C-407E-A947-70E740481C1C}">
+                <a14:useLocalDpi xmlns:a14="http://schemas.microsoft.com/office/drawing/2010/main" val="0"/>
+              </a:ext>
+            </a:extLst>
+          </a:blip>
+          <a:stretch>
+            <a:fillRect/>
+          </a:stretch>
+        </p:blipFill>
+        <p:spPr>
+          <a:xfrm>
+            <a:off x="0" y="482600"/>
+            <a:ext cx="9144000" cy="5878286"/>
+          </a:xfrm>
+          <a:prstGeom prst="rect">
+            <a:avLst/>
+          </a:prstGeom>
+        </p:spPr>
+      </p:pic>
+    </p:spTree>
+    <p:extLst>
+      <p:ext uri="{BB962C8B-B14F-4D97-AF65-F5344CB8AC3E}">
+        <p14:creationId xmlns:p14="http://schemas.microsoft.com/office/powerpoint/2010/main" val="662277862"/>
+      </p:ext>
+    </p:extLst>
+  </p:cSld>
+  <p:clrMapOvr>
+    <a:masterClrMapping/>
+  </p:clrMapOvr>
+  <p:timing>
+    <p:tnLst>
+      <p:par>
+        <p:cTn id="1" dur="indefinite" restart="never" nodeType="tmRoot"/>
+      </p:par>
+    </p:tnLst>
+  </p:timing>
+</p:sld>
+</file>
+
+<file path=ppt/slides/slide15.xml><?xml version="1.0" encoding="utf-8"?>
 <p:sld xmlns:a="http://schemas.openxmlformats.org/drawingml/2006/main" xmlns:r="http://schemas.openxmlformats.org/officeDocument/2006/relationships" xmlns:p="http://schemas.openxmlformats.org/presentationml/2006/main">
   <p:cSld>
     <p:spTree>
@@ -4357,10 +6087,10 @@
           <a:lstStyle/>
           <a:p>
             <a:r>
-              <a:rPr lang="es-ES_tradnl" sz="4000" dirty="0" err="1"/>
-              <a:t>Results</a:t>
-            </a:r>
-            <a:endParaRPr lang="es-ES_tradnl" sz="4000" dirty="0"/>
+              <a:rPr lang="en-US" dirty="0" smtClean="0"/>
+              <a:t>Takeaways</a:t>
+            </a:r>
+            <a:endParaRPr lang="en-US" dirty="0"/>
           </a:p>
         </p:txBody>
       </p:sp>
@@ -4376,12 +6106,56 @@
         </p:nvSpPr>
         <p:spPr/>
         <p:txBody>
-          <a:bodyPr>
-            <a:normAutofit/>
-          </a:bodyPr>
-          <a:lstStyle/>
-          <a:p>
-            <a:pPr lvl="1"/>
+          <a:bodyPr/>
+          <a:lstStyle/>
+          <a:p>
+            <a:r>
+              <a:rPr lang="en-US" dirty="0" smtClean="0"/>
+              <a:t>Triphthongs </a:t>
+            </a:r>
+            <a:r>
+              <a:rPr lang="en-US" dirty="0"/>
+              <a:t>were produced in approximately 45% of the targets. </a:t>
+            </a:r>
+            <a:endParaRPr lang="en-US" dirty="0" smtClean="0"/>
+          </a:p>
+          <a:p>
+            <a:endParaRPr lang="en-US" dirty="0" smtClean="0"/>
+          </a:p>
+          <a:p>
+            <a:r>
+              <a:rPr lang="en-US" dirty="0" smtClean="0"/>
+              <a:t>A </a:t>
+            </a:r>
+            <a:r>
+              <a:rPr lang="en-US" dirty="0"/>
+              <a:t>production containing a hiatus made up roughly 30% of the data, followed by a simplification of some sort (~25% of the time</a:t>
+            </a:r>
+            <a:r>
+              <a:rPr lang="en-US" dirty="0" smtClean="0"/>
+              <a:t>)</a:t>
+            </a:r>
+          </a:p>
+          <a:p>
+            <a:endParaRPr lang="en-US" dirty="0" smtClean="0"/>
+          </a:p>
+          <a:p>
+            <a:r>
+              <a:rPr lang="en-US" dirty="0" smtClean="0"/>
+              <a:t>Overall</a:t>
+            </a:r>
+            <a:r>
+              <a:rPr lang="en-US" dirty="0"/>
+              <a:t>, the task provides evidence supporting the hypothesis that pre-vocalic glides </a:t>
+            </a:r>
+            <a:r>
+              <a:rPr lang="en-US" b="1" dirty="0"/>
+              <a:t>can</a:t>
+            </a:r>
+            <a:r>
+              <a:rPr lang="en-US" dirty="0"/>
+              <a:t> be part of the onset in this variety of Spanish.</a:t>
+            </a:r>
             <a:endParaRPr lang="en-US" dirty="0"/>
           </a:p>
         </p:txBody>
@@ -4389,7 +6163,7 @@
     </p:spTree>
     <p:extLst>
       <p:ext uri="{BB962C8B-B14F-4D97-AF65-F5344CB8AC3E}">
-        <p14:creationId xmlns:p14="http://schemas.microsoft.com/office/powerpoint/2010/main" val="4092445557"/>
+        <p14:creationId xmlns:p14="http://schemas.microsoft.com/office/powerpoint/2010/main" val="2069031679"/>
       </p:ext>
     </p:extLst>
   </p:cSld>
@@ -4399,7 +6173,7 @@
 </p:sld>
 </file>
 
-<file path=ppt/slides/slide14.xml><?xml version="1.0" encoding="utf-8"?>
+<file path=ppt/slides/slide16.xml><?xml version="1.0" encoding="utf-8"?>
 <p:sld xmlns:a="http://schemas.openxmlformats.org/drawingml/2006/main" xmlns:r="http://schemas.openxmlformats.org/officeDocument/2006/relationships" xmlns:p="http://schemas.openxmlformats.org/presentationml/2006/main">
   <p:cSld>
     <p:spTree>
@@ -4432,9 +6206,18 @@
           <a:lstStyle/>
           <a:p>
             <a:r>
-              <a:rPr lang="en-US" dirty="0"/>
-              <a:t>References</a:t>
-            </a:r>
+              <a:rPr lang="en-US" dirty="0" smtClean="0"/>
+              <a:t>Results </a:t>
+            </a:r>
+            <a:r>
+              <a:rPr lang="mr-IN" dirty="0" smtClean="0"/>
+              <a:t>–</a:t>
+            </a:r>
+            <a:r>
+              <a:rPr lang="en-US" dirty="0" smtClean="0"/>
+              <a:t> phrase reading</a:t>
+            </a:r>
+            <a:endParaRPr lang="en-US" dirty="0"/>
           </a:p>
         </p:txBody>
       </p:sp>
@@ -4448,251 +6231,399 @@
             <p:ph idx="1"/>
           </p:nvPr>
         </p:nvSpPr>
-        <p:spPr>
-          <a:xfrm>
-            <a:off x="457200" y="1600200"/>
-            <a:ext cx="7620000" cy="5102578"/>
-          </a:xfrm>
-        </p:spPr>
-        <p:txBody>
-          <a:bodyPr>
-            <a:normAutofit fontScale="92500" lnSpcReduction="20000"/>
-          </a:bodyPr>
-          <a:lstStyle/>
-          <a:p>
-            <a:r>
-              <a:rPr lang="es-ES" cap="small" dirty="0"/>
-              <a:t>Alvar</a:t>
-            </a:r>
-            <a:r>
-              <a:rPr lang="es-ES" dirty="0"/>
-              <a:t>, M. (1996). </a:t>
-            </a:r>
-            <a:r>
-              <a:rPr lang="es-ES" i="1" dirty="0"/>
-              <a:t>Manual de dialectología hispánica</a:t>
-            </a:r>
-            <a:r>
-              <a:rPr lang="es-ES" dirty="0"/>
-              <a:t>.  </a:t>
-            </a:r>
-            <a:r>
-              <a:rPr lang="en-US" dirty="0"/>
-              <a:t>Barcelona: Ariel. </a:t>
-            </a:r>
-          </a:p>
-          <a:p>
-            <a:r>
-              <a:rPr lang="en-US" cap="small" dirty="0"/>
-              <a:t>Canfield</a:t>
-            </a:r>
-            <a:r>
-              <a:rPr lang="en-US" dirty="0"/>
-              <a:t>, L. (1981).  </a:t>
-            </a:r>
-            <a:r>
-              <a:rPr lang="en-US" i="1" dirty="0"/>
-              <a:t>Spanish Pronunciation in the Americas</a:t>
-            </a:r>
-            <a:r>
-              <a:rPr lang="en-US" dirty="0"/>
-              <a:t>.  Chicago: U. of Chicago P. </a:t>
-            </a:r>
-          </a:p>
-          <a:p>
-            <a:r>
-              <a:rPr lang="en-US" cap="small" dirty="0" err="1"/>
-              <a:t>Colina</a:t>
-            </a:r>
-            <a:r>
-              <a:rPr lang="en-US" dirty="0"/>
-              <a:t>, S. (2009). </a:t>
-            </a:r>
-            <a:r>
-              <a:rPr lang="en-US" i="1" dirty="0"/>
-              <a:t>Spanish Phonology: A syllabic perspective</a:t>
-            </a:r>
-            <a:r>
-              <a:rPr lang="en-US" dirty="0"/>
-              <a:t>. Washington, DC: GUP. </a:t>
-            </a:r>
-          </a:p>
-          <a:p>
-            <a:r>
-              <a:rPr lang="en-US" cap="small" dirty="0"/>
-              <a:t>Harris</a:t>
-            </a:r>
-            <a:r>
-              <a:rPr lang="en-US" dirty="0"/>
-              <a:t>, J. W. (1983). </a:t>
-            </a:r>
-            <a:r>
-              <a:rPr lang="en-US" i="1" dirty="0"/>
-              <a:t>Syllable structure and stress in Spanish</a:t>
-            </a:r>
-            <a:r>
-              <a:rPr lang="en-US" dirty="0"/>
-              <a:t>. Cambridge, MA; MIT Press.</a:t>
-            </a:r>
-          </a:p>
-          <a:p>
-            <a:r>
-              <a:rPr lang="en-US" cap="small" dirty="0"/>
-              <a:t>Harris, J. W.  </a:t>
-            </a:r>
-            <a:r>
-              <a:rPr lang="en-US" dirty="0"/>
-              <a:t>and</a:t>
-            </a:r>
-            <a:r>
-              <a:rPr lang="en-US" cap="small" dirty="0"/>
-              <a:t> E. M. </a:t>
-            </a:r>
-            <a:r>
-              <a:rPr lang="en-US" cap="small" dirty="0" err="1"/>
-              <a:t>Kaisse</a:t>
-            </a:r>
-            <a:r>
-              <a:rPr lang="en-US" dirty="0"/>
-              <a:t>. (1999). Palatal vowels, glides, and </a:t>
-            </a:r>
-            <a:r>
-              <a:rPr lang="en-US" dirty="0" err="1"/>
-              <a:t>obstruents</a:t>
-            </a:r>
-            <a:r>
-              <a:rPr lang="en-US" dirty="0"/>
-              <a:t> in Argentinian Spanish. </a:t>
-            </a:r>
-            <a:r>
-              <a:rPr lang="en-US" i="1" dirty="0"/>
-              <a:t>Phonology</a:t>
-            </a:r>
-            <a:r>
-              <a:rPr lang="en-US" dirty="0"/>
-              <a:t> 16.117-190.</a:t>
-            </a:r>
-          </a:p>
-          <a:p>
-            <a:r>
-              <a:rPr lang="en-US" cap="small" dirty="0" err="1"/>
-              <a:t>Hualde</a:t>
-            </a:r>
-            <a:r>
-              <a:rPr lang="en-US" dirty="0"/>
-              <a:t>, J. I. (2005). </a:t>
-            </a:r>
-            <a:r>
-              <a:rPr lang="en-US" i="1" dirty="0"/>
-              <a:t>The Sounds of Spanish</a:t>
-            </a:r>
-            <a:r>
-              <a:rPr lang="en-US" dirty="0"/>
-              <a:t>. </a:t>
-            </a:r>
-            <a:r>
-              <a:rPr lang="es-ES" dirty="0"/>
-              <a:t>Cambridge, UK: CUP. </a:t>
-            </a:r>
+        <p:spPr/>
+        <p:txBody>
+          <a:bodyPr/>
+          <a:lstStyle/>
+          <a:p>
+            <a:r>
+              <a:rPr lang="en-US" dirty="0" smtClean="0"/>
+              <a:t>Hypothesis: Pre-vocalic glides will be disallowed if preceded by a palatal consonant</a:t>
+            </a:r>
+          </a:p>
+          <a:p>
             <a:endParaRPr lang="en-US" dirty="0"/>
           </a:p>
           <a:p>
             <a:r>
-              <a:rPr lang="es-ES" cap="small" dirty="0" err="1"/>
-              <a:t>Hualde</a:t>
-            </a:r>
-            <a:r>
-              <a:rPr lang="es-ES" dirty="0"/>
-              <a:t>, J.I. (2014) La </a:t>
-            </a:r>
-            <a:r>
-              <a:rPr lang="es-ES" dirty="0" err="1"/>
-              <a:t>silabificación</a:t>
-            </a:r>
-            <a:r>
-              <a:rPr lang="es-ES" dirty="0"/>
-              <a:t> en español. In </a:t>
-            </a:r>
-            <a:r>
-              <a:rPr lang="es-ES" cap="small" dirty="0"/>
-              <a:t>Núñez-Cedeño</a:t>
-            </a:r>
-            <a:r>
-              <a:rPr lang="es-ES" dirty="0"/>
-              <a:t>, et al. (Eds.). (2014). </a:t>
-            </a:r>
-            <a:r>
-              <a:rPr lang="es-ES" i="1" dirty="0"/>
-              <a:t>Fonología generativa contemporánea de la lengua española</a:t>
-            </a:r>
-            <a:r>
-              <a:rPr lang="es-ES" dirty="0"/>
-              <a:t>. </a:t>
-            </a:r>
-            <a:r>
-              <a:rPr lang="en-US" dirty="0"/>
-              <a:t>Washington, DC: Georgetown UP, pp. 195-215.</a:t>
-            </a:r>
-          </a:p>
-          <a:p>
-            <a:r>
-              <a:rPr lang="en-US" cap="small" dirty="0"/>
-              <a:t>Boersma</a:t>
-            </a:r>
-            <a:r>
-              <a:rPr lang="en-US" dirty="0"/>
-              <a:t>, P. &amp; </a:t>
-            </a:r>
-            <a:r>
-              <a:rPr lang="en-US" cap="small" dirty="0" err="1"/>
-              <a:t>Weenink</a:t>
-            </a:r>
-            <a:r>
-              <a:rPr lang="en-US" dirty="0"/>
-              <a:t>, D. (2018). </a:t>
-            </a:r>
-            <a:r>
-              <a:rPr lang="en-US" i="1" dirty="0" err="1"/>
-              <a:t>Praat</a:t>
-            </a:r>
-            <a:r>
-              <a:rPr lang="en-US" i="1" dirty="0"/>
-              <a:t>: doing phonetics by computer</a:t>
-            </a:r>
-            <a:r>
-              <a:rPr lang="en-US" dirty="0"/>
-              <a:t>. Version 6.0.39, retrieved 3 April 2018 from http://</a:t>
-            </a:r>
-            <a:r>
-              <a:rPr lang="en-US" dirty="0" err="1"/>
-              <a:t>www.praat.org</a:t>
-            </a:r>
-            <a:r>
-              <a:rPr lang="en-US" dirty="0"/>
-              <a:t>/.</a:t>
-            </a:r>
-          </a:p>
-          <a:p>
-            <a:pPr marL="114300" indent="0">
-              <a:buNone/>
-            </a:pPr>
-            <a:endParaRPr lang="en-US" dirty="0"/>
-          </a:p>
-          <a:p>
-            <a:endParaRPr lang="en-US" dirty="0"/>
+              <a:rPr lang="en-US" dirty="0" smtClean="0"/>
+              <a:t>Measure duration, F1, and intensity of the pre-vocalic glide in two environments: after a palatal consonant, after any other consonant</a:t>
+            </a:r>
           </a:p>
         </p:txBody>
       </p:sp>
     </p:spTree>
     <p:extLst>
       <p:ext uri="{BB962C8B-B14F-4D97-AF65-F5344CB8AC3E}">
-        <p14:creationId xmlns:p14="http://schemas.microsoft.com/office/powerpoint/2010/main" val="1953993528"/>
+        <p14:creationId xmlns:p14="http://schemas.microsoft.com/office/powerpoint/2010/main" val="1380022895"/>
       </p:ext>
     </p:extLst>
   </p:cSld>
   <p:clrMapOvr>
     <a:masterClrMapping/>
   </p:clrMapOvr>
+  <p:timing>
+    <p:tnLst>
+      <p:par>
+        <p:cTn id="1" dur="indefinite" restart="never" nodeType="tmRoot"/>
+      </p:par>
+    </p:tnLst>
+  </p:timing>
+</p:sld>
+</file>
+
+<file path=ppt/slides/slide17.xml><?xml version="1.0" encoding="utf-8"?>
+<p:sld xmlns:a="http://schemas.openxmlformats.org/drawingml/2006/main" xmlns:r="http://schemas.openxmlformats.org/officeDocument/2006/relationships" xmlns:p="http://schemas.openxmlformats.org/presentationml/2006/main">
+  <p:cSld>
+    <p:spTree>
+      <p:nvGrpSpPr>
+        <p:cNvPr id="1" name=""/>
+        <p:cNvGrpSpPr/>
+        <p:nvPr/>
+      </p:nvGrpSpPr>
+      <p:grpSpPr>
+        <a:xfrm>
+          <a:off x="0" y="0"/>
+          <a:ext cx="0" cy="0"/>
+          <a:chOff x="0" y="0"/>
+          <a:chExt cx="0" cy="0"/>
+        </a:xfrm>
+      </p:grpSpPr>
+      <p:sp>
+        <p:nvSpPr>
+          <p:cNvPr id="2" name="Title 1"/>
+          <p:cNvSpPr>
+            <a:spLocks noGrp="1"/>
+          </p:cNvSpPr>
+          <p:nvPr>
+            <p:ph type="title"/>
+          </p:nvPr>
+        </p:nvSpPr>
+        <p:spPr/>
+        <p:txBody>
+          <a:bodyPr/>
+          <a:lstStyle/>
+          <a:p>
+            <a:r>
+              <a:rPr lang="en-US" dirty="0"/>
+              <a:t>Results </a:t>
+            </a:r>
+            <a:r>
+              <a:rPr lang="mr-IN" dirty="0"/>
+              <a:t>–</a:t>
+            </a:r>
+            <a:r>
+              <a:rPr lang="en-US" dirty="0"/>
+              <a:t> </a:t>
+            </a:r>
+            <a:r>
+              <a:rPr lang="en-US" dirty="0" smtClean="0"/>
+              <a:t>phrase reading</a:t>
+            </a:r>
+            <a:endParaRPr lang="en-US" dirty="0"/>
+          </a:p>
+        </p:txBody>
+      </p:sp>
+      <p:sp>
+        <p:nvSpPr>
+          <p:cNvPr id="3" name="Content Placeholder 2"/>
+          <p:cNvSpPr>
+            <a:spLocks noGrp="1"/>
+          </p:cNvSpPr>
+          <p:nvPr>
+            <p:ph idx="1"/>
+          </p:nvPr>
+        </p:nvSpPr>
+        <p:spPr/>
+        <p:txBody>
+          <a:bodyPr/>
+          <a:lstStyle/>
+          <a:p>
+            <a:r>
+              <a:rPr lang="en-US" dirty="0"/>
+              <a:t>If pre-vocalic glides are blocked after palatals, we expect to observe differences in overall duration</a:t>
+            </a:r>
+            <a:r>
+              <a:rPr lang="en-US" dirty="0" smtClean="0"/>
+              <a:t>.</a:t>
+            </a:r>
+            <a:endParaRPr lang="en-US" dirty="0"/>
+          </a:p>
+          <a:p>
+            <a:endParaRPr lang="en-US" dirty="0" smtClean="0"/>
+          </a:p>
+          <a:p>
+            <a:r>
+              <a:rPr lang="en-US" dirty="0" smtClean="0"/>
+              <a:t>Analysis</a:t>
+            </a:r>
+          </a:p>
+          <a:p>
+            <a:pPr lvl="1"/>
+            <a:r>
+              <a:rPr lang="en-US" dirty="0" smtClean="0"/>
+              <a:t>Linear mixed effects model</a:t>
+            </a:r>
+          </a:p>
+          <a:p>
+            <a:pPr lvl="1"/>
+            <a:r>
+              <a:rPr lang="en-US" dirty="0" smtClean="0"/>
+              <a:t>Model: duration ~ environment</a:t>
+            </a:r>
+          </a:p>
+          <a:p>
+            <a:pPr lvl="1"/>
+            <a:r>
+              <a:rPr lang="en-US" dirty="0" smtClean="0"/>
+              <a:t>Random effect: by-subject/by-item intercepts with random slopes for preceding consonant</a:t>
+            </a:r>
+            <a:endParaRPr lang="en-US" dirty="0"/>
+          </a:p>
+        </p:txBody>
+      </p:sp>
+    </p:spTree>
+    <p:extLst>
+      <p:ext uri="{BB962C8B-B14F-4D97-AF65-F5344CB8AC3E}">
+        <p14:creationId xmlns:p14="http://schemas.microsoft.com/office/powerpoint/2010/main" val="1430413637"/>
+      </p:ext>
+    </p:extLst>
+  </p:cSld>
+  <p:clrMapOvr>
+    <a:masterClrMapping/>
+  </p:clrMapOvr>
+  <p:timing>
+    <p:tnLst>
+      <p:par>
+        <p:cTn id="1" dur="indefinite" restart="never" nodeType="tmRoot"/>
+      </p:par>
+    </p:tnLst>
+  </p:timing>
+</p:sld>
+</file>
+
+<file path=ppt/slides/slide18.xml><?xml version="1.0" encoding="utf-8"?>
+<p:sld xmlns:a="http://schemas.openxmlformats.org/drawingml/2006/main" xmlns:r="http://schemas.openxmlformats.org/officeDocument/2006/relationships" xmlns:p="http://schemas.openxmlformats.org/presentationml/2006/main" showMasterSp="0">
+  <p:cSld>
+    <p:bg>
+      <p:bgPr>
+        <a:solidFill>
+          <a:schemeClr val="bg1"/>
+        </a:solidFill>
+        <a:effectLst/>
+      </p:bgPr>
+    </p:bg>
+    <p:spTree>
+      <p:nvGrpSpPr>
+        <p:cNvPr id="1" name=""/>
+        <p:cNvGrpSpPr/>
+        <p:nvPr/>
+      </p:nvGrpSpPr>
+      <p:grpSpPr>
+        <a:xfrm>
+          <a:off x="0" y="0"/>
+          <a:ext cx="0" cy="0"/>
+          <a:chOff x="0" y="0"/>
+          <a:chExt cx="0" cy="0"/>
+        </a:xfrm>
+      </p:grpSpPr>
+      <p:pic>
+        <p:nvPicPr>
+          <p:cNvPr id="8" name="Picture 7"/>
+          <p:cNvPicPr>
+            <a:picLocks noChangeAspect="1"/>
+          </p:cNvPicPr>
+          <p:nvPr/>
+        </p:nvPicPr>
+        <p:blipFill>
+          <a:blip r:embed="rId3">
+            <a:extLst>
+              <a:ext uri="{28A0092B-C50C-407E-A947-70E740481C1C}">
+                <a14:useLocalDpi xmlns:a14="http://schemas.microsoft.com/office/drawing/2010/main" val="0"/>
+              </a:ext>
+            </a:extLst>
+          </a:blip>
+          <a:stretch>
+            <a:fillRect/>
+          </a:stretch>
+        </p:blipFill>
+        <p:spPr>
+          <a:xfrm>
+            <a:off x="0" y="482600"/>
+            <a:ext cx="9144000" cy="5878286"/>
+          </a:xfrm>
+          <a:prstGeom prst="rect">
+            <a:avLst/>
+          </a:prstGeom>
+        </p:spPr>
+      </p:pic>
+    </p:spTree>
+    <p:extLst>
+      <p:ext uri="{BB962C8B-B14F-4D97-AF65-F5344CB8AC3E}">
+        <p14:creationId xmlns:p14="http://schemas.microsoft.com/office/powerpoint/2010/main" val="935075436"/>
+      </p:ext>
+    </p:extLst>
+  </p:cSld>
+  <p:clrMapOvr>
+    <a:masterClrMapping/>
+  </p:clrMapOvr>
+  <p:timing>
+    <p:tnLst>
+      <p:par>
+        <p:cTn id="1" dur="indefinite" restart="never" nodeType="tmRoot"/>
+      </p:par>
+    </p:tnLst>
+  </p:timing>
+</p:sld>
+</file>
+
+<file path=ppt/slides/slide19.xml><?xml version="1.0" encoding="utf-8"?>
+<p:sld xmlns:a="http://schemas.openxmlformats.org/drawingml/2006/main" xmlns:r="http://schemas.openxmlformats.org/officeDocument/2006/relationships" xmlns:p="http://schemas.openxmlformats.org/presentationml/2006/main">
+  <p:cSld>
+    <p:spTree>
+      <p:nvGrpSpPr>
+        <p:cNvPr id="1" name=""/>
+        <p:cNvGrpSpPr/>
+        <p:nvPr/>
+      </p:nvGrpSpPr>
+      <p:grpSpPr>
+        <a:xfrm>
+          <a:off x="0" y="0"/>
+          <a:ext cx="0" cy="0"/>
+          <a:chOff x="0" y="0"/>
+          <a:chExt cx="0" cy="0"/>
+        </a:xfrm>
+      </p:grpSpPr>
+      <p:sp>
+        <p:nvSpPr>
+          <p:cNvPr id="2" name="Title 1"/>
+          <p:cNvSpPr>
+            <a:spLocks noGrp="1"/>
+          </p:cNvSpPr>
+          <p:nvPr>
+            <p:ph type="title"/>
+          </p:nvPr>
+        </p:nvSpPr>
+        <p:spPr/>
+        <p:txBody>
+          <a:bodyPr/>
+          <a:lstStyle/>
+          <a:p>
+            <a:r>
+              <a:rPr lang="en-US" dirty="0"/>
+              <a:t>Results </a:t>
+            </a:r>
+            <a:r>
+              <a:rPr lang="mr-IN" dirty="0"/>
+              <a:t>–</a:t>
+            </a:r>
+            <a:r>
+              <a:rPr lang="en-US" dirty="0"/>
+              <a:t> phrase reading</a:t>
+            </a:r>
+          </a:p>
+        </p:txBody>
+      </p:sp>
+      <p:sp>
+        <p:nvSpPr>
+          <p:cNvPr id="3" name="Content Placeholder 2"/>
+          <p:cNvSpPr>
+            <a:spLocks noGrp="1"/>
+          </p:cNvSpPr>
+          <p:nvPr>
+            <p:ph idx="1"/>
+          </p:nvPr>
+        </p:nvSpPr>
+        <p:spPr/>
+        <p:txBody>
+          <a:bodyPr/>
+          <a:lstStyle/>
+          <a:p>
+            <a:r>
+              <a:rPr lang="en-US" sz="2400" dirty="0"/>
+              <a:t>We can examine the plausibility of (1) by looking at the formant trajectory over </a:t>
+            </a:r>
+            <a:r>
+              <a:rPr lang="en-US" sz="2400" dirty="0" smtClean="0"/>
+              <a:t>the </a:t>
+            </a:r>
+            <a:r>
+              <a:rPr lang="en-US" sz="2400" dirty="0"/>
+              <a:t>course of the segment. </a:t>
+            </a:r>
+            <a:endParaRPr lang="en-US" sz="2400" dirty="0" smtClean="0"/>
+          </a:p>
+          <a:p>
+            <a:endParaRPr lang="en-US" sz="2400" dirty="0"/>
+          </a:p>
+          <a:p>
+            <a:r>
+              <a:rPr lang="en-US" sz="2400" dirty="0"/>
+              <a:t>If the participants are able to produce a glide in some contexts but not others </a:t>
+            </a:r>
+            <a:r>
+              <a:rPr lang="en-US" sz="2400" dirty="0" smtClean="0"/>
+              <a:t>we </a:t>
+            </a:r>
+            <a:r>
+              <a:rPr lang="en-US" sz="2400" dirty="0"/>
+              <a:t>should see differences in F1 as a function of the preceding consonant.</a:t>
+            </a:r>
+          </a:p>
+          <a:p>
+            <a:endParaRPr lang="en-US" sz="2400" dirty="0" smtClean="0"/>
+          </a:p>
+          <a:p>
+            <a:r>
+              <a:rPr lang="en-US" sz="2400" dirty="0" smtClean="0"/>
+              <a:t>Analysis</a:t>
+            </a:r>
+          </a:p>
+          <a:p>
+            <a:pPr lvl="1"/>
+            <a:r>
+              <a:rPr lang="en-US" dirty="0" smtClean="0"/>
+              <a:t>Generalized Additive Mixed Model</a:t>
+            </a:r>
+          </a:p>
+          <a:p>
+            <a:pPr lvl="1"/>
+            <a:r>
+              <a:rPr lang="en-US" dirty="0" smtClean="0"/>
+              <a:t>Model: F1 ~ </a:t>
+            </a:r>
+            <a:r>
+              <a:rPr lang="en-US" dirty="0" err="1" smtClean="0"/>
+              <a:t>preceding_consonant</a:t>
+            </a:r>
+            <a:r>
+              <a:rPr lang="en-US" dirty="0" smtClean="0"/>
+              <a:t> + time</a:t>
+            </a:r>
+            <a:endParaRPr lang="en-US" dirty="0"/>
+          </a:p>
+          <a:p>
+            <a:endParaRPr lang="en-US" dirty="0"/>
+          </a:p>
+        </p:txBody>
+      </p:sp>
+    </p:spTree>
+    <p:extLst>
+      <p:ext uri="{BB962C8B-B14F-4D97-AF65-F5344CB8AC3E}">
+        <p14:creationId xmlns:p14="http://schemas.microsoft.com/office/powerpoint/2010/main" val="949474114"/>
+      </p:ext>
+    </p:extLst>
+  </p:cSld>
+  <p:clrMapOvr>
+    <a:masterClrMapping/>
+  </p:clrMapOvr>
+  <p:timing>
+    <p:tnLst>
+      <p:par>
+        <p:cTn id="1" dur="indefinite" restart="never" nodeType="tmRoot"/>
+      </p:par>
+    </p:tnLst>
+  </p:timing>
 </p:sld>
 </file>
 
@@ -4718,7 +6649,7 @@
           <p:cNvPr id="2" name="Title 1">
             <a:extLst>
               <a:ext uri="{FF2B5EF4-FFF2-40B4-BE49-F238E27FC236}">
-                <a16:creationId xmlns:a16="http://schemas.microsoft.com/office/drawing/2014/main" id="{75BAE48F-7BA8-7D40-81DC-62AD5141EADC}"/>
+                <a16:creationId xmlns:a16="http://schemas.microsoft.com/office/drawing/2014/main" xmlns="" id="{75BAE48F-7BA8-7D40-81DC-62AD5141EADC}"/>
               </a:ext>
             </a:extLst>
           </p:cNvPr>
@@ -4746,7 +6677,7 @@
           <p:cNvPr id="3" name="Content Placeholder 2">
             <a:extLst>
               <a:ext uri="{FF2B5EF4-FFF2-40B4-BE49-F238E27FC236}">
-                <a16:creationId xmlns:a16="http://schemas.microsoft.com/office/drawing/2014/main" id="{F058774F-FF51-0F4D-AB13-F19A0D6541AD}"/>
+                <a16:creationId xmlns:a16="http://schemas.microsoft.com/office/drawing/2014/main" xmlns="" id="{F058774F-FF51-0F4D-AB13-F19A0D6541AD}"/>
               </a:ext>
             </a:extLst>
           </p:cNvPr>
@@ -4795,6 +6726,1080 @@
     <p:extLst>
       <p:ext uri="{BB962C8B-B14F-4D97-AF65-F5344CB8AC3E}">
         <p14:creationId xmlns:p14="http://schemas.microsoft.com/office/powerpoint/2010/main" val="1361767439"/>
+      </p:ext>
+    </p:extLst>
+  </p:cSld>
+  <p:clrMapOvr>
+    <a:masterClrMapping/>
+  </p:clrMapOvr>
+</p:sld>
+</file>
+
+<file path=ppt/slides/slide20.xml><?xml version="1.0" encoding="utf-8"?>
+<p:sld xmlns:a="http://schemas.openxmlformats.org/drawingml/2006/main" xmlns:r="http://schemas.openxmlformats.org/officeDocument/2006/relationships" xmlns:p="http://schemas.openxmlformats.org/presentationml/2006/main" showMasterSp="0">
+  <p:cSld>
+    <p:bg>
+      <p:bgPr>
+        <a:solidFill>
+          <a:schemeClr val="bg1"/>
+        </a:solidFill>
+        <a:effectLst/>
+      </p:bgPr>
+    </p:bg>
+    <p:spTree>
+      <p:nvGrpSpPr>
+        <p:cNvPr id="1" name=""/>
+        <p:cNvGrpSpPr/>
+        <p:nvPr/>
+      </p:nvGrpSpPr>
+      <p:grpSpPr>
+        <a:xfrm>
+          <a:off x="0" y="0"/>
+          <a:ext cx="0" cy="0"/>
+          <a:chOff x="0" y="0"/>
+          <a:chExt cx="0" cy="0"/>
+        </a:xfrm>
+      </p:grpSpPr>
+      <p:pic>
+        <p:nvPicPr>
+          <p:cNvPr id="9" name="Picture 8"/>
+          <p:cNvPicPr>
+            <a:picLocks noChangeAspect="1"/>
+          </p:cNvPicPr>
+          <p:nvPr/>
+        </p:nvPicPr>
+        <p:blipFill>
+          <a:blip r:embed="rId3">
+            <a:extLst>
+              <a:ext uri="{28A0092B-C50C-407E-A947-70E740481C1C}">
+                <a14:useLocalDpi xmlns:a14="http://schemas.microsoft.com/office/drawing/2010/main" val="0"/>
+              </a:ext>
+            </a:extLst>
+          </a:blip>
+          <a:stretch>
+            <a:fillRect/>
+          </a:stretch>
+        </p:blipFill>
+        <p:spPr>
+          <a:xfrm>
+            <a:off x="348344" y="28506"/>
+            <a:ext cx="8534400" cy="6705600"/>
+          </a:xfrm>
+          <a:prstGeom prst="rect">
+            <a:avLst/>
+          </a:prstGeom>
+        </p:spPr>
+      </p:pic>
+    </p:spTree>
+    <p:extLst>
+      <p:ext uri="{BB962C8B-B14F-4D97-AF65-F5344CB8AC3E}">
+        <p14:creationId xmlns:p14="http://schemas.microsoft.com/office/powerpoint/2010/main" val="195220451"/>
+      </p:ext>
+    </p:extLst>
+  </p:cSld>
+  <p:clrMapOvr>
+    <a:masterClrMapping/>
+  </p:clrMapOvr>
+  <p:timing>
+    <p:tnLst>
+      <p:par>
+        <p:cTn id="1" dur="indefinite" restart="never" nodeType="tmRoot"/>
+      </p:par>
+    </p:tnLst>
+  </p:timing>
+</p:sld>
+</file>
+
+<file path=ppt/slides/slide21.xml><?xml version="1.0" encoding="utf-8"?>
+<p:sld xmlns:a="http://schemas.openxmlformats.org/drawingml/2006/main" xmlns:r="http://schemas.openxmlformats.org/officeDocument/2006/relationships" xmlns:p="http://schemas.openxmlformats.org/presentationml/2006/main">
+  <p:cSld>
+    <p:spTree>
+      <p:nvGrpSpPr>
+        <p:cNvPr id="1" name=""/>
+        <p:cNvGrpSpPr/>
+        <p:nvPr/>
+      </p:nvGrpSpPr>
+      <p:grpSpPr>
+        <a:xfrm>
+          <a:off x="0" y="0"/>
+          <a:ext cx="0" cy="0"/>
+          <a:chOff x="0" y="0"/>
+          <a:chExt cx="0" cy="0"/>
+        </a:xfrm>
+      </p:grpSpPr>
+      <p:sp>
+        <p:nvSpPr>
+          <p:cNvPr id="2" name="Title 1"/>
+          <p:cNvSpPr>
+            <a:spLocks noGrp="1"/>
+          </p:cNvSpPr>
+          <p:nvPr>
+            <p:ph type="title"/>
+          </p:nvPr>
+        </p:nvSpPr>
+        <p:spPr/>
+        <p:txBody>
+          <a:bodyPr/>
+          <a:lstStyle/>
+          <a:p>
+            <a:r>
+              <a:rPr lang="en-US" dirty="0"/>
+              <a:t>Results </a:t>
+            </a:r>
+            <a:r>
+              <a:rPr lang="mr-IN" dirty="0"/>
+              <a:t>–</a:t>
+            </a:r>
+            <a:r>
+              <a:rPr lang="en-US" dirty="0"/>
+              <a:t> phrase reading</a:t>
+            </a:r>
+          </a:p>
+        </p:txBody>
+      </p:sp>
+      <p:sp>
+        <p:nvSpPr>
+          <p:cNvPr id="3" name="Content Placeholder 2"/>
+          <p:cNvSpPr>
+            <a:spLocks noGrp="1"/>
+          </p:cNvSpPr>
+          <p:nvPr>
+            <p:ph idx="1"/>
+          </p:nvPr>
+        </p:nvSpPr>
+        <p:spPr/>
+        <p:txBody>
+          <a:bodyPr>
+            <a:normAutofit fontScale="92500" lnSpcReduction="10000"/>
+          </a:bodyPr>
+          <a:lstStyle/>
+          <a:p>
+            <a:r>
+              <a:rPr lang="en-US" dirty="0"/>
+              <a:t>S</a:t>
+            </a:r>
+            <a:r>
+              <a:rPr lang="en-US" dirty="0" smtClean="0"/>
+              <a:t>econd possibility: participants </a:t>
+            </a:r>
+            <a:r>
+              <a:rPr lang="en-US" dirty="0"/>
+              <a:t>are lengthening the palatal consonant (not producing a glide) </a:t>
+            </a:r>
+            <a:r>
+              <a:rPr lang="en-US" dirty="0" smtClean="0"/>
+              <a:t>because of the fact that they </a:t>
+            </a:r>
+            <a:r>
+              <a:rPr lang="en-US" dirty="0"/>
+              <a:t>cannot produce both. </a:t>
+            </a:r>
+            <a:endParaRPr lang="en-US" dirty="0" smtClean="0"/>
+          </a:p>
+          <a:p>
+            <a:r>
+              <a:rPr lang="en-US" dirty="0" smtClean="0"/>
+              <a:t>In </a:t>
+            </a:r>
+            <a:r>
+              <a:rPr lang="en-US" dirty="0"/>
+              <a:t>other words, they might be trying to produce something, but because the target is illicit, they resort to lengthening the onset</a:t>
+            </a:r>
+            <a:r>
+              <a:rPr lang="en-US" dirty="0" smtClean="0"/>
+              <a:t>.</a:t>
+            </a:r>
+          </a:p>
+          <a:p>
+            <a:endParaRPr lang="en-US" dirty="0"/>
+          </a:p>
+          <a:p>
+            <a:r>
+              <a:rPr lang="en-US" dirty="0" smtClean="0"/>
+              <a:t>Prediction: intensity </a:t>
+            </a:r>
+            <a:r>
+              <a:rPr lang="en-US" dirty="0"/>
+              <a:t>of the lengthened </a:t>
+            </a:r>
+            <a:r>
+              <a:rPr lang="en-US" dirty="0" smtClean="0"/>
+              <a:t>segment should </a:t>
+            </a:r>
+            <a:r>
+              <a:rPr lang="en-US" dirty="0"/>
+              <a:t>be lower </a:t>
+            </a:r>
+            <a:r>
+              <a:rPr lang="en-US" dirty="0" smtClean="0"/>
+              <a:t>than that </a:t>
+            </a:r>
+            <a:r>
+              <a:rPr lang="en-US" dirty="0"/>
+              <a:t>of a glide. </a:t>
+            </a:r>
+            <a:endParaRPr lang="en-US" dirty="0" smtClean="0"/>
+          </a:p>
+          <a:p>
+            <a:r>
+              <a:rPr lang="en-US" dirty="0" smtClean="0"/>
+              <a:t>Why</a:t>
+            </a:r>
+            <a:r>
+              <a:rPr lang="en-US" dirty="0"/>
+              <a:t>? </a:t>
+            </a:r>
+            <a:r>
+              <a:rPr lang="en-US" dirty="0" smtClean="0"/>
+              <a:t>More </a:t>
+            </a:r>
+            <a:r>
+              <a:rPr lang="en-US" dirty="0"/>
+              <a:t>consonant-like productions have lower intensity than more vowel-like productions</a:t>
+            </a:r>
+            <a:r>
+              <a:rPr lang="en-US" dirty="0" smtClean="0"/>
+              <a:t>.</a:t>
+            </a:r>
+          </a:p>
+          <a:p>
+            <a:endParaRPr lang="en-US" dirty="0"/>
+          </a:p>
+          <a:p>
+            <a:r>
+              <a:rPr lang="en-US" sz="2400" dirty="0"/>
+              <a:t>Analysis</a:t>
+            </a:r>
+          </a:p>
+          <a:p>
+            <a:pPr lvl="1"/>
+            <a:r>
+              <a:rPr lang="en-US" dirty="0"/>
+              <a:t>Generalized Additive Mixed Model</a:t>
+            </a:r>
+          </a:p>
+          <a:p>
+            <a:pPr lvl="1"/>
+            <a:r>
+              <a:rPr lang="en-US" dirty="0"/>
+              <a:t>Model: </a:t>
+            </a:r>
+            <a:r>
+              <a:rPr lang="en-US" dirty="0" smtClean="0"/>
+              <a:t>Intensity </a:t>
+            </a:r>
+            <a:r>
+              <a:rPr lang="en-US" dirty="0"/>
+              <a:t>~ </a:t>
+            </a:r>
+            <a:r>
+              <a:rPr lang="en-US" dirty="0" err="1"/>
+              <a:t>preceding_consonant</a:t>
+            </a:r>
+            <a:r>
+              <a:rPr lang="en-US" dirty="0"/>
+              <a:t> + time</a:t>
+            </a:r>
+          </a:p>
+          <a:p>
+            <a:endParaRPr lang="en-US" dirty="0"/>
+          </a:p>
+        </p:txBody>
+      </p:sp>
+    </p:spTree>
+    <p:extLst>
+      <p:ext uri="{BB962C8B-B14F-4D97-AF65-F5344CB8AC3E}">
+        <p14:creationId xmlns:p14="http://schemas.microsoft.com/office/powerpoint/2010/main" val="1582917198"/>
+      </p:ext>
+    </p:extLst>
+  </p:cSld>
+  <p:clrMapOvr>
+    <a:masterClrMapping/>
+  </p:clrMapOvr>
+  <p:timing>
+    <p:tnLst>
+      <p:par>
+        <p:cTn id="1" dur="indefinite" restart="never" nodeType="tmRoot"/>
+      </p:par>
+    </p:tnLst>
+  </p:timing>
+</p:sld>
+</file>
+
+<file path=ppt/slides/slide22.xml><?xml version="1.0" encoding="utf-8"?>
+<p:sld xmlns:a="http://schemas.openxmlformats.org/drawingml/2006/main" xmlns:r="http://schemas.openxmlformats.org/officeDocument/2006/relationships" xmlns:p="http://schemas.openxmlformats.org/presentationml/2006/main" showMasterSp="0">
+  <p:cSld>
+    <p:bg>
+      <p:bgPr>
+        <a:solidFill>
+          <a:schemeClr val="bg1"/>
+        </a:solidFill>
+        <a:effectLst/>
+      </p:bgPr>
+    </p:bg>
+    <p:spTree>
+      <p:nvGrpSpPr>
+        <p:cNvPr id="1" name=""/>
+        <p:cNvGrpSpPr/>
+        <p:nvPr/>
+      </p:nvGrpSpPr>
+      <p:grpSpPr>
+        <a:xfrm>
+          <a:off x="0" y="0"/>
+          <a:ext cx="0" cy="0"/>
+          <a:chOff x="0" y="0"/>
+          <a:chExt cx="0" cy="0"/>
+        </a:xfrm>
+      </p:grpSpPr>
+      <p:pic>
+        <p:nvPicPr>
+          <p:cNvPr id="4" name="Picture 3"/>
+          <p:cNvPicPr>
+            <a:picLocks noChangeAspect="1"/>
+          </p:cNvPicPr>
+          <p:nvPr/>
+        </p:nvPicPr>
+        <p:blipFill>
+          <a:blip r:embed="rId2">
+            <a:extLst>
+              <a:ext uri="{28A0092B-C50C-407E-A947-70E740481C1C}">
+                <a14:useLocalDpi xmlns:a14="http://schemas.microsoft.com/office/drawing/2010/main" val="0"/>
+              </a:ext>
+            </a:extLst>
+          </a:blip>
+          <a:stretch>
+            <a:fillRect/>
+          </a:stretch>
+        </p:blipFill>
+        <p:spPr>
+          <a:xfrm>
+            <a:off x="551543" y="270069"/>
+            <a:ext cx="7968343" cy="6260841"/>
+          </a:xfrm>
+          <a:prstGeom prst="rect">
+            <a:avLst/>
+          </a:prstGeom>
+        </p:spPr>
+      </p:pic>
+    </p:spTree>
+    <p:extLst>
+      <p:ext uri="{BB962C8B-B14F-4D97-AF65-F5344CB8AC3E}">
+        <p14:creationId xmlns:p14="http://schemas.microsoft.com/office/powerpoint/2010/main" val="1313545362"/>
+      </p:ext>
+    </p:extLst>
+  </p:cSld>
+  <p:clrMapOvr>
+    <a:masterClrMapping/>
+  </p:clrMapOvr>
+  <p:timing>
+    <p:tnLst>
+      <p:par>
+        <p:cTn id="1" dur="indefinite" restart="never" nodeType="tmRoot"/>
+      </p:par>
+    </p:tnLst>
+  </p:timing>
+</p:sld>
+</file>
+
+<file path=ppt/slides/slide23.xml><?xml version="1.0" encoding="utf-8"?>
+<p:sld xmlns:a="http://schemas.openxmlformats.org/drawingml/2006/main" xmlns:r="http://schemas.openxmlformats.org/officeDocument/2006/relationships" xmlns:p="http://schemas.openxmlformats.org/presentationml/2006/main" showMasterSp="0">
+  <p:cSld>
+    <p:bg>
+      <p:bgPr>
+        <a:solidFill>
+          <a:schemeClr val="bg1"/>
+        </a:solidFill>
+        <a:effectLst/>
+      </p:bgPr>
+    </p:bg>
+    <p:spTree>
+      <p:nvGrpSpPr>
+        <p:cNvPr id="1" name=""/>
+        <p:cNvGrpSpPr/>
+        <p:nvPr/>
+      </p:nvGrpSpPr>
+      <p:grpSpPr>
+        <a:xfrm>
+          <a:off x="0" y="0"/>
+          <a:ext cx="0" cy="0"/>
+          <a:chOff x="0" y="0"/>
+          <a:chExt cx="0" cy="0"/>
+        </a:xfrm>
+      </p:grpSpPr>
+      <p:pic>
+        <p:nvPicPr>
+          <p:cNvPr id="4" name="Picture 3"/>
+          <p:cNvPicPr>
+            <a:picLocks noChangeAspect="1"/>
+          </p:cNvPicPr>
+          <p:nvPr/>
+        </p:nvPicPr>
+        <p:blipFill>
+          <a:blip r:embed="rId3">
+            <a:extLst>
+              <a:ext uri="{28A0092B-C50C-407E-A947-70E740481C1C}">
+                <a14:useLocalDpi xmlns:a14="http://schemas.microsoft.com/office/drawing/2010/main" val="0"/>
+              </a:ext>
+            </a:extLst>
+          </a:blip>
+          <a:stretch>
+            <a:fillRect/>
+          </a:stretch>
+        </p:blipFill>
+        <p:spPr>
+          <a:xfrm>
+            <a:off x="522513" y="247261"/>
+            <a:ext cx="8244115" cy="6477519"/>
+          </a:xfrm>
+          <a:prstGeom prst="rect">
+            <a:avLst/>
+          </a:prstGeom>
+        </p:spPr>
+      </p:pic>
+    </p:spTree>
+    <p:extLst>
+      <p:ext uri="{BB962C8B-B14F-4D97-AF65-F5344CB8AC3E}">
+        <p14:creationId xmlns:p14="http://schemas.microsoft.com/office/powerpoint/2010/main" val="1647772777"/>
+      </p:ext>
+    </p:extLst>
+  </p:cSld>
+  <p:clrMapOvr>
+    <a:masterClrMapping/>
+  </p:clrMapOvr>
+  <p:timing>
+    <p:tnLst>
+      <p:par>
+        <p:cTn id="1" dur="indefinite" restart="never" nodeType="tmRoot"/>
+      </p:par>
+    </p:tnLst>
+  </p:timing>
+</p:sld>
+</file>
+
+<file path=ppt/slides/slide24.xml><?xml version="1.0" encoding="utf-8"?>
+<p:sld xmlns:a="http://schemas.openxmlformats.org/drawingml/2006/main" xmlns:r="http://schemas.openxmlformats.org/officeDocument/2006/relationships" xmlns:p="http://schemas.openxmlformats.org/presentationml/2006/main">
+  <p:cSld>
+    <p:spTree>
+      <p:nvGrpSpPr>
+        <p:cNvPr id="1" name=""/>
+        <p:cNvGrpSpPr/>
+        <p:nvPr/>
+      </p:nvGrpSpPr>
+      <p:grpSpPr>
+        <a:xfrm>
+          <a:off x="0" y="0"/>
+          <a:ext cx="0" cy="0"/>
+          <a:chOff x="0" y="0"/>
+          <a:chExt cx="0" cy="0"/>
+        </a:xfrm>
+      </p:grpSpPr>
+      <p:sp>
+        <p:nvSpPr>
+          <p:cNvPr id="2" name="Title 1"/>
+          <p:cNvSpPr>
+            <a:spLocks noGrp="1"/>
+          </p:cNvSpPr>
+          <p:nvPr>
+            <p:ph type="title"/>
+          </p:nvPr>
+        </p:nvSpPr>
+        <p:spPr/>
+        <p:txBody>
+          <a:bodyPr/>
+          <a:lstStyle/>
+          <a:p>
+            <a:r>
+              <a:rPr lang="en-US" dirty="0" smtClean="0"/>
+              <a:t>Summary</a:t>
+            </a:r>
+            <a:endParaRPr lang="en-US" dirty="0"/>
+          </a:p>
+        </p:txBody>
+      </p:sp>
+      <p:sp>
+        <p:nvSpPr>
+          <p:cNvPr id="3" name="Content Placeholder 2"/>
+          <p:cNvSpPr>
+            <a:spLocks noGrp="1"/>
+          </p:cNvSpPr>
+          <p:nvPr>
+            <p:ph idx="1"/>
+          </p:nvPr>
+        </p:nvSpPr>
+        <p:spPr/>
+        <p:txBody>
+          <a:bodyPr/>
+          <a:lstStyle/>
+          <a:p>
+            <a:r>
+              <a:rPr lang="en-US" dirty="0" smtClean="0"/>
+              <a:t>Sonoran speakers used variable strategies when producing the CGVGC sequences</a:t>
+            </a:r>
+          </a:p>
+          <a:p>
+            <a:pPr lvl="1"/>
+            <a:r>
+              <a:rPr lang="en-US" dirty="0" smtClean="0"/>
+              <a:t>Importantly, they produced the GVG sequence at least some of the time (thus it is possible)</a:t>
+            </a:r>
+          </a:p>
+          <a:p>
+            <a:pPr lvl="1"/>
+            <a:endParaRPr lang="en-US" dirty="0"/>
+          </a:p>
+          <a:p>
+            <a:r>
+              <a:rPr lang="en-US" dirty="0" smtClean="0"/>
+              <a:t>Acoustic analysis shows that pre-vocalic segments are longer after palatal consonants</a:t>
+            </a:r>
+          </a:p>
+          <a:p>
+            <a:pPr lvl="1"/>
+            <a:r>
+              <a:rPr lang="en-US" dirty="0" smtClean="0"/>
+              <a:t>Not shorter (i.e., elided because they are blocked)</a:t>
+            </a:r>
+          </a:p>
+          <a:p>
+            <a:pPr lvl="1"/>
+            <a:endParaRPr lang="en-US" dirty="0"/>
+          </a:p>
+          <a:p>
+            <a:r>
+              <a:rPr lang="en-US" dirty="0" smtClean="0"/>
+              <a:t>Analysis of the time course suggests the duration increase could be due to lengthening of onset</a:t>
+            </a:r>
+          </a:p>
+          <a:p>
+            <a:pPr lvl="1"/>
+            <a:r>
+              <a:rPr lang="en-US" dirty="0" smtClean="0"/>
+              <a:t>Strategy to avoid illicit sequence</a:t>
+            </a:r>
+            <a:endParaRPr lang="en-US" dirty="0"/>
+          </a:p>
+        </p:txBody>
+      </p:sp>
+    </p:spTree>
+    <p:extLst>
+      <p:ext uri="{BB962C8B-B14F-4D97-AF65-F5344CB8AC3E}">
+        <p14:creationId xmlns:p14="http://schemas.microsoft.com/office/powerpoint/2010/main" val="174671063"/>
+      </p:ext>
+    </p:extLst>
+  </p:cSld>
+  <p:clrMapOvr>
+    <a:masterClrMapping/>
+  </p:clrMapOvr>
+</p:sld>
+</file>
+
+<file path=ppt/slides/slide25.xml><?xml version="1.0" encoding="utf-8"?>
+<p:sld xmlns:a="http://schemas.openxmlformats.org/drawingml/2006/main" xmlns:r="http://schemas.openxmlformats.org/officeDocument/2006/relationships" xmlns:p="http://schemas.openxmlformats.org/presentationml/2006/main">
+  <p:cSld>
+    <p:spTree>
+      <p:nvGrpSpPr>
+        <p:cNvPr id="1" name=""/>
+        <p:cNvGrpSpPr/>
+        <p:nvPr/>
+      </p:nvGrpSpPr>
+      <p:grpSpPr>
+        <a:xfrm>
+          <a:off x="0" y="0"/>
+          <a:ext cx="0" cy="0"/>
+          <a:chOff x="0" y="0"/>
+          <a:chExt cx="0" cy="0"/>
+        </a:xfrm>
+      </p:grpSpPr>
+      <p:sp>
+        <p:nvSpPr>
+          <p:cNvPr id="2" name="Title 1"/>
+          <p:cNvSpPr>
+            <a:spLocks noGrp="1"/>
+          </p:cNvSpPr>
+          <p:nvPr>
+            <p:ph type="title"/>
+          </p:nvPr>
+        </p:nvSpPr>
+        <p:spPr/>
+        <p:txBody>
+          <a:bodyPr/>
+          <a:lstStyle/>
+          <a:p>
+            <a:r>
+              <a:rPr lang="en-US" dirty="0" smtClean="0"/>
+              <a:t>Discussion</a:t>
+            </a:r>
+            <a:endParaRPr lang="en-US" dirty="0"/>
+          </a:p>
+        </p:txBody>
+      </p:sp>
+      <p:sp>
+        <p:nvSpPr>
+          <p:cNvPr id="3" name="Content Placeholder 2"/>
+          <p:cNvSpPr>
+            <a:spLocks noGrp="1"/>
+          </p:cNvSpPr>
+          <p:nvPr>
+            <p:ph idx="1"/>
+          </p:nvPr>
+        </p:nvSpPr>
+        <p:spPr/>
+        <p:txBody>
+          <a:bodyPr/>
+          <a:lstStyle/>
+          <a:p>
+            <a:endParaRPr lang="en-US"/>
+          </a:p>
+        </p:txBody>
+      </p:sp>
+    </p:spTree>
+    <p:extLst>
+      <p:ext uri="{BB962C8B-B14F-4D97-AF65-F5344CB8AC3E}">
+        <p14:creationId xmlns:p14="http://schemas.microsoft.com/office/powerpoint/2010/main" val="755042536"/>
+      </p:ext>
+    </p:extLst>
+  </p:cSld>
+  <p:clrMapOvr>
+    <a:masterClrMapping/>
+  </p:clrMapOvr>
+</p:sld>
+</file>
+
+<file path=ppt/slides/slide26.xml><?xml version="1.0" encoding="utf-8"?>
+<p:sld xmlns:a="http://schemas.openxmlformats.org/drawingml/2006/main" xmlns:r="http://schemas.openxmlformats.org/officeDocument/2006/relationships" xmlns:p="http://schemas.openxmlformats.org/presentationml/2006/main">
+  <p:cSld>
+    <p:spTree>
+      <p:nvGrpSpPr>
+        <p:cNvPr id="1" name=""/>
+        <p:cNvGrpSpPr/>
+        <p:nvPr/>
+      </p:nvGrpSpPr>
+      <p:grpSpPr>
+        <a:xfrm>
+          <a:off x="0" y="0"/>
+          <a:ext cx="0" cy="0"/>
+          <a:chOff x="0" y="0"/>
+          <a:chExt cx="0" cy="0"/>
+        </a:xfrm>
+      </p:grpSpPr>
+      <p:sp>
+        <p:nvSpPr>
+          <p:cNvPr id="2" name="Title 1"/>
+          <p:cNvSpPr>
+            <a:spLocks noGrp="1"/>
+          </p:cNvSpPr>
+          <p:nvPr>
+            <p:ph type="title"/>
+          </p:nvPr>
+        </p:nvSpPr>
+        <p:spPr/>
+        <p:txBody>
+          <a:bodyPr/>
+          <a:lstStyle/>
+          <a:p>
+            <a:r>
+              <a:rPr lang="en-US" dirty="0" smtClean="0"/>
+              <a:t>Conclusion</a:t>
+            </a:r>
+            <a:endParaRPr lang="en-US" dirty="0"/>
+          </a:p>
+        </p:txBody>
+      </p:sp>
+      <p:sp>
+        <p:nvSpPr>
+          <p:cNvPr id="3" name="Content Placeholder 2"/>
+          <p:cNvSpPr>
+            <a:spLocks noGrp="1"/>
+          </p:cNvSpPr>
+          <p:nvPr>
+            <p:ph idx="1"/>
+          </p:nvPr>
+        </p:nvSpPr>
+        <p:spPr/>
+        <p:txBody>
+          <a:bodyPr/>
+          <a:lstStyle/>
+          <a:p>
+            <a:endParaRPr lang="en-US"/>
+          </a:p>
+        </p:txBody>
+      </p:sp>
+    </p:spTree>
+    <p:extLst>
+      <p:ext uri="{BB962C8B-B14F-4D97-AF65-F5344CB8AC3E}">
+        <p14:creationId xmlns:p14="http://schemas.microsoft.com/office/powerpoint/2010/main" val="1826730619"/>
+      </p:ext>
+    </p:extLst>
+  </p:cSld>
+  <p:clrMapOvr>
+    <a:masterClrMapping/>
+  </p:clrMapOvr>
+</p:sld>
+</file>
+
+<file path=ppt/slides/slide27.xml><?xml version="1.0" encoding="utf-8"?>
+<p:sld xmlns:a="http://schemas.openxmlformats.org/drawingml/2006/main" xmlns:r="http://schemas.openxmlformats.org/officeDocument/2006/relationships" xmlns:p="http://schemas.openxmlformats.org/presentationml/2006/main">
+  <p:cSld>
+    <p:spTree>
+      <p:nvGrpSpPr>
+        <p:cNvPr id="1" name=""/>
+        <p:cNvGrpSpPr/>
+        <p:nvPr/>
+      </p:nvGrpSpPr>
+      <p:grpSpPr>
+        <a:xfrm>
+          <a:off x="0" y="0"/>
+          <a:ext cx="0" cy="0"/>
+          <a:chOff x="0" y="0"/>
+          <a:chExt cx="0" cy="0"/>
+        </a:xfrm>
+      </p:grpSpPr>
+      <p:sp>
+        <p:nvSpPr>
+          <p:cNvPr id="2" name="Title 1"/>
+          <p:cNvSpPr>
+            <a:spLocks noGrp="1"/>
+          </p:cNvSpPr>
+          <p:nvPr>
+            <p:ph type="title"/>
+          </p:nvPr>
+        </p:nvSpPr>
+        <p:spPr/>
+        <p:txBody>
+          <a:bodyPr/>
+          <a:lstStyle/>
+          <a:p>
+            <a:r>
+              <a:rPr lang="en-US" dirty="0"/>
+              <a:t>References</a:t>
+            </a:r>
+          </a:p>
+        </p:txBody>
+      </p:sp>
+      <p:sp>
+        <p:nvSpPr>
+          <p:cNvPr id="3" name="Content Placeholder 2"/>
+          <p:cNvSpPr>
+            <a:spLocks noGrp="1"/>
+          </p:cNvSpPr>
+          <p:nvPr>
+            <p:ph idx="1"/>
+          </p:nvPr>
+        </p:nvSpPr>
+        <p:spPr>
+          <a:xfrm>
+            <a:off x="457200" y="1600200"/>
+            <a:ext cx="7620000" cy="5102578"/>
+          </a:xfrm>
+        </p:spPr>
+        <p:txBody>
+          <a:bodyPr>
+            <a:normAutofit fontScale="92500" lnSpcReduction="20000"/>
+          </a:bodyPr>
+          <a:lstStyle/>
+          <a:p>
+            <a:r>
+              <a:rPr lang="es-ES" cap="small" dirty="0"/>
+              <a:t>Alvar</a:t>
+            </a:r>
+            <a:r>
+              <a:rPr lang="es-ES" dirty="0"/>
+              <a:t>, M. (1996). </a:t>
+            </a:r>
+            <a:r>
+              <a:rPr lang="es-ES" i="1" dirty="0"/>
+              <a:t>Manual de dialectología hispánica</a:t>
+            </a:r>
+            <a:r>
+              <a:rPr lang="es-ES" dirty="0"/>
+              <a:t>.  </a:t>
+            </a:r>
+            <a:r>
+              <a:rPr lang="en-US" dirty="0"/>
+              <a:t>Barcelona: Ariel. </a:t>
+            </a:r>
+          </a:p>
+          <a:p>
+            <a:r>
+              <a:rPr lang="en-US" cap="small" dirty="0"/>
+              <a:t>Canfield</a:t>
+            </a:r>
+            <a:r>
+              <a:rPr lang="en-US" dirty="0"/>
+              <a:t>, L. (1981).  </a:t>
+            </a:r>
+            <a:r>
+              <a:rPr lang="en-US" i="1" dirty="0"/>
+              <a:t>Spanish Pronunciation in the Americas</a:t>
+            </a:r>
+            <a:r>
+              <a:rPr lang="en-US" dirty="0"/>
+              <a:t>.  Chicago: U. of Chicago P. </a:t>
+            </a:r>
+          </a:p>
+          <a:p>
+            <a:r>
+              <a:rPr lang="en-US" cap="small" dirty="0" err="1"/>
+              <a:t>Colina</a:t>
+            </a:r>
+            <a:r>
+              <a:rPr lang="en-US" dirty="0"/>
+              <a:t>, S. (2009). </a:t>
+            </a:r>
+            <a:r>
+              <a:rPr lang="en-US" i="1" dirty="0"/>
+              <a:t>Spanish Phonology: A syllabic perspective</a:t>
+            </a:r>
+            <a:r>
+              <a:rPr lang="en-US" dirty="0"/>
+              <a:t>. Washington, DC: GUP. </a:t>
+            </a:r>
+          </a:p>
+          <a:p>
+            <a:r>
+              <a:rPr lang="en-US" cap="small" dirty="0"/>
+              <a:t>Harris</a:t>
+            </a:r>
+            <a:r>
+              <a:rPr lang="en-US" dirty="0"/>
+              <a:t>, J. W. (1983). </a:t>
+            </a:r>
+            <a:r>
+              <a:rPr lang="en-US" i="1" dirty="0"/>
+              <a:t>Syllable structure and stress in Spanish</a:t>
+            </a:r>
+            <a:r>
+              <a:rPr lang="en-US" dirty="0"/>
+              <a:t>. Cambridge, MA; MIT Press.</a:t>
+            </a:r>
+          </a:p>
+          <a:p>
+            <a:r>
+              <a:rPr lang="en-US" cap="small" dirty="0"/>
+              <a:t>Harris, J. W.  </a:t>
+            </a:r>
+            <a:r>
+              <a:rPr lang="en-US" dirty="0"/>
+              <a:t>and</a:t>
+            </a:r>
+            <a:r>
+              <a:rPr lang="en-US" cap="small" dirty="0"/>
+              <a:t> E. M. </a:t>
+            </a:r>
+            <a:r>
+              <a:rPr lang="en-US" cap="small" dirty="0" err="1"/>
+              <a:t>Kaisse</a:t>
+            </a:r>
+            <a:r>
+              <a:rPr lang="en-US" dirty="0"/>
+              <a:t>. (1999). Palatal vowels, glides, and </a:t>
+            </a:r>
+            <a:r>
+              <a:rPr lang="en-US" dirty="0" err="1"/>
+              <a:t>obstruents</a:t>
+            </a:r>
+            <a:r>
+              <a:rPr lang="en-US" dirty="0"/>
+              <a:t> in Argentinian Spanish. </a:t>
+            </a:r>
+            <a:r>
+              <a:rPr lang="en-US" i="1" dirty="0"/>
+              <a:t>Phonology</a:t>
+            </a:r>
+            <a:r>
+              <a:rPr lang="en-US" dirty="0"/>
+              <a:t> 16.117-190.</a:t>
+            </a:r>
+          </a:p>
+          <a:p>
+            <a:r>
+              <a:rPr lang="en-US" cap="small" dirty="0" err="1"/>
+              <a:t>Hualde</a:t>
+            </a:r>
+            <a:r>
+              <a:rPr lang="en-US" dirty="0"/>
+              <a:t>, J. I. (2005). </a:t>
+            </a:r>
+            <a:r>
+              <a:rPr lang="en-US" i="1" dirty="0"/>
+              <a:t>The Sounds of Spanish</a:t>
+            </a:r>
+            <a:r>
+              <a:rPr lang="en-US" dirty="0"/>
+              <a:t>. </a:t>
+            </a:r>
+            <a:r>
+              <a:rPr lang="es-ES" dirty="0"/>
+              <a:t>Cambridge, UK: CUP. </a:t>
+            </a:r>
+            <a:endParaRPr lang="en-US" dirty="0"/>
+          </a:p>
+          <a:p>
+            <a:r>
+              <a:rPr lang="es-ES" cap="small" dirty="0" err="1"/>
+              <a:t>Hualde</a:t>
+            </a:r>
+            <a:r>
+              <a:rPr lang="es-ES" dirty="0"/>
+              <a:t>, J.I. (2014) La </a:t>
+            </a:r>
+            <a:r>
+              <a:rPr lang="es-ES" dirty="0" err="1"/>
+              <a:t>silabificación</a:t>
+            </a:r>
+            <a:r>
+              <a:rPr lang="es-ES" dirty="0"/>
+              <a:t> en español. In </a:t>
+            </a:r>
+            <a:r>
+              <a:rPr lang="es-ES" cap="small" dirty="0"/>
+              <a:t>Núñez-Cedeño</a:t>
+            </a:r>
+            <a:r>
+              <a:rPr lang="es-ES" dirty="0"/>
+              <a:t>, et al. (Eds.). (2014). </a:t>
+            </a:r>
+            <a:r>
+              <a:rPr lang="es-ES" i="1" dirty="0"/>
+              <a:t>Fonología generativa contemporánea de la lengua española</a:t>
+            </a:r>
+            <a:r>
+              <a:rPr lang="es-ES" dirty="0"/>
+              <a:t>. </a:t>
+            </a:r>
+            <a:r>
+              <a:rPr lang="en-US" dirty="0"/>
+              <a:t>Washington, DC: Georgetown UP, pp. 195-215.</a:t>
+            </a:r>
+          </a:p>
+          <a:p>
+            <a:r>
+              <a:rPr lang="en-US" cap="small" dirty="0"/>
+              <a:t>Boersma</a:t>
+            </a:r>
+            <a:r>
+              <a:rPr lang="en-US" dirty="0"/>
+              <a:t>, P. &amp; </a:t>
+            </a:r>
+            <a:r>
+              <a:rPr lang="en-US" cap="small" dirty="0" err="1"/>
+              <a:t>Weenink</a:t>
+            </a:r>
+            <a:r>
+              <a:rPr lang="en-US" dirty="0"/>
+              <a:t>, D. (2018). </a:t>
+            </a:r>
+            <a:r>
+              <a:rPr lang="en-US" i="1" dirty="0" err="1"/>
+              <a:t>Praat</a:t>
+            </a:r>
+            <a:r>
+              <a:rPr lang="en-US" i="1" dirty="0"/>
+              <a:t>: doing phonetics by computer</a:t>
+            </a:r>
+            <a:r>
+              <a:rPr lang="en-US" dirty="0"/>
+              <a:t>. Version 6.0.39, retrieved 3 April 2018 from http://</a:t>
+            </a:r>
+            <a:r>
+              <a:rPr lang="en-US" dirty="0" err="1"/>
+              <a:t>www.praat.org</a:t>
+            </a:r>
+            <a:r>
+              <a:rPr lang="en-US" dirty="0"/>
+              <a:t>/.</a:t>
+            </a:r>
+          </a:p>
+          <a:p>
+            <a:pPr marL="114300" indent="0">
+              <a:buNone/>
+            </a:pPr>
+            <a:endParaRPr lang="en-US" dirty="0"/>
+          </a:p>
+          <a:p>
+            <a:endParaRPr lang="en-US" dirty="0"/>
+          </a:p>
+        </p:txBody>
+      </p:sp>
+    </p:spTree>
+    <p:extLst>
+      <p:ext uri="{BB962C8B-B14F-4D97-AF65-F5344CB8AC3E}">
+        <p14:creationId xmlns:p14="http://schemas.microsoft.com/office/powerpoint/2010/main" val="1953993528"/>
+      </p:ext>
+    </p:extLst>
+  </p:cSld>
+  <p:clrMapOvr>
+    <a:masterClrMapping/>
+  </p:clrMapOvr>
+  <p:timing>
+    <p:tnLst>
+      <p:par>
+        <p:cTn id="1" dur="indefinite" restart="never" nodeType="tmRoot"/>
+      </p:par>
+    </p:tnLst>
+  </p:timing>
+</p:sld>
+</file>
+
+<file path=ppt/slides/slide28.xml><?xml version="1.0" encoding="utf-8"?>
+<p:sld xmlns:a="http://schemas.openxmlformats.org/drawingml/2006/main" xmlns:r="http://schemas.openxmlformats.org/officeDocument/2006/relationships" xmlns:p="http://schemas.openxmlformats.org/presentationml/2006/main" showMasterSp="0">
+  <p:cSld>
+    <p:bg>
+      <p:bgPr>
+        <a:solidFill>
+          <a:schemeClr val="bg1"/>
+        </a:solidFill>
+        <a:effectLst/>
+      </p:bgPr>
+    </p:bg>
+    <p:spTree>
+      <p:nvGrpSpPr>
+        <p:cNvPr id="1" name=""/>
+        <p:cNvGrpSpPr/>
+        <p:nvPr/>
+      </p:nvGrpSpPr>
+      <p:grpSpPr>
+        <a:xfrm>
+          <a:off x="0" y="0"/>
+          <a:ext cx="0" cy="0"/>
+          <a:chOff x="0" y="0"/>
+          <a:chExt cx="0" cy="0"/>
+        </a:xfrm>
+      </p:grpSpPr>
+      <p:pic>
+        <p:nvPicPr>
+          <p:cNvPr id="2" name="Picture 1"/>
+          <p:cNvPicPr>
+            <a:picLocks noChangeAspect="1"/>
+          </p:cNvPicPr>
+          <p:nvPr/>
+        </p:nvPicPr>
+        <p:blipFill>
+          <a:blip r:embed="rId3">
+            <a:extLst>
+              <a:ext uri="{28A0092B-C50C-407E-A947-70E740481C1C}">
+                <a14:useLocalDpi xmlns:a14="http://schemas.microsoft.com/office/drawing/2010/main" val="0"/>
+              </a:ext>
+            </a:extLst>
+          </a:blip>
+          <a:stretch>
+            <a:fillRect/>
+          </a:stretch>
+        </p:blipFill>
+        <p:spPr>
+          <a:xfrm>
+            <a:off x="0" y="482600"/>
+            <a:ext cx="9144000" cy="5878286"/>
+          </a:xfrm>
+          <a:prstGeom prst="rect">
+            <a:avLst/>
+          </a:prstGeom>
+        </p:spPr>
+      </p:pic>
+    </p:spTree>
+    <p:extLst>
+      <p:ext uri="{BB962C8B-B14F-4D97-AF65-F5344CB8AC3E}">
+        <p14:creationId xmlns:p14="http://schemas.microsoft.com/office/powerpoint/2010/main" val="1682197105"/>
       </p:ext>
     </p:extLst>
   </p:cSld>
@@ -4826,7 +7831,7 @@
           <p:cNvPr id="2" name="Title 1">
             <a:extLst>
               <a:ext uri="{FF2B5EF4-FFF2-40B4-BE49-F238E27FC236}">
-                <a16:creationId xmlns:a16="http://schemas.microsoft.com/office/drawing/2014/main" id="{A07010FC-4E57-DB4A-AE74-BB164736ED48}"/>
+                <a16:creationId xmlns:a16="http://schemas.microsoft.com/office/drawing/2014/main" xmlns="" id="{A07010FC-4E57-DB4A-AE74-BB164736ED48}"/>
               </a:ext>
             </a:extLst>
           </p:cNvPr>
@@ -4854,7 +7859,7 @@
           <p:cNvPr id="3" name="Content Placeholder 2">
             <a:extLst>
               <a:ext uri="{FF2B5EF4-FFF2-40B4-BE49-F238E27FC236}">
-                <a16:creationId xmlns:a16="http://schemas.microsoft.com/office/drawing/2014/main" id="{16E71D18-0184-8E49-B2DD-4AC61CABB8F7}"/>
+                <a16:creationId xmlns:a16="http://schemas.microsoft.com/office/drawing/2014/main" xmlns="" id="{16E71D18-0184-8E49-B2DD-4AC61CABB8F7}"/>
               </a:ext>
             </a:extLst>
           </p:cNvPr>
@@ -4889,7 +7894,7 @@
           <p:cNvPr id="27" name="Content Placeholder 26">
             <a:extLst>
               <a:ext uri="{FF2B5EF4-FFF2-40B4-BE49-F238E27FC236}">
-                <a16:creationId xmlns:a16="http://schemas.microsoft.com/office/drawing/2014/main" id="{D2063125-9A3E-4441-BD2E-7ECF40AA8583}"/>
+                <a16:creationId xmlns:a16="http://schemas.microsoft.com/office/drawing/2014/main" xmlns="" id="{D2063125-9A3E-4441-BD2E-7ECF40AA8583}"/>
               </a:ext>
             </a:extLst>
           </p:cNvPr>
@@ -4924,7 +7929,7 @@
           <p:cNvPr id="24" name="TextBox 23">
             <a:extLst>
               <a:ext uri="{FF2B5EF4-FFF2-40B4-BE49-F238E27FC236}">
-                <a16:creationId xmlns:a16="http://schemas.microsoft.com/office/drawing/2014/main" id="{37DBAD5E-8726-834E-B8EF-F21E7CBEA464}"/>
+                <a16:creationId xmlns:a16="http://schemas.microsoft.com/office/drawing/2014/main" xmlns="" id="{37DBAD5E-8726-834E-B8EF-F21E7CBEA464}"/>
               </a:ext>
             </a:extLst>
           </p:cNvPr>
@@ -4994,7 +7999,7 @@
           <p:cNvPr id="29" name="Picture 28">
             <a:extLst>
               <a:ext uri="{FF2B5EF4-FFF2-40B4-BE49-F238E27FC236}">
-                <a16:creationId xmlns:a16="http://schemas.microsoft.com/office/drawing/2014/main" id="{05786AA7-A6D4-C540-A3E5-537391730D62}"/>
+                <a16:creationId xmlns:a16="http://schemas.microsoft.com/office/drawing/2014/main" xmlns="" id="{05786AA7-A6D4-C540-A3E5-537391730D62}"/>
               </a:ext>
             </a:extLst>
           </p:cNvPr>
@@ -5060,7 +8065,7 @@
           <p:cNvPr id="2" name="Title 1">
             <a:extLst>
               <a:ext uri="{FF2B5EF4-FFF2-40B4-BE49-F238E27FC236}">
-                <a16:creationId xmlns:a16="http://schemas.microsoft.com/office/drawing/2014/main" id="{A07010FC-4E57-DB4A-AE74-BB164736ED48}"/>
+                <a16:creationId xmlns:a16="http://schemas.microsoft.com/office/drawing/2014/main" xmlns="" id="{A07010FC-4E57-DB4A-AE74-BB164736ED48}"/>
               </a:ext>
             </a:extLst>
           </p:cNvPr>
@@ -5088,7 +8093,7 @@
           <p:cNvPr id="3" name="Content Placeholder 2">
             <a:extLst>
               <a:ext uri="{FF2B5EF4-FFF2-40B4-BE49-F238E27FC236}">
-                <a16:creationId xmlns:a16="http://schemas.microsoft.com/office/drawing/2014/main" id="{16E71D18-0184-8E49-B2DD-4AC61CABB8F7}"/>
+                <a16:creationId xmlns:a16="http://schemas.microsoft.com/office/drawing/2014/main" xmlns="" id="{16E71D18-0184-8E49-B2DD-4AC61CABB8F7}"/>
               </a:ext>
             </a:extLst>
           </p:cNvPr>
@@ -5111,7 +8116,7 @@
           <a:p>
             <a:r>
               <a:rPr lang="en-US" dirty="0"/>
-              <a:t>When the glide is prevocalic, but not postconsonantal (i.e., the onset is empty), the glide becomes an obstruent (with various degrees of aperture/constriction, e.g. approximant, fricative, stop, affricate) in most varieties of Spanish and it is parsed in the onset. .e., </a:t>
+              <a:t>In most varieties of Spanish, when the glide is prevocalic, but not postconsonantal (i.e., the onset is empty), the glide becomes an obstruent (with various degrees of aperture/constriction, e.g. approximant, fricative, stop, affricate) and it is parsed in the onset. .e., </a:t>
             </a:r>
             <a:r>
               <a:rPr lang="en-US" i="1" dirty="0"/>
@@ -5191,13 +8196,7 @@
             </a:r>
             <a:r>
               <a:rPr lang="en-US" dirty="0"/>
-              <a:t> 2009). </a:t>
-            </a:r>
-          </a:p>
-          <a:p>
-            <a:r>
-              <a:rPr lang="en-US" dirty="0"/>
-              <a:t>Glides are not possible onsets.</a:t>
+              <a:t> 2009).  In other words, glides are not possible onsets.</a:t>
             </a:r>
           </a:p>
         </p:txBody>
@@ -5207,7 +8206,7 @@
           <p:cNvPr id="7" name="Picture 6">
             <a:extLst>
               <a:ext uri="{FF2B5EF4-FFF2-40B4-BE49-F238E27FC236}">
-                <a16:creationId xmlns:a16="http://schemas.microsoft.com/office/drawing/2014/main" id="{A1F2D7A7-65CB-2D48-B04A-968935368B24}"/>
+                <a16:creationId xmlns:a16="http://schemas.microsoft.com/office/drawing/2014/main" xmlns="" id="{A1F2D7A7-65CB-2D48-B04A-968935368B24}"/>
               </a:ext>
             </a:extLst>
           </p:cNvPr>
@@ -5273,7 +8272,7 @@
           <p:cNvPr id="2" name="Title 1">
             <a:extLst>
               <a:ext uri="{FF2B5EF4-FFF2-40B4-BE49-F238E27FC236}">
-                <a16:creationId xmlns:a16="http://schemas.microsoft.com/office/drawing/2014/main" id="{A07010FC-4E57-DB4A-AE74-BB164736ED48}"/>
+                <a16:creationId xmlns:a16="http://schemas.microsoft.com/office/drawing/2014/main" xmlns="" id="{A07010FC-4E57-DB4A-AE74-BB164736ED48}"/>
               </a:ext>
             </a:extLst>
           </p:cNvPr>
@@ -5301,7 +8300,7 @@
           <p:cNvPr id="3" name="Content Placeholder 2">
             <a:extLst>
               <a:ext uri="{FF2B5EF4-FFF2-40B4-BE49-F238E27FC236}">
-                <a16:creationId xmlns:a16="http://schemas.microsoft.com/office/drawing/2014/main" id="{16E71D18-0184-8E49-B2DD-4AC61CABB8F7}"/>
+                <a16:creationId xmlns:a16="http://schemas.microsoft.com/office/drawing/2014/main" xmlns="" id="{16E71D18-0184-8E49-B2DD-4AC61CABB8F7}"/>
               </a:ext>
             </a:extLst>
           </p:cNvPr>
@@ -5426,7 +8425,7 @@
           <p:cNvPr id="2" name="Title 1">
             <a:extLst>
               <a:ext uri="{FF2B5EF4-FFF2-40B4-BE49-F238E27FC236}">
-                <a16:creationId xmlns:a16="http://schemas.microsoft.com/office/drawing/2014/main" id="{7F87B78A-232D-2847-A7AA-AFD7AA805FF4}"/>
+                <a16:creationId xmlns:a16="http://schemas.microsoft.com/office/drawing/2014/main" xmlns="" id="{7F87B78A-232D-2847-A7AA-AFD7AA805FF4}"/>
               </a:ext>
             </a:extLst>
           </p:cNvPr>
@@ -5454,7 +8453,7 @@
           <p:cNvPr id="3" name="Content Placeholder 2">
             <a:extLst>
               <a:ext uri="{FF2B5EF4-FFF2-40B4-BE49-F238E27FC236}">
-                <a16:creationId xmlns:a16="http://schemas.microsoft.com/office/drawing/2014/main" id="{87783A97-661D-C34A-A6B5-11F57DC14336}"/>
+                <a16:creationId xmlns:a16="http://schemas.microsoft.com/office/drawing/2014/main" xmlns="" id="{87783A97-661D-C34A-A6B5-11F57DC14336}"/>
               </a:ext>
             </a:extLst>
           </p:cNvPr>
@@ -5472,7 +8471,7 @@
           <a:p>
             <a:r>
               <a:rPr lang="en-US" dirty="0"/>
-              <a:t>Some Spanish varieties, such as the Spanish of Sonora, Mexico, allow for glides in the onset (Canfield 1981, Alvar 1996), i.e., </a:t>
+              <a:t>Some Spanish varieties, such as the Spanish of Sonora, Mexico, allow glides in the onset (Canfield 1981, Alvar 1996), i.e., </a:t>
             </a:r>
             <a:r>
               <a:rPr lang="en-US" i="1" dirty="0" err="1"/>
@@ -5527,12 +8526,6 @@
             <a:r>
               <a:rPr lang="en-US" dirty="0"/>
               <a:t>] (i.e. an onset cluster), rather than in the nucleus [ja]. </a:t>
-            </a:r>
-          </a:p>
-          <a:p>
-            <a:r>
-              <a:rPr lang="en-US" dirty="0"/>
-              <a:t>In more general terms, the question is: are prevocalic glides always part of an onset or can the glide be parsed in a complex nucleus preceding a full vowel (in a diphthong)? Onset parsing would suggest cross-dialectal variation in the syllabic affiliation of prevocalic glides. </a:t>
             </a:r>
           </a:p>
         </p:txBody>
@@ -5540,7 +8533,7 @@
     </p:spTree>
     <p:extLst>
       <p:ext uri="{BB962C8B-B14F-4D97-AF65-F5344CB8AC3E}">
-        <p14:creationId xmlns:p14="http://schemas.microsoft.com/office/powerpoint/2010/main" val="148460226"/>
+        <p14:creationId xmlns:p14="http://schemas.microsoft.com/office/powerpoint/2010/main" val="180445397"/>
       </p:ext>
     </p:extLst>
   </p:cSld>
@@ -5572,7 +8565,7 @@
           <p:cNvPr id="2" name="Title 1">
             <a:extLst>
               <a:ext uri="{FF2B5EF4-FFF2-40B4-BE49-F238E27FC236}">
-                <a16:creationId xmlns:a16="http://schemas.microsoft.com/office/drawing/2014/main" id="{7F87B78A-232D-2847-A7AA-AFD7AA805FF4}"/>
+                <a16:creationId xmlns:a16="http://schemas.microsoft.com/office/drawing/2014/main" xmlns="" id="{7F87B78A-232D-2847-A7AA-AFD7AA805FF4}"/>
               </a:ext>
             </a:extLst>
           </p:cNvPr>
@@ -5600,7 +8593,7 @@
           <p:cNvPr id="3" name="Content Placeholder 2">
             <a:extLst>
               <a:ext uri="{FF2B5EF4-FFF2-40B4-BE49-F238E27FC236}">
-                <a16:creationId xmlns:a16="http://schemas.microsoft.com/office/drawing/2014/main" id="{87783A97-661D-C34A-A6B5-11F57DC14336}"/>
+                <a16:creationId xmlns:a16="http://schemas.microsoft.com/office/drawing/2014/main" xmlns="" id="{87783A97-661D-C34A-A6B5-11F57DC14336}"/>
               </a:ext>
             </a:extLst>
           </p:cNvPr>
@@ -5618,61 +8611,19 @@
           <a:p>
             <a:r>
               <a:rPr lang="en-US" dirty="0"/>
-              <a:t>Some Spanish varieties, such as the Spanish of Sonora, Mexico, allow for glides in the onset (Canfield 1981, Alvar 1996), i.e., </a:t>
-            </a:r>
-            <a:r>
-              <a:rPr lang="en-US" i="1" dirty="0" err="1"/>
-              <a:t>creyendo</a:t>
-            </a:r>
-            <a:r>
-              <a:rPr lang="en-US" dirty="0"/>
-              <a:t> ‘believing’ [</a:t>
-            </a:r>
-            <a:r>
-              <a:rPr lang="en-US" dirty="0" err="1"/>
-              <a:t>kre.jen.do</a:t>
-            </a:r>
-            <a:r>
-              <a:rPr lang="en-US" dirty="0"/>
-              <a:t>] (they do not become </a:t>
-            </a:r>
-            <a:r>
-              <a:rPr lang="en-US" dirty="0" err="1"/>
-              <a:t>obstruents</a:t>
-            </a:r>
-            <a:r>
-              <a:rPr lang="en-US" dirty="0"/>
-              <a:t>).</a:t>
-            </a:r>
-          </a:p>
-          <a:p>
-            <a:r>
-              <a:rPr lang="en-US" dirty="0"/>
-              <a:t>Consequently, a glide preceded by a consonant (e.g., </a:t>
-            </a:r>
-            <a:r>
-              <a:rPr lang="en-US" i="1" dirty="0" err="1"/>
-              <a:t>i</a:t>
-            </a:r>
-            <a:r>
-              <a:rPr lang="en-US" dirty="0"/>
-              <a:t> in </a:t>
-            </a:r>
-            <a:r>
-              <a:rPr lang="en-US" i="1" dirty="0"/>
-              <a:t>tiara</a:t>
-            </a:r>
-            <a:r>
-              <a:rPr lang="en-US" dirty="0"/>
-              <a:t>) could in principle be parsed as the second element in the onset [</a:t>
-            </a:r>
-            <a:r>
-              <a:rPr lang="en-US" dirty="0" err="1"/>
-              <a:t>tj</a:t>
-            </a:r>
-            <a:r>
-              <a:rPr lang="en-US" dirty="0"/>
-              <a:t>] (i.e. an onset cluster), rather than in the nucleus [ja]. </a:t>
+              <a:t>Is a postconsonantal, prevocalic glide parsed as the second segment of a complex onset in Sonoran Spanish?</a:t>
+            </a:r>
+          </a:p>
+          <a:p>
+            <a:pPr marL="114300" indent="0">
+              <a:buNone/>
+            </a:pPr>
+            <a:endParaRPr lang="en-US" dirty="0"/>
+          </a:p>
+          <a:p>
+            <a:r>
+              <a:rPr lang="en-US" dirty="0"/>
+              <a:t>In more general terms, the question is: are prevocalic glides always part of an onset or can the glide be parsed in a complex nucleus preceding a full vowel (in a diphthong)? </a:t>
             </a:r>
           </a:p>
         </p:txBody>
@@ -5680,7 +8631,7 @@
     </p:spTree>
     <p:extLst>
       <p:ext uri="{BB962C8B-B14F-4D97-AF65-F5344CB8AC3E}">
-        <p14:creationId xmlns:p14="http://schemas.microsoft.com/office/powerpoint/2010/main" val="180445397"/>
+        <p14:creationId xmlns:p14="http://schemas.microsoft.com/office/powerpoint/2010/main" val="148460226"/>
       </p:ext>
     </p:extLst>
   </p:cSld>
@@ -5712,7 +8663,7 @@
           <p:cNvPr id="2" name="Title 1">
             <a:extLst>
               <a:ext uri="{FF2B5EF4-FFF2-40B4-BE49-F238E27FC236}">
-                <a16:creationId xmlns:a16="http://schemas.microsoft.com/office/drawing/2014/main" id="{D45FBAD9-A6F8-2445-A34C-CB0DFE2F2A3E}"/>
+                <a16:creationId xmlns:a16="http://schemas.microsoft.com/office/drawing/2014/main" xmlns="" id="{D45FBAD9-A6F8-2445-A34C-CB0DFE2F2A3E}"/>
               </a:ext>
             </a:extLst>
           </p:cNvPr>
@@ -5740,7 +8691,7 @@
           <p:cNvPr id="3" name="Content Placeholder 2">
             <a:extLst>
               <a:ext uri="{FF2B5EF4-FFF2-40B4-BE49-F238E27FC236}">
-                <a16:creationId xmlns:a16="http://schemas.microsoft.com/office/drawing/2014/main" id="{E2A13F4D-2C12-9242-B657-F4F8E7140D18}"/>
+                <a16:creationId xmlns:a16="http://schemas.microsoft.com/office/drawing/2014/main" xmlns="" id="{E2A13F4D-2C12-9242-B657-F4F8E7140D18}"/>
               </a:ext>
             </a:extLst>
           </p:cNvPr>
@@ -5753,12 +8704,14 @@
         </p:nvSpPr>
         <p:spPr/>
         <p:txBody>
-          <a:bodyPr/>
-          <a:lstStyle/>
-          <a:p>
-            <a:r>
-              <a:rPr lang="en-US" dirty="0"/>
-              <a:t>Can a postconsonantal, prevocalic glide be parsed as the second segment of a complex onset in Sonoran Spanish?</a:t>
+          <a:bodyPr>
+            <a:normAutofit/>
+          </a:bodyPr>
+          <a:lstStyle/>
+          <a:p>
+            <a:r>
+              <a:rPr lang="en-US" dirty="0"/>
+              <a:t>Onset parsing would suggest cross-dialectal variation in the syllabic affiliation of prevocalic glides. </a:t>
             </a:r>
           </a:p>
           <a:p>
@@ -5767,7 +8720,128 @@
           <a:p>
             <a:r>
               <a:rPr lang="en-US" dirty="0"/>
-              <a:t>In more general terms, the question is: are prevocalic glides always part of an onset or can the glide be parsed in a complex nucleus preceding a full vowel (in a diphthong)? </a:t>
+              <a:t>It is reasonable to assume that dialectal variation could also affect syllabification/syllabic affiliation, but little is known about cross-dialectal variation in Spanish syllabification. </a:t>
+            </a:r>
+          </a:p>
+          <a:p>
+            <a:endParaRPr lang="en-US" dirty="0"/>
+          </a:p>
+          <a:p>
+            <a:r>
+              <a:rPr lang="en-US" dirty="0"/>
+              <a:t>Onset parsing of the prevocalic glide would bear out the predictions of an optimality-theoretic factorial typology in which constraint reranking predicts possible patterns of variation: (</a:t>
+            </a:r>
+            <a:r>
+              <a:rPr lang="en-US" dirty="0" err="1"/>
+              <a:t>i</a:t>
+            </a:r>
+            <a:r>
+              <a:rPr lang="en-US" dirty="0"/>
+              <a:t>) </a:t>
+            </a:r>
+            <a:r>
+              <a:rPr lang="en-US" cap="small" dirty="0"/>
+              <a:t>Onset</a:t>
+            </a:r>
+            <a:r>
+              <a:rPr lang="en-US" dirty="0"/>
+              <a:t>, *</a:t>
+            </a:r>
+            <a:r>
+              <a:rPr lang="en-US" cap="small" dirty="0"/>
+              <a:t>Onset/</a:t>
+            </a:r>
+            <a:r>
+              <a:rPr lang="en-US" dirty="0"/>
+              <a:t>glide &gt;&gt; *</a:t>
+            </a:r>
+            <a:r>
+              <a:rPr lang="en-US" cap="small" dirty="0"/>
+              <a:t>Complex </a:t>
+            </a:r>
+            <a:r>
+              <a:rPr lang="en-US" cap="small" dirty="0" err="1"/>
+              <a:t>Nuc</a:t>
+            </a:r>
+            <a:r>
+              <a:rPr lang="en-US" cap="small" dirty="0"/>
+              <a:t>, </a:t>
+            </a:r>
+            <a:r>
+              <a:rPr lang="en-US" cap="small"/>
+              <a:t>Max</a:t>
+            </a:r>
+            <a:r>
+              <a:rPr lang="en-US"/>
+              <a:t>-IO𝝻,</a:t>
+            </a:r>
+            <a:r>
+              <a:rPr lang="en-US" cap="small"/>
+              <a:t> </a:t>
+            </a:r>
+            <a:r>
+              <a:rPr lang="en-US" cap="small" dirty="0"/>
+              <a:t>Ident</a:t>
+            </a:r>
+            <a:r>
+              <a:rPr lang="en-US" dirty="0"/>
+              <a:t>(cons) (nuclear glide) (ii) </a:t>
+            </a:r>
+            <a:r>
+              <a:rPr lang="en-US" cap="small" dirty="0"/>
+              <a:t>Onset, </a:t>
+            </a:r>
+            <a:r>
+              <a:rPr lang="en-US" dirty="0"/>
+              <a:t>*</a:t>
+            </a:r>
+            <a:r>
+              <a:rPr lang="en-US" cap="small" dirty="0"/>
+              <a:t>Complex </a:t>
+            </a:r>
+            <a:r>
+              <a:rPr lang="en-US" cap="small" dirty="0" err="1"/>
+              <a:t>Nuc</a:t>
+            </a:r>
+            <a:r>
+              <a:rPr lang="en-US" cap="small" dirty="0"/>
+              <a:t> </a:t>
+            </a:r>
+            <a:r>
+              <a:rPr lang="en-US" dirty="0"/>
+              <a:t>&gt;&gt; </a:t>
+            </a:r>
+            <a:r>
+              <a:rPr lang="en-US" cap="small" dirty="0"/>
+              <a:t>*Onset</a:t>
+            </a:r>
+            <a:r>
+              <a:rPr lang="en-US" dirty="0"/>
+              <a:t>/glide, </a:t>
+            </a:r>
+            <a:r>
+              <a:rPr lang="en-US" cap="small" dirty="0"/>
+              <a:t>Max</a:t>
+            </a:r>
+            <a:r>
+              <a:rPr lang="en-US" dirty="0"/>
+              <a:t>-IO𝝻</a:t>
+            </a:r>
+            <a:r>
+              <a:rPr lang="en-US" cap="small" dirty="0"/>
+              <a:t>, Ident</a:t>
+            </a:r>
+            <a:r>
+              <a:rPr lang="en-US" dirty="0"/>
+              <a:t>(cons) (onset glide) (</a:t>
+            </a:r>
+            <a:r>
+              <a:rPr lang="en-US" dirty="0" err="1"/>
+              <a:t>Colina</a:t>
+            </a:r>
+            <a:r>
+              <a:rPr lang="en-US" dirty="0"/>
+              <a:t> 2009).</a:t>
             </a:r>
           </a:p>
           <a:p>
@@ -5778,7 +8852,7 @@
     </p:spTree>
     <p:extLst>
       <p:ext uri="{BB962C8B-B14F-4D97-AF65-F5344CB8AC3E}">
-        <p14:creationId xmlns:p14="http://schemas.microsoft.com/office/powerpoint/2010/main" val="2931793194"/>
+        <p14:creationId xmlns:p14="http://schemas.microsoft.com/office/powerpoint/2010/main" val="1680751692"/>
       </p:ext>
     </p:extLst>
   </p:cSld>
@@ -5810,7 +8884,7 @@
           <p:cNvPr id="2" name="Title 1">
             <a:extLst>
               <a:ext uri="{FF2B5EF4-FFF2-40B4-BE49-F238E27FC236}">
-                <a16:creationId xmlns:a16="http://schemas.microsoft.com/office/drawing/2014/main" id="{D45FBAD9-A6F8-2445-A34C-CB0DFE2F2A3E}"/>
+                <a16:creationId xmlns:a16="http://schemas.microsoft.com/office/drawing/2014/main" xmlns="" id="{6CCAD466-EE8C-0B4E-B0DF-08BF74C467A5}"/>
               </a:ext>
             </a:extLst>
           </p:cNvPr>
@@ -5828,7 +8902,7 @@
           <a:p>
             <a:r>
               <a:rPr lang="en-US" dirty="0"/>
-              <a:t>Research question</a:t>
+              <a:t>Experimental design</a:t>
             </a:r>
           </a:p>
         </p:txBody>
@@ -5838,7 +8912,7 @@
           <p:cNvPr id="3" name="Content Placeholder 2">
             <a:extLst>
               <a:ext uri="{FF2B5EF4-FFF2-40B4-BE49-F238E27FC236}">
-                <a16:creationId xmlns:a16="http://schemas.microsoft.com/office/drawing/2014/main" id="{E2A13F4D-2C12-9242-B657-F4F8E7140D18}"/>
+                <a16:creationId xmlns:a16="http://schemas.microsoft.com/office/drawing/2014/main" xmlns="" id="{E1802F1D-6C4A-BA4F-AFEA-EF28322B2A17}"/>
               </a:ext>
             </a:extLst>
           </p:cNvPr>
@@ -5851,32 +8925,24 @@
         </p:nvSpPr>
         <p:spPr/>
         <p:txBody>
-          <a:bodyPr>
-            <a:normAutofit/>
-          </a:bodyPr>
-          <a:lstStyle/>
-          <a:p>
-            <a:r>
-              <a:rPr lang="en-US" dirty="0"/>
-              <a:t>Onset parsing would suggest cross-dialectal variation in the syllabic affiliation of prevocalic glides. </a:t>
-            </a:r>
-          </a:p>
-          <a:p>
-            <a:endParaRPr lang="en-US" dirty="0"/>
-          </a:p>
-          <a:p>
-            <a:r>
-              <a:rPr lang="en-US" dirty="0"/>
-              <a:t>It is reasonable to assume that dialectal variation could also affect syllabification/syllabic affiliation, but little is known about cross-dialectal variation in Spanish syllabification. </a:t>
-            </a:r>
-          </a:p>
-          <a:p>
-            <a:endParaRPr lang="en-US" dirty="0"/>
-          </a:p>
-          <a:p>
-            <a:r>
-              <a:rPr lang="en-US" dirty="0"/>
-              <a:t>Onset parsing of the prevocalic glide would bear out the predictions of an optimality-theoretic factorial typology in which constraint reranking predicts possible patterns of variation: (</a:t>
+          <a:bodyPr/>
+          <a:lstStyle/>
+          <a:p>
+            <a:r>
+              <a:rPr lang="en-US" dirty="0"/>
+              <a:t>Oral data </a:t>
+            </a:r>
+          </a:p>
+          <a:p>
+            <a:r>
+              <a:rPr lang="en-US" dirty="0"/>
+              <a:t>10 speakers of Sonoran Mexican Spanish (limited English proficiency) </a:t>
+            </a:r>
+          </a:p>
+          <a:p>
+            <a:r>
+              <a:rPr lang="en-US" dirty="0"/>
+              <a:t>Two tasks: (</a:t>
             </a:r>
             <a:r>
               <a:rPr lang="en-US" dirty="0" err="1"/>
@@ -5884,123 +8950,37 @@
             </a:r>
             <a:r>
               <a:rPr lang="en-US" dirty="0"/>
-              <a:t>) </a:t>
-            </a:r>
-            <a:r>
-              <a:rPr lang="en-US" cap="small" dirty="0"/>
-              <a:t>Onset</a:t>
-            </a:r>
-            <a:r>
-              <a:rPr lang="en-US" dirty="0"/>
-              <a:t>, *</a:t>
-            </a:r>
-            <a:r>
-              <a:rPr lang="en-US" cap="small" dirty="0"/>
-              <a:t>Onset/</a:t>
-            </a:r>
-            <a:r>
-              <a:rPr lang="en-US" dirty="0"/>
-              <a:t>glide &gt;&gt; *</a:t>
-            </a:r>
-            <a:r>
-              <a:rPr lang="en-US" cap="small" dirty="0"/>
-              <a:t>Complex </a:t>
-            </a:r>
-            <a:r>
-              <a:rPr lang="en-US" cap="small" dirty="0" err="1"/>
-              <a:t>Nuc</a:t>
-            </a:r>
-            <a:r>
-              <a:rPr lang="en-US" cap="small" dirty="0"/>
-              <a:t>, Max</a:t>
-            </a:r>
-            <a:r>
-              <a:rPr lang="en-US" dirty="0"/>
-              <a:t>-</a:t>
+              <a:t>) oral recorded phrase reading (e.g. “</a:t>
             </a:r>
             <a:r>
               <a:rPr lang="en-US" dirty="0" err="1"/>
-              <a:t>IO</a:t>
-            </a:r>
-            <a:r>
-              <a:rPr lang="en-US" cap="small" dirty="0" err="1"/>
-              <a:t>m</a:t>
-            </a:r>
-            <a:r>
-              <a:rPr lang="en-US" dirty="0"/>
-              <a:t>,</a:t>
-            </a:r>
-            <a:r>
-              <a:rPr lang="en-US" cap="small" dirty="0"/>
-              <a:t> Ident</a:t>
-            </a:r>
-            <a:r>
-              <a:rPr lang="en-US" dirty="0"/>
-              <a:t>(cons) (nuclear glide) (ii) </a:t>
-            </a:r>
-            <a:r>
-              <a:rPr lang="en-US" cap="small" dirty="0"/>
-              <a:t>Onset, </a:t>
-            </a:r>
-            <a:r>
-              <a:rPr lang="en-US" dirty="0"/>
-              <a:t>*</a:t>
-            </a:r>
-            <a:r>
-              <a:rPr lang="en-US" cap="small" dirty="0"/>
-              <a:t>Complex </a:t>
-            </a:r>
-            <a:r>
-              <a:rPr lang="en-US" cap="small" dirty="0" err="1"/>
-              <a:t>Nuc</a:t>
-            </a:r>
-            <a:r>
-              <a:rPr lang="en-US" cap="small" dirty="0"/>
+              <a:t>Digo</a:t>
+            </a:r>
+            <a:r>
+              <a:rPr lang="en-US" dirty="0"/>
+              <a:t> ___ </a:t>
+            </a:r>
+            <a:r>
+              <a:rPr lang="en-US" dirty="0" err="1"/>
+              <a:t>porque</a:t>
+            </a:r>
+            <a:r>
+              <a:rPr lang="en-US" dirty="0"/>
               <a:t> </a:t>
             </a:r>
             <a:r>
-              <a:rPr lang="en-US" dirty="0"/>
-              <a:t>&gt;&gt; </a:t>
-            </a:r>
-            <a:r>
-              <a:rPr lang="en-US" cap="small" dirty="0"/>
-              <a:t>*Onset</a:t>
-            </a:r>
-            <a:r>
-              <a:rPr lang="en-US" dirty="0"/>
-              <a:t>/glide, </a:t>
-            </a:r>
-            <a:r>
-              <a:rPr lang="en-US" cap="small" dirty="0"/>
-              <a:t>Max</a:t>
-            </a:r>
-            <a:r>
-              <a:rPr lang="en-US" dirty="0"/>
-              <a:t>-</a:t>
-            </a:r>
-            <a:r>
               <a:rPr lang="en-US" dirty="0" err="1"/>
-              <a:t>IO</a:t>
-            </a:r>
-            <a:r>
-              <a:rPr lang="en-US" cap="small" dirty="0" err="1"/>
-              <a:t>m</a:t>
-            </a:r>
-            <a:r>
-              <a:rPr lang="en-US" cap="small" dirty="0"/>
-              <a:t>, Ident</a:t>
-            </a:r>
-            <a:r>
-              <a:rPr lang="en-US" dirty="0"/>
-              <a:t>(cons) (onset glide) (</a:t>
-            </a:r>
-            <a:r>
-              <a:rPr lang="en-US" dirty="0" err="1"/>
-              <a:t>Colina</a:t>
-            </a:r>
-            <a:r>
-              <a:rPr lang="en-US" dirty="0"/>
-              <a:t> 2009).</a:t>
+              <a:t>sí</a:t>
+            </a:r>
+            <a:r>
+              <a:rPr lang="en-US" dirty="0"/>
+              <a:t>”) (ii) an oral syllable division task. </a:t>
+            </a:r>
+          </a:p>
+          <a:p>
+            <a:r>
+              <a:rPr lang="en-US" dirty="0"/>
+              <a:t>Stimuli:  two sets, each had 23 nonce words (alongside 23 fillers) with a C+G+V sequence </a:t>
             </a:r>
           </a:p>
           <a:p>
@@ -6011,7 +8991,7 @@
     </p:spTree>
     <p:extLst>
       <p:ext uri="{BB962C8B-B14F-4D97-AF65-F5344CB8AC3E}">
-        <p14:creationId xmlns:p14="http://schemas.microsoft.com/office/powerpoint/2010/main" val="1680751692"/>
+        <p14:creationId xmlns:p14="http://schemas.microsoft.com/office/powerpoint/2010/main" val="276237932"/>
       </p:ext>
     </p:extLst>
   </p:cSld>

--- a/Colina, Casillas & Díaz HLS 2018.pptx
+++ b/Colina, Casillas & Díaz HLS 2018.pptx
@@ -5,10 +5,10 @@
     <p:sldMasterId id="2147483950" r:id="rId1"/>
   </p:sldMasterIdLst>
   <p:notesMasterIdLst>
-    <p:notesMasterId r:id="rId30"/>
+    <p:notesMasterId r:id="rId32"/>
   </p:notesMasterIdLst>
   <p:handoutMasterIdLst>
-    <p:handoutMasterId r:id="rId31"/>
+    <p:handoutMasterId r:id="rId33"/>
   </p:handoutMasterIdLst>
   <p:sldIdLst>
     <p:sldId id="256" r:id="rId2"/>
@@ -35,10 +35,12 @@
     <p:sldId id="334" r:id="rId23"/>
     <p:sldId id="335" r:id="rId24"/>
     <p:sldId id="336" r:id="rId25"/>
-    <p:sldId id="337" r:id="rId26"/>
-    <p:sldId id="338" r:id="rId27"/>
-    <p:sldId id="300" r:id="rId28"/>
-    <p:sldId id="326" r:id="rId29"/>
+    <p:sldId id="340" r:id="rId26"/>
+    <p:sldId id="337" r:id="rId27"/>
+    <p:sldId id="339" r:id="rId28"/>
+    <p:sldId id="338" r:id="rId29"/>
+    <p:sldId id="300" r:id="rId30"/>
+    <p:sldId id="326" r:id="rId31"/>
   </p:sldIdLst>
   <p:sldSz cx="9144000" cy="6858000" type="screen4x3"/>
   <p:notesSz cx="7010400" cy="9296400"/>
@@ -238,7 +240,7 @@
           <a:p>
             <a:fld id="{F7A997DC-2566-1F49-938B-F7FAC7252CD3}" type="datetimeFigureOut">
               <a:rPr lang="en-US" smtClean="0"/>
-              <a:t>10/13/18</a:t>
+              <a:t>10/18/18</a:t>
             </a:fld>
             <a:endParaRPr lang="en-US"/>
           </a:p>
@@ -403,7 +405,7 @@
           <a:p>
             <a:fld id="{52DA3CF6-9E1E-1346-B10E-CF7AE5F98066}" type="datetimeFigureOut">
               <a:rPr lang="en-US" smtClean="0"/>
-              <a:t>10/13/18</a:t>
+              <a:t>10/18/18</a:t>
             </a:fld>
             <a:endParaRPr lang="es-ES_tradnl"/>
           </a:p>
@@ -715,132 +717,132 @@
           <a:lstStyle/>
           <a:p>
             <a:r>
-              <a:rPr lang="en-US" dirty="0" smtClean="0"/>
+              <a:rPr lang="en-US" dirty="0"/>
               <a:t>The</a:t>
             </a:r>
             <a:r>
-              <a:rPr lang="en-US" baseline="0" dirty="0" smtClean="0"/>
+              <a:rPr lang="en-US" baseline="0" dirty="0"/>
               <a:t> first task examines two main questions: </a:t>
             </a:r>
           </a:p>
           <a:p>
             <a:r>
-              <a:rPr lang="en-US" baseline="0" dirty="0" smtClean="0"/>
+              <a:rPr lang="en-US" baseline="0" dirty="0"/>
               <a:t>First, how do participants syllabify the </a:t>
             </a:r>
             <a:r>
-              <a:rPr lang="en-US" baseline="0" dirty="0" err="1" smtClean="0"/>
+              <a:rPr lang="en-US" baseline="0" dirty="0" err="1"/>
               <a:t>nonse</a:t>
             </a:r>
             <a:r>
-              <a:rPr lang="en-US" baseline="0" dirty="0" smtClean="0"/>
+              <a:rPr lang="en-US" baseline="0" dirty="0"/>
               <a:t> words? Is glide-vowel-glide a possible realization?</a:t>
             </a:r>
           </a:p>
           <a:p>
             <a:r>
-              <a:rPr lang="en-US" baseline="0" dirty="0" smtClean="0"/>
+              <a:rPr lang="en-US" baseline="0" dirty="0"/>
               <a:t>Second, are responses predicted by the type of glide of the preceding consonant?</a:t>
             </a:r>
           </a:p>
           <a:p>
-            <a:endParaRPr lang="en-US" baseline="0" dirty="0" smtClean="0"/>
-          </a:p>
-          <a:p>
-            <a:r>
-              <a:rPr lang="en-US" baseline="0" dirty="0" smtClean="0"/>
+            <a:endParaRPr lang="en-US" baseline="0" dirty="0"/>
+          </a:p>
+          <a:p>
+            <a:r>
+              <a:rPr lang="en-US" baseline="0" dirty="0"/>
               <a:t>To answer these questions we coded the responses in the following manner: </a:t>
             </a:r>
           </a:p>
           <a:p>
             <a:r>
-              <a:rPr lang="en-US" baseline="0" dirty="0" smtClean="0"/>
+              <a:rPr lang="en-US" baseline="0" dirty="0"/>
               <a:t>Triphthong, Hiatus, or Simplification (can read direct from slide) </a:t>
             </a:r>
           </a:p>
           <a:p>
             <a:r>
-              <a:rPr lang="en-US" baseline="0" dirty="0" smtClean="0"/>
+              <a:rPr lang="en-US" baseline="0" dirty="0"/>
               <a:t>Explain example word “lakapiasto” for each possible realization</a:t>
             </a:r>
           </a:p>
           <a:p>
-            <a:endParaRPr lang="en-US" dirty="0" smtClean="0"/>
-          </a:p>
-          <a:p>
-            <a:r>
-              <a:rPr lang="en-US" dirty="0" smtClean="0"/>
+            <a:endParaRPr lang="en-US" dirty="0"/>
+          </a:p>
+          <a:p>
+            <a:r>
+              <a:rPr lang="en-US" dirty="0"/>
               <a:t>We fit the data using a multinomial</a:t>
             </a:r>
             <a:r>
-              <a:rPr lang="en-US" baseline="0" dirty="0" smtClean="0"/>
+              <a:rPr lang="en-US" baseline="0" dirty="0"/>
               <a:t> mixed-effects model with</a:t>
             </a:r>
           </a:p>
           <a:p>
             <a:r>
-              <a:rPr lang="en-US" b="1" baseline="0" dirty="0" smtClean="0"/>
+              <a:rPr lang="en-US" b="1" baseline="0" dirty="0"/>
               <a:t>response </a:t>
             </a:r>
             <a:r>
-              <a:rPr lang="en-US" b="0" baseline="0" dirty="0" smtClean="0"/>
+              <a:rPr lang="en-US" b="0" baseline="0" dirty="0"/>
               <a:t>as the criterion and</a:t>
             </a:r>
           </a:p>
           <a:p>
             <a:r>
-              <a:rPr lang="en-US" b="1" baseline="0" dirty="0" smtClean="0"/>
+              <a:rPr lang="en-US" b="1" baseline="0" dirty="0"/>
               <a:t>Glide type </a:t>
             </a:r>
             <a:r>
-              <a:rPr lang="en-US" b="0" baseline="0" dirty="0" smtClean="0"/>
+              <a:rPr lang="en-US" b="0" baseline="0" dirty="0"/>
               <a:t>and </a:t>
             </a:r>
             <a:r>
-              <a:rPr lang="en-US" b="1" baseline="0" dirty="0" smtClean="0"/>
+              <a:rPr lang="en-US" b="1" baseline="0" dirty="0"/>
               <a:t>preceding consonant</a:t>
             </a:r>
             <a:r>
-              <a:rPr lang="en-US" b="0" baseline="0" dirty="0" smtClean="0"/>
+              <a:rPr lang="en-US" b="0" baseline="0" dirty="0"/>
               <a:t> as fixed effects</a:t>
             </a:r>
           </a:p>
           <a:p>
             <a:r>
-              <a:rPr lang="en-US" b="0" baseline="0" dirty="0" smtClean="0"/>
+              <a:rPr lang="en-US" b="0" baseline="0" dirty="0"/>
               <a:t>The model included by-subjects and by-items intercepts with random </a:t>
             </a:r>
           </a:p>
           <a:p>
             <a:r>
-              <a:rPr lang="en-US" b="0" baseline="0" dirty="0" smtClean="0"/>
+              <a:rPr lang="en-US" b="0" baseline="0" dirty="0"/>
               <a:t>slopes for glide_type and preceding consonant</a:t>
             </a:r>
           </a:p>
           <a:p>
-            <a:endParaRPr lang="en-US" b="1" dirty="0" smtClean="0"/>
-          </a:p>
-          <a:p>
-            <a:r>
-              <a:rPr lang="en-US" dirty="0" smtClean="0"/>
+            <a:endParaRPr lang="en-US" b="1" dirty="0"/>
+          </a:p>
+          <a:p>
+            <a:r>
+              <a:rPr lang="en-US" dirty="0"/>
               <a:t>The</a:t>
             </a:r>
             <a:r>
-              <a:rPr lang="en-US" baseline="0" dirty="0" smtClean="0"/>
+              <a:rPr lang="en-US" baseline="0" dirty="0"/>
               <a:t> m</a:t>
             </a:r>
             <a:r>
-              <a:rPr lang="en-US" dirty="0" smtClean="0"/>
+              <a:rPr lang="en-US" dirty="0"/>
               <a:t>odel found that responses did not vary as a function of the </a:t>
             </a:r>
             <a:r>
-              <a:rPr lang="en-US" baseline="0" dirty="0" smtClean="0"/>
+              <a:rPr lang="en-US" baseline="0" dirty="0"/>
               <a:t>glide type </a:t>
             </a:r>
           </a:p>
           <a:p>
             <a:r>
-              <a:rPr lang="en-US" baseline="0" dirty="0" smtClean="0"/>
+              <a:rPr lang="en-US" baseline="0" dirty="0"/>
               <a:t>nor the preceding consonant, so we will look at overall response rates</a:t>
             </a:r>
             <a:endParaRPr lang="en-US" dirty="0"/>
@@ -874,6 +876,221 @@
     <p:extLst>
       <p:ext uri="{BB962C8B-B14F-4D97-AF65-F5344CB8AC3E}">
         <p14:creationId xmlns:p14="http://schemas.microsoft.com/office/powerpoint/2010/main" val="893800227"/>
+      </p:ext>
+    </p:extLst>
+  </p:cSld>
+  <p:clrMapOvr>
+    <a:masterClrMapping/>
+  </p:clrMapOvr>
+</p:notes>
+</file>
+
+<file path=ppt/notesSlides/notesSlide10.xml><?xml version="1.0" encoding="utf-8"?>
+<p:notes xmlns:a="http://schemas.openxmlformats.org/drawingml/2006/main" xmlns:r="http://schemas.openxmlformats.org/officeDocument/2006/relationships" xmlns:p="http://schemas.openxmlformats.org/presentationml/2006/main">
+  <p:cSld>
+    <p:spTree>
+      <p:nvGrpSpPr>
+        <p:cNvPr id="1" name=""/>
+        <p:cNvGrpSpPr/>
+        <p:nvPr/>
+      </p:nvGrpSpPr>
+      <p:grpSpPr>
+        <a:xfrm>
+          <a:off x="0" y="0"/>
+          <a:ext cx="0" cy="0"/>
+          <a:chOff x="0" y="0"/>
+          <a:chExt cx="0" cy="0"/>
+        </a:xfrm>
+      </p:grpSpPr>
+      <p:sp>
+        <p:nvSpPr>
+          <p:cNvPr id="2" name="Slide Image Placeholder 1"/>
+          <p:cNvSpPr>
+            <a:spLocks noGrp="1" noRot="1" noChangeAspect="1"/>
+          </p:cNvSpPr>
+          <p:nvPr>
+            <p:ph type="sldImg"/>
+          </p:nvPr>
+        </p:nvSpPr>
+        <p:spPr/>
+      </p:sp>
+      <p:sp>
+        <p:nvSpPr>
+          <p:cNvPr id="3" name="Notes Placeholder 2"/>
+          <p:cNvSpPr>
+            <a:spLocks noGrp="1"/>
+          </p:cNvSpPr>
+          <p:nvPr>
+            <p:ph type="body" idx="1"/>
+          </p:nvPr>
+        </p:nvSpPr>
+        <p:spPr/>
+        <p:txBody>
+          <a:bodyPr/>
+          <a:lstStyle/>
+          <a:p>
+            <a:endParaRPr lang="en-US" dirty="0"/>
+          </a:p>
+        </p:txBody>
+      </p:sp>
+      <p:sp>
+        <p:nvSpPr>
+          <p:cNvPr id="4" name="Slide Number Placeholder 3"/>
+          <p:cNvSpPr>
+            <a:spLocks noGrp="1"/>
+          </p:cNvSpPr>
+          <p:nvPr>
+            <p:ph type="sldNum" sz="quarter" idx="5"/>
+          </p:nvPr>
+        </p:nvSpPr>
+        <p:spPr/>
+        <p:txBody>
+          <a:bodyPr/>
+          <a:lstStyle/>
+          <a:p>
+            <a:fld id="{6B84B913-0650-8A41-A4F4-F9FEF2C621A4}" type="slidenum">
+              <a:rPr lang="es-ES_tradnl" smtClean="0"/>
+              <a:t>27</a:t>
+            </a:fld>
+            <a:endParaRPr lang="es-ES_tradnl"/>
+          </a:p>
+        </p:txBody>
+      </p:sp>
+    </p:spTree>
+    <p:extLst>
+      <p:ext uri="{BB962C8B-B14F-4D97-AF65-F5344CB8AC3E}">
+        <p14:creationId xmlns:p14="http://schemas.microsoft.com/office/powerpoint/2010/main" val="888253624"/>
+      </p:ext>
+    </p:extLst>
+  </p:cSld>
+  <p:clrMapOvr>
+    <a:masterClrMapping/>
+  </p:clrMapOvr>
+</p:notes>
+</file>
+
+<file path=ppt/notesSlides/notesSlide11.xml><?xml version="1.0" encoding="utf-8"?>
+<p:notes xmlns:a="http://schemas.openxmlformats.org/drawingml/2006/main" xmlns:r="http://schemas.openxmlformats.org/officeDocument/2006/relationships" xmlns:p="http://schemas.openxmlformats.org/presentationml/2006/main">
+  <p:cSld>
+    <p:spTree>
+      <p:nvGrpSpPr>
+        <p:cNvPr id="1" name=""/>
+        <p:cNvGrpSpPr/>
+        <p:nvPr/>
+      </p:nvGrpSpPr>
+      <p:grpSpPr>
+        <a:xfrm>
+          <a:off x="0" y="0"/>
+          <a:ext cx="0" cy="0"/>
+          <a:chOff x="0" y="0"/>
+          <a:chExt cx="0" cy="0"/>
+        </a:xfrm>
+      </p:grpSpPr>
+      <p:sp>
+        <p:nvSpPr>
+          <p:cNvPr id="2" name="Slide Image Placeholder 1"/>
+          <p:cNvSpPr>
+            <a:spLocks noGrp="1" noRot="1" noChangeAspect="1"/>
+          </p:cNvSpPr>
+          <p:nvPr>
+            <p:ph type="sldImg"/>
+          </p:nvPr>
+        </p:nvSpPr>
+        <p:spPr/>
+      </p:sp>
+      <p:sp>
+        <p:nvSpPr>
+          <p:cNvPr id="3" name="Notes Placeholder 2"/>
+          <p:cNvSpPr>
+            <a:spLocks noGrp="1"/>
+          </p:cNvSpPr>
+          <p:nvPr>
+            <p:ph type="body" idx="1"/>
+          </p:nvPr>
+        </p:nvSpPr>
+        <p:spPr/>
+        <p:txBody>
+          <a:bodyPr/>
+          <a:lstStyle/>
+          <a:p>
+            <a:r>
+              <a:rPr lang="en-US" dirty="0"/>
+              <a:t>EXTRA</a:t>
+            </a:r>
+          </a:p>
+          <a:p>
+            <a:endParaRPr lang="en-US" dirty="0"/>
+          </a:p>
+          <a:p>
+            <a:r>
+              <a:rPr lang="en-US" dirty="0"/>
+              <a:t>Plot: syllabification</a:t>
+            </a:r>
+            <a:r>
+              <a:rPr lang="en-US" baseline="0" dirty="0"/>
+              <a:t> responses by POA, voicing, and glide type</a:t>
+            </a:r>
+          </a:p>
+          <a:p>
+            <a:r>
+              <a:rPr lang="en-US" baseline="0" dirty="0" err="1"/>
+              <a:t>Frontness</a:t>
+            </a:r>
+            <a:r>
+              <a:rPr lang="en-US" baseline="0" dirty="0"/>
+              <a:t> doesn’t matter (j is not different from w)</a:t>
+            </a:r>
+          </a:p>
+          <a:p>
+            <a:r>
+              <a:rPr lang="en-US" baseline="0" dirty="0"/>
+              <a:t>The preceding consonant doesn’t matter (though </a:t>
+            </a:r>
+            <a:r>
+              <a:rPr lang="en-US" baseline="0"/>
+              <a:t>not easy </a:t>
+            </a:r>
+            <a:r>
+              <a:rPr lang="en-US" baseline="0" dirty="0"/>
+              <a:t>to see here)</a:t>
+            </a:r>
+          </a:p>
+          <a:p>
+            <a:r>
+              <a:rPr lang="en-US" baseline="0" dirty="0"/>
+              <a:t>Take away: the responses are pretty equally spread out</a:t>
+            </a:r>
+            <a:endParaRPr lang="en-US" dirty="0"/>
+          </a:p>
+        </p:txBody>
+      </p:sp>
+      <p:sp>
+        <p:nvSpPr>
+          <p:cNvPr id="4" name="Slide Number Placeholder 3"/>
+          <p:cNvSpPr>
+            <a:spLocks noGrp="1"/>
+          </p:cNvSpPr>
+          <p:nvPr>
+            <p:ph type="sldNum" sz="quarter" idx="10"/>
+          </p:nvPr>
+        </p:nvSpPr>
+        <p:spPr/>
+        <p:txBody>
+          <a:bodyPr/>
+          <a:lstStyle/>
+          <a:p>
+            <a:fld id="{6B84B913-0650-8A41-A4F4-F9FEF2C621A4}" type="slidenum">
+              <a:rPr lang="es-ES_tradnl" smtClean="0"/>
+              <a:t>30</a:t>
+            </a:fld>
+            <a:endParaRPr lang="es-ES_tradnl"/>
+          </a:p>
+        </p:txBody>
+      </p:sp>
+    </p:spTree>
+    <p:extLst>
+      <p:ext uri="{BB962C8B-B14F-4D97-AF65-F5344CB8AC3E}">
+        <p14:creationId xmlns:p14="http://schemas.microsoft.com/office/powerpoint/2010/main" val="1064530980"/>
       </p:ext>
     </p:extLst>
   </p:cSld>
@@ -928,11 +1145,11 @@
           <a:lstStyle/>
           <a:p>
             <a:r>
-              <a:rPr lang="en-US" dirty="0" smtClean="0"/>
+              <a:rPr lang="en-US" dirty="0"/>
               <a:t>Plot: </a:t>
             </a:r>
             <a:r>
-              <a:rPr lang="en-US" sz="1200" b="0" i="0" kern="1200" dirty="0" smtClean="0">
+              <a:rPr lang="en-US" sz="1200" b="0" i="0" kern="1200" dirty="0">
                 <a:solidFill>
                   <a:schemeClr val="tx1"/>
                 </a:solidFill>
@@ -946,7 +1163,7 @@
           </a:p>
           <a:p>
             <a:r>
-              <a:rPr lang="en-US" sz="1200" b="0" i="0" kern="1200" dirty="0" smtClean="0">
+              <a:rPr lang="en-US" sz="1200" b="0" i="0" kern="1200" dirty="0">
                 <a:solidFill>
                   <a:schemeClr val="tx1"/>
                 </a:solidFill>
@@ -958,7 +1175,7 @@
               <a:t>We observe that </a:t>
             </a:r>
             <a:r>
-              <a:rPr lang="en-US" sz="1200" b="0" i="0" kern="1200" dirty="0" err="1" smtClean="0">
+              <a:rPr lang="en-US" sz="1200" b="0" i="0" kern="1200" dirty="0" err="1">
                 <a:solidFill>
                   <a:schemeClr val="tx1"/>
                 </a:solidFill>
@@ -970,7 +1187,7 @@
               <a:t>triphthongs</a:t>
             </a:r>
             <a:r>
-              <a:rPr lang="en-US" sz="1200" b="0" i="0" kern="1200" dirty="0" smtClean="0">
+              <a:rPr lang="en-US" sz="1200" b="0" i="0" kern="1200" dirty="0">
                 <a:solidFill>
                   <a:schemeClr val="tx1"/>
                 </a:solidFill>
@@ -984,7 +1201,7 @@
           </a:p>
           <a:p>
             <a:r>
-              <a:rPr lang="en-US" sz="1200" b="0" i="0" kern="1200" dirty="0" smtClean="0">
+              <a:rPr lang="en-US" sz="1200" b="0" i="0" kern="1200" dirty="0">
                 <a:solidFill>
                   <a:schemeClr val="tx1"/>
                 </a:solidFill>
@@ -1080,11 +1297,11 @@
           <a:lstStyle/>
           <a:p>
             <a:r>
-              <a:rPr lang="en-US" dirty="0" smtClean="0"/>
+              <a:rPr lang="en-US" dirty="0"/>
               <a:t>Plot: </a:t>
             </a:r>
             <a:r>
-              <a:rPr lang="en-US" sz="1200" b="0" i="0" kern="1200" dirty="0" smtClean="0">
+              <a:rPr lang="en-US" sz="1200" b="0" i="0" kern="1200" dirty="0">
                 <a:solidFill>
                   <a:schemeClr val="tx1"/>
                 </a:solidFill>
@@ -1098,7 +1315,7 @@
           </a:p>
           <a:p>
             <a:r>
-              <a:rPr lang="en-US" sz="1200" b="0" i="0" kern="1200" dirty="0" smtClean="0">
+              <a:rPr lang="en-US" sz="1200" b="0" i="0" kern="1200" dirty="0">
                 <a:solidFill>
                   <a:schemeClr val="tx1"/>
                 </a:solidFill>
@@ -1112,11 +1329,11 @@
           </a:p>
           <a:p>
             <a:r>
-              <a:rPr lang="en-US" dirty="0" smtClean="0"/>
+              <a:rPr lang="en-US" dirty="0"/>
               <a:t/>
             </a:r>
             <a:br>
-              <a:rPr lang="en-US" dirty="0" smtClean="0"/>
+              <a:rPr lang="en-US" dirty="0"/>
             </a:br>
             <a:endParaRPr lang="en-US" dirty="0"/>
           </a:p>
@@ -1203,34 +1420,34 @@
           <a:lstStyle/>
           <a:p>
             <a:r>
-              <a:rPr lang="en-US" dirty="0" smtClean="0"/>
+              <a:rPr lang="en-US" dirty="0"/>
               <a:t>Main finding: we have evidence supporting the hypothesis that pre-vocalic glides can be part of the onset</a:t>
             </a:r>
           </a:p>
           <a:p>
             <a:r>
-              <a:rPr lang="en-US" dirty="0" smtClean="0"/>
+              <a:rPr lang="en-US" dirty="0"/>
               <a:t>Why: because the participants produced </a:t>
             </a:r>
             <a:r>
-              <a:rPr lang="en-US" dirty="0" err="1" smtClean="0"/>
+              <a:rPr lang="en-US" dirty="0" err="1"/>
               <a:t>triphthongs</a:t>
             </a:r>
             <a:r>
-              <a:rPr lang="en-US" dirty="0" smtClean="0"/>
+              <a:rPr lang="en-US" dirty="0"/>
               <a:t> at least some of the time. </a:t>
             </a:r>
           </a:p>
           <a:p>
-            <a:endParaRPr lang="en-US" dirty="0" smtClean="0"/>
-          </a:p>
-          <a:p>
-            <a:r>
-              <a:rPr lang="en-US" dirty="0" smtClean="0"/>
+            <a:endParaRPr lang="en-US" dirty="0"/>
+          </a:p>
+          <a:p>
+            <a:r>
+              <a:rPr lang="en-US" dirty="0"/>
               <a:t>Responses were</a:t>
             </a:r>
             <a:r>
-              <a:rPr lang="en-US" baseline="0" dirty="0" smtClean="0"/>
+              <a:rPr lang="en-US" baseline="0" dirty="0"/>
               <a:t> variable and we cannot account for this variability with glide type nor preceding consonant</a:t>
             </a:r>
             <a:endParaRPr lang="en-US" dirty="0"/>
@@ -1318,16 +1535,16 @@
           <a:lstStyle/>
           <a:p>
             <a:r>
-              <a:rPr lang="en-US" dirty="0" smtClean="0"/>
+              <a:rPr lang="en-US" dirty="0"/>
               <a:t>This plot shows duration as a function of preceding consonant (palatal vs. non-palatal). </a:t>
             </a:r>
           </a:p>
           <a:p>
-            <a:endParaRPr lang="en-US" dirty="0" smtClean="0"/>
-          </a:p>
-          <a:p>
-            <a:r>
-              <a:rPr lang="en-US" sz="1200" b="0" i="0" kern="1200" dirty="0" smtClean="0">
+            <a:endParaRPr lang="en-US" dirty="0"/>
+          </a:p>
+          <a:p>
+            <a:r>
+              <a:rPr lang="en-US" sz="1200" b="0" i="0" kern="1200" dirty="0">
                 <a:solidFill>
                   <a:schemeClr val="tx1"/>
                 </a:solidFill>
@@ -1339,33 +1556,33 @@
               <a:t>We see a longer duration for glide segments following a palatal consonant</a:t>
             </a:r>
             <a:r>
-              <a:rPr lang="en-US" baseline="0" dirty="0" smtClean="0"/>
+              <a:rPr lang="en-US" baseline="0" dirty="0"/>
               <a:t> (roughly 30 </a:t>
             </a:r>
             <a:r>
-              <a:rPr lang="en-US" baseline="0" dirty="0" err="1" smtClean="0"/>
+              <a:rPr lang="en-US" baseline="0" dirty="0" err="1"/>
               <a:t>ms</a:t>
             </a:r>
             <a:r>
-              <a:rPr lang="en-US" baseline="0" dirty="0" smtClean="0"/>
+              <a:rPr lang="en-US" baseline="0" dirty="0"/>
               <a:t> longer)</a:t>
             </a:r>
           </a:p>
           <a:p>
-            <a:endParaRPr lang="en-US" baseline="0" dirty="0" smtClean="0"/>
-          </a:p>
-          <a:p>
-            <a:r>
-              <a:rPr lang="en-US" baseline="0" dirty="0" smtClean="0"/>
+            <a:endParaRPr lang="en-US" baseline="0" dirty="0"/>
+          </a:p>
+          <a:p>
+            <a:r>
+              <a:rPr lang="en-US" baseline="0" dirty="0"/>
               <a:t>Not expected (intuitively, if glide is blocked, one might expect a shorter duration, at least I did)</a:t>
             </a:r>
           </a:p>
           <a:p>
-            <a:endParaRPr lang="en-US" baseline="0" dirty="0" smtClean="0"/>
-          </a:p>
-          <a:p>
-            <a:r>
-              <a:rPr lang="en-US" baseline="0" dirty="0" smtClean="0"/>
+            <a:endParaRPr lang="en-US" baseline="0" dirty="0"/>
+          </a:p>
+          <a:p>
+            <a:r>
+              <a:rPr lang="en-US" baseline="0" dirty="0"/>
               <a:t>Two possible explanations: </a:t>
             </a:r>
           </a:p>
@@ -1374,7 +1591,7 @@
               <a:buAutoNum type="arabicParenR"/>
             </a:pPr>
             <a:r>
-              <a:rPr lang="en-US" sz="1200" b="0" i="0" kern="1200" dirty="0" smtClean="0">
+              <a:rPr lang="en-US" sz="1200" b="0" i="0" kern="1200" dirty="0">
                 <a:solidFill>
                   <a:schemeClr val="tx1"/>
                 </a:solidFill>
@@ -1391,7 +1608,7 @@
               <a:buNone/>
             </a:pPr>
             <a:r>
-              <a:rPr lang="en-US" sz="1200" b="0" i="0" kern="1200" dirty="0" smtClean="0">
+              <a:rPr lang="en-US" sz="1200" b="0" i="0" kern="1200" dirty="0">
                 <a:solidFill>
                   <a:schemeClr val="tx1"/>
                 </a:solidFill>
@@ -1403,7 +1620,7 @@
               <a:t>     the preceding consonant is not palatal (i.e., '</a:t>
             </a:r>
             <a:r>
-              <a:rPr lang="en-US" sz="1200" b="0" i="0" kern="1200" dirty="0" err="1" smtClean="0">
+              <a:rPr lang="en-US" sz="1200" b="0" i="0" kern="1200" dirty="0" err="1">
                 <a:solidFill>
                   <a:schemeClr val="tx1"/>
                 </a:solidFill>
@@ -1415,7 +1632,7 @@
               <a:t>ch</a:t>
             </a:r>
             <a:r>
-              <a:rPr lang="en-US" sz="1200" b="0" i="0" kern="1200" dirty="0" smtClean="0">
+              <a:rPr lang="en-US" sz="1200" b="0" i="0" kern="1200" dirty="0">
                 <a:solidFill>
                   <a:schemeClr val="tx1"/>
                 </a:solidFill>
@@ -1427,7 +1644,7 @@
               <a:t>' is surfacing as [</a:t>
             </a:r>
             <a:r>
-              <a:rPr lang="en-US" sz="1200" b="0" i="0" kern="1200" dirty="0" err="1" smtClean="0">
+              <a:rPr lang="en-US" sz="1200" b="0" i="0" kern="1200" dirty="0" err="1">
                 <a:solidFill>
                   <a:schemeClr val="tx1"/>
                 </a:solidFill>
@@ -1439,7 +1656,7 @@
               <a:t>ʃ</a:t>
             </a:r>
             <a:r>
-              <a:rPr lang="en-US" sz="1200" b="0" i="0" kern="1200" dirty="0" smtClean="0">
+              <a:rPr lang="en-US" sz="1200" b="0" i="0" kern="1200" dirty="0">
                 <a:solidFill>
                   <a:schemeClr val="tx1"/>
                 </a:solidFill>
@@ -1456,7 +1673,7 @@
               <a:buNone/>
             </a:pPr>
             <a:r>
-              <a:rPr lang="en-US" sz="1200" b="0" i="0" kern="1200" dirty="0" smtClean="0">
+              <a:rPr lang="en-US" sz="1200" b="0" i="0" kern="1200" dirty="0">
                 <a:solidFill>
                   <a:schemeClr val="tx1"/>
                 </a:solidFill>
@@ -1468,7 +1685,7 @@
               <a:t>     </a:t>
             </a:r>
             <a:r>
-              <a:rPr lang="en-US" sz="1200" b="0" i="0" kern="1200" dirty="0" err="1" smtClean="0">
+              <a:rPr lang="en-US" sz="1200" b="0" i="0" kern="1200" dirty="0" err="1">
                 <a:solidFill>
                   <a:schemeClr val="tx1"/>
                 </a:solidFill>
@@ -1480,7 +1697,7 @@
               <a:t>alveo</a:t>
             </a:r>
             <a:r>
-              <a:rPr lang="en-US" sz="1200" b="0" i="0" kern="1200" dirty="0" smtClean="0">
+              <a:rPr lang="en-US" sz="1200" b="0" i="0" kern="1200" dirty="0">
                 <a:solidFill>
                   <a:schemeClr val="tx1"/>
                 </a:solidFill>
@@ -1497,7 +1714,7 @@
               <a:buNone/>
             </a:pPr>
             <a:r>
-              <a:rPr lang="en-US" sz="1200" b="0" i="0" kern="1200" dirty="0" smtClean="0">
+              <a:rPr lang="en-US" sz="1200" b="0" i="0" kern="1200" dirty="0">
                 <a:solidFill>
                   <a:schemeClr val="tx1"/>
                 </a:solidFill>
@@ -1593,7 +1810,7 @@
           <a:lstStyle/>
           <a:p>
             <a:r>
-              <a:rPr lang="en-US" sz="1200" b="0" i="0" kern="1200" dirty="0" smtClean="0">
+              <a:rPr lang="en-US" sz="1200" b="0" i="0" kern="1200" dirty="0">
                 <a:solidFill>
                   <a:schemeClr val="tx1"/>
                 </a:solidFill>
@@ -1607,7 +1824,7 @@
           </a:p>
           <a:p>
             <a:r>
-              <a:rPr lang="en-US" sz="1200" b="0" i="0" kern="1200" dirty="0" smtClean="0">
+              <a:rPr lang="en-US" sz="1200" b="0" i="0" kern="1200" dirty="0">
                 <a:solidFill>
                   <a:schemeClr val="tx1"/>
                 </a:solidFill>
@@ -1620,7 +1837,7 @@
             </a:r>
           </a:p>
           <a:p>
-            <a:endParaRPr lang="en-US" sz="1200" b="0" i="0" kern="1200" dirty="0" smtClean="0">
+            <a:endParaRPr lang="en-US" sz="1200" b="0" i="0" kern="1200" dirty="0">
               <a:solidFill>
                 <a:schemeClr val="tx1"/>
               </a:solidFill>
@@ -1632,7 +1849,7 @@
           </a:p>
           <a:p>
             <a:r>
-              <a:rPr lang="en-US" sz="1200" b="0" i="0" kern="1200" dirty="0" smtClean="0">
+              <a:rPr lang="en-US" sz="1200" b="0" i="0" kern="1200" dirty="0">
                 <a:solidFill>
                   <a:schemeClr val="tx1"/>
                 </a:solidFill>
@@ -1646,7 +1863,7 @@
           </a:p>
           <a:p>
             <a:r>
-              <a:rPr lang="en-US" sz="1200" b="0" i="0" kern="1200" dirty="0" smtClean="0">
+              <a:rPr lang="en-US" sz="1200" b="0" i="0" kern="1200" dirty="0">
                 <a:solidFill>
                   <a:schemeClr val="tx1"/>
                 </a:solidFill>
@@ -1742,49 +1959,49 @@
           <a:lstStyle/>
           <a:p>
             <a:r>
-              <a:rPr lang="en-US" dirty="0" smtClean="0"/>
+              <a:rPr lang="en-US" dirty="0"/>
               <a:t>No effect of preceding consonant: </a:t>
             </a:r>
           </a:p>
           <a:p>
             <a:r>
-              <a:rPr lang="en-US" dirty="0" err="1" smtClean="0"/>
+              <a:rPr lang="en-US" dirty="0" err="1"/>
               <a:t>Df</a:t>
             </a:r>
             <a:r>
-              <a:rPr lang="en-US" dirty="0" smtClean="0"/>
+              <a:rPr lang="en-US" dirty="0"/>
               <a:t> = 3, p = 0.260</a:t>
             </a:r>
           </a:p>
           <a:p>
-            <a:endParaRPr lang="en-US" dirty="0" smtClean="0"/>
-          </a:p>
-          <a:p>
-            <a:r>
-              <a:rPr lang="en-US" dirty="0" smtClean="0"/>
+            <a:endParaRPr lang="en-US" dirty="0"/>
+          </a:p>
+          <a:p>
+            <a:r>
+              <a:rPr lang="en-US" dirty="0"/>
               <a:t>F1 movement minimal</a:t>
             </a:r>
             <a:r>
-              <a:rPr lang="en-US" baseline="0" dirty="0" smtClean="0"/>
+              <a:rPr lang="en-US" baseline="0" dirty="0"/>
               <a:t> and </a:t>
             </a:r>
             <a:r>
-              <a:rPr lang="en-US" dirty="0" smtClean="0"/>
+              <a:rPr lang="en-US" dirty="0"/>
               <a:t>similar across contexts. </a:t>
             </a:r>
           </a:p>
           <a:p>
             <a:r>
-              <a:rPr lang="en-US" dirty="0" smtClean="0"/>
+              <a:rPr lang="en-US" dirty="0"/>
               <a:t>Likely</a:t>
             </a:r>
             <a:r>
-              <a:rPr lang="en-US" baseline="0" dirty="0" smtClean="0"/>
+              <a:rPr lang="en-US" baseline="0" dirty="0"/>
               <a:t> aren’t producing glides</a:t>
             </a:r>
           </a:p>
           <a:p>
-            <a:endParaRPr lang="en-US" baseline="0" dirty="0" smtClean="0"/>
+            <a:endParaRPr lang="en-US" baseline="0" dirty="0"/>
           </a:p>
           <a:p>
             <a:endParaRPr lang="en-US" dirty="0"/>
@@ -1872,20 +2089,20 @@
           <a:lstStyle/>
           <a:p>
             <a:r>
-              <a:rPr lang="en-US" dirty="0" smtClean="0"/>
+              <a:rPr lang="en-US" dirty="0"/>
               <a:t>Intensity is different</a:t>
             </a:r>
             <a:r>
-              <a:rPr lang="en-US" baseline="0" dirty="0" smtClean="0"/>
+              <a:rPr lang="en-US" baseline="0" dirty="0"/>
               <a:t> for palatal vs. non-palatal preceding consonants after 35% of the time course</a:t>
             </a:r>
           </a:p>
           <a:p>
-            <a:endParaRPr lang="en-US" baseline="0" dirty="0" smtClean="0"/>
-          </a:p>
-          <a:p>
-            <a:r>
-              <a:rPr lang="en-US" baseline="0" dirty="0" smtClean="0"/>
+            <a:endParaRPr lang="en-US" baseline="0" dirty="0"/>
+          </a:p>
+          <a:p>
+            <a:r>
+              <a:rPr lang="en-US" baseline="0" dirty="0"/>
               <a:t>The productions are more consonant like (lower intensity) after the palatal</a:t>
             </a:r>
             <a:endParaRPr lang="en-US" dirty="0"/>
@@ -1972,53 +2189,6 @@
           <a:bodyPr/>
           <a:lstStyle/>
           <a:p>
-            <a:r>
-              <a:rPr lang="en-US" dirty="0" smtClean="0"/>
-              <a:t>EXTRA</a:t>
-            </a:r>
-          </a:p>
-          <a:p>
-            <a:endParaRPr lang="en-US" dirty="0" smtClean="0"/>
-          </a:p>
-          <a:p>
-            <a:r>
-              <a:rPr lang="en-US" dirty="0" smtClean="0"/>
-              <a:t>Plot: syllabification</a:t>
-            </a:r>
-            <a:r>
-              <a:rPr lang="en-US" baseline="0" dirty="0" smtClean="0"/>
-              <a:t> responses by POA, voicing, and glide type</a:t>
-            </a:r>
-          </a:p>
-          <a:p>
-            <a:r>
-              <a:rPr lang="en-US" baseline="0" dirty="0" err="1" smtClean="0"/>
-              <a:t>Frontness</a:t>
-            </a:r>
-            <a:r>
-              <a:rPr lang="en-US" baseline="0" dirty="0" smtClean="0"/>
-              <a:t> doesn’t matter (j is not different from w)</a:t>
-            </a:r>
-          </a:p>
-          <a:p>
-            <a:r>
-              <a:rPr lang="en-US" baseline="0" dirty="0" smtClean="0"/>
-              <a:t>The preceding consonant doesn’t matter (though </a:t>
-            </a:r>
-            <a:r>
-              <a:rPr lang="en-US" baseline="0" smtClean="0"/>
-              <a:t>not easy </a:t>
-            </a:r>
-            <a:r>
-              <a:rPr lang="en-US" baseline="0" dirty="0" smtClean="0"/>
-              <a:t>to see here)</a:t>
-            </a:r>
-          </a:p>
-          <a:p>
-            <a:r>
-              <a:rPr lang="en-US" baseline="0" dirty="0" smtClean="0"/>
-              <a:t>Take away: the responses are pretty equally spread out</a:t>
-            </a:r>
             <a:endParaRPr lang="en-US" dirty="0"/>
           </a:p>
         </p:txBody>
@@ -2030,7 +2200,7 @@
             <a:spLocks noGrp="1"/>
           </p:cNvSpPr>
           <p:nvPr>
-            <p:ph type="sldNum" sz="quarter" idx="10"/>
+            <p:ph type="sldNum" sz="quarter" idx="5"/>
           </p:nvPr>
         </p:nvSpPr>
         <p:spPr/>
@@ -2040,7 +2210,7 @@
           <a:p>
             <a:fld id="{6B84B913-0650-8A41-A4F4-F9FEF2C621A4}" type="slidenum">
               <a:rPr lang="es-ES_tradnl" smtClean="0"/>
-              <a:t>28</a:t>
+              <a:t>26</a:t>
             </a:fld>
             <a:endParaRPr lang="es-ES_tradnl"/>
           </a:p>
@@ -2049,7 +2219,7 @@
     </p:spTree>
     <p:extLst>
       <p:ext uri="{BB962C8B-B14F-4D97-AF65-F5344CB8AC3E}">
-        <p14:creationId xmlns:p14="http://schemas.microsoft.com/office/powerpoint/2010/main" val="1064530980"/>
+        <p14:creationId xmlns:p14="http://schemas.microsoft.com/office/powerpoint/2010/main" val="1181522963"/>
       </p:ext>
     </p:extLst>
   </p:cSld>
@@ -2254,7 +2424,7 @@
             <a:fld id="{04AF466F-BDA4-4F18-9C7B-FF0A9A1B0E80}" type="datetime1">
               <a:rPr lang="en-US" smtClean="0"/>
               <a:pPr/>
-              <a:t>10/13/18</a:t>
+              <a:t>10/18/18</a:t>
             </a:fld>
             <a:endParaRPr lang="en-US"/>
           </a:p>
@@ -2421,7 +2591,7 @@
             <a:fld id="{58FB4290-6522-4139-852E-05BD9E7F0D2E}" type="datetime1">
               <a:rPr lang="en-US" smtClean="0"/>
               <a:pPr/>
-              <a:t>10/13/18</a:t>
+              <a:t>10/18/18</a:t>
             </a:fld>
             <a:endParaRPr lang="en-US"/>
           </a:p>
@@ -2598,7 +2768,7 @@
             <a:fld id="{AAB955F9-81EA-47C5-8059-9E5C2B437C70}" type="datetime1">
               <a:rPr lang="en-US" smtClean="0"/>
               <a:pPr/>
-              <a:t>10/13/18</a:t>
+              <a:t>10/18/18</a:t>
             </a:fld>
             <a:endParaRPr lang="en-US"/>
           </a:p>
@@ -2765,7 +2935,7 @@
             <a:fld id="{1CEF607B-A47E-422C-9BEF-122CCDB7C526}" type="datetime1">
               <a:rPr lang="en-US" smtClean="0"/>
               <a:pPr/>
-              <a:t>10/13/18</a:t>
+              <a:t>10/18/18</a:t>
             </a:fld>
             <a:endParaRPr lang="en-US"/>
           </a:p>
@@ -3008,7 +3178,7 @@
             <a:fld id="{63A9A7CB-BEE6-4F99-898E-913F06E8E125}" type="datetime1">
               <a:rPr lang="en-US" smtClean="0"/>
               <a:pPr/>
-              <a:t>10/13/18</a:t>
+              <a:t>10/18/18</a:t>
             </a:fld>
             <a:endParaRPr lang="en-US"/>
           </a:p>
@@ -3293,7 +3463,7 @@
             <a:fld id="{B6EE300C-6FC5-4FC3-AF1A-075E4F50620D}" type="datetime1">
               <a:rPr lang="en-US" smtClean="0"/>
               <a:pPr/>
-              <a:t>10/13/18</a:t>
+              <a:t>10/18/18</a:t>
             </a:fld>
             <a:endParaRPr lang="en-US"/>
           </a:p>
@@ -3724,7 +3894,7 @@
             <a:fld id="{F50D295D-4A77-4DEB-B04C-9F4282A8BC04}" type="datetime1">
               <a:rPr lang="en-US" smtClean="0"/>
               <a:pPr/>
-              <a:t>10/13/18</a:t>
+              <a:t>10/18/18</a:t>
             </a:fld>
             <a:endParaRPr lang="en-US"/>
           </a:p>
@@ -3839,7 +4009,7 @@
             <a:fld id="{02B28685-4D0C-42D5-8013-B5904CD1FCBC}" type="datetime1">
               <a:rPr lang="en-US" smtClean="0"/>
               <a:pPr/>
-              <a:t>10/13/18</a:t>
+              <a:t>10/18/18</a:t>
             </a:fld>
             <a:endParaRPr lang="en-US"/>
           </a:p>
@@ -3931,7 +4101,7 @@
             <a:fld id="{FDF226C0-9885-4BA9-BBFA-A52CBFEBB775}" type="datetime1">
               <a:rPr lang="en-US" smtClean="0"/>
               <a:pPr/>
-              <a:t>10/13/18</a:t>
+              <a:t>10/18/18</a:t>
             </a:fld>
             <a:endParaRPr lang="en-US"/>
           </a:p>
@@ -4122,7 +4292,7 @@
             <a:fld id="{EBEE1B38-C5EB-4D66-9137-0AFE9CDEDE8F}" type="datetime1">
               <a:rPr lang="en-US" smtClean="0"/>
               <a:pPr/>
-              <a:t>10/13/18</a:t>
+              <a:t>10/18/18</a:t>
             </a:fld>
             <a:endParaRPr lang="en-US"/>
           </a:p>
@@ -4442,7 +4612,7 @@
             <a:fld id="{327B613C-1AD7-49D3-885D-F654C5CDBAA6}" type="datetime1">
               <a:rPr lang="en-US" smtClean="0"/>
               <a:pPr/>
-              <a:t>10/13/18</a:t>
+              <a:t>10/18/18</a:t>
             </a:fld>
             <a:endParaRPr lang="en-US" dirty="0"/>
           </a:p>
@@ -4824,7 +4994,7 @@
             <a:fld id="{327B613C-1AD7-49D3-885D-F654C5CDBAA6}" type="datetime1">
               <a:rPr lang="en-US" smtClean="0"/>
               <a:pPr/>
-              <a:t>10/13/18</a:t>
+              <a:t>10/18/18</a:t>
             </a:fld>
             <a:endParaRPr lang="en-US" dirty="0"/>
           </a:p>
@@ -5332,6 +5502,9 @@
           </a:bodyPr>
           <a:lstStyle/>
           <a:p>
+            <a:pPr marL="114300" indent="0">
+              <a:buNone/>
+            </a:pPr>
             <a:r>
               <a:rPr lang="en-US" dirty="0"/>
               <a:t>Two sets of stimuli designed according to two hypotheses.  </a:t>
@@ -5570,6 +5743,12 @@
             </a:r>
           </a:p>
           <a:p>
+            <a:r>
+              <a:rPr lang="en-US" dirty="0"/>
+              <a:t>9 nonce words (not controlled for number of syllables or stress).</a:t>
+            </a:r>
+          </a:p>
+          <a:p>
             <a:pPr lvl="1"/>
             <a:endParaRPr lang="en-US" dirty="0"/>
           </a:p>
@@ -5626,14 +5805,9 @@
               </a:spcBef>
             </a:pPr>
             <a:r>
-              <a:rPr lang="en-US" sz="4000" dirty="0" smtClean="0"/>
-              <a:t>Results</a:t>
-            </a:r>
-            <a:r>
-              <a:rPr lang="en-US" sz="4000" dirty="0" smtClean="0"/>
-              <a:t> – syllable division task</a:t>
-            </a:r>
-            <a:endParaRPr lang="en-US" sz="4000" dirty="0"/>
+              <a:rPr lang="en-US" sz="4000" dirty="0"/>
+              <a:t>Results – syllable division task</a:t>
+            </a:r>
           </a:p>
         </p:txBody>
       </p:sp>
@@ -5656,66 +5830,62 @@
           <a:p>
             <a:pPr lvl="1"/>
             <a:r>
-              <a:rPr lang="en-US" dirty="0" smtClean="0"/>
+              <a:rPr lang="en-US" dirty="0"/>
               <a:t>Questions: </a:t>
             </a:r>
           </a:p>
           <a:p>
             <a:pPr lvl="2"/>
             <a:r>
-              <a:rPr lang="en-US" dirty="0" smtClean="0"/>
-              <a:t>How do participants respond? </a:t>
-            </a:r>
-            <a:r>
-              <a:rPr lang="en-US" dirty="0" smtClean="0"/>
-              <a:t>Is GVG possible?</a:t>
+              <a:rPr lang="en-US" dirty="0"/>
+              <a:t>How do participants respond? Is GVG possible?</a:t>
             </a:r>
           </a:p>
           <a:p>
             <a:pPr lvl="2"/>
             <a:r>
-              <a:rPr lang="en-US" dirty="0" smtClean="0"/>
+              <a:rPr lang="en-US" dirty="0"/>
               <a:t>Does production depend on the glide type or the phonetic environment?</a:t>
             </a:r>
           </a:p>
           <a:p>
             <a:pPr lvl="2"/>
-            <a:endParaRPr lang="en-US" dirty="0" smtClean="0"/>
+            <a:endParaRPr lang="en-US" dirty="0"/>
           </a:p>
           <a:p>
             <a:pPr lvl="1"/>
             <a:r>
-              <a:rPr lang="en-US" dirty="0" smtClean="0"/>
+              <a:rPr lang="en-US" dirty="0"/>
               <a:t>Coding</a:t>
             </a:r>
           </a:p>
           <a:p>
             <a:pPr lvl="2"/>
             <a:r>
-              <a:rPr lang="en-US" b="1" dirty="0" smtClean="0"/>
+              <a:rPr lang="en-US" b="1" dirty="0"/>
               <a:t>Triphthong</a:t>
             </a:r>
             <a:r>
-              <a:rPr lang="en-US" dirty="0" smtClean="0"/>
+              <a:rPr lang="en-US" dirty="0"/>
               <a:t>: critical sequence produced in a single syllable</a:t>
             </a:r>
           </a:p>
           <a:p>
             <a:pPr lvl="3"/>
             <a:r>
-              <a:rPr lang="en-US" dirty="0" smtClean="0"/>
+              <a:rPr lang="en-US" dirty="0"/>
               <a:t>i.e. “</a:t>
             </a:r>
             <a:r>
-              <a:rPr lang="en-US" dirty="0" err="1" smtClean="0"/>
+              <a:rPr lang="en-US" dirty="0" err="1"/>
               <a:t>lakapiaisto</a:t>
             </a:r>
             <a:r>
-              <a:rPr lang="en-US" dirty="0" smtClean="0"/>
+              <a:rPr lang="en-US" dirty="0"/>
               <a:t>” ⇾ [</a:t>
             </a:r>
             <a:r>
-              <a:rPr lang="en-US" dirty="0" smtClean="0">
+              <a:rPr lang="en-US" dirty="0">
                 <a:latin typeface="Times New Roman" charset="0"/>
                 <a:ea typeface="Times New Roman" charset="0"/>
                 <a:cs typeface="Times New Roman" charset="0"/>
@@ -5723,74 +5893,50 @@
               <a:t>la.ka.ˈ</a:t>
             </a:r>
             <a:r>
-              <a:rPr lang="en-US" dirty="0" err="1" smtClean="0">
-                <a:latin typeface="Times New Roman" charset="0"/>
-                <a:ea typeface="Times New Roman" charset="0"/>
-                <a:cs typeface="Times New Roman" charset="0"/>
-              </a:rPr>
-              <a:t>pi̯ai</a:t>
-            </a:r>
-            <a:r>
               <a:rPr lang="en-US" dirty="0" err="1">
                 <a:latin typeface="Times New Roman" charset="0"/>
                 <a:ea typeface="Times New Roman" charset="0"/>
                 <a:cs typeface="Times New Roman" charset="0"/>
               </a:rPr>
-              <a:t>̯</a:t>
-            </a:r>
-            <a:r>
-              <a:rPr lang="en-US" dirty="0" err="1" smtClean="0">
-                <a:latin typeface="Times New Roman" charset="0"/>
-                <a:ea typeface="Times New Roman" charset="0"/>
-                <a:cs typeface="Times New Roman" charset="0"/>
-              </a:rPr>
-              <a:t>s.to</a:t>
-            </a:r>
-            <a:r>
-              <a:rPr lang="en-US" dirty="0" smtClean="0">
+              <a:t>pi̯ai̯s.to</a:t>
+            </a:r>
+            <a:r>
+              <a:rPr lang="en-US" dirty="0">
                 <a:latin typeface="Times New Roman" charset="0"/>
                 <a:ea typeface="Times New Roman" charset="0"/>
                 <a:cs typeface="Times New Roman" charset="0"/>
               </a:rPr>
               <a:t>]</a:t>
             </a:r>
-            <a:endParaRPr lang="en-US" dirty="0" smtClean="0"/>
+            <a:endParaRPr lang="en-US" dirty="0"/>
           </a:p>
           <a:p>
             <a:pPr lvl="2"/>
             <a:r>
-              <a:rPr lang="en-US" b="1" dirty="0" smtClean="0"/>
+              <a:rPr lang="en-US" b="1" dirty="0"/>
               <a:t>Hiatus: </a:t>
             </a:r>
             <a:r>
               <a:rPr lang="en-US" dirty="0"/>
-              <a:t>v</a:t>
-            </a:r>
-            <a:r>
-              <a:rPr lang="en-US" dirty="0" smtClean="0"/>
-              <a:t>owel + diphthong (CV + VGC), </a:t>
+              <a:t>vowel + diphthong (CV + VGC), </a:t>
             </a:r>
           </a:p>
           <a:p>
             <a:pPr lvl="3"/>
             <a:r>
-              <a:rPr lang="en-US" dirty="0" smtClean="0"/>
+              <a:rPr lang="en-US" dirty="0"/>
               <a:t>i.e., “</a:t>
             </a:r>
             <a:r>
-              <a:rPr lang="en-US" dirty="0" err="1" smtClean="0"/>
+              <a:rPr lang="en-US" dirty="0" err="1"/>
               <a:t>lakapiaisto</a:t>
             </a:r>
             <a:r>
-              <a:rPr lang="en-US" dirty="0" smtClean="0"/>
-              <a:t>” ⇾</a:t>
-            </a:r>
-            <a:r>
-              <a:rPr lang="en-US" dirty="0" smtClean="0"/>
-              <a:t> </a:t>
-            </a:r>
-            <a:r>
-              <a:rPr lang="en-US" dirty="0" smtClean="0">
+              <a:rPr lang="en-US" dirty="0"/>
+              <a:t>” ⇾ </a:t>
+            </a:r>
+            <a:r>
+              <a:rPr lang="en-US" dirty="0">
                 <a:latin typeface="Times New Roman" charset="0"/>
                 <a:ea typeface="Times New Roman" charset="0"/>
                 <a:cs typeface="Times New Roman" charset="0"/>
@@ -5801,35 +5947,27 @@
           <a:p>
             <a:pPr lvl="2"/>
             <a:r>
-              <a:rPr lang="en-US" b="1" dirty="0" smtClean="0"/>
+              <a:rPr lang="en-US" b="1" dirty="0"/>
               <a:t>Simplification</a:t>
             </a:r>
             <a:r>
-              <a:rPr lang="en-US" dirty="0" smtClean="0"/>
+              <a:rPr lang="en-US" dirty="0"/>
               <a:t>: a segment was elided (typically the pre-vocalic glide)</a:t>
             </a:r>
           </a:p>
           <a:p>
             <a:pPr lvl="3"/>
             <a:r>
-              <a:rPr lang="en-US" dirty="0" smtClean="0"/>
+              <a:rPr lang="en-US" dirty="0"/>
               <a:t>i.e., “</a:t>
             </a:r>
             <a:r>
-              <a:rPr lang="en-US" dirty="0" err="1" smtClean="0"/>
+              <a:rPr lang="en-US" dirty="0" err="1"/>
               <a:t>lakapiaisto</a:t>
             </a:r>
             <a:r>
-              <a:rPr lang="en-US" dirty="0" smtClean="0"/>
+              <a:rPr lang="en-US" dirty="0"/>
               <a:t>” ⇾ [la.ka.</a:t>
-            </a:r>
-            <a:r>
-              <a:rPr lang="en-US" dirty="0" smtClean="0">
-                <a:latin typeface="Times New Roman" charset="0"/>
-                <a:ea typeface="Times New Roman" charset="0"/>
-                <a:cs typeface="Times New Roman" charset="0"/>
-              </a:rPr>
-              <a:t>ˈpai</a:t>
             </a:r>
             <a:r>
               <a:rPr lang="en-US" dirty="0">
@@ -5837,10 +5975,10 @@
                 <a:ea typeface="Times New Roman" charset="0"/>
                 <a:cs typeface="Times New Roman" charset="0"/>
               </a:rPr>
-              <a:t>̯s</a:t>
-            </a:r>
-            <a:r>
-              <a:rPr lang="en-US" dirty="0" smtClean="0"/>
+              <a:t>ˈpai̯s</a:t>
+            </a:r>
+            <a:r>
+              <a:rPr lang="en-US" dirty="0"/>
               <a:t>.to]</a:t>
             </a:r>
           </a:p>
@@ -5851,36 +5989,35 @@
           <a:p>
             <a:pPr lvl="1"/>
             <a:r>
-              <a:rPr lang="en-US" dirty="0" smtClean="0"/>
+              <a:rPr lang="en-US" dirty="0"/>
               <a:t>Analysis</a:t>
             </a:r>
           </a:p>
           <a:p>
             <a:pPr lvl="2"/>
             <a:r>
-              <a:rPr lang="en-US" dirty="0" smtClean="0"/>
+              <a:rPr lang="en-US" dirty="0"/>
               <a:t>Multinomial mixed-effects regression</a:t>
             </a:r>
           </a:p>
           <a:p>
             <a:pPr lvl="2"/>
             <a:r>
-              <a:rPr lang="en-US" dirty="0" smtClean="0"/>
+              <a:rPr lang="en-US" dirty="0"/>
               <a:t>Model: response ~ glide_type + </a:t>
             </a:r>
             <a:r>
-              <a:rPr lang="en-US" dirty="0" err="1" smtClean="0"/>
+              <a:rPr lang="en-US" dirty="0" err="1"/>
               <a:t>preceding_consonant</a:t>
             </a:r>
-            <a:endParaRPr lang="en-US" dirty="0" smtClean="0"/>
+            <a:endParaRPr lang="en-US" dirty="0"/>
           </a:p>
           <a:p>
             <a:pPr lvl="2"/>
             <a:r>
-              <a:rPr lang="en-US" dirty="0" smtClean="0"/>
+              <a:rPr lang="en-US" dirty="0"/>
               <a:t>Random effects: by-subject/by-item intercepts with random slopes glide and preceding consonant</a:t>
             </a:r>
-            <a:endParaRPr lang="en-US" dirty="0"/>
           </a:p>
         </p:txBody>
       </p:sp>
@@ -5894,13 +6031,6 @@
   <p:clrMapOvr>
     <a:masterClrMapping/>
   </p:clrMapOvr>
-  <p:timing>
-    <p:tnLst>
-      <p:par>
-        <p:cTn id="1" dur="indefinite" restart="never" nodeType="tmRoot"/>
-      </p:par>
-    </p:tnLst>
-  </p:timing>
 </p:sld>
 </file>
 
@@ -5931,7 +6061,7 @@
       </p:grpSpPr>
       <p:pic>
         <p:nvPicPr>
-          <p:cNvPr id="7" name="Picture 6"/>
+          <p:cNvPr id="2" name="Picture 1"/>
           <p:cNvPicPr>
             <a:picLocks noChangeAspect="1"/>
           </p:cNvPicPr>
@@ -5969,13 +6099,6 @@
   <p:clrMapOvr>
     <a:masterClrMapping/>
   </p:clrMapOvr>
-  <p:timing>
-    <p:tnLst>
-      <p:par>
-        <p:cTn id="1" dur="indefinite" restart="never" nodeType="tmRoot"/>
-      </p:par>
-    </p:tnLst>
-  </p:timing>
 </p:sld>
 </file>
 
@@ -6006,7 +6129,7 @@
       </p:grpSpPr>
       <p:pic>
         <p:nvPicPr>
-          <p:cNvPr id="5" name="Picture 4"/>
+          <p:cNvPr id="2" name="Picture 1"/>
           <p:cNvPicPr>
             <a:picLocks noChangeAspect="1"/>
           </p:cNvPicPr>
@@ -6044,13 +6167,6 @@
   <p:clrMapOvr>
     <a:masterClrMapping/>
   </p:clrMapOvr>
-  <p:timing>
-    <p:tnLst>
-      <p:par>
-        <p:cTn id="1" dur="indefinite" restart="never" nodeType="tmRoot"/>
-      </p:par>
-    </p:tnLst>
-  </p:timing>
 </p:sld>
 </file>
 
@@ -6087,66 +6203,48 @@
           <a:lstStyle/>
           <a:p>
             <a:r>
-              <a:rPr lang="en-US" dirty="0" smtClean="0"/>
+              <a:rPr lang="en-US" dirty="0"/>
               <a:t>Takeaways</a:t>
             </a:r>
+          </a:p>
+        </p:txBody>
+      </p:sp>
+      <p:sp>
+        <p:nvSpPr>
+          <p:cNvPr id="3" name="Content Placeholder 2"/>
+          <p:cNvSpPr>
+            <a:spLocks noGrp="1"/>
+          </p:cNvSpPr>
+          <p:nvPr>
+            <p:ph idx="1"/>
+          </p:nvPr>
+        </p:nvSpPr>
+        <p:spPr/>
+        <p:txBody>
+          <a:bodyPr/>
+          <a:lstStyle/>
+          <a:p>
+            <a:r>
+              <a:rPr lang="en-US" dirty="0"/>
+              <a:t>Triphthongs were produced in approximately 45% of the targets. </a:t>
+            </a:r>
+          </a:p>
+          <a:p>
             <a:endParaRPr lang="en-US" dirty="0"/>
           </a:p>
-        </p:txBody>
-      </p:sp>
-      <p:sp>
-        <p:nvSpPr>
-          <p:cNvPr id="3" name="Content Placeholder 2"/>
-          <p:cNvSpPr>
-            <a:spLocks noGrp="1"/>
-          </p:cNvSpPr>
-          <p:nvPr>
-            <p:ph idx="1"/>
-          </p:nvPr>
-        </p:nvSpPr>
-        <p:spPr/>
-        <p:txBody>
-          <a:bodyPr/>
-          <a:lstStyle/>
-          <a:p>
-            <a:r>
-              <a:rPr lang="en-US" dirty="0" smtClean="0"/>
-              <a:t>Triphthongs </a:t>
-            </a:r>
-            <a:r>
-              <a:rPr lang="en-US" dirty="0"/>
-              <a:t>were produced in approximately 45% of the targets. </a:t>
-            </a:r>
-            <a:endParaRPr lang="en-US" dirty="0" smtClean="0"/>
-          </a:p>
-          <a:p>
-            <a:endParaRPr lang="en-US" dirty="0" smtClean="0"/>
-          </a:p>
-          <a:p>
-            <a:r>
-              <a:rPr lang="en-US" dirty="0" smtClean="0"/>
-              <a:t>A </a:t>
-            </a:r>
-            <a:r>
-              <a:rPr lang="en-US" dirty="0"/>
-              <a:t>production containing a hiatus made up roughly 30% of the data, followed by a simplification of some sort (~25% of the time</a:t>
-            </a:r>
-            <a:r>
-              <a:rPr lang="en-US" dirty="0" smtClean="0"/>
-              <a:t>)</a:t>
-            </a:r>
-          </a:p>
-          <a:p>
-            <a:endParaRPr lang="en-US" dirty="0" smtClean="0"/>
-          </a:p>
-          <a:p>
-            <a:r>
-              <a:rPr lang="en-US" dirty="0" smtClean="0"/>
-              <a:t>Overall</a:t>
-            </a:r>
-            <a:r>
-              <a:rPr lang="en-US" dirty="0"/>
-              <a:t>, the task provides evidence supporting the hypothesis that pre-vocalic glides </a:t>
+          <a:p>
+            <a:r>
+              <a:rPr lang="en-US" dirty="0"/>
+              <a:t>A production containing a hiatus made up roughly 30% of the data, followed by a simplification of some sort (~25% of the time)</a:t>
+            </a:r>
+          </a:p>
+          <a:p>
+            <a:endParaRPr lang="en-US" dirty="0"/>
+          </a:p>
+          <a:p>
+            <a:r>
+              <a:rPr lang="en-US" dirty="0"/>
+              <a:t>Overall, the task provides evidence supporting the hypothesis that pre-vocalic glides </a:t>
             </a:r>
             <a:r>
               <a:rPr lang="en-US" b="1" dirty="0"/>
@@ -6156,7 +6254,6 @@
               <a:rPr lang="en-US" dirty="0"/>
               <a:t> be part of the onset in this variety of Spanish.</a:t>
             </a:r>
-            <a:endParaRPr lang="en-US" dirty="0"/>
           </a:p>
         </p:txBody>
       </p:sp>
@@ -6206,47 +6303,46 @@
           <a:lstStyle/>
           <a:p>
             <a:r>
-              <a:rPr lang="en-US" dirty="0" smtClean="0"/>
+              <a:rPr lang="en-US" dirty="0"/>
               <a:t>Results </a:t>
             </a:r>
             <a:r>
-              <a:rPr lang="mr-IN" dirty="0" smtClean="0"/>
+              <a:rPr lang="mr-IN" dirty="0"/>
               <a:t>–</a:t>
             </a:r>
             <a:r>
-              <a:rPr lang="en-US" dirty="0" smtClean="0"/>
+              <a:rPr lang="en-US" dirty="0"/>
               <a:t> phrase reading</a:t>
             </a:r>
+          </a:p>
+        </p:txBody>
+      </p:sp>
+      <p:sp>
+        <p:nvSpPr>
+          <p:cNvPr id="3" name="Content Placeholder 2"/>
+          <p:cNvSpPr>
+            <a:spLocks noGrp="1"/>
+          </p:cNvSpPr>
+          <p:nvPr>
+            <p:ph idx="1"/>
+          </p:nvPr>
+        </p:nvSpPr>
+        <p:spPr/>
+        <p:txBody>
+          <a:bodyPr/>
+          <a:lstStyle/>
+          <a:p>
+            <a:r>
+              <a:rPr lang="en-US" dirty="0"/>
+              <a:t>Hypothesis: Pre-vocalic glides will be disallowed if preceded by a palatal consonant</a:t>
+            </a:r>
+          </a:p>
+          <a:p>
             <a:endParaRPr lang="en-US" dirty="0"/>
           </a:p>
-        </p:txBody>
-      </p:sp>
-      <p:sp>
-        <p:nvSpPr>
-          <p:cNvPr id="3" name="Content Placeholder 2"/>
-          <p:cNvSpPr>
-            <a:spLocks noGrp="1"/>
-          </p:cNvSpPr>
-          <p:nvPr>
-            <p:ph idx="1"/>
-          </p:nvPr>
-        </p:nvSpPr>
-        <p:spPr/>
-        <p:txBody>
-          <a:bodyPr/>
-          <a:lstStyle/>
-          <a:p>
-            <a:r>
-              <a:rPr lang="en-US" dirty="0" smtClean="0"/>
-              <a:t>Hypothesis: Pre-vocalic glides will be disallowed if preceded by a palatal consonant</a:t>
-            </a:r>
-          </a:p>
-          <a:p>
-            <a:endParaRPr lang="en-US" dirty="0"/>
-          </a:p>
-          <a:p>
-            <a:r>
-              <a:rPr lang="en-US" dirty="0" smtClean="0"/>
+          <a:p>
+            <a:r>
+              <a:rPr lang="en-US" dirty="0"/>
               <a:t>Measure duration, F1, and intensity of the pre-vocalic glide in two environments: after a palatal consonant, after any other consonant</a:t>
             </a:r>
           </a:p>
@@ -6262,13 +6358,6 @@
   <p:clrMapOvr>
     <a:masterClrMapping/>
   </p:clrMapOvr>
-  <p:timing>
-    <p:tnLst>
-      <p:par>
-        <p:cTn id="1" dur="indefinite" restart="never" nodeType="tmRoot"/>
-      </p:par>
-    </p:tnLst>
-  </p:timing>
 </p:sld>
 </file>
 
@@ -6314,71 +6403,60 @@
             </a:r>
             <a:r>
               <a:rPr lang="en-US" dirty="0"/>
-              <a:t> </a:t>
-            </a:r>
-            <a:r>
-              <a:rPr lang="en-US" dirty="0" smtClean="0"/>
-              <a:t>phrase reading</a:t>
-            </a:r>
+              <a:t> phrase reading</a:t>
+            </a:r>
+          </a:p>
+        </p:txBody>
+      </p:sp>
+      <p:sp>
+        <p:nvSpPr>
+          <p:cNvPr id="3" name="Content Placeholder 2"/>
+          <p:cNvSpPr>
+            <a:spLocks noGrp="1"/>
+          </p:cNvSpPr>
+          <p:nvPr>
+            <p:ph idx="1"/>
+          </p:nvPr>
+        </p:nvSpPr>
+        <p:spPr/>
+        <p:txBody>
+          <a:bodyPr/>
+          <a:lstStyle/>
+          <a:p>
+            <a:r>
+              <a:rPr lang="en-US" dirty="0"/>
+              <a:t>If pre-vocalic glides are blocked after palatals, we expect to observe differences in overall duration.</a:t>
+            </a:r>
+          </a:p>
+          <a:p>
             <a:endParaRPr lang="en-US" dirty="0"/>
           </a:p>
-        </p:txBody>
-      </p:sp>
-      <p:sp>
-        <p:nvSpPr>
-          <p:cNvPr id="3" name="Content Placeholder 2"/>
-          <p:cNvSpPr>
-            <a:spLocks noGrp="1"/>
-          </p:cNvSpPr>
-          <p:nvPr>
-            <p:ph idx="1"/>
-          </p:nvPr>
-        </p:nvSpPr>
-        <p:spPr/>
-        <p:txBody>
-          <a:bodyPr/>
-          <a:lstStyle/>
-          <a:p>
-            <a:r>
-              <a:rPr lang="en-US" dirty="0"/>
-              <a:t>If pre-vocalic glides are blocked after palatals, we expect to observe differences in overall duration</a:t>
-            </a:r>
-            <a:r>
-              <a:rPr lang="en-US" dirty="0" smtClean="0"/>
-              <a:t>.</a:t>
-            </a:r>
-            <a:endParaRPr lang="en-US" dirty="0"/>
-          </a:p>
-          <a:p>
-            <a:endParaRPr lang="en-US" dirty="0" smtClean="0"/>
-          </a:p>
-          <a:p>
-            <a:r>
-              <a:rPr lang="en-US" dirty="0" smtClean="0"/>
+          <a:p>
+            <a:r>
+              <a:rPr lang="en-US" dirty="0"/>
               <a:t>Analysis</a:t>
             </a:r>
           </a:p>
           <a:p>
             <a:pPr lvl="1"/>
             <a:r>
-              <a:rPr lang="en-US" dirty="0" smtClean="0"/>
+              <a:rPr lang="en-US" dirty="0"/>
               <a:t>Linear mixed effects model</a:t>
             </a:r>
           </a:p>
           <a:p>
             <a:pPr lvl="1"/>
             <a:r>
-              <a:rPr lang="en-US" dirty="0" smtClean="0"/>
+              <a:rPr lang="en-US" dirty="0"/>
               <a:t>Model: duration ~ environment</a:t>
             </a:r>
           </a:p>
           <a:p>
             <a:pPr lvl="1"/>
             <a:r>
-              <a:rPr lang="en-US" dirty="0" smtClean="0"/>
+              <a:rPr lang="en-US" dirty="0"/>
               <a:t>Random effect: by-subject/by-item intercepts with random slopes for preceding consonant</a:t>
             </a:r>
-            <a:endParaRPr lang="en-US" dirty="0"/>
           </a:p>
         </p:txBody>
       </p:sp>
@@ -6392,13 +6470,6 @@
   <p:clrMapOvr>
     <a:masterClrMapping/>
   </p:clrMapOvr>
-  <p:timing>
-    <p:tnLst>
-      <p:par>
-        <p:cTn id="1" dur="indefinite" restart="never" nodeType="tmRoot"/>
-      </p:par>
-    </p:tnLst>
-  </p:timing>
 </p:sld>
 </file>
 
@@ -6467,13 +6538,6 @@
   <p:clrMapOvr>
     <a:masterClrMapping/>
   </p:clrMapOvr>
-  <p:timing>
-    <p:tnLst>
-      <p:par>
-        <p:cTn id="1" dur="indefinite" restart="never" nodeType="tmRoot"/>
-      </p:par>
-    </p:tnLst>
-  </p:timing>
 </p:sld>
 </file>
 
@@ -6541,17 +6605,17 @@
           <a:p>
             <a:r>
               <a:rPr lang="en-US" sz="2400" dirty="0"/>
-              <a:t>We can examine the plausibility of (1) by looking at the formant trajectory over </a:t>
-            </a:r>
-            <a:r>
-              <a:rPr lang="en-US" sz="2400" dirty="0" smtClean="0"/>
-              <a:t>the </a:t>
-            </a:r>
+              <a:t>We can examine the plausibility of (1) by looking at the formant trajectory over the course of the segment. </a:t>
+            </a:r>
+          </a:p>
+          <a:p>
+            <a:endParaRPr lang="en-US" sz="2400" dirty="0"/>
+          </a:p>
+          <a:p>
             <a:r>
               <a:rPr lang="en-US" sz="2400" dirty="0"/>
-              <a:t>course of the segment. </a:t>
-            </a:r>
-            <a:endParaRPr lang="en-US" sz="2400" dirty="0" smtClean="0"/>
+              <a:t>If the participants are able to produce a glide in some contexts but not others we should see differences in F1 as a function of the preceding consonant.</a:t>
+            </a:r>
           </a:p>
           <a:p>
             <a:endParaRPr lang="en-US" sz="2400" dirty="0"/>
@@ -6559,48 +6623,30 @@
           <a:p>
             <a:r>
               <a:rPr lang="en-US" sz="2400" dirty="0"/>
-              <a:t>If the participants are able to produce a glide in some contexts but not others </a:t>
-            </a:r>
-            <a:r>
-              <a:rPr lang="en-US" sz="2400" dirty="0" smtClean="0"/>
-              <a:t>we </a:t>
-            </a:r>
-            <a:r>
-              <a:rPr lang="en-US" sz="2400" dirty="0"/>
-              <a:t>should see differences in F1 as a function of the preceding consonant.</a:t>
-            </a:r>
-          </a:p>
-          <a:p>
-            <a:endParaRPr lang="en-US" sz="2400" dirty="0" smtClean="0"/>
-          </a:p>
-          <a:p>
-            <a:r>
-              <a:rPr lang="en-US" sz="2400" dirty="0" smtClean="0"/>
               <a:t>Analysis</a:t>
             </a:r>
           </a:p>
           <a:p>
             <a:pPr lvl="1"/>
             <a:r>
-              <a:rPr lang="en-US" dirty="0" smtClean="0"/>
+              <a:rPr lang="en-US" dirty="0"/>
               <a:t>Generalized Additive Mixed Model</a:t>
             </a:r>
           </a:p>
           <a:p>
             <a:pPr lvl="1"/>
             <a:r>
-              <a:rPr lang="en-US" dirty="0" smtClean="0"/>
+              <a:rPr lang="en-US" dirty="0"/>
               <a:t>Model: F1 ~ </a:t>
             </a:r>
             <a:r>
-              <a:rPr lang="en-US" dirty="0" err="1" smtClean="0"/>
+              <a:rPr lang="en-US" dirty="0" err="1"/>
               <a:t>preceding_consonant</a:t>
             </a:r>
             <a:r>
-              <a:rPr lang="en-US" dirty="0" smtClean="0"/>
+              <a:rPr lang="en-US" dirty="0"/>
               <a:t> + time</a:t>
             </a:r>
-            <a:endParaRPr lang="en-US" dirty="0"/>
           </a:p>
           <a:p>
             <a:endParaRPr lang="en-US" dirty="0"/>
@@ -6617,13 +6663,6 @@
   <p:clrMapOvr>
     <a:masterClrMapping/>
   </p:clrMapOvr>
-  <p:timing>
-    <p:tnLst>
-      <p:par>
-        <p:cTn id="1" dur="indefinite" restart="never" nodeType="tmRoot"/>
-      </p:par>
-    </p:tnLst>
-  </p:timing>
 </p:sld>
 </file>
 
@@ -6800,13 +6839,6 @@
   <p:clrMapOvr>
     <a:masterClrMapping/>
   </p:clrMapOvr>
-  <p:timing>
-    <p:tnLst>
-      <p:par>
-        <p:cTn id="1" dur="indefinite" restart="never" nodeType="tmRoot"/>
-      </p:par>
-    </p:tnLst>
-  </p:timing>
 </p:sld>
 </file>
 
@@ -6876,38 +6908,13 @@
           <a:p>
             <a:r>
               <a:rPr lang="en-US" dirty="0"/>
-              <a:t>S</a:t>
-            </a:r>
-            <a:r>
-              <a:rPr lang="en-US" dirty="0" smtClean="0"/>
-              <a:t>econd possibility: participants </a:t>
-            </a:r>
-            <a:r>
-              <a:rPr lang="en-US" dirty="0"/>
-              <a:t>are lengthening the palatal consonant (not producing a glide) </a:t>
-            </a:r>
-            <a:r>
-              <a:rPr lang="en-US" dirty="0" smtClean="0"/>
-              <a:t>because of the fact that they </a:t>
-            </a:r>
-            <a:r>
-              <a:rPr lang="en-US" dirty="0"/>
-              <a:t>cannot produce both. </a:t>
-            </a:r>
-            <a:endParaRPr lang="en-US" dirty="0" smtClean="0"/>
-          </a:p>
-          <a:p>
-            <a:r>
-              <a:rPr lang="en-US" dirty="0" smtClean="0"/>
-              <a:t>In </a:t>
-            </a:r>
-            <a:r>
-              <a:rPr lang="en-US" dirty="0"/>
-              <a:t>other words, they might be trying to produce something, but because the target is illicit, they resort to lengthening the onset</a:t>
-            </a:r>
-            <a:r>
-              <a:rPr lang="en-US" dirty="0" smtClean="0"/>
-              <a:t>.</a:t>
+              <a:t>Second possibility: participants are lengthening the palatal consonant (not producing a glide) because of the fact that they cannot produce both. </a:t>
+            </a:r>
+          </a:p>
+          <a:p>
+            <a:r>
+              <a:rPr lang="en-US" dirty="0"/>
+              <a:t>In other words, they might be trying to produce something, but because the target is illicit, they resort to lengthening the onset.</a:t>
             </a:r>
           </a:p>
           <a:p>
@@ -6915,51 +6922,14 @@
           </a:p>
           <a:p>
             <a:r>
-              <a:rPr lang="en-US" dirty="0" smtClean="0"/>
-              <a:t>Prediction: intensity </a:t>
-            </a:r>
-            <a:r>
-              <a:rPr lang="en-US" dirty="0"/>
-              <a:t>of the lengthened </a:t>
-            </a:r>
-            <a:r>
-              <a:rPr lang="en-US" dirty="0" smtClean="0"/>
-              <a:t>segment should </a:t>
-            </a:r>
-            <a:r>
-              <a:rPr lang="en-US" dirty="0"/>
-              <a:t>be lower </a:t>
-            </a:r>
-            <a:r>
-              <a:rPr lang="en-US" dirty="0" smtClean="0"/>
-              <a:t>than that </a:t>
-            </a:r>
-            <a:r>
-              <a:rPr lang="en-US" dirty="0"/>
-              <a:t>of a glide. </a:t>
-            </a:r>
-            <a:endParaRPr lang="en-US" dirty="0" smtClean="0"/>
-          </a:p>
-          <a:p>
-            <a:r>
-              <a:rPr lang="en-US" dirty="0" smtClean="0"/>
-              <a:t>Why</a:t>
-            </a:r>
-            <a:r>
-              <a:rPr lang="en-US" dirty="0"/>
-              <a:t>? </a:t>
-            </a:r>
-            <a:r>
-              <a:rPr lang="en-US" dirty="0" smtClean="0"/>
-              <a:t>More </a:t>
-            </a:r>
-            <a:r>
-              <a:rPr lang="en-US" dirty="0"/>
-              <a:t>consonant-like productions have lower intensity than more vowel-like productions</a:t>
-            </a:r>
-            <a:r>
-              <a:rPr lang="en-US" dirty="0" smtClean="0"/>
-              <a:t>.</a:t>
+              <a:rPr lang="en-US" dirty="0"/>
+              <a:t>Prediction: intensity of the lengthened segment should be lower than that of a glide. </a:t>
+            </a:r>
+          </a:p>
+          <a:p>
+            <a:r>
+              <a:rPr lang="en-US" dirty="0"/>
+              <a:t>Why? More consonant-like productions have lower intensity than more vowel-like productions.</a:t>
             </a:r>
           </a:p>
           <a:p>
@@ -6982,15 +6952,7 @@
             <a:pPr lvl="1"/>
             <a:r>
               <a:rPr lang="en-US" dirty="0"/>
-              <a:t>Model: </a:t>
-            </a:r>
-            <a:r>
-              <a:rPr lang="en-US" dirty="0" smtClean="0"/>
-              <a:t>Intensity </a:t>
-            </a:r>
-            <a:r>
-              <a:rPr lang="en-US" dirty="0"/>
-              <a:t>~ </a:t>
+              <a:t>Model: Intensity ~ </a:t>
             </a:r>
             <a:r>
               <a:rPr lang="en-US" dirty="0" err="1"/>
@@ -7016,13 +6978,6 @@
   <p:clrMapOvr>
     <a:masterClrMapping/>
   </p:clrMapOvr>
-  <p:timing>
-    <p:tnLst>
-      <p:par>
-        <p:cTn id="1" dur="indefinite" restart="never" nodeType="tmRoot"/>
-      </p:par>
-    </p:tnLst>
-  </p:timing>
 </p:sld>
 </file>
 
@@ -7091,13 +7046,6 @@
   <p:clrMapOvr>
     <a:masterClrMapping/>
   </p:clrMapOvr>
-  <p:timing>
-    <p:tnLst>
-      <p:par>
-        <p:cTn id="1" dur="indefinite" restart="never" nodeType="tmRoot"/>
-      </p:par>
-    </p:tnLst>
-  </p:timing>
 </p:sld>
 </file>
 
@@ -7166,13 +7114,6 @@
   <p:clrMapOvr>
     <a:masterClrMapping/>
   </p:clrMapOvr>
-  <p:timing>
-    <p:tnLst>
-      <p:par>
-        <p:cTn id="1" dur="indefinite" restart="never" nodeType="tmRoot"/>
-      </p:par>
-    </p:tnLst>
-  </p:timing>
 </p:sld>
 </file>
 
@@ -7209,10 +7150,9 @@
           <a:lstStyle/>
           <a:p>
             <a:r>
-              <a:rPr lang="en-US" dirty="0" smtClean="0"/>
+              <a:rPr lang="en-US" dirty="0"/>
               <a:t>Summary</a:t>
             </a:r>
-            <a:endParaRPr lang="en-US" dirty="0"/>
           </a:p>
         </p:txBody>
       </p:sp>
@@ -7232,14 +7172,14 @@
           <a:lstStyle/>
           <a:p>
             <a:r>
-              <a:rPr lang="en-US" dirty="0" smtClean="0"/>
+              <a:rPr lang="en-US" dirty="0"/>
               <a:t>Sonoran speakers used variable strategies when producing the CGVGC sequences</a:t>
             </a:r>
           </a:p>
           <a:p>
             <a:pPr lvl="1"/>
             <a:r>
-              <a:rPr lang="en-US" dirty="0" smtClean="0"/>
+              <a:rPr lang="en-US" dirty="0"/>
               <a:t>Importantly, they produced the GVG sequence at least some of the time (thus it is possible)</a:t>
             </a:r>
           </a:p>
@@ -7249,14 +7189,14 @@
           </a:p>
           <a:p>
             <a:r>
-              <a:rPr lang="en-US" dirty="0" smtClean="0"/>
+              <a:rPr lang="en-US" dirty="0"/>
               <a:t>Acoustic analysis shows that pre-vocalic segments are longer after palatal consonants</a:t>
             </a:r>
           </a:p>
           <a:p>
             <a:pPr lvl="1"/>
             <a:r>
-              <a:rPr lang="en-US" dirty="0" smtClean="0"/>
+              <a:rPr lang="en-US" dirty="0"/>
               <a:t>Not shorter (i.e., elided because they are blocked)</a:t>
             </a:r>
           </a:p>
@@ -7266,17 +7206,16 @@
           </a:p>
           <a:p>
             <a:r>
-              <a:rPr lang="en-US" dirty="0" smtClean="0"/>
+              <a:rPr lang="en-US" dirty="0"/>
               <a:t>Analysis of the time course suggests the duration increase could be due to lengthening of onset</a:t>
             </a:r>
           </a:p>
           <a:p>
             <a:pPr lvl="1"/>
             <a:r>
-              <a:rPr lang="en-US" dirty="0" smtClean="0"/>
+              <a:rPr lang="en-US" dirty="0"/>
               <a:t>Strategy to avoid illicit sequence</a:t>
             </a:r>
-            <a:endParaRPr lang="en-US" dirty="0"/>
           </a:p>
         </p:txBody>
       </p:sp>
@@ -7326,36 +7265,68 @@
           <a:lstStyle/>
           <a:p>
             <a:r>
-              <a:rPr lang="en-US" dirty="0" smtClean="0"/>
-              <a:t>Discussion</a:t>
-            </a:r>
+              <a:rPr lang="en-US" dirty="0"/>
+              <a:t>Research question/s</a:t>
+            </a:r>
+          </a:p>
+        </p:txBody>
+      </p:sp>
+      <p:sp>
+        <p:nvSpPr>
+          <p:cNvPr id="3" name="Content Placeholder 2"/>
+          <p:cNvSpPr>
+            <a:spLocks noGrp="1"/>
+          </p:cNvSpPr>
+          <p:nvPr>
+            <p:ph idx="1"/>
+          </p:nvPr>
+        </p:nvSpPr>
+        <p:spPr/>
+        <p:txBody>
+          <a:bodyPr/>
+          <a:lstStyle/>
+          <a:p>
+            <a:r>
+              <a:rPr lang="en-US" dirty="0"/>
+              <a:t>Q1: Is a postconsonantal, prevocalic glide parsed as the second segment of a complex onset in Sonoran Spanish?</a:t>
+            </a:r>
+          </a:p>
+          <a:p>
+            <a:pPr marL="114300" indent="0">
+              <a:buNone/>
+            </a:pPr>
+            <a:r>
+              <a:rPr lang="en-US" dirty="0"/>
+              <a:t>	A1:Yes, at least some of the time.</a:t>
+            </a:r>
+          </a:p>
+          <a:p>
+            <a:pPr marL="114300" indent="0">
+              <a:buNone/>
+            </a:pPr>
             <a:endParaRPr lang="en-US" dirty="0"/>
           </a:p>
-        </p:txBody>
-      </p:sp>
-      <p:sp>
-        <p:nvSpPr>
-          <p:cNvPr id="3" name="Content Placeholder 2"/>
-          <p:cNvSpPr>
-            <a:spLocks noGrp="1"/>
-          </p:cNvSpPr>
-          <p:nvPr>
-            <p:ph idx="1"/>
-          </p:nvPr>
-        </p:nvSpPr>
-        <p:spPr/>
-        <p:txBody>
-          <a:bodyPr/>
-          <a:lstStyle/>
-          <a:p>
-            <a:endParaRPr lang="en-US"/>
+          <a:p>
+            <a:r>
+              <a:rPr lang="en-US" dirty="0"/>
+              <a:t>Q2: In more general terms, the question is: are Spanish prevocalic glides always part of a complex nucleus (preceding a full vowel, in a diphthong) or can the glide be parsed in the onset in some dialects?</a:t>
+            </a:r>
+          </a:p>
+          <a:p>
+            <a:pPr marL="114300" indent="0">
+              <a:buNone/>
+            </a:pPr>
+            <a:r>
+              <a:rPr lang="en-US" dirty="0"/>
+              <a:t>	A2:The glide can be parsed in the onset in dialects like 	Sonoran Spanish, but it is not categorical</a:t>
+            </a:r>
           </a:p>
         </p:txBody>
       </p:sp>
     </p:spTree>
     <p:extLst>
       <p:ext uri="{BB962C8B-B14F-4D97-AF65-F5344CB8AC3E}">
-        <p14:creationId xmlns:p14="http://schemas.microsoft.com/office/powerpoint/2010/main" val="755042536"/>
+        <p14:creationId xmlns:p14="http://schemas.microsoft.com/office/powerpoint/2010/main" val="3544568343"/>
       </p:ext>
     </p:extLst>
   </p:cSld>
@@ -7398,36 +7369,49 @@
           <a:lstStyle/>
           <a:p>
             <a:r>
-              <a:rPr lang="en-US" dirty="0" smtClean="0"/>
-              <a:t>Conclusion</a:t>
-            </a:r>
+              <a:rPr lang="en-US" dirty="0"/>
+              <a:t>Discussion</a:t>
+            </a:r>
+          </a:p>
+        </p:txBody>
+      </p:sp>
+      <p:sp>
+        <p:nvSpPr>
+          <p:cNvPr id="3" name="Content Placeholder 2"/>
+          <p:cNvSpPr>
+            <a:spLocks noGrp="1"/>
+          </p:cNvSpPr>
+          <p:nvPr>
+            <p:ph idx="1"/>
+          </p:nvPr>
+        </p:nvSpPr>
+        <p:spPr/>
+        <p:txBody>
+          <a:bodyPr>
+            <a:normAutofit/>
+          </a:bodyPr>
+          <a:lstStyle/>
+          <a:p>
+            <a:r>
+              <a:rPr lang="en-US" sz="2400" dirty="0"/>
+              <a:t>Acoustic analysis shows that pre-vocalic segments are longer after palatal consonants, revealing a strategy to avoid an illicit sequence. In the syllabification task, speakers produce triphthongs in 45% of the targets, so onset parsing is possible,  but not categorical. </a:t>
+            </a:r>
+          </a:p>
+          <a:p>
+            <a:r>
+              <a:rPr lang="en-US" sz="2400" dirty="0"/>
+              <a:t>As predicted, onset parsing suggests cross-dialectal variation in the syllabic affiliation of prevocalic glides. Furthermore, the parsing of glides also exhibits dialect-internal variation, as some, but not all glides are in parsed the onset.</a:t>
+            </a:r>
+          </a:p>
+          <a:p>
             <a:endParaRPr lang="en-US" dirty="0"/>
-          </a:p>
-        </p:txBody>
-      </p:sp>
-      <p:sp>
-        <p:nvSpPr>
-          <p:cNvPr id="3" name="Content Placeholder 2"/>
-          <p:cNvSpPr>
-            <a:spLocks noGrp="1"/>
-          </p:cNvSpPr>
-          <p:nvPr>
-            <p:ph idx="1"/>
-          </p:nvPr>
-        </p:nvSpPr>
-        <p:spPr/>
-        <p:txBody>
-          <a:bodyPr/>
-          <a:lstStyle/>
-          <a:p>
-            <a:endParaRPr lang="en-US"/>
           </a:p>
         </p:txBody>
       </p:sp>
     </p:spTree>
     <p:extLst>
       <p:ext uri="{BB962C8B-B14F-4D97-AF65-F5344CB8AC3E}">
-        <p14:creationId xmlns:p14="http://schemas.microsoft.com/office/powerpoint/2010/main" val="1826730619"/>
+        <p14:creationId xmlns:p14="http://schemas.microsoft.com/office/powerpoint/2010/main" val="755042536"/>
       </p:ext>
     </p:extLst>
   </p:cSld>
@@ -7471,6 +7455,246 @@
           <a:p>
             <a:r>
               <a:rPr lang="en-US" dirty="0"/>
+              <a:t>Discussion</a:t>
+            </a:r>
+          </a:p>
+        </p:txBody>
+      </p:sp>
+      <p:sp>
+        <p:nvSpPr>
+          <p:cNvPr id="3" name="Content Placeholder 2"/>
+          <p:cNvSpPr>
+            <a:spLocks noGrp="1"/>
+          </p:cNvSpPr>
+          <p:nvPr>
+            <p:ph idx="1"/>
+          </p:nvPr>
+        </p:nvSpPr>
+        <p:spPr/>
+        <p:txBody>
+          <a:bodyPr>
+            <a:normAutofit/>
+          </a:bodyPr>
+          <a:lstStyle/>
+          <a:p>
+            <a:r>
+              <a:rPr lang="en-US" dirty="0"/>
+              <a:t>The rankings predicted by an optimality-theoretic factorial typology are variable/non-categorical: (</a:t>
+            </a:r>
+            <a:r>
+              <a:rPr lang="en-US" dirty="0" err="1"/>
+              <a:t>i</a:t>
+            </a:r>
+            <a:r>
+              <a:rPr lang="en-US" dirty="0"/>
+              <a:t>) Onset, </a:t>
+            </a:r>
+            <a:r>
+              <a:rPr lang="en-US" u="sng" dirty="0"/>
+              <a:t>*Onset/glide &gt;&gt; *Complex </a:t>
+            </a:r>
+            <a:r>
+              <a:rPr lang="en-US" u="sng" dirty="0" err="1"/>
+              <a:t>Nuc</a:t>
+            </a:r>
+            <a:r>
+              <a:rPr lang="en-US" dirty="0"/>
+              <a:t>, Max-IO𝝻, Ident(cons) (nuclear glide) (ii) Onset, *</a:t>
+            </a:r>
+            <a:r>
+              <a:rPr lang="en-US" u="sng" dirty="0"/>
+              <a:t>Complex </a:t>
+            </a:r>
+            <a:r>
+              <a:rPr lang="en-US" u="sng" dirty="0" err="1"/>
+              <a:t>Nuc</a:t>
+            </a:r>
+            <a:r>
+              <a:rPr lang="en-US" u="sng" dirty="0"/>
+              <a:t> &gt;&gt; *Onset/glide</a:t>
+            </a:r>
+            <a:r>
+              <a:rPr lang="en-US" dirty="0"/>
+              <a:t>, Max-IO𝝻, Ident(cons) (onset glide) (</a:t>
+            </a:r>
+            <a:r>
+              <a:rPr lang="en-US" dirty="0" err="1"/>
+              <a:t>Colina</a:t>
+            </a:r>
+            <a:r>
+              <a:rPr lang="en-US" dirty="0"/>
+              <a:t> 2009).  This</a:t>
+            </a:r>
+          </a:p>
+          <a:p>
+            <a:r>
+              <a:rPr lang="en-US" dirty="0"/>
+              <a:t>The variable, non-categorical rankings above (underlined) can be modelled in stochastic OT (Boersma and Hayes 2001 )</a:t>
+            </a:r>
+          </a:p>
+          <a:p>
+            <a:r>
+              <a:rPr lang="en-US" dirty="0"/>
+              <a:t>Further research is needed to study the factors conditioning the variation (they do not appear to be phonological)</a:t>
+            </a:r>
+          </a:p>
+          <a:p>
+            <a:r>
+              <a:rPr lang="en-US" dirty="0"/>
+              <a:t>This study could be replicated </a:t>
+            </a:r>
+            <a:r>
+              <a:rPr lang="en-US"/>
+              <a:t>with more </a:t>
+            </a:r>
+            <a:r>
+              <a:rPr lang="en-US" dirty="0"/>
+              <a:t>subjects (controlled by sex, age, linguistic profile), and, for comparative purposes,  also with speakers of dialects that do not allow onset glides.</a:t>
+            </a:r>
+          </a:p>
+        </p:txBody>
+      </p:sp>
+    </p:spTree>
+    <p:extLst>
+      <p:ext uri="{BB962C8B-B14F-4D97-AF65-F5344CB8AC3E}">
+        <p14:creationId xmlns:p14="http://schemas.microsoft.com/office/powerpoint/2010/main" val="566273899"/>
+      </p:ext>
+    </p:extLst>
+  </p:cSld>
+  <p:clrMapOvr>
+    <a:masterClrMapping/>
+  </p:clrMapOvr>
+</p:sld>
+</file>
+
+<file path=ppt/slides/slide28.xml><?xml version="1.0" encoding="utf-8"?>
+<p:sld xmlns:a="http://schemas.openxmlformats.org/drawingml/2006/main" xmlns:r="http://schemas.openxmlformats.org/officeDocument/2006/relationships" xmlns:p="http://schemas.openxmlformats.org/presentationml/2006/main">
+  <p:cSld>
+    <p:spTree>
+      <p:nvGrpSpPr>
+        <p:cNvPr id="1" name=""/>
+        <p:cNvGrpSpPr/>
+        <p:nvPr/>
+      </p:nvGrpSpPr>
+      <p:grpSpPr>
+        <a:xfrm>
+          <a:off x="0" y="0"/>
+          <a:ext cx="0" cy="0"/>
+          <a:chOff x="0" y="0"/>
+          <a:chExt cx="0" cy="0"/>
+        </a:xfrm>
+      </p:grpSpPr>
+      <p:sp>
+        <p:nvSpPr>
+          <p:cNvPr id="2" name="Title 1"/>
+          <p:cNvSpPr>
+            <a:spLocks noGrp="1"/>
+          </p:cNvSpPr>
+          <p:nvPr>
+            <p:ph type="title"/>
+          </p:nvPr>
+        </p:nvSpPr>
+        <p:spPr/>
+        <p:txBody>
+          <a:bodyPr/>
+          <a:lstStyle/>
+          <a:p>
+            <a:r>
+              <a:rPr lang="en-US" dirty="0"/>
+              <a:t>Conclusion</a:t>
+            </a:r>
+          </a:p>
+        </p:txBody>
+      </p:sp>
+      <p:sp>
+        <p:nvSpPr>
+          <p:cNvPr id="3" name="Content Placeholder 2"/>
+          <p:cNvSpPr>
+            <a:spLocks noGrp="1"/>
+          </p:cNvSpPr>
+          <p:nvPr>
+            <p:ph idx="1"/>
+          </p:nvPr>
+        </p:nvSpPr>
+        <p:spPr/>
+        <p:txBody>
+          <a:bodyPr>
+            <a:normAutofit fontScale="92500"/>
+          </a:bodyPr>
+          <a:lstStyle/>
+          <a:p>
+            <a:r>
+              <a:rPr lang="en-US" dirty="0"/>
+              <a:t>In this study we examined the syllabic affiliation of prevocalic glides in Sonoran Spanish</a:t>
+            </a:r>
+          </a:p>
+          <a:p>
+            <a:r>
+              <a:rPr lang="en-US" dirty="0"/>
+              <a:t>Since glides are licit in the onset (i.e., no onset strengthening in Sonoran Spanish), a postconsonantal, prevocalic glide could be parsed as the second segment of a complex onset in Sonoran Spanish.</a:t>
+            </a:r>
+          </a:p>
+          <a:p>
+            <a:r>
+              <a:rPr lang="en-US" dirty="0"/>
+              <a:t>Experimental evidence showed that Sonoran speakers produced the GVG sequence at least some of the time (thus it is possible). Acoustic analysis shows that pre-vocalic segments are longer after palatal consonants; the duration increase is shown to be due to lengthening of onset (a strategy to avoid illicit sequence).</a:t>
+            </a:r>
+          </a:p>
+          <a:p>
+            <a:r>
+              <a:rPr lang="en-US" dirty="0"/>
+              <a:t>Glides can be variably parsed as C2 in a complex onset.   Onset glides in Sonoran Spanish provide evidence for cross-dialectal and intra-dialectal variation in syllabic affiliation.</a:t>
+            </a:r>
+          </a:p>
+        </p:txBody>
+      </p:sp>
+    </p:spTree>
+    <p:extLst>
+      <p:ext uri="{BB962C8B-B14F-4D97-AF65-F5344CB8AC3E}">
+        <p14:creationId xmlns:p14="http://schemas.microsoft.com/office/powerpoint/2010/main" val="1826730619"/>
+      </p:ext>
+    </p:extLst>
+  </p:cSld>
+  <p:clrMapOvr>
+    <a:masterClrMapping/>
+  </p:clrMapOvr>
+</p:sld>
+</file>
+
+<file path=ppt/slides/slide29.xml><?xml version="1.0" encoding="utf-8"?>
+<p:sld xmlns:a="http://schemas.openxmlformats.org/drawingml/2006/main" xmlns:r="http://schemas.openxmlformats.org/officeDocument/2006/relationships" xmlns:p="http://schemas.openxmlformats.org/presentationml/2006/main">
+  <p:cSld>
+    <p:spTree>
+      <p:nvGrpSpPr>
+        <p:cNvPr id="1" name=""/>
+        <p:cNvGrpSpPr/>
+        <p:nvPr/>
+      </p:nvGrpSpPr>
+      <p:grpSpPr>
+        <a:xfrm>
+          <a:off x="0" y="0"/>
+          <a:ext cx="0" cy="0"/>
+          <a:chOff x="0" y="0"/>
+          <a:chExt cx="0" cy="0"/>
+        </a:xfrm>
+      </p:grpSpPr>
+      <p:sp>
+        <p:nvSpPr>
+          <p:cNvPr id="2" name="Title 1"/>
+          <p:cNvSpPr>
+            <a:spLocks noGrp="1"/>
+          </p:cNvSpPr>
+          <p:nvPr>
+            <p:ph type="title"/>
+          </p:nvPr>
+        </p:nvSpPr>
+        <p:spPr/>
+        <p:txBody>
+          <a:bodyPr/>
+          <a:lstStyle/>
+          <a:p>
+            <a:r>
+              <a:rPr lang="en-US" dirty="0"/>
               <a:t>References</a:t>
             </a:r>
           </a:p>
@@ -7494,7 +7718,7 @@
         </p:spPr>
         <p:txBody>
           <a:bodyPr>
-            <a:normAutofit fontScale="92500" lnSpcReduction="20000"/>
+            <a:normAutofit fontScale="85000" lnSpcReduction="10000"/>
           </a:bodyPr>
           <a:lstStyle/>
           <a:p>
@@ -7522,6 +7746,70 @@
           <a:p>
             <a:r>
               <a:rPr lang="en-US" cap="small" dirty="0"/>
+              <a:t>Boersma, P. </a:t>
+            </a:r>
+            <a:r>
+              <a:rPr lang="en-US" dirty="0"/>
+              <a:t>and</a:t>
+            </a:r>
+            <a:r>
+              <a:rPr lang="en-US" cap="small" dirty="0"/>
+              <a:t> Hayes, B</a:t>
+            </a:r>
+            <a:r>
+              <a:rPr lang="en-US" dirty="0"/>
+              <a:t>. 2001.  Empirical tests of the Gradual Learning Algorithm. </a:t>
+            </a:r>
+            <a:r>
+              <a:rPr lang="en-US" i="1" dirty="0"/>
+              <a:t>Linguistic Inquiry</a:t>
+            </a:r>
+            <a:r>
+              <a:rPr lang="en-US" dirty="0"/>
+              <a:t> 32. 45-86.</a:t>
+            </a:r>
+          </a:p>
+          <a:p>
+            <a:r>
+              <a:rPr lang="en-US" cap="small" dirty="0"/>
+              <a:t>Boersma</a:t>
+            </a:r>
+            <a:r>
+              <a:rPr lang="en-US" dirty="0"/>
+              <a:t>, P. &amp; </a:t>
+            </a:r>
+            <a:r>
+              <a:rPr lang="en-US" cap="small" dirty="0" err="1"/>
+              <a:t>Weenink</a:t>
+            </a:r>
+            <a:r>
+              <a:rPr lang="en-US" dirty="0"/>
+              <a:t>, D. (2018). </a:t>
+            </a:r>
+            <a:r>
+              <a:rPr lang="en-US" i="1" dirty="0" err="1"/>
+              <a:t>Praat</a:t>
+            </a:r>
+            <a:r>
+              <a:rPr lang="en-US" i="1" dirty="0"/>
+              <a:t>: doing phonetics by computer</a:t>
+            </a:r>
+            <a:r>
+              <a:rPr lang="en-US" dirty="0"/>
+              <a:t>. Version 6.0.39, retrieved 3 April 2018 from http://</a:t>
+            </a:r>
+            <a:r>
+              <a:rPr lang="en-US" dirty="0" err="1"/>
+              <a:t>www.praat.org</a:t>
+            </a:r>
+            <a:r>
+              <a:rPr lang="en-US" dirty="0"/>
+              <a:t>/.</a:t>
+            </a:r>
+          </a:p>
+          <a:p>
+            <a:r>
+              <a:rPr lang="en-US" cap="small" dirty="0"/>
               <a:t>Canfield</a:t>
             </a:r>
             <a:r>
@@ -7670,44 +7958,6 @@
             <a:r>
               <a:rPr lang="en-US" dirty="0"/>
               <a:t>Washington, DC: Georgetown UP, pp. 195-215.</a:t>
-            </a:r>
-          </a:p>
-          <a:p>
-            <a:r>
-              <a:rPr lang="en-US" cap="small" dirty="0"/>
-              <a:t>Boersma</a:t>
-            </a:r>
-            <a:r>
-              <a:rPr lang="en-US" dirty="0"/>
-              <a:t>, P. &amp; </a:t>
-            </a:r>
-            <a:r>
-              <a:rPr lang="en-US" cap="small" dirty="0" err="1"/>
-              <a:t>Weenink</a:t>
-            </a:r>
-            <a:r>
-              <a:rPr lang="en-US" dirty="0"/>
-              <a:t>, D. (2018). </a:t>
-            </a:r>
-            <a:r>
-              <a:rPr lang="en-US" i="1" dirty="0" err="1"/>
-              <a:t>Praat</a:t>
-            </a:r>
-            <a:r>
-              <a:rPr lang="en-US" i="1" dirty="0"/>
-              <a:t>: doing phonetics by computer</a:t>
-            </a:r>
-            <a:r>
-              <a:rPr lang="en-US" dirty="0"/>
-              <a:t>. Version 6.0.39, retrieved 3 April 2018 from http://</a:t>
-            </a:r>
-            <a:r>
-              <a:rPr lang="en-US" dirty="0" err="1"/>
-              <a:t>www.praat.org</a:t>
-            </a:r>
-            <a:r>
-              <a:rPr lang="en-US" dirty="0"/>
-              <a:t>/.</a:t>
             </a:r>
           </a:p>
           <a:p>
@@ -7731,17 +7981,244 @@
   <p:clrMapOvr>
     <a:masterClrMapping/>
   </p:clrMapOvr>
-  <p:timing>
-    <p:tnLst>
-      <p:par>
-        <p:cTn id="1" dur="indefinite" restart="never" nodeType="tmRoot"/>
-      </p:par>
-    </p:tnLst>
-  </p:timing>
 </p:sld>
 </file>
 
-<file path=ppt/slides/slide28.xml><?xml version="1.0" encoding="utf-8"?>
+<file path=ppt/slides/slide3.xml><?xml version="1.0" encoding="utf-8"?>
+<p:sld xmlns:a="http://schemas.openxmlformats.org/drawingml/2006/main" xmlns:r="http://schemas.openxmlformats.org/officeDocument/2006/relationships" xmlns:p="http://schemas.openxmlformats.org/presentationml/2006/main">
+  <p:cSld>
+    <p:spTree>
+      <p:nvGrpSpPr>
+        <p:cNvPr id="1" name=""/>
+        <p:cNvGrpSpPr/>
+        <p:nvPr/>
+      </p:nvGrpSpPr>
+      <p:grpSpPr>
+        <a:xfrm>
+          <a:off x="0" y="0"/>
+          <a:ext cx="0" cy="0"/>
+          <a:chOff x="0" y="0"/>
+          <a:chExt cx="0" cy="0"/>
+        </a:xfrm>
+      </p:grpSpPr>
+      <p:sp>
+        <p:nvSpPr>
+          <p:cNvPr id="2" name="Title 1">
+            <a:extLst>
+              <a:ext uri="{FF2B5EF4-FFF2-40B4-BE49-F238E27FC236}">
+                <a16:creationId xmlns:a16="http://schemas.microsoft.com/office/drawing/2014/main" xmlns="" id="{A07010FC-4E57-DB4A-AE74-BB164736ED48}"/>
+              </a:ext>
+            </a:extLst>
+          </p:cNvPr>
+          <p:cNvSpPr>
+            <a:spLocks noGrp="1"/>
+          </p:cNvSpPr>
+          <p:nvPr>
+            <p:ph type="title"/>
+          </p:nvPr>
+        </p:nvSpPr>
+        <p:spPr/>
+        <p:txBody>
+          <a:bodyPr/>
+          <a:lstStyle/>
+          <a:p>
+            <a:r>
+              <a:rPr lang="en-US" dirty="0"/>
+              <a:t>Background</a:t>
+            </a:r>
+          </a:p>
+        </p:txBody>
+      </p:sp>
+      <p:sp>
+        <p:nvSpPr>
+          <p:cNvPr id="3" name="Content Placeholder 2">
+            <a:extLst>
+              <a:ext uri="{FF2B5EF4-FFF2-40B4-BE49-F238E27FC236}">
+                <a16:creationId xmlns:a16="http://schemas.microsoft.com/office/drawing/2014/main" xmlns="" id="{16E71D18-0184-8E49-B2DD-4AC61CABB8F7}"/>
+              </a:ext>
+            </a:extLst>
+          </p:cNvPr>
+          <p:cNvSpPr>
+            <a:spLocks noGrp="1"/>
+          </p:cNvSpPr>
+          <p:nvPr>
+            <p:ph sz="half" idx="1"/>
+          </p:nvPr>
+        </p:nvSpPr>
+        <p:spPr>
+          <a:xfrm>
+            <a:off x="457200" y="2863516"/>
+            <a:ext cx="3657600" cy="3262964"/>
+          </a:xfrm>
+        </p:spPr>
+        <p:txBody>
+          <a:bodyPr>
+            <a:normAutofit/>
+          </a:bodyPr>
+          <a:lstStyle/>
+          <a:p>
+            <a:endParaRPr lang="en-US" dirty="0"/>
+          </a:p>
+          <a:p>
+            <a:endParaRPr lang="en-US" dirty="0"/>
+          </a:p>
+        </p:txBody>
+      </p:sp>
+      <p:pic>
+        <p:nvPicPr>
+          <p:cNvPr id="27" name="Content Placeholder 26">
+            <a:extLst>
+              <a:ext uri="{FF2B5EF4-FFF2-40B4-BE49-F238E27FC236}">
+                <a16:creationId xmlns:a16="http://schemas.microsoft.com/office/drawing/2014/main" xmlns="" id="{D2063125-9A3E-4441-BD2E-7ECF40AA8583}"/>
+              </a:ext>
+            </a:extLst>
+          </p:cNvPr>
+          <p:cNvPicPr>
+            <a:picLocks noGrp="1" noChangeAspect="1"/>
+          </p:cNvPicPr>
+          <p:nvPr>
+            <p:ph sz="half" idx="2"/>
+          </p:nvPr>
+        </p:nvPicPr>
+        <p:blipFill>
+          <a:blip r:embed="rId2">
+            <a:extLst>
+              <a:ext uri="{28A0092B-C50C-407E-A947-70E740481C1C}">
+                <a14:useLocalDpi xmlns:a14="http://schemas.microsoft.com/office/drawing/2010/main" val="0"/>
+              </a:ext>
+            </a:extLst>
+          </a:blip>
+          <a:stretch>
+            <a:fillRect/>
+          </a:stretch>
+        </p:blipFill>
+        <p:spPr>
+          <a:xfrm>
+            <a:off x="457200" y="3018076"/>
+            <a:ext cx="3657600" cy="2421583"/>
+          </a:xfrm>
+        </p:spPr>
+      </p:pic>
+      <p:sp>
+        <p:nvSpPr>
+          <p:cNvPr id="24" name="TextBox 23">
+            <a:extLst>
+              <a:ext uri="{FF2B5EF4-FFF2-40B4-BE49-F238E27FC236}">
+                <a16:creationId xmlns:a16="http://schemas.microsoft.com/office/drawing/2014/main" xmlns="" id="{37DBAD5E-8726-834E-B8EF-F21E7CBEA464}"/>
+              </a:ext>
+            </a:extLst>
+          </p:cNvPr>
+          <p:cNvSpPr txBox="1"/>
+          <p:nvPr/>
+        </p:nvSpPr>
+        <p:spPr>
+          <a:xfrm>
+            <a:off x="565484" y="1417638"/>
+            <a:ext cx="7511715" cy="1908215"/>
+          </a:xfrm>
+          <a:prstGeom prst="rect">
+            <a:avLst/>
+          </a:prstGeom>
+          <a:noFill/>
+        </p:spPr>
+        <p:txBody>
+          <a:bodyPr wrap="square" rtlCol="0">
+            <a:spAutoFit/>
+          </a:bodyPr>
+          <a:lstStyle/>
+          <a:p>
+            <a:r>
+              <a:rPr lang="en-US" sz="2000" dirty="0"/>
+              <a:t>The standard position in the literature (Harris &amp; </a:t>
+            </a:r>
+            <a:r>
+              <a:rPr lang="en-US" sz="2000" dirty="0" err="1"/>
+              <a:t>Kaisse</a:t>
+            </a:r>
+            <a:r>
+              <a:rPr lang="en-US" sz="2000" dirty="0"/>
+              <a:t> 1999; </a:t>
+            </a:r>
+            <a:r>
+              <a:rPr lang="en-US" sz="2000" dirty="0" err="1"/>
+              <a:t>Hualde</a:t>
+            </a:r>
+            <a:r>
+              <a:rPr lang="en-US" sz="2000" dirty="0"/>
+              <a:t> 2005, 2014; </a:t>
+            </a:r>
+            <a:r>
+              <a:rPr lang="en-US" sz="2000" dirty="0" err="1"/>
+              <a:t>Colina</a:t>
+            </a:r>
+            <a:r>
+              <a:rPr lang="en-US" sz="2000" dirty="0"/>
+              <a:t> 2009, and many others</a:t>
+            </a:r>
+            <a:r>
+              <a:rPr lang="en-US" dirty="0"/>
+              <a:t>) </a:t>
+            </a:r>
+            <a:r>
+              <a:rPr lang="en-US" sz="2000" dirty="0"/>
+              <a:t>is that postconsonantal, prevocalic glides are parsed in the nucleus of the syllable, when there is a preceding consonant that occupies the onset, i.e., (1a) rather than (1b) (however, cf. Martínez-Gil 2016 for arguments for 1b)</a:t>
+            </a:r>
+          </a:p>
+          <a:p>
+            <a:endParaRPr lang="en-US" dirty="0"/>
+          </a:p>
+        </p:txBody>
+      </p:sp>
+      <p:pic>
+        <p:nvPicPr>
+          <p:cNvPr id="29" name="Picture 28">
+            <a:extLst>
+              <a:ext uri="{FF2B5EF4-FFF2-40B4-BE49-F238E27FC236}">
+                <a16:creationId xmlns:a16="http://schemas.microsoft.com/office/drawing/2014/main" xmlns="" id="{05786AA7-A6D4-C540-A3E5-537391730D62}"/>
+              </a:ext>
+            </a:extLst>
+          </p:cNvPr>
+          <p:cNvPicPr>
+            <a:picLocks noChangeAspect="1"/>
+          </p:cNvPicPr>
+          <p:nvPr/>
+        </p:nvPicPr>
+        <p:blipFill>
+          <a:blip r:embed="rId3">
+            <a:extLst>
+              <a:ext uri="{28A0092B-C50C-407E-A947-70E740481C1C}">
+                <a14:useLocalDpi xmlns:a14="http://schemas.microsoft.com/office/drawing/2010/main" val="0"/>
+              </a:ext>
+            </a:extLst>
+          </a:blip>
+          <a:stretch>
+            <a:fillRect/>
+          </a:stretch>
+        </p:blipFill>
+        <p:spPr>
+          <a:xfrm>
+            <a:off x="3932655" y="3030776"/>
+            <a:ext cx="3949700" cy="2260600"/>
+          </a:xfrm>
+          <a:prstGeom prst="rect">
+            <a:avLst/>
+          </a:prstGeom>
+        </p:spPr>
+      </p:pic>
+    </p:spTree>
+    <p:extLst>
+      <p:ext uri="{BB962C8B-B14F-4D97-AF65-F5344CB8AC3E}">
+        <p14:creationId xmlns:p14="http://schemas.microsoft.com/office/powerpoint/2010/main" val="2100315245"/>
+      </p:ext>
+    </p:extLst>
+  </p:cSld>
+  <p:clrMapOvr>
+    <a:masterClrMapping/>
+  </p:clrMapOvr>
+</p:sld>
+</file>
+
+<file path=ppt/slides/slide30.xml><?xml version="1.0" encoding="utf-8"?>
 <p:sld xmlns:a="http://schemas.openxmlformats.org/drawingml/2006/main" xmlns:r="http://schemas.openxmlformats.org/officeDocument/2006/relationships" xmlns:p="http://schemas.openxmlformats.org/presentationml/2006/main" showMasterSp="0">
   <p:cSld>
     <p:bg>
@@ -7809,240 +8286,6 @@
 </p:sld>
 </file>
 
-<file path=ppt/slides/slide3.xml><?xml version="1.0" encoding="utf-8"?>
-<p:sld xmlns:a="http://schemas.openxmlformats.org/drawingml/2006/main" xmlns:r="http://schemas.openxmlformats.org/officeDocument/2006/relationships" xmlns:p="http://schemas.openxmlformats.org/presentationml/2006/main">
-  <p:cSld>
-    <p:spTree>
-      <p:nvGrpSpPr>
-        <p:cNvPr id="1" name=""/>
-        <p:cNvGrpSpPr/>
-        <p:nvPr/>
-      </p:nvGrpSpPr>
-      <p:grpSpPr>
-        <a:xfrm>
-          <a:off x="0" y="0"/>
-          <a:ext cx="0" cy="0"/>
-          <a:chOff x="0" y="0"/>
-          <a:chExt cx="0" cy="0"/>
-        </a:xfrm>
-      </p:grpSpPr>
-      <p:sp>
-        <p:nvSpPr>
-          <p:cNvPr id="2" name="Title 1">
-            <a:extLst>
-              <a:ext uri="{FF2B5EF4-FFF2-40B4-BE49-F238E27FC236}">
-                <a16:creationId xmlns:a16="http://schemas.microsoft.com/office/drawing/2014/main" xmlns="" id="{A07010FC-4E57-DB4A-AE74-BB164736ED48}"/>
-              </a:ext>
-            </a:extLst>
-          </p:cNvPr>
-          <p:cNvSpPr>
-            <a:spLocks noGrp="1"/>
-          </p:cNvSpPr>
-          <p:nvPr>
-            <p:ph type="title"/>
-          </p:nvPr>
-        </p:nvSpPr>
-        <p:spPr/>
-        <p:txBody>
-          <a:bodyPr/>
-          <a:lstStyle/>
-          <a:p>
-            <a:r>
-              <a:rPr lang="en-US" dirty="0"/>
-              <a:t>Background</a:t>
-            </a:r>
-          </a:p>
-        </p:txBody>
-      </p:sp>
-      <p:sp>
-        <p:nvSpPr>
-          <p:cNvPr id="3" name="Content Placeholder 2">
-            <a:extLst>
-              <a:ext uri="{FF2B5EF4-FFF2-40B4-BE49-F238E27FC236}">
-                <a16:creationId xmlns:a16="http://schemas.microsoft.com/office/drawing/2014/main" xmlns="" id="{16E71D18-0184-8E49-B2DD-4AC61CABB8F7}"/>
-              </a:ext>
-            </a:extLst>
-          </p:cNvPr>
-          <p:cNvSpPr>
-            <a:spLocks noGrp="1"/>
-          </p:cNvSpPr>
-          <p:nvPr>
-            <p:ph sz="half" idx="1"/>
-          </p:nvPr>
-        </p:nvSpPr>
-        <p:spPr>
-          <a:xfrm>
-            <a:off x="457200" y="2863516"/>
-            <a:ext cx="3657600" cy="3262964"/>
-          </a:xfrm>
-        </p:spPr>
-        <p:txBody>
-          <a:bodyPr>
-            <a:normAutofit/>
-          </a:bodyPr>
-          <a:lstStyle/>
-          <a:p>
-            <a:endParaRPr lang="en-US" dirty="0"/>
-          </a:p>
-          <a:p>
-            <a:endParaRPr lang="en-US" dirty="0"/>
-          </a:p>
-        </p:txBody>
-      </p:sp>
-      <p:pic>
-        <p:nvPicPr>
-          <p:cNvPr id="27" name="Content Placeholder 26">
-            <a:extLst>
-              <a:ext uri="{FF2B5EF4-FFF2-40B4-BE49-F238E27FC236}">
-                <a16:creationId xmlns:a16="http://schemas.microsoft.com/office/drawing/2014/main" xmlns="" id="{D2063125-9A3E-4441-BD2E-7ECF40AA8583}"/>
-              </a:ext>
-            </a:extLst>
-          </p:cNvPr>
-          <p:cNvPicPr>
-            <a:picLocks noGrp="1" noChangeAspect="1"/>
-          </p:cNvPicPr>
-          <p:nvPr>
-            <p:ph sz="half" idx="2"/>
-          </p:nvPr>
-        </p:nvPicPr>
-        <p:blipFill>
-          <a:blip r:embed="rId2">
-            <a:extLst>
-              <a:ext uri="{28A0092B-C50C-407E-A947-70E740481C1C}">
-                <a14:useLocalDpi xmlns:a14="http://schemas.microsoft.com/office/drawing/2010/main" val="0"/>
-              </a:ext>
-            </a:extLst>
-          </a:blip>
-          <a:stretch>
-            <a:fillRect/>
-          </a:stretch>
-        </p:blipFill>
-        <p:spPr>
-          <a:xfrm>
-            <a:off x="457200" y="3018076"/>
-            <a:ext cx="3657600" cy="2421583"/>
-          </a:xfrm>
-        </p:spPr>
-      </p:pic>
-      <p:sp>
-        <p:nvSpPr>
-          <p:cNvPr id="24" name="TextBox 23">
-            <a:extLst>
-              <a:ext uri="{FF2B5EF4-FFF2-40B4-BE49-F238E27FC236}">
-                <a16:creationId xmlns:a16="http://schemas.microsoft.com/office/drawing/2014/main" xmlns="" id="{37DBAD5E-8726-834E-B8EF-F21E7CBEA464}"/>
-              </a:ext>
-            </a:extLst>
-          </p:cNvPr>
-          <p:cNvSpPr txBox="1"/>
-          <p:nvPr/>
-        </p:nvSpPr>
-        <p:spPr>
-          <a:xfrm>
-            <a:off x="565484" y="1417638"/>
-            <a:ext cx="7511715" cy="1908215"/>
-          </a:xfrm>
-          <a:prstGeom prst="rect">
-            <a:avLst/>
-          </a:prstGeom>
-          <a:noFill/>
-        </p:spPr>
-        <p:txBody>
-          <a:bodyPr wrap="square" rtlCol="0">
-            <a:spAutoFit/>
-          </a:bodyPr>
-          <a:lstStyle/>
-          <a:p>
-            <a:r>
-              <a:rPr lang="en-US" sz="2000" dirty="0"/>
-              <a:t>The standard position in the literature (Harris &amp; </a:t>
-            </a:r>
-            <a:r>
-              <a:rPr lang="en-US" sz="2000" dirty="0" err="1"/>
-              <a:t>Kaisse</a:t>
-            </a:r>
-            <a:r>
-              <a:rPr lang="en-US" sz="2000" dirty="0"/>
-              <a:t> 1999; </a:t>
-            </a:r>
-            <a:r>
-              <a:rPr lang="en-US" sz="2000" dirty="0" err="1"/>
-              <a:t>Hualde</a:t>
-            </a:r>
-            <a:r>
-              <a:rPr lang="en-US" sz="2000" dirty="0"/>
-              <a:t> 2005, 2014; </a:t>
-            </a:r>
-            <a:r>
-              <a:rPr lang="en-US" sz="2000" dirty="0" err="1"/>
-              <a:t>Colina</a:t>
-            </a:r>
-            <a:r>
-              <a:rPr lang="en-US" sz="2000" dirty="0"/>
-              <a:t> 2009, and many others</a:t>
-            </a:r>
-            <a:r>
-              <a:rPr lang="en-US" dirty="0"/>
-              <a:t>) </a:t>
-            </a:r>
-            <a:r>
-              <a:rPr lang="en-US" sz="2000" dirty="0"/>
-              <a:t>is that postconsonantal, prevocalic glides are parsed in the nucleus of the syllable, when there is a preceding consonant that occupies the onset, i.e., (1a) rather than (1b) (however, cf. Martínez-Gil 2016 for arguments for 1b)</a:t>
-            </a:r>
-          </a:p>
-          <a:p>
-            <a:endParaRPr lang="en-US" dirty="0"/>
-          </a:p>
-        </p:txBody>
-      </p:sp>
-      <p:pic>
-        <p:nvPicPr>
-          <p:cNvPr id="29" name="Picture 28">
-            <a:extLst>
-              <a:ext uri="{FF2B5EF4-FFF2-40B4-BE49-F238E27FC236}">
-                <a16:creationId xmlns:a16="http://schemas.microsoft.com/office/drawing/2014/main" xmlns="" id="{05786AA7-A6D4-C540-A3E5-537391730D62}"/>
-              </a:ext>
-            </a:extLst>
-          </p:cNvPr>
-          <p:cNvPicPr>
-            <a:picLocks noChangeAspect="1"/>
-          </p:cNvPicPr>
-          <p:nvPr/>
-        </p:nvPicPr>
-        <p:blipFill>
-          <a:blip r:embed="rId3">
-            <a:extLst>
-              <a:ext uri="{28A0092B-C50C-407E-A947-70E740481C1C}">
-                <a14:useLocalDpi xmlns:a14="http://schemas.microsoft.com/office/drawing/2010/main" val="0"/>
-              </a:ext>
-            </a:extLst>
-          </a:blip>
-          <a:stretch>
-            <a:fillRect/>
-          </a:stretch>
-        </p:blipFill>
-        <p:spPr>
-          <a:xfrm>
-            <a:off x="3932655" y="3030776"/>
-            <a:ext cx="3949700" cy="2260600"/>
-          </a:xfrm>
-          <a:prstGeom prst="rect">
-            <a:avLst/>
-          </a:prstGeom>
-        </p:spPr>
-      </p:pic>
-    </p:spTree>
-    <p:extLst>
-      <p:ext uri="{BB962C8B-B14F-4D97-AF65-F5344CB8AC3E}">
-        <p14:creationId xmlns:p14="http://schemas.microsoft.com/office/powerpoint/2010/main" val="2100315245"/>
-      </p:ext>
-    </p:extLst>
-  </p:cSld>
-  <p:clrMapOvr>
-    <a:masterClrMapping/>
-  </p:clrMapOvr>
-</p:sld>
-</file>
-
 <file path=ppt/slides/slide4.xml><?xml version="1.0" encoding="utf-8"?>
 <p:sld xmlns:a="http://schemas.openxmlformats.org/drawingml/2006/main" xmlns:r="http://schemas.openxmlformats.org/officeDocument/2006/relationships" xmlns:p="http://schemas.openxmlformats.org/presentationml/2006/main">
   <p:cSld>
@@ -8116,7 +8359,7 @@
           <a:p>
             <a:r>
               <a:rPr lang="en-US" dirty="0"/>
-              <a:t>In most varieties of Spanish, when the glide is prevocalic, but not postconsonantal (i.e., the onset is empty), the glide becomes an obstruent (with various degrees of aperture/constriction, e.g. approximant, fricative, stop, affricate) and it is parsed in the onset. .e., </a:t>
+              <a:t>In most varieties of Spanish, when the glide is prevocalic, but not postconsonantal (i.e., the onset is empty), the glide becomes an obstruent (with various degrees of aperture/constriction, e.g., approximant, fricative, stop, affricate) and it is parsed in the onset, e.g., </a:t>
             </a:r>
             <a:r>
               <a:rPr lang="en-US" i="1" dirty="0"/>
@@ -8136,7 +8379,7 @@
             </a:r>
             <a:r>
               <a:rPr lang="en-US" dirty="0"/>
-              <a:t>] ‘-</a:t>
+              <a:t>]  ‘-</a:t>
             </a:r>
             <a:r>
               <a:rPr lang="en-US" dirty="0" err="1"/>
@@ -8583,7 +8826,7 @@
           <a:p>
             <a:r>
               <a:rPr lang="en-US" dirty="0"/>
-              <a:t>Background</a:t>
+              <a:t>Research question/s</a:t>
             </a:r>
           </a:p>
         </p:txBody>
@@ -8611,7 +8854,7 @@
           <a:p>
             <a:r>
               <a:rPr lang="en-US" dirty="0"/>
-              <a:t>Is a postconsonantal, prevocalic glide parsed as the second segment of a complex onset in Sonoran Spanish?</a:t>
+              <a:t>Q1: Is a postconsonantal, prevocalic glide parsed as the second segment of a complex onset in Sonoran Spanish?</a:t>
             </a:r>
           </a:p>
           <a:p>
@@ -8623,7 +8866,7 @@
           <a:p>
             <a:r>
               <a:rPr lang="en-US" dirty="0"/>
-              <a:t>In more general terms, the question is: are prevocalic glides always part of an onset or can the glide be parsed in a complex nucleus preceding a full vowel (in a diphthong)? </a:t>
+              <a:t>Q2: In more general terms, the question is: are Spanish prevocalic glides always part of a complex nucleus (preceding a full vowel, in a diphthong) or can the glide be parsed in the onset in some dialects?</a:t>
             </a:r>
           </a:p>
         </p:txBody>
@@ -8681,7 +8924,7 @@
           <a:p>
             <a:r>
               <a:rPr lang="en-US" dirty="0"/>
-              <a:t>Research question</a:t>
+              <a:t>Research question/s</a:t>
             </a:r>
           </a:p>
         </p:txBody>
@@ -8765,23 +9008,15 @@
             </a:r>
             <a:r>
               <a:rPr lang="en-US" cap="small" dirty="0"/>
-              <a:t>, </a:t>
-            </a:r>
-            <a:r>
-              <a:rPr lang="en-US" cap="small"/>
-              <a:t>Max</a:t>
-            </a:r>
-            <a:r>
-              <a:rPr lang="en-US"/>
+              <a:t>, Max</a:t>
+            </a:r>
+            <a:r>
+              <a:rPr lang="en-US" dirty="0"/>
               <a:t>-IO𝝻,</a:t>
             </a:r>
             <a:r>
-              <a:rPr lang="en-US" cap="small"/>
-              <a:t> </a:t>
-            </a:r>
-            <a:r>
               <a:rPr lang="en-US" cap="small" dirty="0"/>
-              <a:t>Ident</a:t>
+              <a:t> Ident</a:t>
             </a:r>
             <a:r>
               <a:rPr lang="en-US" dirty="0"/>
@@ -8930,7 +9165,7 @@
           <a:p>
             <a:r>
               <a:rPr lang="en-US" dirty="0"/>
-              <a:t>Oral data </a:t>
+              <a:t>Oral data</a:t>
             </a:r>
           </a:p>
           <a:p>

--- a/Colina, Casillas & Díaz HLS 2018.pptx
+++ b/Colina, Casillas & Díaz HLS 2018.pptx
@@ -158,6 +158,32 @@
 </p:presentation>
 </file>
 
+<file path=ppt/commentAuthors.xml><?xml version="1.0" encoding="utf-8"?>
+<p:cmAuthorLst xmlns:a="http://schemas.openxmlformats.org/drawingml/2006/main" xmlns:r="http://schemas.openxmlformats.org/officeDocument/2006/relationships" xmlns:p="http://schemas.openxmlformats.org/presentationml/2006/main">
+  <p:cmAuthor id="1" name="Microsoft Office User" initials="Office" lastIdx="1" clrIdx="0">
+    <p:extLst>
+      <p:ext uri="{19B8F6BF-5375-455C-9EA6-DF929625EA0E}">
+        <p15:presenceInfo xmlns:p15="http://schemas.microsoft.com/office/powerpoint/2012/main" userId="" providerId=""/>
+      </p:ext>
+    </p:extLst>
+  </p:cmAuthor>
+</p:cmAuthorLst>
+</file>
+
+<file path=ppt/comments/comment1.xml><?xml version="1.0" encoding="utf-8"?>
+<p:cmLst xmlns:a="http://schemas.openxmlformats.org/drawingml/2006/main" xmlns:r="http://schemas.openxmlformats.org/officeDocument/2006/relationships" xmlns:p="http://schemas.openxmlformats.org/presentationml/2006/main">
+  <p:cm authorId="1" dt="2018-10-21T14:39:11.007" idx="1">
+    <p:pos x="2839" y="1884"/>
+    <p:text>Incomplete sentence. Did you mean to delete this?</p:text>
+    <p:extLst>
+      <p:ext uri="{C676402C-5697-4E1C-873F-D02D1690AC5C}">
+        <p15:threadingInfo xmlns:p15="http://schemas.microsoft.com/office/powerpoint/2012/main" timeZoneBias="240"/>
+      </p:ext>
+    </p:extLst>
+  </p:cm>
+</p:cmLst>
+</file>
+
 <file path=ppt/handoutMasters/handoutMaster1.xml><?xml version="1.0" encoding="utf-8"?>
 <p:handoutMaster xmlns:a="http://schemas.openxmlformats.org/drawingml/2006/main" xmlns:r="http://schemas.openxmlformats.org/officeDocument/2006/relationships" xmlns:p="http://schemas.openxmlformats.org/presentationml/2006/main">
   <p:cSld>
@@ -240,7 +266,7 @@
           <a:p>
             <a:fld id="{F7A997DC-2566-1F49-938B-F7FAC7252CD3}" type="datetimeFigureOut">
               <a:rPr lang="en-US" smtClean="0"/>
-              <a:t>10/18/18</a:t>
+              <a:t>10/21/18</a:t>
             </a:fld>
             <a:endParaRPr lang="en-US"/>
           </a:p>
@@ -405,7 +431,7 @@
           <a:p>
             <a:fld id="{52DA3CF6-9E1E-1346-B10E-CF7AE5F98066}" type="datetimeFigureOut">
               <a:rPr lang="en-US" smtClean="0"/>
-              <a:t>10/18/18</a:t>
+              <a:t>10/21/18</a:t>
             </a:fld>
             <a:endParaRPr lang="es-ES_tradnl"/>
           </a:p>
@@ -742,7 +768,15 @@
           <a:p>
             <a:r>
               <a:rPr lang="en-US" baseline="0" dirty="0"/>
-              <a:t>Second, are responses predicted by the type of glide of the preceding consonant?</a:t>
+              <a:t>Second, are responses predicted by the type of glide </a:t>
+            </a:r>
+            <a:r>
+              <a:rPr lang="en-US" baseline="0" dirty="0" smtClean="0"/>
+              <a:t>or </a:t>
+            </a:r>
+            <a:r>
+              <a:rPr lang="en-US" baseline="0" dirty="0"/>
+              <a:t>the preceding consonant?</a:t>
             </a:r>
           </a:p>
           <a:p>
@@ -1033,26 +1067,18 @@
           </a:p>
           <a:p>
             <a:r>
-              <a:rPr lang="en-US" baseline="0" dirty="0" err="1"/>
-              <a:t>Frontness</a:t>
+              <a:rPr lang="en-US" baseline="0" dirty="0" smtClean="0"/>
+              <a:t>Glide type doesn’t </a:t>
             </a:r>
             <a:r>
               <a:rPr lang="en-US" baseline="0" dirty="0"/>
-              <a:t> doesn’t matter (j is not different from w)</a:t>
+              <a:t>matter (j is not different from w)</a:t>
             </a:r>
           </a:p>
           <a:p>
             <a:r>
               <a:rPr lang="en-US" baseline="0" dirty="0"/>
-              <a:t>The preceding consonant doesn’t matter (though </a:t>
-            </a:r>
-            <a:r>
-              <a:rPr lang="en-US" baseline="0"/>
-              <a:t>not easy </a:t>
-            </a:r>
-            <a:r>
-              <a:rPr lang="en-US" baseline="0" dirty="0"/>
-              <a:t>to see here)</a:t>
+              <a:t>The preceding consonant doesn’t matter (though not easy to see here)</a:t>
             </a:r>
           </a:p>
           <a:p>
@@ -1196,7 +1222,7 @@
                 <a:ea typeface="+mn-ea"/>
                 <a:cs typeface="+mn-cs"/>
               </a:rPr>
-              <a:t> were produced in approximately 45% of the targets. </a:t>
+              <a:t> were produced in approximately 40% of the targets. </a:t>
             </a:r>
           </a:p>
           <a:p>
@@ -1210,7 +1236,7 @@
                 <a:ea typeface="+mn-ea"/>
                 <a:cs typeface="+mn-cs"/>
               </a:rPr>
-              <a:t>A production containing a hiatus made up roughly 30% of the data, followed by a simplification of some sort (~25% of the time).</a:t>
+              <a:t>A production containing a hiatus made up roughly 35% of the data, followed by a simplification of some sort (~25% of the time).</a:t>
             </a:r>
             <a:endParaRPr lang="en-US" dirty="0"/>
           </a:p>
@@ -2424,7 +2450,7 @@
             <a:fld id="{04AF466F-BDA4-4F18-9C7B-FF0A9A1B0E80}" type="datetime1">
               <a:rPr lang="en-US" smtClean="0"/>
               <a:pPr/>
-              <a:t>10/18/18</a:t>
+              <a:t>10/21/18</a:t>
             </a:fld>
             <a:endParaRPr lang="en-US"/>
           </a:p>
@@ -2591,7 +2617,7 @@
             <a:fld id="{58FB4290-6522-4139-852E-05BD9E7F0D2E}" type="datetime1">
               <a:rPr lang="en-US" smtClean="0"/>
               <a:pPr/>
-              <a:t>10/18/18</a:t>
+              <a:t>10/21/18</a:t>
             </a:fld>
             <a:endParaRPr lang="en-US"/>
           </a:p>
@@ -2768,7 +2794,7 @@
             <a:fld id="{AAB955F9-81EA-47C5-8059-9E5C2B437C70}" type="datetime1">
               <a:rPr lang="en-US" smtClean="0"/>
               <a:pPr/>
-              <a:t>10/18/18</a:t>
+              <a:t>10/21/18</a:t>
             </a:fld>
             <a:endParaRPr lang="en-US"/>
           </a:p>
@@ -2935,7 +2961,7 @@
             <a:fld id="{1CEF607B-A47E-422C-9BEF-122CCDB7C526}" type="datetime1">
               <a:rPr lang="en-US" smtClean="0"/>
               <a:pPr/>
-              <a:t>10/18/18</a:t>
+              <a:t>10/21/18</a:t>
             </a:fld>
             <a:endParaRPr lang="en-US"/>
           </a:p>
@@ -3178,7 +3204,7 @@
             <a:fld id="{63A9A7CB-BEE6-4F99-898E-913F06E8E125}" type="datetime1">
               <a:rPr lang="en-US" smtClean="0"/>
               <a:pPr/>
-              <a:t>10/18/18</a:t>
+              <a:t>10/21/18</a:t>
             </a:fld>
             <a:endParaRPr lang="en-US"/>
           </a:p>
@@ -3463,7 +3489,7 @@
             <a:fld id="{B6EE300C-6FC5-4FC3-AF1A-075E4F50620D}" type="datetime1">
               <a:rPr lang="en-US" smtClean="0"/>
               <a:pPr/>
-              <a:t>10/18/18</a:t>
+              <a:t>10/21/18</a:t>
             </a:fld>
             <a:endParaRPr lang="en-US"/>
           </a:p>
@@ -3894,7 +3920,7 @@
             <a:fld id="{F50D295D-4A77-4DEB-B04C-9F4282A8BC04}" type="datetime1">
               <a:rPr lang="en-US" smtClean="0"/>
               <a:pPr/>
-              <a:t>10/18/18</a:t>
+              <a:t>10/21/18</a:t>
             </a:fld>
             <a:endParaRPr lang="en-US"/>
           </a:p>
@@ -4009,7 +4035,7 @@
             <a:fld id="{02B28685-4D0C-42D5-8013-B5904CD1FCBC}" type="datetime1">
               <a:rPr lang="en-US" smtClean="0"/>
               <a:pPr/>
-              <a:t>10/18/18</a:t>
+              <a:t>10/21/18</a:t>
             </a:fld>
             <a:endParaRPr lang="en-US"/>
           </a:p>
@@ -4101,7 +4127,7 @@
             <a:fld id="{FDF226C0-9885-4BA9-BBFA-A52CBFEBB775}" type="datetime1">
               <a:rPr lang="en-US" smtClean="0"/>
               <a:pPr/>
-              <a:t>10/18/18</a:t>
+              <a:t>10/21/18</a:t>
             </a:fld>
             <a:endParaRPr lang="en-US"/>
           </a:p>
@@ -4292,7 +4318,7 @@
             <a:fld id="{EBEE1B38-C5EB-4D66-9137-0AFE9CDEDE8F}" type="datetime1">
               <a:rPr lang="en-US" smtClean="0"/>
               <a:pPr/>
-              <a:t>10/18/18</a:t>
+              <a:t>10/21/18</a:t>
             </a:fld>
             <a:endParaRPr lang="en-US"/>
           </a:p>
@@ -4612,7 +4638,7 @@
             <a:fld id="{327B613C-1AD7-49D3-885D-F654C5CDBAA6}" type="datetime1">
               <a:rPr lang="en-US" smtClean="0"/>
               <a:pPr/>
-              <a:t>10/18/18</a:t>
+              <a:t>10/21/18</a:t>
             </a:fld>
             <a:endParaRPr lang="en-US" dirty="0"/>
           </a:p>
@@ -4994,7 +5020,7 @@
             <a:fld id="{327B613C-1AD7-49D3-885D-F654C5CDBAA6}" type="datetime1">
               <a:rPr lang="en-US" smtClean="0"/>
               <a:pPr/>
-              <a:t>10/18/18</a:t>
+              <a:t>10/21/18</a:t>
             </a:fld>
             <a:endParaRPr lang="en-US" dirty="0"/>
           </a:p>
@@ -5745,7 +5771,15 @@
           <a:p>
             <a:r>
               <a:rPr lang="en-US" dirty="0"/>
-              <a:t>9 nonce words (not controlled for number of syllables or stress).</a:t>
+              <a:t>7 nonce words (not controlled for number of syllables or stress, all with the same G and V for GV, </a:t>
+            </a:r>
+            <a:r>
+              <a:rPr lang="en-US" i="1" dirty="0" err="1"/>
+              <a:t>ia</a:t>
+            </a:r>
+            <a:r>
+              <a:rPr lang="en-US" dirty="0"/>
+              <a:t>)</a:t>
             </a:r>
           </a:p>
           <a:p>
@@ -6061,7 +6095,7 @@
       </p:grpSpPr>
       <p:pic>
         <p:nvPicPr>
-          <p:cNvPr id="2" name="Picture 1"/>
+          <p:cNvPr id="3" name="Picture 2"/>
           <p:cNvPicPr>
             <a:picLocks noChangeAspect="1"/>
           </p:cNvPicPr>
@@ -6129,7 +6163,7 @@
       </p:grpSpPr>
       <p:pic>
         <p:nvPicPr>
-          <p:cNvPr id="2" name="Picture 1"/>
+          <p:cNvPr id="3" name="Picture 2"/>
           <p:cNvPicPr>
             <a:picLocks noChangeAspect="1"/>
           </p:cNvPicPr>
@@ -6226,7 +6260,15 @@
           <a:p>
             <a:r>
               <a:rPr lang="en-US" dirty="0"/>
-              <a:t>Triphthongs were produced in approximately 45% of the targets. </a:t>
+              <a:t>Triphthongs were produced in approximately </a:t>
+            </a:r>
+            <a:r>
+              <a:rPr lang="en-US" dirty="0" smtClean="0"/>
+              <a:t>40% </a:t>
+            </a:r>
+            <a:r>
+              <a:rPr lang="en-US" dirty="0"/>
+              <a:t>of the targets. </a:t>
             </a:r>
           </a:p>
           <a:p>
@@ -7541,15 +7583,7 @@
           <a:p>
             <a:r>
               <a:rPr lang="en-US" dirty="0"/>
-              <a:t>This study could be replicated </a:t>
-            </a:r>
-            <a:r>
-              <a:rPr lang="en-US"/>
-              <a:t>with more </a:t>
-            </a:r>
-            <a:r>
-              <a:rPr lang="en-US" dirty="0"/>
-              <a:t>subjects (controlled by sex, age, linguistic profile), and, for comparative purposes,  also with speakers of dialects that do not allow onset glides.</a:t>
+              <a:t>This study could be replicated with more subjects (controlled by sex, age, linguistic profile), and, for comparative purposes,  also with speakers of dialects that do not allow onset glides.</a:t>
             </a:r>
           </a:p>
         </p:txBody>
@@ -8245,7 +8279,7 @@
       </p:grpSpPr>
       <p:pic>
         <p:nvPicPr>
-          <p:cNvPr id="2" name="Picture 1"/>
+          <p:cNvPr id="3" name="Picture 2"/>
           <p:cNvPicPr>
             <a:picLocks noChangeAspect="1"/>
           </p:cNvPicPr>
@@ -9215,7 +9249,7 @@
           <a:p>
             <a:r>
               <a:rPr lang="en-US" dirty="0"/>
-              <a:t>Stimuli:  two sets, each had 23 nonce words (alongside 23 fillers) with a C+G+V sequence </a:t>
+              <a:t>Stimuli:  a total of 21 nonce words (alongside 21 fillers) with a C+G+V sequence </a:t>
             </a:r>
           </a:p>
           <a:p>

--- a/Colina, Casillas & Díaz HLS 2018.pptx
+++ b/Colina, Casillas & Díaz HLS 2018.pptx
@@ -160,28 +160,10 @@
 
 <file path=ppt/commentAuthors.xml><?xml version="1.0" encoding="utf-8"?>
 <p:cmAuthorLst xmlns:a="http://schemas.openxmlformats.org/drawingml/2006/main" xmlns:r="http://schemas.openxmlformats.org/officeDocument/2006/relationships" xmlns:p="http://schemas.openxmlformats.org/presentationml/2006/main">
-  <p:cmAuthor id="1" name="Microsoft Office User" initials="Office" lastIdx="1" clrIdx="0">
-    <p:extLst>
-      <p:ext uri="{19B8F6BF-5375-455C-9EA6-DF929625EA0E}">
-        <p15:presenceInfo xmlns:p15="http://schemas.microsoft.com/office/powerpoint/2012/main" userId="" providerId=""/>
-      </p:ext>
-    </p:extLst>
+  <p:cmAuthor id="1" name="Microsoft Office User" initials="Office" lastIdx="2" clrIdx="0">
+    <p:extLst/>
   </p:cmAuthor>
 </p:cmAuthorLst>
-</file>
-
-<file path=ppt/comments/comment1.xml><?xml version="1.0" encoding="utf-8"?>
-<p:cmLst xmlns:a="http://schemas.openxmlformats.org/drawingml/2006/main" xmlns:r="http://schemas.openxmlformats.org/officeDocument/2006/relationships" xmlns:p="http://schemas.openxmlformats.org/presentationml/2006/main">
-  <p:cm authorId="1" dt="2018-10-21T14:39:11.007" idx="1">
-    <p:pos x="2839" y="1884"/>
-    <p:text>Incomplete sentence. Did you mean to delete this?</p:text>
-    <p:extLst>
-      <p:ext uri="{C676402C-5697-4E1C-873F-D02D1690AC5C}">
-        <p15:threadingInfo xmlns:p15="http://schemas.microsoft.com/office/powerpoint/2012/main" timeZoneBias="240"/>
-      </p:ext>
-    </p:extLst>
-  </p:cm>
-</p:cmLst>
 </file>
 
 <file path=ppt/handoutMasters/handoutMaster1.xml><?xml version="1.0" encoding="utf-8"?>
@@ -266,7 +248,7 @@
           <a:p>
             <a:fld id="{F7A997DC-2566-1F49-938B-F7FAC7252CD3}" type="datetimeFigureOut">
               <a:rPr lang="en-US" smtClean="0"/>
-              <a:t>10/21/18</a:t>
+              <a:t>10/22/18</a:t>
             </a:fld>
             <a:endParaRPr lang="en-US"/>
           </a:p>
@@ -431,7 +413,7 @@
           <a:p>
             <a:fld id="{52DA3CF6-9E1E-1346-B10E-CF7AE5F98066}" type="datetimeFigureOut">
               <a:rPr lang="en-US" smtClean="0"/>
-              <a:t>10/21/18</a:t>
+              <a:t>10/22/18</a:t>
             </a:fld>
             <a:endParaRPr lang="es-ES_tradnl"/>
           </a:p>
@@ -768,15 +750,7 @@
           <a:p>
             <a:r>
               <a:rPr lang="en-US" baseline="0" dirty="0"/>
-              <a:t>Second, are responses predicted by the type of glide </a:t>
-            </a:r>
-            <a:r>
-              <a:rPr lang="en-US" baseline="0" dirty="0" smtClean="0"/>
-              <a:t>or </a:t>
-            </a:r>
-            <a:r>
-              <a:rPr lang="en-US" baseline="0" dirty="0"/>
-              <a:t>the preceding consonant?</a:t>
+              <a:t>Second, are responses predicted by the type of glide or the preceding consonant?</a:t>
             </a:r>
           </a:p>
           <a:p>
@@ -963,6 +937,83 @@
           <a:bodyPr/>
           <a:lstStyle/>
           <a:p>
+            <a:r>
+              <a:rPr lang="en-US" sz="1200" b="0" i="0" u="none" strike="noStrike" kern="1200" dirty="0" err="1">
+                <a:solidFill>
+                  <a:schemeClr val="tx1"/>
+                </a:solidFill>
+                <a:effectLst/>
+                <a:latin typeface="+mn-lt"/>
+                <a:ea typeface="+mn-ea"/>
+                <a:cs typeface="+mn-cs"/>
+              </a:rPr>
+              <a:t>Datos</a:t>
+            </a:r>
+            <a:r>
+              <a:rPr lang="en-US" sz="1200" b="0" i="0" u="none" strike="noStrike" kern="1200" dirty="0">
+                <a:solidFill>
+                  <a:schemeClr val="tx1"/>
+                </a:solidFill>
+                <a:effectLst/>
+                <a:latin typeface="+mn-lt"/>
+                <a:ea typeface="+mn-ea"/>
+                <a:cs typeface="+mn-cs"/>
+              </a:rPr>
+              <a:t> sin labial + w: </a:t>
+            </a:r>
+          </a:p>
+          <a:p>
+            <a:r>
+              <a:rPr lang="en-US" sz="1200" b="1" kern="1200" dirty="0">
+                <a:solidFill>
+                  <a:schemeClr val="tx1"/>
+                </a:solidFill>
+                <a:effectLst/>
+                <a:latin typeface="+mn-lt"/>
+                <a:ea typeface="+mn-ea"/>
+                <a:cs typeface="+mn-cs"/>
+              </a:rPr>
+              <a:t>10 fewer diphthongs (22 &gt;&gt; 12)</a:t>
+            </a:r>
+          </a:p>
+          <a:p>
+            <a:r>
+              <a:rPr lang="en-US" sz="1200" b="1" kern="1200" dirty="0">
+                <a:solidFill>
+                  <a:schemeClr val="tx1"/>
+                </a:solidFill>
+                <a:effectLst/>
+                <a:latin typeface="+mn-lt"/>
+                <a:ea typeface="+mn-ea"/>
+                <a:cs typeface="+mn-cs"/>
+              </a:rPr>
+              <a:t>5 fewer hiatuses (12 &gt;7)</a:t>
+            </a:r>
+          </a:p>
+          <a:p>
+            <a:r>
+              <a:rPr lang="en-US" sz="1200" b="1" kern="1200" dirty="0">
+                <a:solidFill>
+                  <a:schemeClr val="tx1"/>
+                </a:solidFill>
+                <a:effectLst/>
+                <a:latin typeface="+mn-lt"/>
+                <a:ea typeface="+mn-ea"/>
+                <a:cs typeface="+mn-cs"/>
+              </a:rPr>
+              <a:t>3 fewer simplification (8 &gt; 5)</a:t>
+            </a:r>
+            <a:endParaRPr lang="en-US" sz="1200" kern="1200" dirty="0">
+              <a:solidFill>
+                <a:schemeClr val="tx1"/>
+              </a:solidFill>
+              <a:effectLst/>
+              <a:latin typeface="+mn-lt"/>
+              <a:ea typeface="+mn-ea"/>
+              <a:cs typeface="+mn-cs"/>
+            </a:endParaRPr>
+          </a:p>
+          <a:p>
             <a:endParaRPr lang="en-US" dirty="0"/>
           </a:p>
         </p:txBody>
@@ -1067,12 +1118,8 @@
           </a:p>
           <a:p>
             <a:r>
-              <a:rPr lang="en-US" baseline="0" dirty="0" smtClean="0"/>
-              <a:t>Glide type doesn’t </a:t>
-            </a:r>
-            <a:r>
               <a:rPr lang="en-US" baseline="0" dirty="0"/>
-              <a:t>matter (j is not different from w)</a:t>
+              <a:t>Glide type doesn’t matter (j is not different from w)</a:t>
             </a:r>
           </a:p>
           <a:p>
@@ -1354,10 +1401,6 @@
             </a:r>
           </a:p>
           <a:p>
-            <a:r>
-              <a:rPr lang="en-US" dirty="0"/>
-              <a:t/>
-            </a:r>
             <a:br>
               <a:rPr lang="en-US" dirty="0"/>
             </a:br>
@@ -2450,7 +2493,7 @@
             <a:fld id="{04AF466F-BDA4-4F18-9C7B-FF0A9A1B0E80}" type="datetime1">
               <a:rPr lang="en-US" smtClean="0"/>
               <a:pPr/>
-              <a:t>10/21/18</a:t>
+              <a:t>10/22/18</a:t>
             </a:fld>
             <a:endParaRPr lang="en-US"/>
           </a:p>
@@ -2617,7 +2660,7 @@
             <a:fld id="{58FB4290-6522-4139-852E-05BD9E7F0D2E}" type="datetime1">
               <a:rPr lang="en-US" smtClean="0"/>
               <a:pPr/>
-              <a:t>10/21/18</a:t>
+              <a:t>10/22/18</a:t>
             </a:fld>
             <a:endParaRPr lang="en-US"/>
           </a:p>
@@ -2794,7 +2837,7 @@
             <a:fld id="{AAB955F9-81EA-47C5-8059-9E5C2B437C70}" type="datetime1">
               <a:rPr lang="en-US" smtClean="0"/>
               <a:pPr/>
-              <a:t>10/21/18</a:t>
+              <a:t>10/22/18</a:t>
             </a:fld>
             <a:endParaRPr lang="en-US"/>
           </a:p>
@@ -2961,7 +3004,7 @@
             <a:fld id="{1CEF607B-A47E-422C-9BEF-122CCDB7C526}" type="datetime1">
               <a:rPr lang="en-US" smtClean="0"/>
               <a:pPr/>
-              <a:t>10/21/18</a:t>
+              <a:t>10/22/18</a:t>
             </a:fld>
             <a:endParaRPr lang="en-US"/>
           </a:p>
@@ -3204,7 +3247,7 @@
             <a:fld id="{63A9A7CB-BEE6-4F99-898E-913F06E8E125}" type="datetime1">
               <a:rPr lang="en-US" smtClean="0"/>
               <a:pPr/>
-              <a:t>10/21/18</a:t>
+              <a:t>10/22/18</a:t>
             </a:fld>
             <a:endParaRPr lang="en-US"/>
           </a:p>
@@ -3489,7 +3532,7 @@
             <a:fld id="{B6EE300C-6FC5-4FC3-AF1A-075E4F50620D}" type="datetime1">
               <a:rPr lang="en-US" smtClean="0"/>
               <a:pPr/>
-              <a:t>10/21/18</a:t>
+              <a:t>10/22/18</a:t>
             </a:fld>
             <a:endParaRPr lang="en-US"/>
           </a:p>
@@ -3920,7 +3963,7 @@
             <a:fld id="{F50D295D-4A77-4DEB-B04C-9F4282A8BC04}" type="datetime1">
               <a:rPr lang="en-US" smtClean="0"/>
               <a:pPr/>
-              <a:t>10/21/18</a:t>
+              <a:t>10/22/18</a:t>
             </a:fld>
             <a:endParaRPr lang="en-US"/>
           </a:p>
@@ -4035,7 +4078,7 @@
             <a:fld id="{02B28685-4D0C-42D5-8013-B5904CD1FCBC}" type="datetime1">
               <a:rPr lang="en-US" smtClean="0"/>
               <a:pPr/>
-              <a:t>10/21/18</a:t>
+              <a:t>10/22/18</a:t>
             </a:fld>
             <a:endParaRPr lang="en-US"/>
           </a:p>
@@ -4127,7 +4170,7 @@
             <a:fld id="{FDF226C0-9885-4BA9-BBFA-A52CBFEBB775}" type="datetime1">
               <a:rPr lang="en-US" smtClean="0"/>
               <a:pPr/>
-              <a:t>10/21/18</a:t>
+              <a:t>10/22/18</a:t>
             </a:fld>
             <a:endParaRPr lang="en-US"/>
           </a:p>
@@ -4318,7 +4361,7 @@
             <a:fld id="{EBEE1B38-C5EB-4D66-9137-0AFE9CDEDE8F}" type="datetime1">
               <a:rPr lang="en-US" smtClean="0"/>
               <a:pPr/>
-              <a:t>10/21/18</a:t>
+              <a:t>10/22/18</a:t>
             </a:fld>
             <a:endParaRPr lang="en-US"/>
           </a:p>
@@ -4638,7 +4681,7 @@
             <a:fld id="{327B613C-1AD7-49D3-885D-F654C5CDBAA6}" type="datetime1">
               <a:rPr lang="en-US" smtClean="0"/>
               <a:pPr/>
-              <a:t>10/21/18</a:t>
+              <a:t>10/22/18</a:t>
             </a:fld>
             <a:endParaRPr lang="en-US" dirty="0"/>
           </a:p>
@@ -5020,7 +5063,7 @@
             <a:fld id="{327B613C-1AD7-49D3-885D-F654C5CDBAA6}" type="datetime1">
               <a:rPr lang="en-US" smtClean="0"/>
               <a:pPr/>
-              <a:t>10/21/18</a:t>
+              <a:t>10/22/18</a:t>
             </a:fld>
             <a:endParaRPr lang="en-US" dirty="0"/>
           </a:p>
@@ -5482,7 +5525,7 @@
           <p:cNvPr id="2" name="Title 1">
             <a:extLst>
               <a:ext uri="{FF2B5EF4-FFF2-40B4-BE49-F238E27FC236}">
-                <a16:creationId xmlns:a16="http://schemas.microsoft.com/office/drawing/2014/main" xmlns="" id="{6CCAD466-EE8C-0B4E-B0DF-08BF74C467A5}"/>
+                <a16:creationId xmlns:a16="http://schemas.microsoft.com/office/drawing/2014/main" id="{6CCAD466-EE8C-0B4E-B0DF-08BF74C467A5}"/>
               </a:ext>
             </a:extLst>
           </p:cNvPr>
@@ -5510,7 +5553,7 @@
           <p:cNvPr id="3" name="Content Placeholder 2">
             <a:extLst>
               <a:ext uri="{FF2B5EF4-FFF2-40B4-BE49-F238E27FC236}">
-                <a16:creationId xmlns:a16="http://schemas.microsoft.com/office/drawing/2014/main" xmlns="" id="{E1802F1D-6C4A-BA4F-AFEA-EF28322B2A17}"/>
+                <a16:creationId xmlns:a16="http://schemas.microsoft.com/office/drawing/2014/main" id="{E1802F1D-6C4A-BA4F-AFEA-EF28322B2A17}"/>
               </a:ext>
             </a:extLst>
           </p:cNvPr>
@@ -6095,7 +6138,7 @@
       </p:grpSpPr>
       <p:pic>
         <p:nvPicPr>
-          <p:cNvPr id="3" name="Picture 2"/>
+          <p:cNvPr id="2" name="Picture 1"/>
           <p:cNvPicPr>
             <a:picLocks noChangeAspect="1"/>
           </p:cNvPicPr>
@@ -6163,7 +6206,7 @@
       </p:grpSpPr>
       <p:pic>
         <p:nvPicPr>
-          <p:cNvPr id="3" name="Picture 2"/>
+          <p:cNvPr id="2" name="Picture 1"/>
           <p:cNvPicPr>
             <a:picLocks noChangeAspect="1"/>
           </p:cNvPicPr>
@@ -6260,15 +6303,7 @@
           <a:p>
             <a:r>
               <a:rPr lang="en-US" dirty="0"/>
-              <a:t>Triphthongs were produced in approximately </a:t>
-            </a:r>
-            <a:r>
-              <a:rPr lang="en-US" dirty="0" smtClean="0"/>
-              <a:t>40% </a:t>
-            </a:r>
-            <a:r>
-              <a:rPr lang="en-US" dirty="0"/>
-              <a:t>of the targets. </a:t>
+              <a:t>Triphthongs were produced in approximately 40% of the targets. </a:t>
             </a:r>
           </a:p>
           <a:p>
@@ -6730,7 +6765,7 @@
           <p:cNvPr id="2" name="Title 1">
             <a:extLst>
               <a:ext uri="{FF2B5EF4-FFF2-40B4-BE49-F238E27FC236}">
-                <a16:creationId xmlns:a16="http://schemas.microsoft.com/office/drawing/2014/main" xmlns="" id="{75BAE48F-7BA8-7D40-81DC-62AD5141EADC}"/>
+                <a16:creationId xmlns:a16="http://schemas.microsoft.com/office/drawing/2014/main" id="{75BAE48F-7BA8-7D40-81DC-62AD5141EADC}"/>
               </a:ext>
             </a:extLst>
           </p:cNvPr>
@@ -6758,7 +6793,7 @@
           <p:cNvPr id="3" name="Content Placeholder 2">
             <a:extLst>
               <a:ext uri="{FF2B5EF4-FFF2-40B4-BE49-F238E27FC236}">
-                <a16:creationId xmlns:a16="http://schemas.microsoft.com/office/drawing/2014/main" xmlns="" id="{F058774F-FF51-0F4D-AB13-F19A0D6541AD}"/>
+                <a16:creationId xmlns:a16="http://schemas.microsoft.com/office/drawing/2014/main" id="{F058774F-FF51-0F4D-AB13-F19A0D6541AD}"/>
               </a:ext>
             </a:extLst>
           </p:cNvPr>
@@ -7565,7 +7600,7 @@
             </a:r>
             <a:r>
               <a:rPr lang="en-US" dirty="0"/>
-              <a:t> 2009).  This</a:t>
+              <a:t> 2009). </a:t>
             </a:r>
           </a:p>
           <a:p>
@@ -8040,7 +8075,7 @@
           <p:cNvPr id="2" name="Title 1">
             <a:extLst>
               <a:ext uri="{FF2B5EF4-FFF2-40B4-BE49-F238E27FC236}">
-                <a16:creationId xmlns:a16="http://schemas.microsoft.com/office/drawing/2014/main" xmlns="" id="{A07010FC-4E57-DB4A-AE74-BB164736ED48}"/>
+                <a16:creationId xmlns:a16="http://schemas.microsoft.com/office/drawing/2014/main" id="{A07010FC-4E57-DB4A-AE74-BB164736ED48}"/>
               </a:ext>
             </a:extLst>
           </p:cNvPr>
@@ -8068,7 +8103,7 @@
           <p:cNvPr id="3" name="Content Placeholder 2">
             <a:extLst>
               <a:ext uri="{FF2B5EF4-FFF2-40B4-BE49-F238E27FC236}">
-                <a16:creationId xmlns:a16="http://schemas.microsoft.com/office/drawing/2014/main" xmlns="" id="{16E71D18-0184-8E49-B2DD-4AC61CABB8F7}"/>
+                <a16:creationId xmlns:a16="http://schemas.microsoft.com/office/drawing/2014/main" id="{16E71D18-0184-8E49-B2DD-4AC61CABB8F7}"/>
               </a:ext>
             </a:extLst>
           </p:cNvPr>
@@ -8103,7 +8138,7 @@
           <p:cNvPr id="27" name="Content Placeholder 26">
             <a:extLst>
               <a:ext uri="{FF2B5EF4-FFF2-40B4-BE49-F238E27FC236}">
-                <a16:creationId xmlns:a16="http://schemas.microsoft.com/office/drawing/2014/main" xmlns="" id="{D2063125-9A3E-4441-BD2E-7ECF40AA8583}"/>
+                <a16:creationId xmlns:a16="http://schemas.microsoft.com/office/drawing/2014/main" id="{D2063125-9A3E-4441-BD2E-7ECF40AA8583}"/>
               </a:ext>
             </a:extLst>
           </p:cNvPr>
@@ -8138,7 +8173,7 @@
           <p:cNvPr id="24" name="TextBox 23">
             <a:extLst>
               <a:ext uri="{FF2B5EF4-FFF2-40B4-BE49-F238E27FC236}">
-                <a16:creationId xmlns:a16="http://schemas.microsoft.com/office/drawing/2014/main" xmlns="" id="{37DBAD5E-8726-834E-B8EF-F21E7CBEA464}"/>
+                <a16:creationId xmlns:a16="http://schemas.microsoft.com/office/drawing/2014/main" id="{37DBAD5E-8726-834E-B8EF-F21E7CBEA464}"/>
               </a:ext>
             </a:extLst>
           </p:cNvPr>
@@ -8208,7 +8243,7 @@
           <p:cNvPr id="29" name="Picture 28">
             <a:extLst>
               <a:ext uri="{FF2B5EF4-FFF2-40B4-BE49-F238E27FC236}">
-                <a16:creationId xmlns:a16="http://schemas.microsoft.com/office/drawing/2014/main" xmlns="" id="{05786AA7-A6D4-C540-A3E5-537391730D62}"/>
+                <a16:creationId xmlns:a16="http://schemas.microsoft.com/office/drawing/2014/main" id="{05786AA7-A6D4-C540-A3E5-537391730D62}"/>
               </a:ext>
             </a:extLst>
           </p:cNvPr>
@@ -8279,7 +8314,7 @@
       </p:grpSpPr>
       <p:pic>
         <p:nvPicPr>
-          <p:cNvPr id="3" name="Picture 2"/>
+          <p:cNvPr id="2" name="Picture 1"/>
           <p:cNvPicPr>
             <a:picLocks noChangeAspect="1"/>
           </p:cNvPicPr>
@@ -8342,7 +8377,7 @@
           <p:cNvPr id="2" name="Title 1">
             <a:extLst>
               <a:ext uri="{FF2B5EF4-FFF2-40B4-BE49-F238E27FC236}">
-                <a16:creationId xmlns:a16="http://schemas.microsoft.com/office/drawing/2014/main" xmlns="" id="{A07010FC-4E57-DB4A-AE74-BB164736ED48}"/>
+                <a16:creationId xmlns:a16="http://schemas.microsoft.com/office/drawing/2014/main" id="{A07010FC-4E57-DB4A-AE74-BB164736ED48}"/>
               </a:ext>
             </a:extLst>
           </p:cNvPr>
@@ -8370,7 +8405,7 @@
           <p:cNvPr id="3" name="Content Placeholder 2">
             <a:extLst>
               <a:ext uri="{FF2B5EF4-FFF2-40B4-BE49-F238E27FC236}">
-                <a16:creationId xmlns:a16="http://schemas.microsoft.com/office/drawing/2014/main" xmlns="" id="{16E71D18-0184-8E49-B2DD-4AC61CABB8F7}"/>
+                <a16:creationId xmlns:a16="http://schemas.microsoft.com/office/drawing/2014/main" id="{16E71D18-0184-8E49-B2DD-4AC61CABB8F7}"/>
               </a:ext>
             </a:extLst>
           </p:cNvPr>
@@ -8483,7 +8518,7 @@
           <p:cNvPr id="7" name="Picture 6">
             <a:extLst>
               <a:ext uri="{FF2B5EF4-FFF2-40B4-BE49-F238E27FC236}">
-                <a16:creationId xmlns:a16="http://schemas.microsoft.com/office/drawing/2014/main" xmlns="" id="{A1F2D7A7-65CB-2D48-B04A-968935368B24}"/>
+                <a16:creationId xmlns:a16="http://schemas.microsoft.com/office/drawing/2014/main" id="{A1F2D7A7-65CB-2D48-B04A-968935368B24}"/>
               </a:ext>
             </a:extLst>
           </p:cNvPr>
@@ -8549,7 +8584,7 @@
           <p:cNvPr id="2" name="Title 1">
             <a:extLst>
               <a:ext uri="{FF2B5EF4-FFF2-40B4-BE49-F238E27FC236}">
-                <a16:creationId xmlns:a16="http://schemas.microsoft.com/office/drawing/2014/main" xmlns="" id="{A07010FC-4E57-DB4A-AE74-BB164736ED48}"/>
+                <a16:creationId xmlns:a16="http://schemas.microsoft.com/office/drawing/2014/main" id="{A07010FC-4E57-DB4A-AE74-BB164736ED48}"/>
               </a:ext>
             </a:extLst>
           </p:cNvPr>
@@ -8577,7 +8612,7 @@
           <p:cNvPr id="3" name="Content Placeholder 2">
             <a:extLst>
               <a:ext uri="{FF2B5EF4-FFF2-40B4-BE49-F238E27FC236}">
-                <a16:creationId xmlns:a16="http://schemas.microsoft.com/office/drawing/2014/main" xmlns="" id="{16E71D18-0184-8E49-B2DD-4AC61CABB8F7}"/>
+                <a16:creationId xmlns:a16="http://schemas.microsoft.com/office/drawing/2014/main" id="{16E71D18-0184-8E49-B2DD-4AC61CABB8F7}"/>
               </a:ext>
             </a:extLst>
           </p:cNvPr>
@@ -8702,7 +8737,7 @@
           <p:cNvPr id="2" name="Title 1">
             <a:extLst>
               <a:ext uri="{FF2B5EF4-FFF2-40B4-BE49-F238E27FC236}">
-                <a16:creationId xmlns:a16="http://schemas.microsoft.com/office/drawing/2014/main" xmlns="" id="{7F87B78A-232D-2847-A7AA-AFD7AA805FF4}"/>
+                <a16:creationId xmlns:a16="http://schemas.microsoft.com/office/drawing/2014/main" id="{7F87B78A-232D-2847-A7AA-AFD7AA805FF4}"/>
               </a:ext>
             </a:extLst>
           </p:cNvPr>
@@ -8730,7 +8765,7 @@
           <p:cNvPr id="3" name="Content Placeholder 2">
             <a:extLst>
               <a:ext uri="{FF2B5EF4-FFF2-40B4-BE49-F238E27FC236}">
-                <a16:creationId xmlns:a16="http://schemas.microsoft.com/office/drawing/2014/main" xmlns="" id="{87783A97-661D-C34A-A6B5-11F57DC14336}"/>
+                <a16:creationId xmlns:a16="http://schemas.microsoft.com/office/drawing/2014/main" id="{87783A97-661D-C34A-A6B5-11F57DC14336}"/>
               </a:ext>
             </a:extLst>
           </p:cNvPr>
@@ -8842,7 +8877,7 @@
           <p:cNvPr id="2" name="Title 1">
             <a:extLst>
               <a:ext uri="{FF2B5EF4-FFF2-40B4-BE49-F238E27FC236}">
-                <a16:creationId xmlns:a16="http://schemas.microsoft.com/office/drawing/2014/main" xmlns="" id="{7F87B78A-232D-2847-A7AA-AFD7AA805FF4}"/>
+                <a16:creationId xmlns:a16="http://schemas.microsoft.com/office/drawing/2014/main" id="{7F87B78A-232D-2847-A7AA-AFD7AA805FF4}"/>
               </a:ext>
             </a:extLst>
           </p:cNvPr>
@@ -8870,7 +8905,7 @@
           <p:cNvPr id="3" name="Content Placeholder 2">
             <a:extLst>
               <a:ext uri="{FF2B5EF4-FFF2-40B4-BE49-F238E27FC236}">
-                <a16:creationId xmlns:a16="http://schemas.microsoft.com/office/drawing/2014/main" xmlns="" id="{87783A97-661D-C34A-A6B5-11F57DC14336}"/>
+                <a16:creationId xmlns:a16="http://schemas.microsoft.com/office/drawing/2014/main" id="{87783A97-661D-C34A-A6B5-11F57DC14336}"/>
               </a:ext>
             </a:extLst>
           </p:cNvPr>
@@ -8940,7 +8975,7 @@
           <p:cNvPr id="2" name="Title 1">
             <a:extLst>
               <a:ext uri="{FF2B5EF4-FFF2-40B4-BE49-F238E27FC236}">
-                <a16:creationId xmlns:a16="http://schemas.microsoft.com/office/drawing/2014/main" xmlns="" id="{D45FBAD9-A6F8-2445-A34C-CB0DFE2F2A3E}"/>
+                <a16:creationId xmlns:a16="http://schemas.microsoft.com/office/drawing/2014/main" id="{D45FBAD9-A6F8-2445-A34C-CB0DFE2F2A3E}"/>
               </a:ext>
             </a:extLst>
           </p:cNvPr>
@@ -8968,7 +9003,7 @@
           <p:cNvPr id="3" name="Content Placeholder 2">
             <a:extLst>
               <a:ext uri="{FF2B5EF4-FFF2-40B4-BE49-F238E27FC236}">
-                <a16:creationId xmlns:a16="http://schemas.microsoft.com/office/drawing/2014/main" xmlns="" id="{E2A13F4D-2C12-9242-B657-F4F8E7140D18}"/>
+                <a16:creationId xmlns:a16="http://schemas.microsoft.com/office/drawing/2014/main" id="{E2A13F4D-2C12-9242-B657-F4F8E7140D18}"/>
               </a:ext>
             </a:extLst>
           </p:cNvPr>
@@ -9153,7 +9188,7 @@
           <p:cNvPr id="2" name="Title 1">
             <a:extLst>
               <a:ext uri="{FF2B5EF4-FFF2-40B4-BE49-F238E27FC236}">
-                <a16:creationId xmlns:a16="http://schemas.microsoft.com/office/drawing/2014/main" xmlns="" id="{6CCAD466-EE8C-0B4E-B0DF-08BF74C467A5}"/>
+                <a16:creationId xmlns:a16="http://schemas.microsoft.com/office/drawing/2014/main" id="{6CCAD466-EE8C-0B4E-B0DF-08BF74C467A5}"/>
               </a:ext>
             </a:extLst>
           </p:cNvPr>
@@ -9181,7 +9216,7 @@
           <p:cNvPr id="3" name="Content Placeholder 2">
             <a:extLst>
               <a:ext uri="{FF2B5EF4-FFF2-40B4-BE49-F238E27FC236}">
-                <a16:creationId xmlns:a16="http://schemas.microsoft.com/office/drawing/2014/main" xmlns="" id="{E1802F1D-6C4A-BA4F-AFEA-EF28322B2A17}"/>
+                <a16:creationId xmlns:a16="http://schemas.microsoft.com/office/drawing/2014/main" id="{E1802F1D-6C4A-BA4F-AFEA-EF28322B2A17}"/>
               </a:ext>
             </a:extLst>
           </p:cNvPr>

--- a/Colina, Casillas & Díaz HLS 2018.pptx
+++ b/Colina, Casillas & Díaz HLS 2018.pptx
@@ -1,6 +1,6 @@
 
 <file path=ppt/presentation.xml><?xml version="1.0" encoding="utf-8"?>
-<p:presentation xmlns:a="http://schemas.openxmlformats.org/drawingml/2006/main" xmlns:r="http://schemas.openxmlformats.org/officeDocument/2006/relationships" xmlns:p="http://schemas.openxmlformats.org/presentationml/2006/main" saveSubsetFonts="1">
+<p:presentation xmlns:a="http://schemas.openxmlformats.org/drawingml/2006/main" xmlns:r="http://schemas.openxmlformats.org/officeDocument/2006/relationships" xmlns:p="http://schemas.openxmlformats.org/presentationml/2006/main" showSpecialPlsOnTitleSld="0" saveSubsetFonts="1">
   <p:sldMasterIdLst>
     <p:sldMasterId id="2147483950" r:id="rId1"/>
   </p:sldMasterIdLst>
@@ -24,23 +24,23 @@
     <p:sldId id="322" r:id="rId12"/>
     <p:sldId id="261" r:id="rId13"/>
     <p:sldId id="323" r:id="rId14"/>
-    <p:sldId id="327" r:id="rId15"/>
-    <p:sldId id="328" r:id="rId16"/>
-    <p:sldId id="324" r:id="rId17"/>
-    <p:sldId id="329" r:id="rId18"/>
-    <p:sldId id="330" r:id="rId19"/>
-    <p:sldId id="331" r:id="rId20"/>
-    <p:sldId id="332" r:id="rId21"/>
-    <p:sldId id="333" r:id="rId22"/>
-    <p:sldId id="334" r:id="rId23"/>
-    <p:sldId id="335" r:id="rId24"/>
-    <p:sldId id="336" r:id="rId25"/>
-    <p:sldId id="340" r:id="rId26"/>
-    <p:sldId id="337" r:id="rId27"/>
-    <p:sldId id="339" r:id="rId28"/>
-    <p:sldId id="338" r:id="rId29"/>
-    <p:sldId id="300" r:id="rId30"/>
-    <p:sldId id="326" r:id="rId31"/>
+    <p:sldId id="328" r:id="rId15"/>
+    <p:sldId id="324" r:id="rId16"/>
+    <p:sldId id="329" r:id="rId17"/>
+    <p:sldId id="330" r:id="rId18"/>
+    <p:sldId id="331" r:id="rId19"/>
+    <p:sldId id="332" r:id="rId20"/>
+    <p:sldId id="333" r:id="rId21"/>
+    <p:sldId id="334" r:id="rId22"/>
+    <p:sldId id="335" r:id="rId23"/>
+    <p:sldId id="336" r:id="rId24"/>
+    <p:sldId id="340" r:id="rId25"/>
+    <p:sldId id="337" r:id="rId26"/>
+    <p:sldId id="339" r:id="rId27"/>
+    <p:sldId id="338" r:id="rId28"/>
+    <p:sldId id="300" r:id="rId29"/>
+    <p:sldId id="326" r:id="rId30"/>
+    <p:sldId id="341" r:id="rId31"/>
   </p:sldIdLst>
   <p:sldSz cx="9144000" cy="6858000" type="screen4x3"/>
   <p:notesSz cx="7010400" cy="9296400"/>
@@ -248,7 +248,7 @@
           <a:p>
             <a:fld id="{F7A997DC-2566-1F49-938B-F7FAC7252CD3}" type="datetimeFigureOut">
               <a:rPr lang="en-US" smtClean="0"/>
-              <a:t>10/22/18</a:t>
+              <a:t>10/25/18</a:t>
             </a:fld>
             <a:endParaRPr lang="en-US"/>
           </a:p>
@@ -413,7 +413,7 @@
           <a:p>
             <a:fld id="{52DA3CF6-9E1E-1346-B10E-CF7AE5F98066}" type="datetimeFigureOut">
               <a:rPr lang="en-US" smtClean="0"/>
-              <a:t>10/22/18</a:t>
+              <a:t>10/25/18</a:t>
             </a:fld>
             <a:endParaRPr lang="es-ES_tradnl"/>
           </a:p>
@@ -1035,7 +1035,7 @@
           <a:p>
             <a:fld id="{6B84B913-0650-8A41-A4F4-F9FEF2C621A4}" type="slidenum">
               <a:rPr lang="es-ES_tradnl" smtClean="0"/>
-              <a:t>27</a:t>
+              <a:t>26</a:t>
             </a:fld>
             <a:endParaRPr lang="es-ES_tradnl"/>
           </a:p>
@@ -1154,7 +1154,7 @@
           <a:p>
             <a:fld id="{6B84B913-0650-8A41-A4F4-F9FEF2C621A4}" type="slidenum">
               <a:rPr lang="es-ES_tradnl" smtClean="0"/>
-              <a:t>30</a:t>
+              <a:t>29</a:t>
             </a:fld>
             <a:endParaRPr lang="es-ES_tradnl"/>
           </a:p>
@@ -1164,6 +1164,129 @@
     <p:extLst>
       <p:ext uri="{BB962C8B-B14F-4D97-AF65-F5344CB8AC3E}">
         <p14:creationId xmlns:p14="http://schemas.microsoft.com/office/powerpoint/2010/main" val="1064530980"/>
+      </p:ext>
+    </p:extLst>
+  </p:cSld>
+  <p:clrMapOvr>
+    <a:masterClrMapping/>
+  </p:clrMapOvr>
+</p:notes>
+</file>
+
+<file path=ppt/notesSlides/notesSlide12.xml><?xml version="1.0" encoding="utf-8"?>
+<p:notes xmlns:a="http://schemas.openxmlformats.org/drawingml/2006/main" xmlns:r="http://schemas.openxmlformats.org/officeDocument/2006/relationships" xmlns:p="http://schemas.openxmlformats.org/presentationml/2006/main">
+  <p:cSld>
+    <p:spTree>
+      <p:nvGrpSpPr>
+        <p:cNvPr id="1" name=""/>
+        <p:cNvGrpSpPr/>
+        <p:nvPr/>
+      </p:nvGrpSpPr>
+      <p:grpSpPr>
+        <a:xfrm>
+          <a:off x="0" y="0"/>
+          <a:ext cx="0" cy="0"/>
+          <a:chOff x="0" y="0"/>
+          <a:chExt cx="0" cy="0"/>
+        </a:xfrm>
+      </p:grpSpPr>
+      <p:sp>
+        <p:nvSpPr>
+          <p:cNvPr id="2" name="Slide Image Placeholder 1"/>
+          <p:cNvSpPr>
+            <a:spLocks noGrp="1" noRot="1" noChangeAspect="1"/>
+          </p:cNvSpPr>
+          <p:nvPr>
+            <p:ph type="sldImg"/>
+          </p:nvPr>
+        </p:nvSpPr>
+        <p:spPr/>
+      </p:sp>
+      <p:sp>
+        <p:nvSpPr>
+          <p:cNvPr id="3" name="Notes Placeholder 2"/>
+          <p:cNvSpPr>
+            <a:spLocks noGrp="1"/>
+          </p:cNvSpPr>
+          <p:nvPr>
+            <p:ph type="body" idx="1"/>
+          </p:nvPr>
+        </p:nvSpPr>
+        <p:spPr/>
+        <p:txBody>
+          <a:bodyPr/>
+          <a:lstStyle/>
+          <a:p>
+            <a:r>
+              <a:rPr lang="en-US" dirty="0"/>
+              <a:t>Plot: </a:t>
+            </a:r>
+            <a:r>
+              <a:rPr lang="en-US" sz="1200" b="0" i="0" kern="1200" dirty="0">
+                <a:solidFill>
+                  <a:schemeClr val="tx1"/>
+                </a:solidFill>
+                <a:effectLst/>
+                <a:latin typeface="+mn-lt"/>
+                <a:ea typeface="+mn-ea"/>
+                <a:cs typeface="+mn-cs"/>
+              </a:rPr>
+              <a:t>Proportion of responses across all data </a:t>
+            </a:r>
+          </a:p>
+          <a:p>
+            <a:r>
+              <a:rPr lang="en-US" sz="1200" b="0" i="0" kern="1200" dirty="0">
+                <a:solidFill>
+                  <a:schemeClr val="tx1"/>
+                </a:solidFill>
+                <a:effectLst/>
+                <a:latin typeface="+mn-lt"/>
+                <a:ea typeface="+mn-ea"/>
+                <a:cs typeface="+mn-cs"/>
+              </a:rPr>
+              <a:t>If we combine hiatus and simplification (Figure 2), we see that they make up approximately 60% of the data.</a:t>
+            </a:r>
+          </a:p>
+          <a:p>
+            <a:r>
+              <a:rPr lang="en-US" dirty="0"/>
+              <a:t/>
+            </a:r>
+            <a:br>
+              <a:rPr lang="en-US" dirty="0"/>
+            </a:br>
+            <a:endParaRPr lang="en-US" dirty="0"/>
+          </a:p>
+        </p:txBody>
+      </p:sp>
+      <p:sp>
+        <p:nvSpPr>
+          <p:cNvPr id="4" name="Slide Number Placeholder 3"/>
+          <p:cNvSpPr>
+            <a:spLocks noGrp="1"/>
+          </p:cNvSpPr>
+          <p:nvPr>
+            <p:ph type="sldNum" sz="quarter" idx="10"/>
+          </p:nvPr>
+        </p:nvSpPr>
+        <p:spPr/>
+        <p:txBody>
+          <a:bodyPr/>
+          <a:lstStyle/>
+          <a:p>
+            <a:fld id="{6B84B913-0650-8A41-A4F4-F9FEF2C621A4}" type="slidenum">
+              <a:rPr lang="es-ES_tradnl" smtClean="0"/>
+              <a:t>30</a:t>
+            </a:fld>
+            <a:endParaRPr lang="es-ES_tradnl"/>
+          </a:p>
+        </p:txBody>
+      </p:sp>
+    </p:spTree>
+    <p:extLst>
+      <p:ext uri="{BB962C8B-B14F-4D97-AF65-F5344CB8AC3E}">
+        <p14:creationId xmlns:p14="http://schemas.microsoft.com/office/powerpoint/2010/main" val="995922654"/>
       </p:ext>
     </p:extLst>
   </p:cSld>
@@ -1371,39 +1494,35 @@
           <a:p>
             <a:r>
               <a:rPr lang="en-US" dirty="0"/>
-              <a:t>Plot: </a:t>
-            </a:r>
-            <a:r>
-              <a:rPr lang="en-US" sz="1200" b="0" i="0" kern="1200" dirty="0">
-                <a:solidFill>
-                  <a:schemeClr val="tx1"/>
-                </a:solidFill>
-                <a:effectLst/>
-                <a:latin typeface="+mn-lt"/>
-                <a:ea typeface="+mn-ea"/>
-                <a:cs typeface="+mn-cs"/>
-              </a:rPr>
-              <a:t>Proportion of responses across all data </a:t>
-            </a:r>
-          </a:p>
-          <a:p>
-            <a:r>
-              <a:rPr lang="en-US" sz="1200" b="0" i="0" kern="1200" dirty="0">
-                <a:solidFill>
-                  <a:schemeClr val="tx1"/>
-                </a:solidFill>
-                <a:effectLst/>
-                <a:latin typeface="+mn-lt"/>
-                <a:ea typeface="+mn-ea"/>
-                <a:cs typeface="+mn-cs"/>
-              </a:rPr>
-              <a:t>If we combine hiatus and simplification (Figure 2), we see that they make up approximately 60% of the data.</a:t>
-            </a:r>
-          </a:p>
-          <a:p>
-            <a:br>
-              <a:rPr lang="en-US" dirty="0"/>
-            </a:br>
+              <a:t>Main finding: we have evidence supporting the hypothesis that pre-vocalic glides can be part of the onset</a:t>
+            </a:r>
+          </a:p>
+          <a:p>
+            <a:r>
+              <a:rPr lang="en-US" dirty="0"/>
+              <a:t>Why: because the participants produced </a:t>
+            </a:r>
+            <a:r>
+              <a:rPr lang="en-US" dirty="0" err="1"/>
+              <a:t>triphthongs</a:t>
+            </a:r>
+            <a:r>
+              <a:rPr lang="en-US" dirty="0"/>
+              <a:t> at least some of the time. </a:t>
+            </a:r>
+          </a:p>
+          <a:p>
+            <a:endParaRPr lang="en-US" dirty="0"/>
+          </a:p>
+          <a:p>
+            <a:r>
+              <a:rPr lang="en-US" dirty="0"/>
+              <a:t>Responses were</a:t>
+            </a:r>
+            <a:r>
+              <a:rPr lang="en-US" baseline="0" dirty="0"/>
+              <a:t> variable and we cannot account for this variability with glide type nor preceding consonant</a:t>
+            </a:r>
             <a:endParaRPr lang="en-US" dirty="0"/>
           </a:p>
         </p:txBody>
@@ -1434,7 +1553,7 @@
     </p:spTree>
     <p:extLst>
       <p:ext uri="{BB962C8B-B14F-4D97-AF65-F5344CB8AC3E}">
-        <p14:creationId xmlns:p14="http://schemas.microsoft.com/office/powerpoint/2010/main" val="496284233"/>
+        <p14:creationId xmlns:p14="http://schemas.microsoft.com/office/powerpoint/2010/main" val="1987419394"/>
       </p:ext>
     </p:extLst>
   </p:cSld>
@@ -1489,36 +1608,101 @@
           <a:lstStyle/>
           <a:p>
             <a:r>
-              <a:rPr lang="en-US" dirty="0"/>
-              <a:t>Main finding: we have evidence supporting the hypothesis that pre-vocalic glides can be part of the onset</a:t>
-            </a:r>
-          </a:p>
-          <a:p>
-            <a:r>
-              <a:rPr lang="en-US" dirty="0"/>
-              <a:t>Why: because the participants produced </a:t>
-            </a:r>
-            <a:r>
-              <a:rPr lang="en-US" dirty="0" err="1"/>
-              <a:t>triphthongs</a:t>
-            </a:r>
-            <a:r>
-              <a:rPr lang="en-US" dirty="0"/>
-              <a:t> at least some of the time. </a:t>
-            </a:r>
-          </a:p>
-          <a:p>
-            <a:endParaRPr lang="en-US" dirty="0"/>
-          </a:p>
-          <a:p>
-            <a:r>
-              <a:rPr lang="en-US" dirty="0"/>
-              <a:t>Responses were</a:t>
-            </a:r>
-            <a:r>
-              <a:rPr lang="en-US" baseline="0" dirty="0"/>
-              <a:t> variable and we cannot account for this variability with glide type nor preceding consonant</a:t>
-            </a:r>
+              <a:rPr lang="en-US" b="1" dirty="0" smtClean="0"/>
+              <a:t>Differences in duration</a:t>
+            </a:r>
+            <a:r>
+              <a:rPr lang="en-US" dirty="0" smtClean="0"/>
+              <a:t>: Why? Because something is theoretically</a:t>
+            </a:r>
+            <a:r>
+              <a:rPr lang="en-US" baseline="0" dirty="0" smtClean="0"/>
+              <a:t> elided</a:t>
+            </a:r>
+          </a:p>
+          <a:p>
+            <a:endParaRPr lang="en-US" baseline="0" dirty="0" smtClean="0"/>
+          </a:p>
+          <a:p>
+            <a:r>
+              <a:rPr lang="en-US" b="1" baseline="0" dirty="0" smtClean="0"/>
+              <a:t>Differences in F1</a:t>
+            </a:r>
+            <a:r>
+              <a:rPr lang="en-US" baseline="0" dirty="0" smtClean="0"/>
+              <a:t>: Why? Because in one case (piano) a glide should be </a:t>
+            </a:r>
+          </a:p>
+          <a:p>
+            <a:r>
+              <a:rPr lang="en-US" baseline="0" dirty="0" smtClean="0"/>
+              <a:t>produced without problems and in the other case (</a:t>
+            </a:r>
+            <a:r>
+              <a:rPr lang="en-US" baseline="0" dirty="0" err="1" smtClean="0"/>
+              <a:t>lliape</a:t>
+            </a:r>
+            <a:r>
+              <a:rPr lang="en-US" baseline="0" dirty="0" smtClean="0"/>
+              <a:t>) it shouldn’t </a:t>
+            </a:r>
+          </a:p>
+          <a:p>
+            <a:endParaRPr lang="en-US" baseline="0" dirty="0" smtClean="0"/>
+          </a:p>
+          <a:p>
+            <a:r>
+              <a:rPr lang="en-US" baseline="0" dirty="0" smtClean="0"/>
+              <a:t>thus there should be differences in formant movement between the two conditions: </a:t>
+            </a:r>
+          </a:p>
+          <a:p>
+            <a:pPr marL="0" marR="0" indent="0" algn="l" defTabSz="457200" rtl="0" eaLnBrk="1" fontAlgn="auto" latinLnBrk="0" hangingPunct="1">
+              <a:lnSpc>
+                <a:spcPct val="100000"/>
+              </a:lnSpc>
+              <a:spcBef>
+                <a:spcPts val="0"/>
+              </a:spcBef>
+              <a:spcAft>
+                <a:spcPts val="0"/>
+              </a:spcAft>
+              <a:buClrTx/>
+              <a:buSzTx/>
+              <a:buFontTx/>
+              <a:buNone/>
+              <a:tabLst/>
+              <a:defRPr/>
+            </a:pPr>
+            <a:r>
+              <a:rPr lang="en-US" baseline="0" dirty="0" smtClean="0"/>
+              <a:t>(F1 correlates with height)</a:t>
+            </a:r>
+          </a:p>
+          <a:p>
+            <a:endParaRPr lang="en-US" baseline="0" dirty="0" smtClean="0"/>
+          </a:p>
+          <a:p>
+            <a:r>
+              <a:rPr lang="en-US" baseline="0" dirty="0" smtClean="0"/>
+              <a:t>PIANO: formant movement the high </a:t>
+            </a:r>
+            <a:r>
+              <a:rPr lang="en-US" baseline="0" dirty="0" err="1" smtClean="0"/>
+              <a:t>vocoid</a:t>
+            </a:r>
+            <a:r>
+              <a:rPr lang="en-US" baseline="0" dirty="0" smtClean="0"/>
+              <a:t> [j] to the low vowel [a]</a:t>
+            </a:r>
+          </a:p>
+          <a:p>
+            <a:r>
+              <a:rPr lang="en-US" baseline="0" dirty="0" smtClean="0"/>
+              <a:t>LLIAPE: if pre-vocalic glide is blocked then we shouldn’t see the same formant movement</a:t>
+            </a:r>
+          </a:p>
+          <a:p>
             <a:endParaRPr lang="en-US" dirty="0"/>
           </a:p>
         </p:txBody>
@@ -1540,7 +1724,7 @@
           <a:p>
             <a:fld id="{6B84B913-0650-8A41-A4F4-F9FEF2C621A4}" type="slidenum">
               <a:rPr lang="es-ES_tradnl" smtClean="0"/>
-              <a:t>15</a:t>
+              <a:t>16</a:t>
             </a:fld>
             <a:endParaRPr lang="es-ES_tradnl"/>
           </a:p>
@@ -1549,7 +1733,7 @@
     </p:spTree>
     <p:extLst>
       <p:ext uri="{BB962C8B-B14F-4D97-AF65-F5344CB8AC3E}">
-        <p14:creationId xmlns:p14="http://schemas.microsoft.com/office/powerpoint/2010/main" val="1987419394"/>
+        <p14:creationId xmlns:p14="http://schemas.microsoft.com/office/powerpoint/2010/main" val="970435530"/>
       </p:ext>
     </p:extLst>
   </p:cSld>
@@ -1643,158 +1827,39 @@
           <a:p>
             <a:r>
               <a:rPr lang="en-US" baseline="0" dirty="0"/>
-              <a:t>Not expected (intuitively, if glide is blocked, one might expect a shorter duration, at least I did)</a:t>
-            </a:r>
-          </a:p>
-          <a:p>
+              <a:t>Not </a:t>
+            </a:r>
+            <a:r>
+              <a:rPr lang="en-US" baseline="0" dirty="0" smtClean="0"/>
+              <a:t>exactly expected </a:t>
+            </a:r>
+            <a:r>
+              <a:rPr lang="en-US" baseline="0" dirty="0"/>
+              <a:t>(intuitively, if glide is blocked, one might expect a shorter duration, at least I did</a:t>
+            </a:r>
+            <a:r>
+              <a:rPr lang="en-US" baseline="0" dirty="0" smtClean="0"/>
+              <a:t>)</a:t>
+            </a:r>
+          </a:p>
+          <a:p>
+            <a:r>
+              <a:rPr lang="en-US" baseline="0" dirty="0" smtClean="0"/>
+              <a:t>But is initially evidence supporting our hypothesis</a:t>
+            </a:r>
             <a:endParaRPr lang="en-US" baseline="0" dirty="0"/>
           </a:p>
           <a:p>
-            <a:r>
-              <a:rPr lang="en-US" baseline="0" dirty="0"/>
-              <a:t>Two possible explanations: </a:t>
-            </a:r>
-          </a:p>
-          <a:p>
-            <a:pPr marL="228600" indent="-228600">
-              <a:buAutoNum type="arabicParenR"/>
-            </a:pPr>
-            <a:r>
-              <a:rPr lang="en-US" sz="1200" b="0" i="0" kern="1200" dirty="0">
-                <a:solidFill>
-                  <a:schemeClr val="tx1"/>
-                </a:solidFill>
-                <a:effectLst/>
-                <a:latin typeface="+mn-lt"/>
-                <a:ea typeface="+mn-ea"/>
-                <a:cs typeface="+mn-cs"/>
-              </a:rPr>
-              <a:t>The participants are able to produce a glide in this context (at least in some cases) because </a:t>
-            </a:r>
-          </a:p>
-          <a:p>
-            <a:pPr marL="0" indent="0">
-              <a:buNone/>
-            </a:pPr>
-            <a:r>
-              <a:rPr lang="en-US" sz="1200" b="0" i="0" kern="1200" dirty="0">
-                <a:solidFill>
-                  <a:schemeClr val="tx1"/>
-                </a:solidFill>
-                <a:effectLst/>
-                <a:latin typeface="+mn-lt"/>
-                <a:ea typeface="+mn-ea"/>
-                <a:cs typeface="+mn-cs"/>
-              </a:rPr>
-              <a:t>     the preceding consonant is not palatal (i.e., '</a:t>
-            </a:r>
-            <a:r>
-              <a:rPr lang="en-US" sz="1200" b="0" i="0" kern="1200" dirty="0" err="1">
-                <a:solidFill>
-                  <a:schemeClr val="tx1"/>
-                </a:solidFill>
-                <a:effectLst/>
-                <a:latin typeface="+mn-lt"/>
-                <a:ea typeface="+mn-ea"/>
-                <a:cs typeface="+mn-cs"/>
-              </a:rPr>
-              <a:t>ch</a:t>
-            </a:r>
-            <a:r>
-              <a:rPr lang="en-US" sz="1200" b="0" i="0" kern="1200" dirty="0">
-                <a:solidFill>
-                  <a:schemeClr val="tx1"/>
-                </a:solidFill>
-                <a:effectLst/>
-                <a:latin typeface="+mn-lt"/>
-                <a:ea typeface="+mn-ea"/>
-                <a:cs typeface="+mn-cs"/>
-              </a:rPr>
-              <a:t>' is surfacing as [</a:t>
-            </a:r>
-            <a:r>
-              <a:rPr lang="en-US" sz="1200" b="0" i="0" kern="1200" dirty="0" err="1">
-                <a:solidFill>
-                  <a:schemeClr val="tx1"/>
-                </a:solidFill>
-                <a:effectLst/>
-                <a:latin typeface="+mn-lt"/>
-                <a:ea typeface="+mn-ea"/>
-                <a:cs typeface="+mn-cs"/>
-              </a:rPr>
-              <a:t>ʃ</a:t>
-            </a:r>
-            <a:r>
-              <a:rPr lang="en-US" sz="1200" b="0" i="0" kern="1200" dirty="0">
-                <a:solidFill>
-                  <a:schemeClr val="tx1"/>
-                </a:solidFill>
-                <a:effectLst/>
-                <a:latin typeface="+mn-lt"/>
-                <a:ea typeface="+mn-ea"/>
-                <a:cs typeface="+mn-cs"/>
-              </a:rPr>
-              <a:t>] or the fact that it is </a:t>
-            </a:r>
-          </a:p>
-          <a:p>
-            <a:pPr marL="0" indent="0">
-              <a:buNone/>
-            </a:pPr>
-            <a:r>
-              <a:rPr lang="en-US" sz="1200" b="0" i="0" kern="1200" dirty="0">
-                <a:solidFill>
-                  <a:schemeClr val="tx1"/>
-                </a:solidFill>
-                <a:effectLst/>
-                <a:latin typeface="+mn-lt"/>
-                <a:ea typeface="+mn-ea"/>
-                <a:cs typeface="+mn-cs"/>
-              </a:rPr>
-              <a:t>     </a:t>
-            </a:r>
-            <a:r>
-              <a:rPr lang="en-US" sz="1200" b="0" i="0" kern="1200" dirty="0" err="1">
-                <a:solidFill>
-                  <a:schemeClr val="tx1"/>
-                </a:solidFill>
-                <a:effectLst/>
-                <a:latin typeface="+mn-lt"/>
-                <a:ea typeface="+mn-ea"/>
-                <a:cs typeface="+mn-cs"/>
-              </a:rPr>
-              <a:t>alveo</a:t>
-            </a:r>
-            <a:r>
-              <a:rPr lang="en-US" sz="1200" b="0" i="0" kern="1200" dirty="0">
-                <a:solidFill>
-                  <a:schemeClr val="tx1"/>
-                </a:solidFill>
-                <a:effectLst/>
-                <a:latin typeface="+mn-lt"/>
-                <a:ea typeface="+mn-ea"/>
-                <a:cs typeface="+mn-cs"/>
-              </a:rPr>
-              <a:t>-palatal is different enough to allow a glide afterwards).</a:t>
-            </a:r>
-          </a:p>
-          <a:p>
-            <a:pPr marL="0" indent="0">
-              <a:buNone/>
-            </a:pPr>
-            <a:r>
-              <a:rPr lang="en-US" sz="1200" b="0" i="0" kern="1200" dirty="0">
-                <a:solidFill>
-                  <a:schemeClr val="tx1"/>
-                </a:solidFill>
-                <a:effectLst/>
-                <a:latin typeface="+mn-lt"/>
-                <a:ea typeface="+mn-ea"/>
-                <a:cs typeface="+mn-cs"/>
-              </a:rPr>
-              <a:t>2) The participants are not producing a glide, but rather are lengthening the onset.</a:t>
-            </a:r>
-            <a:endParaRPr lang="en-US" dirty="0"/>
+            <a:endParaRPr lang="en-US" baseline="0" dirty="0" smtClean="0"/>
+          </a:p>
+          <a:p>
+            <a:r>
+              <a:rPr lang="en-US" baseline="0" dirty="0" smtClean="0"/>
+              <a:t>What about formant trajectories?</a:t>
+            </a:r>
+          </a:p>
+          <a:p>
+            <a:endParaRPr lang="en-US" baseline="0" dirty="0"/>
           </a:p>
         </p:txBody>
       </p:sp>
@@ -1815,7 +1880,7 @@
           <a:p>
             <a:fld id="{6B84B913-0650-8A41-A4F4-F9FEF2C621A4}" type="slidenum">
               <a:rPr lang="es-ES_tradnl" smtClean="0"/>
-              <a:t>18</a:t>
+              <a:t>17</a:t>
             </a:fld>
             <a:endParaRPr lang="es-ES_tradnl"/>
           </a:p>
@@ -1879,6 +1944,18 @@
           <a:lstStyle/>
           <a:p>
             <a:r>
+              <a:rPr lang="en-US" sz="1200" b="0" i="0" kern="1200" dirty="0" smtClean="0">
+                <a:solidFill>
+                  <a:schemeClr val="tx1"/>
+                </a:solidFill>
+                <a:effectLst/>
+                <a:latin typeface="+mn-lt"/>
+                <a:ea typeface="+mn-ea"/>
+                <a:cs typeface="+mn-cs"/>
+              </a:rPr>
+              <a:t>If </a:t>
+            </a:r>
+            <a:r>
               <a:rPr lang="en-US" sz="1200" b="0" i="0" kern="1200" dirty="0">
                 <a:solidFill>
                   <a:schemeClr val="tx1"/>
@@ -1888,10 +1965,58 @@
                 <a:ea typeface="+mn-ea"/>
                 <a:cs typeface="+mn-cs"/>
               </a:rPr>
-              <a:t>We can examine the plausibility of (1) by looking at the formant trajectory over </a:t>
-            </a:r>
-          </a:p>
-          <a:p>
+              <a:t>the participants are able to produce a glide in some </a:t>
+            </a:r>
+            <a:r>
+              <a:rPr lang="en-US" sz="1200" b="0" i="0" kern="1200" dirty="0" smtClean="0">
+                <a:solidFill>
+                  <a:schemeClr val="tx1"/>
+                </a:solidFill>
+                <a:effectLst/>
+                <a:latin typeface="+mn-lt"/>
+                <a:ea typeface="+mn-ea"/>
+                <a:cs typeface="+mn-cs"/>
+              </a:rPr>
+              <a:t>contexts (piano,</a:t>
+            </a:r>
+            <a:r>
+              <a:rPr lang="en-US" sz="1200" b="0" i="0" kern="1200" baseline="0" dirty="0" smtClean="0">
+                <a:solidFill>
+                  <a:schemeClr val="tx1"/>
+                </a:solidFill>
+                <a:effectLst/>
+                <a:latin typeface="+mn-lt"/>
+                <a:ea typeface="+mn-ea"/>
+                <a:cs typeface="+mn-cs"/>
+              </a:rPr>
+              <a:t> i.e., when there is no palatal onset)</a:t>
+            </a:r>
+            <a:r>
+              <a:rPr lang="en-US" sz="1200" b="0" i="0" kern="1200" dirty="0" smtClean="0">
+                <a:solidFill>
+                  <a:schemeClr val="tx1"/>
+                </a:solidFill>
+                <a:effectLst/>
+                <a:latin typeface="+mn-lt"/>
+                <a:ea typeface="+mn-ea"/>
+                <a:cs typeface="+mn-cs"/>
+              </a:rPr>
+              <a:t> </a:t>
+            </a:r>
+          </a:p>
+          <a:p>
+            <a:r>
+              <a:rPr lang="en-US" sz="1200" b="0" i="0" kern="1200" dirty="0" smtClean="0">
+                <a:solidFill>
+                  <a:schemeClr val="tx1"/>
+                </a:solidFill>
+                <a:effectLst/>
+                <a:latin typeface="+mn-lt"/>
+                <a:ea typeface="+mn-ea"/>
+                <a:cs typeface="+mn-cs"/>
+              </a:rPr>
+              <a:t>but </a:t>
+            </a:r>
             <a:r>
               <a:rPr lang="en-US" sz="1200" b="0" i="0" kern="1200" dirty="0">
                 <a:solidFill>
@@ -1902,10 +2027,44 @@
                 <a:ea typeface="+mn-ea"/>
                 <a:cs typeface="+mn-cs"/>
               </a:rPr>
-              <a:t>the course of the segment. </a:t>
-            </a:r>
-          </a:p>
-          <a:p>
+              <a:t>not others </a:t>
+            </a:r>
+            <a:r>
+              <a:rPr lang="en-US" sz="1200" b="0" i="0" kern="1200" dirty="0" smtClean="0">
+                <a:solidFill>
+                  <a:schemeClr val="tx1"/>
+                </a:solidFill>
+                <a:effectLst/>
+                <a:latin typeface="+mn-lt"/>
+                <a:ea typeface="+mn-ea"/>
+                <a:cs typeface="+mn-cs"/>
+              </a:rPr>
+              <a:t>(</a:t>
+            </a:r>
+            <a:r>
+              <a:rPr lang="en-US" sz="1200" b="0" i="0" kern="1200" dirty="0" err="1" smtClean="0">
+                <a:solidFill>
+                  <a:schemeClr val="tx1"/>
+                </a:solidFill>
+                <a:effectLst/>
+                <a:latin typeface="+mn-lt"/>
+                <a:ea typeface="+mn-ea"/>
+                <a:cs typeface="+mn-cs"/>
+              </a:rPr>
+              <a:t>lliape</a:t>
+            </a:r>
+            <a:r>
+              <a:rPr lang="en-US" sz="1200" b="0" i="0" kern="1200" dirty="0" smtClean="0">
+                <a:solidFill>
+                  <a:schemeClr val="tx1"/>
+                </a:solidFill>
+                <a:effectLst/>
+                <a:latin typeface="+mn-lt"/>
+                <a:ea typeface="+mn-ea"/>
+                <a:cs typeface="+mn-cs"/>
+              </a:rPr>
+              <a:t>, when there is a palatal onset)</a:t>
+            </a:r>
             <a:endParaRPr lang="en-US" sz="1200" b="0" i="0" kern="1200" dirty="0">
               <a:solidFill>
                 <a:schemeClr val="tx1"/>
@@ -1927,10 +2086,20 @@
                 <a:ea typeface="+mn-ea"/>
                 <a:cs typeface="+mn-cs"/>
               </a:rPr>
-              <a:t>If the participants are able to produce a glide in some contexts but not others </a:t>
-            </a:r>
-          </a:p>
-          <a:p>
+              <a:t>we should see differences in </a:t>
+            </a:r>
+            <a:r>
+              <a:rPr lang="en-US" sz="1200" b="0" i="0" kern="1200" dirty="0" smtClean="0">
+                <a:solidFill>
+                  <a:schemeClr val="tx1"/>
+                </a:solidFill>
+                <a:effectLst/>
+                <a:latin typeface="+mn-lt"/>
+                <a:ea typeface="+mn-ea"/>
+                <a:cs typeface="+mn-cs"/>
+              </a:rPr>
+              <a:t>F1 over time </a:t>
+            </a:r>
             <a:r>
               <a:rPr lang="en-US" sz="1200" b="0" i="0" kern="1200" dirty="0">
                 <a:solidFill>
@@ -1941,7 +2110,31 @@
                 <a:ea typeface="+mn-ea"/>
                 <a:cs typeface="+mn-cs"/>
               </a:rPr>
-              <a:t>we should see differences in F1 as a function of the preceding consonant.</a:t>
+              <a:t>as a function of the preceding </a:t>
+            </a:r>
+            <a:r>
+              <a:rPr lang="en-US" sz="1200" b="0" i="0" kern="1200" dirty="0" smtClean="0">
+                <a:solidFill>
+                  <a:schemeClr val="tx1"/>
+                </a:solidFill>
+                <a:effectLst/>
+                <a:latin typeface="+mn-lt"/>
+                <a:ea typeface="+mn-ea"/>
+                <a:cs typeface="+mn-cs"/>
+              </a:rPr>
+              <a:t>consonant</a:t>
+            </a:r>
+            <a:r>
+              <a:rPr lang="en-US" sz="1200" b="0" i="0" kern="1200" baseline="0" dirty="0" smtClean="0">
+                <a:solidFill>
+                  <a:schemeClr val="tx1"/>
+                </a:solidFill>
+                <a:effectLst/>
+                <a:latin typeface="+mn-lt"/>
+                <a:ea typeface="+mn-ea"/>
+                <a:cs typeface="+mn-cs"/>
+              </a:rPr>
+              <a:t> (palatal, non-palatal)</a:t>
             </a:r>
             <a:endParaRPr lang="en-US" dirty="0"/>
           </a:p>
@@ -1964,7 +2157,7 @@
           <a:p>
             <a:fld id="{6B84B913-0650-8A41-A4F4-F9FEF2C621A4}" type="slidenum">
               <a:rPr lang="es-ES_tradnl" smtClean="0"/>
-              <a:t>19</a:t>
+              <a:t>18</a:t>
             </a:fld>
             <a:endParaRPr lang="es-ES_tradnl"/>
           </a:p>
@@ -2031,6 +2224,11 @@
               <a:rPr lang="en-US" dirty="0"/>
               <a:t>No effect of preceding consonant: </a:t>
             </a:r>
+            <a:r>
+              <a:rPr lang="en-US" dirty="0" smtClean="0"/>
+              <a:t>the trajectories are the same over time</a:t>
+            </a:r>
+            <a:endParaRPr lang="en-US" dirty="0"/>
           </a:p>
           <a:p>
             <a:r>
@@ -2048,32 +2246,33 @@
           <a:p>
             <a:r>
               <a:rPr lang="en-US" dirty="0"/>
-              <a:t>F1 movement minimal</a:t>
-            </a:r>
-            <a:r>
-              <a:rPr lang="en-US" baseline="0" dirty="0"/>
-              <a:t> and </a:t>
-            </a:r>
-            <a:r>
-              <a:rPr lang="en-US" dirty="0"/>
-              <a:t>similar across contexts. </a:t>
-            </a:r>
-          </a:p>
-          <a:p>
-            <a:r>
-              <a:rPr lang="en-US" dirty="0"/>
-              <a:t>Likely</a:t>
-            </a:r>
-            <a:r>
-              <a:rPr lang="en-US" baseline="0" dirty="0"/>
-              <a:t> aren’t producing glides</a:t>
-            </a:r>
-          </a:p>
-          <a:p>
-            <a:endParaRPr lang="en-US" baseline="0" dirty="0"/>
-          </a:p>
-          <a:p>
-            <a:endParaRPr lang="en-US" dirty="0"/>
+              <a:t>F1 movement </a:t>
+            </a:r>
+            <a:r>
+              <a:rPr lang="en-US" dirty="0" smtClean="0"/>
+              <a:t>similar </a:t>
+            </a:r>
+            <a:r>
+              <a:rPr lang="en-US" dirty="0"/>
+              <a:t>across contexts. </a:t>
+            </a:r>
+          </a:p>
+          <a:p>
+            <a:r>
+              <a:rPr lang="en-US" dirty="0" smtClean="0"/>
+              <a:t>Does</a:t>
+            </a:r>
+            <a:r>
+              <a:rPr lang="en-US" baseline="0" dirty="0" smtClean="0"/>
+              <a:t> this mean pre-vocalic glides aren’t blocked after palatal consonants?</a:t>
+            </a:r>
+          </a:p>
+          <a:p>
+            <a:r>
+              <a:rPr lang="en-US" baseline="0" dirty="0" smtClean="0"/>
+              <a:t>How do we explain the duration difference?</a:t>
+            </a:r>
+            <a:endParaRPr lang="en-US" dirty="0" smtClean="0"/>
           </a:p>
         </p:txBody>
       </p:sp>
@@ -2094,7 +2293,7 @@
           <a:p>
             <a:fld id="{6B84B913-0650-8A41-A4F4-F9FEF2C621A4}" type="slidenum">
               <a:rPr lang="es-ES_tradnl" smtClean="0"/>
-              <a:t>20</a:t>
+              <a:t>19</a:t>
             </a:fld>
             <a:endParaRPr lang="es-ES_tradnl"/>
           </a:p>
@@ -2195,7 +2394,7 @@
           <a:p>
             <a:fld id="{6B84B913-0650-8A41-A4F4-F9FEF2C621A4}" type="slidenum">
               <a:rPr lang="es-ES_tradnl" smtClean="0"/>
-              <a:t>23</a:t>
+              <a:t>22</a:t>
             </a:fld>
             <a:endParaRPr lang="es-ES_tradnl"/>
           </a:p>
@@ -2279,7 +2478,7 @@
           <a:p>
             <a:fld id="{6B84B913-0650-8A41-A4F4-F9FEF2C621A4}" type="slidenum">
               <a:rPr lang="es-ES_tradnl" smtClean="0"/>
-              <a:t>26</a:t>
+              <a:t>25</a:t>
             </a:fld>
             <a:endParaRPr lang="es-ES_tradnl"/>
           </a:p>
@@ -2490,10 +2689,9 @@
           <a:bodyPr/>
           <a:lstStyle/>
           <a:p>
-            <a:fld id="{04AF466F-BDA4-4F18-9C7B-FF0A9A1B0E80}" type="datetime1">
+            <a:fld id="{BBB3CC71-8B7D-5944-9F77-6FB65855BAAA}" type="datetime1">
               <a:rPr lang="en-US" smtClean="0"/>
-              <a:pPr/>
-              <a:t>10/22/18</a:t>
+              <a:t>10/25/18</a:t>
             </a:fld>
             <a:endParaRPr lang="en-US"/>
           </a:p>
@@ -2657,10 +2855,9 @@
           <a:bodyPr/>
           <a:lstStyle/>
           <a:p>
-            <a:fld id="{58FB4290-6522-4139-852E-05BD9E7F0D2E}" type="datetime1">
+            <a:fld id="{BD1A13ED-A70A-994E-A93E-43AB673760AE}" type="datetime1">
               <a:rPr lang="en-US" smtClean="0"/>
-              <a:pPr/>
-              <a:t>10/22/18</a:t>
+              <a:t>10/25/18</a:t>
             </a:fld>
             <a:endParaRPr lang="en-US"/>
           </a:p>
@@ -2834,10 +3031,9 @@
           <a:bodyPr/>
           <a:lstStyle/>
           <a:p>
-            <a:fld id="{AAB955F9-81EA-47C5-8059-9E5C2B437C70}" type="datetime1">
+            <a:fld id="{34981665-76A8-8F49-9E90-422A79CA1A6A}" type="datetime1">
               <a:rPr lang="en-US" smtClean="0"/>
-              <a:pPr/>
-              <a:t>10/22/18</a:t>
+              <a:t>10/25/18</a:t>
             </a:fld>
             <a:endParaRPr lang="en-US"/>
           </a:p>
@@ -3001,10 +3197,9 @@
           <a:bodyPr/>
           <a:lstStyle/>
           <a:p>
-            <a:fld id="{1CEF607B-A47E-422C-9BEF-122CCDB7C526}" type="datetime1">
+            <a:fld id="{B35FD36A-CFCA-CC44-8097-A5D1EA7282C9}" type="datetime1">
               <a:rPr lang="en-US" smtClean="0"/>
-              <a:pPr/>
-              <a:t>10/22/18</a:t>
+              <a:t>10/25/18</a:t>
             </a:fld>
             <a:endParaRPr lang="en-US"/>
           </a:p>
@@ -3244,10 +3439,9 @@
           <a:bodyPr/>
           <a:lstStyle/>
           <a:p>
-            <a:fld id="{63A9A7CB-BEE6-4F99-898E-913F06E8E125}" type="datetime1">
+            <a:fld id="{F5E3ECE2-349A-BF49-BC55-FA40B3451742}" type="datetime1">
               <a:rPr lang="en-US" smtClean="0"/>
-              <a:pPr/>
-              <a:t>10/22/18</a:t>
+              <a:t>10/25/18</a:t>
             </a:fld>
             <a:endParaRPr lang="en-US"/>
           </a:p>
@@ -3529,10 +3723,9 @@
           <a:bodyPr/>
           <a:lstStyle/>
           <a:p>
-            <a:fld id="{B6EE300C-6FC5-4FC3-AF1A-075E4F50620D}" type="datetime1">
+            <a:fld id="{F76066AC-CC14-C04C-ABFD-75803D07B900}" type="datetime1">
               <a:rPr lang="en-US" smtClean="0"/>
-              <a:pPr/>
-              <a:t>10/22/18</a:t>
+              <a:t>10/25/18</a:t>
             </a:fld>
             <a:endParaRPr lang="en-US"/>
           </a:p>
@@ -3960,10 +4153,9 @@
           <a:bodyPr/>
           <a:lstStyle/>
           <a:p>
-            <a:fld id="{F50D295D-4A77-4DEB-B04C-9F4282A8BC04}" type="datetime1">
+            <a:fld id="{B192650E-FE40-CA4B-B3BA-714FC2447B7D}" type="datetime1">
               <a:rPr lang="en-US" smtClean="0"/>
-              <a:pPr/>
-              <a:t>10/22/18</a:t>
+              <a:t>10/25/18</a:t>
             </a:fld>
             <a:endParaRPr lang="en-US"/>
           </a:p>
@@ -4075,10 +4267,9 @@
           <a:bodyPr/>
           <a:lstStyle/>
           <a:p>
-            <a:fld id="{02B28685-4D0C-42D5-8013-B5904CD1FCBC}" type="datetime1">
+            <a:fld id="{E2EDFC8D-E264-6A46-82EB-372883C50344}" type="datetime1">
               <a:rPr lang="en-US" smtClean="0"/>
-              <a:pPr/>
-              <a:t>10/22/18</a:t>
+              <a:t>10/25/18</a:t>
             </a:fld>
             <a:endParaRPr lang="en-US"/>
           </a:p>
@@ -4167,10 +4358,9 @@
           <a:bodyPr/>
           <a:lstStyle/>
           <a:p>
-            <a:fld id="{FDF226C0-9885-4BA9-BBFA-A52CBFEBB775}" type="datetime1">
+            <a:fld id="{C86CF07B-8B16-3C48-8714-31BB859B475A}" type="datetime1">
               <a:rPr lang="en-US" smtClean="0"/>
-              <a:pPr/>
-              <a:t>10/22/18</a:t>
+              <a:t>10/25/18</a:t>
             </a:fld>
             <a:endParaRPr lang="en-US"/>
           </a:p>
@@ -4358,10 +4548,9 @@
           <a:bodyPr/>
           <a:lstStyle/>
           <a:p>
-            <a:fld id="{EBEE1B38-C5EB-4D66-9137-0AFE9CDEDE8F}" type="datetime1">
+            <a:fld id="{9F5DCF6B-7E16-2843-BB50-8A9475452E76}" type="datetime1">
               <a:rPr lang="en-US" smtClean="0"/>
-              <a:pPr/>
-              <a:t>10/22/18</a:t>
+              <a:t>10/25/18</a:t>
             </a:fld>
             <a:endParaRPr lang="en-US"/>
           </a:p>
@@ -4678,10 +4867,9 @@
           <a:bodyPr/>
           <a:lstStyle/>
           <a:p>
-            <a:fld id="{327B613C-1AD7-49D3-885D-F654C5CDBAA6}" type="datetime1">
+            <a:fld id="{F7282DC8-6963-5748-A9BF-4FA971BB49FC}" type="datetime1">
               <a:rPr lang="en-US" smtClean="0"/>
-              <a:pPr/>
-              <a:t>10/22/18</a:t>
+              <a:t>10/25/18</a:t>
             </a:fld>
             <a:endParaRPr lang="en-US" dirty="0"/>
           </a:p>
@@ -5060,10 +5248,9 @@
             </a:lvl1pPr>
           </a:lstStyle>
           <a:p>
-            <a:fld id="{327B613C-1AD7-49D3-885D-F654C5CDBAA6}" type="datetime1">
+            <a:fld id="{E5D81220-9A6E-7D40-B778-C6EB154E6BAA}" type="datetime1">
               <a:rPr lang="en-US" smtClean="0"/>
-              <a:pPr/>
-              <a:t>10/22/18</a:t>
+              <a:t>10/25/18</a:t>
             </a:fld>
             <a:endParaRPr lang="en-US" dirty="0"/>
           </a:p>
@@ -5085,7 +5272,7 @@
     <p:sldLayoutId id="2147483960" r:id="rId10"/>
     <p:sldLayoutId id="2147483961" r:id="rId11"/>
   </p:sldLayoutIdLst>
-  <p:hf sldNum="0" hdr="0" ftr="0" dt="0"/>
+  <p:hf hdr="0" ftr="0" dt="0"/>
   <p:txStyles>
     <p:titleStyle>
       <a:lvl1pPr algn="l" defTabSz="914400" rtl="0" eaLnBrk="1" latinLnBrk="0" hangingPunct="1">
@@ -5525,7 +5712,7 @@
           <p:cNvPr id="2" name="Title 1">
             <a:extLst>
               <a:ext uri="{FF2B5EF4-FFF2-40B4-BE49-F238E27FC236}">
-                <a16:creationId xmlns:a16="http://schemas.microsoft.com/office/drawing/2014/main" id="{6CCAD466-EE8C-0B4E-B0DF-08BF74C467A5}"/>
+                <a16:creationId xmlns:a16="http://schemas.microsoft.com/office/drawing/2014/main" xmlns="" id="{6CCAD466-EE8C-0B4E-B0DF-08BF74C467A5}"/>
               </a:ext>
             </a:extLst>
           </p:cNvPr>
@@ -5553,7 +5740,7 @@
           <p:cNvPr id="3" name="Content Placeholder 2">
             <a:extLst>
               <a:ext uri="{FF2B5EF4-FFF2-40B4-BE49-F238E27FC236}">
-                <a16:creationId xmlns:a16="http://schemas.microsoft.com/office/drawing/2014/main" id="{E1802F1D-6C4A-BA4F-AFEA-EF28322B2A17}"/>
+                <a16:creationId xmlns:a16="http://schemas.microsoft.com/office/drawing/2014/main" xmlns="" id="{E1802F1D-6C4A-BA4F-AFEA-EF28322B2A17}"/>
               </a:ext>
             </a:extLst>
           </p:cNvPr>
@@ -5665,6 +5852,36 @@
           </a:p>
           <a:p>
             <a:endParaRPr lang="en-US" dirty="0"/>
+          </a:p>
+        </p:txBody>
+      </p:sp>
+      <p:sp>
+        <p:nvSpPr>
+          <p:cNvPr id="4" name="Slide Number Placeholder 3">
+            <a:extLst>
+              <a:ext uri="{FF2B5EF4-FFF2-40B4-BE49-F238E27FC236}">
+                <a16:creationId xmlns:a16="http://schemas.microsoft.com/office/drawing/2014/main" xmlns="" id="{C16D0362-5F06-2440-ADD5-11069E2071EE}"/>
+              </a:ext>
+            </a:extLst>
+          </p:cNvPr>
+          <p:cNvSpPr>
+            <a:spLocks noGrp="1"/>
+          </p:cNvSpPr>
+          <p:nvPr>
+            <p:ph type="sldNum" sz="quarter" idx="12"/>
+          </p:nvPr>
+        </p:nvSpPr>
+        <p:spPr/>
+        <p:txBody>
+          <a:bodyPr/>
+          <a:lstStyle/>
+          <a:p>
+            <a:fld id="{6E2D2B3B-882E-40F3-A32F-6DD516915044}" type="slidenum">
+              <a:rPr lang="en-US" smtClean="0"/>
+              <a:pPr/>
+              <a:t>10</a:t>
+            </a:fld>
+            <a:endParaRPr lang="en-US"/>
           </a:p>
         </p:txBody>
       </p:sp>
@@ -5831,6 +6048,36 @@
           </a:p>
         </p:txBody>
       </p:sp>
+      <p:sp>
+        <p:nvSpPr>
+          <p:cNvPr id="4" name="Slide Number Placeholder 3">
+            <a:extLst>
+              <a:ext uri="{FF2B5EF4-FFF2-40B4-BE49-F238E27FC236}">
+                <a16:creationId xmlns:a16="http://schemas.microsoft.com/office/drawing/2014/main" xmlns="" id="{449C5BAD-2756-3449-A8E3-D7E8D5DABCAE}"/>
+              </a:ext>
+            </a:extLst>
+          </p:cNvPr>
+          <p:cNvSpPr>
+            <a:spLocks noGrp="1"/>
+          </p:cNvSpPr>
+          <p:nvPr>
+            <p:ph type="sldNum" sz="quarter" idx="12"/>
+          </p:nvPr>
+        </p:nvSpPr>
+        <p:spPr/>
+        <p:txBody>
+          <a:bodyPr/>
+          <a:lstStyle/>
+          <a:p>
+            <a:fld id="{6E2D2B3B-882E-40F3-A32F-6DD516915044}" type="slidenum">
+              <a:rPr lang="en-US" smtClean="0"/>
+              <a:pPr/>
+              <a:t>11</a:t>
+            </a:fld>
+            <a:endParaRPr lang="en-US"/>
+          </a:p>
+        </p:txBody>
+      </p:sp>
     </p:spTree>
     <p:extLst>
       <p:ext uri="{BB962C8B-B14F-4D97-AF65-F5344CB8AC3E}">
@@ -6095,6 +6342,36 @@
               <a:rPr lang="en-US" dirty="0"/>
               <a:t>Random effects: by-subject/by-item intercepts with random slopes glide and preceding consonant</a:t>
             </a:r>
+          </a:p>
+        </p:txBody>
+      </p:sp>
+      <p:sp>
+        <p:nvSpPr>
+          <p:cNvPr id="4" name="Slide Number Placeholder 3">
+            <a:extLst>
+              <a:ext uri="{FF2B5EF4-FFF2-40B4-BE49-F238E27FC236}">
+                <a16:creationId xmlns:a16="http://schemas.microsoft.com/office/drawing/2014/main" xmlns="" id="{D882A42B-195B-FC49-9900-74462873461F}"/>
+              </a:ext>
+            </a:extLst>
+          </p:cNvPr>
+          <p:cNvSpPr>
+            <a:spLocks noGrp="1"/>
+          </p:cNvSpPr>
+          <p:nvPr>
+            <p:ph type="sldNum" sz="quarter" idx="12"/>
+          </p:nvPr>
+        </p:nvSpPr>
+        <p:spPr/>
+        <p:txBody>
+          <a:bodyPr/>
+          <a:lstStyle/>
+          <a:p>
+            <a:fld id="{6E2D2B3B-882E-40F3-A32F-6DD516915044}" type="slidenum">
+              <a:rPr lang="en-US" smtClean="0"/>
+              <a:pPr/>
+              <a:t>12</a:t>
+            </a:fld>
+            <a:endParaRPr lang="en-US"/>
           </a:p>
         </p:txBody>
       </p:sp>
@@ -6166,6 +6443,36 @@
           </a:prstGeom>
         </p:spPr>
       </p:pic>
+      <p:sp>
+        <p:nvSpPr>
+          <p:cNvPr id="3" name="Slide Number Placeholder 2">
+            <a:extLst>
+              <a:ext uri="{FF2B5EF4-FFF2-40B4-BE49-F238E27FC236}">
+                <a16:creationId xmlns:a16="http://schemas.microsoft.com/office/drawing/2014/main" xmlns="" id="{2D66FF41-7C8D-D348-8300-EAB2A28199B7}"/>
+              </a:ext>
+            </a:extLst>
+          </p:cNvPr>
+          <p:cNvSpPr>
+            <a:spLocks noGrp="1"/>
+          </p:cNvSpPr>
+          <p:nvPr>
+            <p:ph type="sldNum" sz="quarter" idx="12"/>
+          </p:nvPr>
+        </p:nvSpPr>
+        <p:spPr/>
+        <p:txBody>
+          <a:bodyPr/>
+          <a:lstStyle/>
+          <a:p>
+            <a:fld id="{6E2D2B3B-882E-40F3-A32F-6DD516915044}" type="slidenum">
+              <a:rPr lang="en-US" smtClean="0"/>
+              <a:pPr/>
+              <a:t>13</a:t>
+            </a:fld>
+            <a:endParaRPr lang="en-US"/>
+          </a:p>
+        </p:txBody>
+      </p:sp>
     </p:spTree>
     <p:extLst>
       <p:ext uri="{BB962C8B-B14F-4D97-AF65-F5344CB8AC3E}">
@@ -6180,6 +6487,2470 @@
 </file>
 
 <file path=ppt/slides/slide14.xml><?xml version="1.0" encoding="utf-8"?>
+<p:sld xmlns:a="http://schemas.openxmlformats.org/drawingml/2006/main" xmlns:r="http://schemas.openxmlformats.org/officeDocument/2006/relationships" xmlns:p="http://schemas.openxmlformats.org/presentationml/2006/main">
+  <p:cSld>
+    <p:spTree>
+      <p:nvGrpSpPr>
+        <p:cNvPr id="1" name=""/>
+        <p:cNvGrpSpPr/>
+        <p:nvPr/>
+      </p:nvGrpSpPr>
+      <p:grpSpPr>
+        <a:xfrm>
+          <a:off x="0" y="0"/>
+          <a:ext cx="0" cy="0"/>
+          <a:chOff x="0" y="0"/>
+          <a:chExt cx="0" cy="0"/>
+        </a:xfrm>
+      </p:grpSpPr>
+      <p:sp>
+        <p:nvSpPr>
+          <p:cNvPr id="2" name="Title 1"/>
+          <p:cNvSpPr>
+            <a:spLocks noGrp="1"/>
+          </p:cNvSpPr>
+          <p:nvPr>
+            <p:ph type="title"/>
+          </p:nvPr>
+        </p:nvSpPr>
+        <p:spPr/>
+        <p:txBody>
+          <a:bodyPr/>
+          <a:lstStyle/>
+          <a:p>
+            <a:r>
+              <a:rPr lang="en-US" dirty="0"/>
+              <a:t>Takeaways</a:t>
+            </a:r>
+          </a:p>
+        </p:txBody>
+      </p:sp>
+      <p:sp>
+        <p:nvSpPr>
+          <p:cNvPr id="3" name="Content Placeholder 2"/>
+          <p:cNvSpPr>
+            <a:spLocks noGrp="1"/>
+          </p:cNvSpPr>
+          <p:nvPr>
+            <p:ph idx="1"/>
+          </p:nvPr>
+        </p:nvSpPr>
+        <p:spPr/>
+        <p:txBody>
+          <a:bodyPr/>
+          <a:lstStyle/>
+          <a:p>
+            <a:r>
+              <a:rPr lang="en-US" dirty="0"/>
+              <a:t>Triphthongs were produced in approximately 45% of the targets. </a:t>
+            </a:r>
+          </a:p>
+          <a:p>
+            <a:endParaRPr lang="en-US" dirty="0"/>
+          </a:p>
+          <a:p>
+            <a:r>
+              <a:rPr lang="en-US" dirty="0"/>
+              <a:t>A production containing a hiatus made up roughly 30% of the data, followed by a simplification of some sort (~25% of the time)</a:t>
+            </a:r>
+          </a:p>
+          <a:p>
+            <a:endParaRPr lang="en-US" dirty="0"/>
+          </a:p>
+          <a:p>
+            <a:r>
+              <a:rPr lang="en-US" dirty="0"/>
+              <a:t>Overall, the task provides evidence supporting the hypothesis that pre-vocalic glides </a:t>
+            </a:r>
+            <a:r>
+              <a:rPr lang="en-US" b="1" dirty="0"/>
+              <a:t>can</a:t>
+            </a:r>
+            <a:r>
+              <a:rPr lang="en-US" dirty="0"/>
+              <a:t> be part of the onset in this variety of Spanish.</a:t>
+            </a:r>
+          </a:p>
+        </p:txBody>
+      </p:sp>
+      <p:sp>
+        <p:nvSpPr>
+          <p:cNvPr id="4" name="Slide Number Placeholder 3">
+            <a:extLst>
+              <a:ext uri="{FF2B5EF4-FFF2-40B4-BE49-F238E27FC236}">
+                <a16:creationId xmlns:a16="http://schemas.microsoft.com/office/drawing/2014/main" xmlns="" id="{AFF47760-FCD9-A84D-AB22-60AABB00BD1C}"/>
+              </a:ext>
+            </a:extLst>
+          </p:cNvPr>
+          <p:cNvSpPr>
+            <a:spLocks noGrp="1"/>
+          </p:cNvSpPr>
+          <p:nvPr>
+            <p:ph type="sldNum" sz="quarter" idx="12"/>
+          </p:nvPr>
+        </p:nvSpPr>
+        <p:spPr/>
+        <p:txBody>
+          <a:bodyPr/>
+          <a:lstStyle/>
+          <a:p>
+            <a:fld id="{6E2D2B3B-882E-40F3-A32F-6DD516915044}" type="slidenum">
+              <a:rPr lang="en-US" smtClean="0"/>
+              <a:pPr/>
+              <a:t>14</a:t>
+            </a:fld>
+            <a:endParaRPr lang="en-US"/>
+          </a:p>
+        </p:txBody>
+      </p:sp>
+    </p:spTree>
+    <p:extLst>
+      <p:ext uri="{BB962C8B-B14F-4D97-AF65-F5344CB8AC3E}">
+        <p14:creationId xmlns:p14="http://schemas.microsoft.com/office/powerpoint/2010/main" val="2069031679"/>
+      </p:ext>
+    </p:extLst>
+  </p:cSld>
+  <p:clrMapOvr>
+    <a:masterClrMapping/>
+  </p:clrMapOvr>
+</p:sld>
+</file>
+
+<file path=ppt/slides/slide15.xml><?xml version="1.0" encoding="utf-8"?>
+<p:sld xmlns:a="http://schemas.openxmlformats.org/drawingml/2006/main" xmlns:r="http://schemas.openxmlformats.org/officeDocument/2006/relationships" xmlns:p="http://schemas.openxmlformats.org/presentationml/2006/main">
+  <p:cSld>
+    <p:spTree>
+      <p:nvGrpSpPr>
+        <p:cNvPr id="1" name=""/>
+        <p:cNvGrpSpPr/>
+        <p:nvPr/>
+      </p:nvGrpSpPr>
+      <p:grpSpPr>
+        <a:xfrm>
+          <a:off x="0" y="0"/>
+          <a:ext cx="0" cy="0"/>
+          <a:chOff x="0" y="0"/>
+          <a:chExt cx="0" cy="0"/>
+        </a:xfrm>
+      </p:grpSpPr>
+      <p:sp>
+        <p:nvSpPr>
+          <p:cNvPr id="2" name="Title 1"/>
+          <p:cNvSpPr>
+            <a:spLocks noGrp="1"/>
+          </p:cNvSpPr>
+          <p:nvPr>
+            <p:ph type="title"/>
+          </p:nvPr>
+        </p:nvSpPr>
+        <p:spPr/>
+        <p:txBody>
+          <a:bodyPr/>
+          <a:lstStyle/>
+          <a:p>
+            <a:r>
+              <a:rPr lang="en-US" dirty="0"/>
+              <a:t>Results </a:t>
+            </a:r>
+            <a:r>
+              <a:rPr lang="mr-IN" dirty="0"/>
+              <a:t>–</a:t>
+            </a:r>
+            <a:r>
+              <a:rPr lang="en-US" dirty="0"/>
+              <a:t> phrase reading</a:t>
+            </a:r>
+          </a:p>
+        </p:txBody>
+      </p:sp>
+      <p:sp>
+        <p:nvSpPr>
+          <p:cNvPr id="3" name="Content Placeholder 2"/>
+          <p:cNvSpPr>
+            <a:spLocks noGrp="1"/>
+          </p:cNvSpPr>
+          <p:nvPr>
+            <p:ph idx="1"/>
+          </p:nvPr>
+        </p:nvSpPr>
+        <p:spPr/>
+        <p:txBody>
+          <a:bodyPr/>
+          <a:lstStyle/>
+          <a:p>
+            <a:r>
+              <a:rPr lang="en-US" dirty="0"/>
+              <a:t>Hypothesis: Pre-vocalic glides will be disallowed if preceded by a palatal consonant</a:t>
+            </a:r>
+          </a:p>
+          <a:p>
+            <a:endParaRPr lang="en-US" dirty="0"/>
+          </a:p>
+          <a:p>
+            <a:r>
+              <a:rPr lang="en-US" dirty="0"/>
+              <a:t>Measure duration, F1, and intensity of the pre-vocalic glide in two environments: after a palatal consonant, after any other consonant</a:t>
+            </a:r>
+          </a:p>
+        </p:txBody>
+      </p:sp>
+      <p:sp>
+        <p:nvSpPr>
+          <p:cNvPr id="4" name="Slide Number Placeholder 3">
+            <a:extLst>
+              <a:ext uri="{FF2B5EF4-FFF2-40B4-BE49-F238E27FC236}">
+                <a16:creationId xmlns:a16="http://schemas.microsoft.com/office/drawing/2014/main" xmlns="" id="{CC125AC5-6490-0E41-BA36-F9AE8C029E1B}"/>
+              </a:ext>
+            </a:extLst>
+          </p:cNvPr>
+          <p:cNvSpPr>
+            <a:spLocks noGrp="1"/>
+          </p:cNvSpPr>
+          <p:nvPr>
+            <p:ph type="sldNum" sz="quarter" idx="12"/>
+          </p:nvPr>
+        </p:nvSpPr>
+        <p:spPr/>
+        <p:txBody>
+          <a:bodyPr/>
+          <a:lstStyle/>
+          <a:p>
+            <a:fld id="{6E2D2B3B-882E-40F3-A32F-6DD516915044}" type="slidenum">
+              <a:rPr lang="en-US" smtClean="0"/>
+              <a:pPr/>
+              <a:t>15</a:t>
+            </a:fld>
+            <a:endParaRPr lang="en-US"/>
+          </a:p>
+        </p:txBody>
+      </p:sp>
+    </p:spTree>
+    <p:extLst>
+      <p:ext uri="{BB962C8B-B14F-4D97-AF65-F5344CB8AC3E}">
+        <p14:creationId xmlns:p14="http://schemas.microsoft.com/office/powerpoint/2010/main" val="1380022895"/>
+      </p:ext>
+    </p:extLst>
+  </p:cSld>
+  <p:clrMapOvr>
+    <a:masterClrMapping/>
+  </p:clrMapOvr>
+</p:sld>
+</file>
+
+<file path=ppt/slides/slide16.xml><?xml version="1.0" encoding="utf-8"?>
+<p:sld xmlns:a="http://schemas.openxmlformats.org/drawingml/2006/main" xmlns:r="http://schemas.openxmlformats.org/officeDocument/2006/relationships" xmlns:p="http://schemas.openxmlformats.org/presentationml/2006/main">
+  <p:cSld>
+    <p:spTree>
+      <p:nvGrpSpPr>
+        <p:cNvPr id="1" name=""/>
+        <p:cNvGrpSpPr/>
+        <p:nvPr/>
+      </p:nvGrpSpPr>
+      <p:grpSpPr>
+        <a:xfrm>
+          <a:off x="0" y="0"/>
+          <a:ext cx="0" cy="0"/>
+          <a:chOff x="0" y="0"/>
+          <a:chExt cx="0" cy="0"/>
+        </a:xfrm>
+      </p:grpSpPr>
+      <p:sp>
+        <p:nvSpPr>
+          <p:cNvPr id="2" name="Title 1"/>
+          <p:cNvSpPr>
+            <a:spLocks noGrp="1"/>
+          </p:cNvSpPr>
+          <p:nvPr>
+            <p:ph type="title"/>
+          </p:nvPr>
+        </p:nvSpPr>
+        <p:spPr/>
+        <p:txBody>
+          <a:bodyPr/>
+          <a:lstStyle/>
+          <a:p>
+            <a:r>
+              <a:rPr lang="en-US" dirty="0"/>
+              <a:t>Results </a:t>
+            </a:r>
+            <a:r>
+              <a:rPr lang="mr-IN" dirty="0"/>
+              <a:t>–</a:t>
+            </a:r>
+            <a:r>
+              <a:rPr lang="en-US" dirty="0"/>
+              <a:t> phrase reading</a:t>
+            </a:r>
+          </a:p>
+        </p:txBody>
+      </p:sp>
+      <p:sp>
+        <p:nvSpPr>
+          <p:cNvPr id="3" name="Content Placeholder 2"/>
+          <p:cNvSpPr>
+            <a:spLocks noGrp="1"/>
+          </p:cNvSpPr>
+          <p:nvPr>
+            <p:ph idx="1"/>
+          </p:nvPr>
+        </p:nvSpPr>
+        <p:spPr/>
+        <p:txBody>
+          <a:bodyPr>
+            <a:normAutofit/>
+          </a:bodyPr>
+          <a:lstStyle/>
+          <a:p>
+            <a:r>
+              <a:rPr lang="en-US" dirty="0"/>
+              <a:t>If pre-vocalic glides are blocked after </a:t>
+            </a:r>
+            <a:r>
+              <a:rPr lang="en-US" dirty="0" smtClean="0"/>
+              <a:t>palatals (i.e., “</a:t>
+            </a:r>
+            <a:r>
+              <a:rPr lang="en-US" b="1" dirty="0" err="1" smtClean="0"/>
+              <a:t>ll</a:t>
+            </a:r>
+            <a:r>
+              <a:rPr lang="en-US" b="1" dirty="0" err="1" smtClean="0"/>
+              <a:t>i</a:t>
+            </a:r>
+            <a:r>
+              <a:rPr lang="en-US" dirty="0" err="1" smtClean="0"/>
+              <a:t>ape</a:t>
+            </a:r>
+            <a:r>
+              <a:rPr lang="en-US" dirty="0" smtClean="0"/>
+              <a:t>”), w</a:t>
+            </a:r>
+            <a:r>
+              <a:rPr lang="en-US" dirty="0" smtClean="0"/>
+              <a:t>hen </a:t>
+            </a:r>
+            <a:r>
+              <a:rPr lang="en-US" dirty="0"/>
+              <a:t>compared with pre-vocalic glides that are not </a:t>
+            </a:r>
+            <a:r>
+              <a:rPr lang="en-US" dirty="0" smtClean="0"/>
+              <a:t>preceded </a:t>
+            </a:r>
+            <a:r>
+              <a:rPr lang="en-US" dirty="0"/>
+              <a:t>by a palatal </a:t>
+            </a:r>
+            <a:r>
+              <a:rPr lang="en-US" dirty="0" smtClean="0"/>
+              <a:t>segment (i.e., “</a:t>
+            </a:r>
+            <a:r>
+              <a:rPr lang="en-US" b="1" dirty="0" smtClean="0"/>
+              <a:t>pi</a:t>
+            </a:r>
+            <a:r>
+              <a:rPr lang="en-US" dirty="0" smtClean="0"/>
+              <a:t>ano”) </a:t>
+            </a:r>
+            <a:r>
+              <a:rPr lang="en-US" dirty="0" smtClean="0"/>
+              <a:t>we </a:t>
+            </a:r>
+            <a:r>
+              <a:rPr lang="en-US" dirty="0"/>
+              <a:t>expect to </a:t>
+            </a:r>
+            <a:r>
+              <a:rPr lang="en-US" dirty="0" smtClean="0"/>
+              <a:t>observe</a:t>
+            </a:r>
+            <a:r>
+              <a:rPr lang="mr-IN" dirty="0" smtClean="0"/>
+              <a:t>…</a:t>
+            </a:r>
+            <a:endParaRPr lang="en-US" dirty="0" smtClean="0"/>
+          </a:p>
+          <a:p>
+            <a:pPr lvl="1"/>
+            <a:r>
+              <a:rPr lang="en-US" dirty="0" smtClean="0"/>
+              <a:t>differences </a:t>
+            </a:r>
+            <a:r>
+              <a:rPr lang="en-US" dirty="0"/>
+              <a:t>in overall </a:t>
+            </a:r>
+            <a:r>
+              <a:rPr lang="en-US" dirty="0" smtClean="0"/>
+              <a:t>duration</a:t>
+            </a:r>
+          </a:p>
+          <a:p>
+            <a:pPr lvl="1"/>
+            <a:r>
+              <a:rPr lang="en-US" dirty="0"/>
+              <a:t>f</a:t>
+            </a:r>
+            <a:r>
+              <a:rPr lang="en-US" dirty="0" smtClean="0"/>
+              <a:t>ormant trajectory differences related to height (F1)</a:t>
+            </a:r>
+          </a:p>
+          <a:p>
+            <a:pPr marL="114300" indent="0">
+              <a:buNone/>
+            </a:pPr>
+            <a:endParaRPr lang="en-US" dirty="0"/>
+          </a:p>
+          <a:p>
+            <a:r>
+              <a:rPr lang="en-US" dirty="0" smtClean="0"/>
+              <a:t>Analysis 1 (duration)</a:t>
+            </a:r>
+            <a:endParaRPr lang="en-US" dirty="0"/>
+          </a:p>
+          <a:p>
+            <a:pPr lvl="1"/>
+            <a:r>
+              <a:rPr lang="en-US" dirty="0"/>
+              <a:t>Linear mixed effects model</a:t>
+            </a:r>
+          </a:p>
+          <a:p>
+            <a:pPr lvl="1"/>
+            <a:r>
+              <a:rPr lang="en-US" dirty="0" smtClean="0"/>
+              <a:t>Model: </a:t>
+            </a:r>
+            <a:r>
+              <a:rPr lang="en-US" dirty="0"/>
+              <a:t>duration ~ </a:t>
+            </a:r>
+            <a:r>
+              <a:rPr lang="en-US" dirty="0" smtClean="0"/>
+              <a:t>environment</a:t>
+            </a:r>
+          </a:p>
+          <a:p>
+            <a:pPr lvl="1"/>
+            <a:r>
+              <a:rPr lang="en-US" dirty="0" smtClean="0"/>
+              <a:t>Random </a:t>
+            </a:r>
+            <a:r>
+              <a:rPr lang="en-US" dirty="0"/>
+              <a:t>effect: by-subject/by-item intercepts with random slopes for preceding consonant</a:t>
+            </a:r>
+          </a:p>
+        </p:txBody>
+      </p:sp>
+      <p:sp>
+        <p:nvSpPr>
+          <p:cNvPr id="4" name="Slide Number Placeholder 3">
+            <a:extLst>
+              <a:ext uri="{FF2B5EF4-FFF2-40B4-BE49-F238E27FC236}">
+                <a16:creationId xmlns:a16="http://schemas.microsoft.com/office/drawing/2014/main" xmlns="" id="{D9901EF5-C648-FD4B-8E82-3A2976EABB60}"/>
+              </a:ext>
+            </a:extLst>
+          </p:cNvPr>
+          <p:cNvSpPr>
+            <a:spLocks noGrp="1"/>
+          </p:cNvSpPr>
+          <p:nvPr>
+            <p:ph type="sldNum" sz="quarter" idx="12"/>
+          </p:nvPr>
+        </p:nvSpPr>
+        <p:spPr/>
+        <p:txBody>
+          <a:bodyPr/>
+          <a:lstStyle/>
+          <a:p>
+            <a:fld id="{6E2D2B3B-882E-40F3-A32F-6DD516915044}" type="slidenum">
+              <a:rPr lang="en-US" smtClean="0"/>
+              <a:pPr/>
+              <a:t>16</a:t>
+            </a:fld>
+            <a:endParaRPr lang="en-US"/>
+          </a:p>
+        </p:txBody>
+      </p:sp>
+    </p:spTree>
+    <p:extLst>
+      <p:ext uri="{BB962C8B-B14F-4D97-AF65-F5344CB8AC3E}">
+        <p14:creationId xmlns:p14="http://schemas.microsoft.com/office/powerpoint/2010/main" val="1430413637"/>
+      </p:ext>
+    </p:extLst>
+  </p:cSld>
+  <p:clrMapOvr>
+    <a:masterClrMapping/>
+  </p:clrMapOvr>
+</p:sld>
+</file>
+
+<file path=ppt/slides/slide17.xml><?xml version="1.0" encoding="utf-8"?>
+<p:sld xmlns:a="http://schemas.openxmlformats.org/drawingml/2006/main" xmlns:r="http://schemas.openxmlformats.org/officeDocument/2006/relationships" xmlns:p="http://schemas.openxmlformats.org/presentationml/2006/main" showMasterSp="0">
+  <p:cSld>
+    <p:bg>
+      <p:bgPr>
+        <a:solidFill>
+          <a:schemeClr val="bg1"/>
+        </a:solidFill>
+        <a:effectLst/>
+      </p:bgPr>
+    </p:bg>
+    <p:spTree>
+      <p:nvGrpSpPr>
+        <p:cNvPr id="1" name=""/>
+        <p:cNvGrpSpPr/>
+        <p:nvPr/>
+      </p:nvGrpSpPr>
+      <p:grpSpPr>
+        <a:xfrm>
+          <a:off x="0" y="0"/>
+          <a:ext cx="0" cy="0"/>
+          <a:chOff x="0" y="0"/>
+          <a:chExt cx="0" cy="0"/>
+        </a:xfrm>
+      </p:grpSpPr>
+      <p:pic>
+        <p:nvPicPr>
+          <p:cNvPr id="8" name="Picture 7"/>
+          <p:cNvPicPr>
+            <a:picLocks noChangeAspect="1"/>
+          </p:cNvPicPr>
+          <p:nvPr/>
+        </p:nvPicPr>
+        <p:blipFill>
+          <a:blip r:embed="rId3">
+            <a:extLst>
+              <a:ext uri="{28A0092B-C50C-407E-A947-70E740481C1C}">
+                <a14:useLocalDpi xmlns:a14="http://schemas.microsoft.com/office/drawing/2010/main" val="0"/>
+              </a:ext>
+            </a:extLst>
+          </a:blip>
+          <a:stretch>
+            <a:fillRect/>
+          </a:stretch>
+        </p:blipFill>
+        <p:spPr>
+          <a:xfrm>
+            <a:off x="0" y="482600"/>
+            <a:ext cx="9144000" cy="5878286"/>
+          </a:xfrm>
+          <a:prstGeom prst="rect">
+            <a:avLst/>
+          </a:prstGeom>
+        </p:spPr>
+      </p:pic>
+      <p:sp>
+        <p:nvSpPr>
+          <p:cNvPr id="2" name="Slide Number Placeholder 1">
+            <a:extLst>
+              <a:ext uri="{FF2B5EF4-FFF2-40B4-BE49-F238E27FC236}">
+                <a16:creationId xmlns:a16="http://schemas.microsoft.com/office/drawing/2014/main" xmlns="" id="{7529365C-D2E8-7E45-8DB1-6F7C1FC3E44C}"/>
+              </a:ext>
+            </a:extLst>
+          </p:cNvPr>
+          <p:cNvSpPr>
+            <a:spLocks noGrp="1"/>
+          </p:cNvSpPr>
+          <p:nvPr>
+            <p:ph type="sldNum" sz="quarter" idx="12"/>
+          </p:nvPr>
+        </p:nvSpPr>
+        <p:spPr/>
+        <p:txBody>
+          <a:bodyPr/>
+          <a:lstStyle/>
+          <a:p>
+            <a:fld id="{6E2D2B3B-882E-40F3-A32F-6DD516915044}" type="slidenum">
+              <a:rPr lang="en-US" smtClean="0"/>
+              <a:pPr/>
+              <a:t>17</a:t>
+            </a:fld>
+            <a:endParaRPr lang="en-US"/>
+          </a:p>
+        </p:txBody>
+      </p:sp>
+    </p:spTree>
+    <p:extLst>
+      <p:ext uri="{BB962C8B-B14F-4D97-AF65-F5344CB8AC3E}">
+        <p14:creationId xmlns:p14="http://schemas.microsoft.com/office/powerpoint/2010/main" val="935075436"/>
+      </p:ext>
+    </p:extLst>
+  </p:cSld>
+  <p:clrMapOvr>
+    <a:masterClrMapping/>
+  </p:clrMapOvr>
+</p:sld>
+</file>
+
+<file path=ppt/slides/slide18.xml><?xml version="1.0" encoding="utf-8"?>
+<p:sld xmlns:a="http://schemas.openxmlformats.org/drawingml/2006/main" xmlns:r="http://schemas.openxmlformats.org/officeDocument/2006/relationships" xmlns:p="http://schemas.openxmlformats.org/presentationml/2006/main">
+  <p:cSld>
+    <p:spTree>
+      <p:nvGrpSpPr>
+        <p:cNvPr id="1" name=""/>
+        <p:cNvGrpSpPr/>
+        <p:nvPr/>
+      </p:nvGrpSpPr>
+      <p:grpSpPr>
+        <a:xfrm>
+          <a:off x="0" y="0"/>
+          <a:ext cx="0" cy="0"/>
+          <a:chOff x="0" y="0"/>
+          <a:chExt cx="0" cy="0"/>
+        </a:xfrm>
+      </p:grpSpPr>
+      <p:sp>
+        <p:nvSpPr>
+          <p:cNvPr id="2" name="Title 1"/>
+          <p:cNvSpPr>
+            <a:spLocks noGrp="1"/>
+          </p:cNvSpPr>
+          <p:nvPr>
+            <p:ph type="title"/>
+          </p:nvPr>
+        </p:nvSpPr>
+        <p:spPr/>
+        <p:txBody>
+          <a:bodyPr/>
+          <a:lstStyle/>
+          <a:p>
+            <a:r>
+              <a:rPr lang="en-US" dirty="0"/>
+              <a:t>Results </a:t>
+            </a:r>
+            <a:r>
+              <a:rPr lang="mr-IN" dirty="0"/>
+              <a:t>–</a:t>
+            </a:r>
+            <a:r>
+              <a:rPr lang="en-US" dirty="0"/>
+              <a:t> phrase reading</a:t>
+            </a:r>
+          </a:p>
+        </p:txBody>
+      </p:sp>
+      <p:sp>
+        <p:nvSpPr>
+          <p:cNvPr id="3" name="Content Placeholder 2"/>
+          <p:cNvSpPr>
+            <a:spLocks noGrp="1"/>
+          </p:cNvSpPr>
+          <p:nvPr>
+            <p:ph idx="1"/>
+          </p:nvPr>
+        </p:nvSpPr>
+        <p:spPr/>
+        <p:txBody>
+          <a:bodyPr/>
+          <a:lstStyle/>
+          <a:p>
+            <a:r>
+              <a:rPr lang="en-US" sz="2400" dirty="0" smtClean="0"/>
+              <a:t>If </a:t>
+            </a:r>
+            <a:r>
+              <a:rPr lang="en-US" sz="2400" dirty="0"/>
+              <a:t>the participants are able to produce a glide in some </a:t>
+            </a:r>
+            <a:r>
+              <a:rPr lang="en-US" sz="2400" dirty="0" smtClean="0"/>
+              <a:t>contexts (piano) </a:t>
+            </a:r>
+            <a:r>
+              <a:rPr lang="en-US" sz="2400" dirty="0"/>
+              <a:t>but not </a:t>
+            </a:r>
+            <a:r>
+              <a:rPr lang="en-US" sz="2400" dirty="0" smtClean="0"/>
+              <a:t>others (</a:t>
+            </a:r>
+            <a:r>
+              <a:rPr lang="en-US" sz="2400" dirty="0" err="1" smtClean="0"/>
+              <a:t>lliape</a:t>
+            </a:r>
+            <a:r>
+              <a:rPr lang="en-US" sz="2400" dirty="0" smtClean="0"/>
+              <a:t>) </a:t>
+            </a:r>
+            <a:r>
+              <a:rPr lang="en-US" sz="2400" dirty="0"/>
+              <a:t>we should </a:t>
+            </a:r>
+            <a:r>
+              <a:rPr lang="en-US" sz="2400" dirty="0" smtClean="0"/>
+              <a:t>also see </a:t>
+            </a:r>
+            <a:r>
+              <a:rPr lang="en-US" sz="2400" dirty="0"/>
+              <a:t>differences in F1 as a function of the preceding consonant.</a:t>
+            </a:r>
+          </a:p>
+          <a:p>
+            <a:endParaRPr lang="en-US" sz="2400" dirty="0"/>
+          </a:p>
+          <a:p>
+            <a:r>
+              <a:rPr lang="en-US" sz="2400" dirty="0" smtClean="0"/>
+              <a:t>Analysis 2</a:t>
+            </a:r>
+            <a:endParaRPr lang="en-US" sz="2400" dirty="0"/>
+          </a:p>
+          <a:p>
+            <a:pPr lvl="1"/>
+            <a:r>
+              <a:rPr lang="en-US" dirty="0"/>
+              <a:t>Generalized Additive Mixed Model</a:t>
+            </a:r>
+          </a:p>
+          <a:p>
+            <a:pPr lvl="1"/>
+            <a:r>
+              <a:rPr lang="en-US" dirty="0"/>
+              <a:t>Model: F1 ~ </a:t>
+            </a:r>
+            <a:r>
+              <a:rPr lang="en-US" dirty="0" err="1"/>
+              <a:t>preceding_consonant</a:t>
+            </a:r>
+            <a:r>
+              <a:rPr lang="en-US" dirty="0"/>
+              <a:t> + </a:t>
+            </a:r>
+            <a:r>
+              <a:rPr lang="en-US" dirty="0" smtClean="0"/>
+              <a:t>time</a:t>
+            </a:r>
+          </a:p>
+          <a:p>
+            <a:pPr lvl="1"/>
+            <a:r>
+              <a:rPr lang="en-US" dirty="0" smtClean="0"/>
+              <a:t>Reference smooth for time, participant</a:t>
+            </a:r>
+          </a:p>
+          <a:p>
+            <a:pPr lvl="1"/>
+            <a:r>
+              <a:rPr lang="en-US" dirty="0" smtClean="0"/>
+              <a:t>Difference smooth for </a:t>
+            </a:r>
+            <a:r>
+              <a:rPr lang="en-US" dirty="0" err="1" smtClean="0"/>
+              <a:t>preceding_consonant</a:t>
+            </a:r>
+            <a:endParaRPr lang="en-US" dirty="0"/>
+          </a:p>
+          <a:p>
+            <a:endParaRPr lang="en-US" dirty="0"/>
+          </a:p>
+        </p:txBody>
+      </p:sp>
+      <p:sp>
+        <p:nvSpPr>
+          <p:cNvPr id="4" name="Slide Number Placeholder 3">
+            <a:extLst>
+              <a:ext uri="{FF2B5EF4-FFF2-40B4-BE49-F238E27FC236}">
+                <a16:creationId xmlns:a16="http://schemas.microsoft.com/office/drawing/2014/main" xmlns="" id="{17B04354-1C74-B54A-9641-463881A9F597}"/>
+              </a:ext>
+            </a:extLst>
+          </p:cNvPr>
+          <p:cNvSpPr>
+            <a:spLocks noGrp="1"/>
+          </p:cNvSpPr>
+          <p:nvPr>
+            <p:ph type="sldNum" sz="quarter" idx="12"/>
+          </p:nvPr>
+        </p:nvSpPr>
+        <p:spPr/>
+        <p:txBody>
+          <a:bodyPr/>
+          <a:lstStyle/>
+          <a:p>
+            <a:fld id="{6E2D2B3B-882E-40F3-A32F-6DD516915044}" type="slidenum">
+              <a:rPr lang="en-US" smtClean="0"/>
+              <a:pPr/>
+              <a:t>18</a:t>
+            </a:fld>
+            <a:endParaRPr lang="en-US"/>
+          </a:p>
+        </p:txBody>
+      </p:sp>
+    </p:spTree>
+    <p:extLst>
+      <p:ext uri="{BB962C8B-B14F-4D97-AF65-F5344CB8AC3E}">
+        <p14:creationId xmlns:p14="http://schemas.microsoft.com/office/powerpoint/2010/main" val="949474114"/>
+      </p:ext>
+    </p:extLst>
+  </p:cSld>
+  <p:clrMapOvr>
+    <a:masterClrMapping/>
+  </p:clrMapOvr>
+</p:sld>
+</file>
+
+<file path=ppt/slides/slide19.xml><?xml version="1.0" encoding="utf-8"?>
+<p:sld xmlns:a="http://schemas.openxmlformats.org/drawingml/2006/main" xmlns:r="http://schemas.openxmlformats.org/officeDocument/2006/relationships" xmlns:p="http://schemas.openxmlformats.org/presentationml/2006/main" showMasterSp="0">
+  <p:cSld>
+    <p:bg>
+      <p:bgPr>
+        <a:solidFill>
+          <a:schemeClr val="bg1"/>
+        </a:solidFill>
+        <a:effectLst/>
+      </p:bgPr>
+    </p:bg>
+    <p:spTree>
+      <p:nvGrpSpPr>
+        <p:cNvPr id="1" name=""/>
+        <p:cNvGrpSpPr/>
+        <p:nvPr/>
+      </p:nvGrpSpPr>
+      <p:grpSpPr>
+        <a:xfrm>
+          <a:off x="0" y="0"/>
+          <a:ext cx="0" cy="0"/>
+          <a:chOff x="0" y="0"/>
+          <a:chExt cx="0" cy="0"/>
+        </a:xfrm>
+      </p:grpSpPr>
+      <p:pic>
+        <p:nvPicPr>
+          <p:cNvPr id="9" name="Picture 8"/>
+          <p:cNvPicPr>
+            <a:picLocks noChangeAspect="1"/>
+          </p:cNvPicPr>
+          <p:nvPr/>
+        </p:nvPicPr>
+        <p:blipFill>
+          <a:blip r:embed="rId3">
+            <a:extLst>
+              <a:ext uri="{28A0092B-C50C-407E-A947-70E740481C1C}">
+                <a14:useLocalDpi xmlns:a14="http://schemas.microsoft.com/office/drawing/2010/main" val="0"/>
+              </a:ext>
+            </a:extLst>
+          </a:blip>
+          <a:stretch>
+            <a:fillRect/>
+          </a:stretch>
+        </p:blipFill>
+        <p:spPr>
+          <a:xfrm>
+            <a:off x="348344" y="28506"/>
+            <a:ext cx="8534400" cy="6705600"/>
+          </a:xfrm>
+          <a:prstGeom prst="rect">
+            <a:avLst/>
+          </a:prstGeom>
+        </p:spPr>
+      </p:pic>
+      <p:sp>
+        <p:nvSpPr>
+          <p:cNvPr id="2" name="Slide Number Placeholder 1">
+            <a:extLst>
+              <a:ext uri="{FF2B5EF4-FFF2-40B4-BE49-F238E27FC236}">
+                <a16:creationId xmlns:a16="http://schemas.microsoft.com/office/drawing/2014/main" xmlns="" id="{5D16EB75-892C-2440-970C-3BE161D200EC}"/>
+              </a:ext>
+            </a:extLst>
+          </p:cNvPr>
+          <p:cNvSpPr>
+            <a:spLocks noGrp="1"/>
+          </p:cNvSpPr>
+          <p:nvPr>
+            <p:ph type="sldNum" sz="quarter" idx="12"/>
+          </p:nvPr>
+        </p:nvSpPr>
+        <p:spPr/>
+        <p:txBody>
+          <a:bodyPr/>
+          <a:lstStyle/>
+          <a:p>
+            <a:fld id="{6E2D2B3B-882E-40F3-A32F-6DD516915044}" type="slidenum">
+              <a:rPr lang="en-US" smtClean="0"/>
+              <a:pPr/>
+              <a:t>19</a:t>
+            </a:fld>
+            <a:endParaRPr lang="en-US"/>
+          </a:p>
+        </p:txBody>
+      </p:sp>
+    </p:spTree>
+    <p:extLst>
+      <p:ext uri="{BB962C8B-B14F-4D97-AF65-F5344CB8AC3E}">
+        <p14:creationId xmlns:p14="http://schemas.microsoft.com/office/powerpoint/2010/main" val="195220451"/>
+      </p:ext>
+    </p:extLst>
+  </p:cSld>
+  <p:clrMapOvr>
+    <a:masterClrMapping/>
+  </p:clrMapOvr>
+</p:sld>
+</file>
+
+<file path=ppt/slides/slide2.xml><?xml version="1.0" encoding="utf-8"?>
+<p:sld xmlns:a="http://schemas.openxmlformats.org/drawingml/2006/main" xmlns:r="http://schemas.openxmlformats.org/officeDocument/2006/relationships" xmlns:p="http://schemas.openxmlformats.org/presentationml/2006/main">
+  <p:cSld>
+    <p:spTree>
+      <p:nvGrpSpPr>
+        <p:cNvPr id="1" name=""/>
+        <p:cNvGrpSpPr/>
+        <p:nvPr/>
+      </p:nvGrpSpPr>
+      <p:grpSpPr>
+        <a:xfrm>
+          <a:off x="0" y="0"/>
+          <a:ext cx="0" cy="0"/>
+          <a:chOff x="0" y="0"/>
+          <a:chExt cx="0" cy="0"/>
+        </a:xfrm>
+      </p:grpSpPr>
+      <p:sp>
+        <p:nvSpPr>
+          <p:cNvPr id="2" name="Title 1">
+            <a:extLst>
+              <a:ext uri="{FF2B5EF4-FFF2-40B4-BE49-F238E27FC236}">
+                <a16:creationId xmlns:a16="http://schemas.microsoft.com/office/drawing/2014/main" xmlns="" id="{75BAE48F-7BA8-7D40-81DC-62AD5141EADC}"/>
+              </a:ext>
+            </a:extLst>
+          </p:cNvPr>
+          <p:cNvSpPr>
+            <a:spLocks noGrp="1"/>
+          </p:cNvSpPr>
+          <p:nvPr>
+            <p:ph type="title"/>
+          </p:nvPr>
+        </p:nvSpPr>
+        <p:spPr/>
+        <p:txBody>
+          <a:bodyPr/>
+          <a:lstStyle/>
+          <a:p>
+            <a:r>
+              <a:rPr lang="en-US" dirty="0"/>
+              <a:t>Goal</a:t>
+            </a:r>
+          </a:p>
+        </p:txBody>
+      </p:sp>
+      <p:sp>
+        <p:nvSpPr>
+          <p:cNvPr id="3" name="Content Placeholder 2">
+            <a:extLst>
+              <a:ext uri="{FF2B5EF4-FFF2-40B4-BE49-F238E27FC236}">
+                <a16:creationId xmlns:a16="http://schemas.microsoft.com/office/drawing/2014/main" xmlns="" id="{F058774F-FF51-0F4D-AB13-F19A0D6541AD}"/>
+              </a:ext>
+            </a:extLst>
+          </p:cNvPr>
+          <p:cNvSpPr>
+            <a:spLocks noGrp="1"/>
+          </p:cNvSpPr>
+          <p:nvPr>
+            <p:ph idx="1"/>
+          </p:nvPr>
+        </p:nvSpPr>
+        <p:spPr/>
+        <p:txBody>
+          <a:bodyPr/>
+          <a:lstStyle/>
+          <a:p>
+            <a:r>
+              <a:rPr lang="en-US" dirty="0"/>
+              <a:t>To investigate the syllabic affiliation of prevocalic, post-consonantal glides in Spanish, e.g., ‘</a:t>
+            </a:r>
+            <a:r>
+              <a:rPr lang="en-US" dirty="0" err="1"/>
+              <a:t>i</a:t>
+            </a:r>
+            <a:r>
+              <a:rPr lang="en-US" dirty="0"/>
+              <a:t>’ in </a:t>
+            </a:r>
+            <a:r>
+              <a:rPr lang="en-US" i="1" dirty="0" err="1"/>
+              <a:t>mie.do</a:t>
+            </a:r>
+            <a:r>
+              <a:rPr lang="en-US" dirty="0"/>
+              <a:t> ‘fear’.</a:t>
+            </a:r>
+          </a:p>
+          <a:p>
+            <a:r>
+              <a:rPr lang="en-US" dirty="0"/>
+              <a:t>To determine whether prevocalic glides are parsed as a complex onset in some varieties of Spanish. </a:t>
+            </a:r>
+          </a:p>
+        </p:txBody>
+      </p:sp>
+      <p:sp>
+        <p:nvSpPr>
+          <p:cNvPr id="4" name="Slide Number Placeholder 3">
+            <a:extLst>
+              <a:ext uri="{FF2B5EF4-FFF2-40B4-BE49-F238E27FC236}">
+                <a16:creationId xmlns:a16="http://schemas.microsoft.com/office/drawing/2014/main" xmlns="" id="{08AE4646-19C0-D846-91CC-51B265C1A8C0}"/>
+              </a:ext>
+            </a:extLst>
+          </p:cNvPr>
+          <p:cNvSpPr>
+            <a:spLocks noGrp="1"/>
+          </p:cNvSpPr>
+          <p:nvPr>
+            <p:ph type="sldNum" sz="quarter" idx="12"/>
+          </p:nvPr>
+        </p:nvSpPr>
+        <p:spPr/>
+        <p:txBody>
+          <a:bodyPr/>
+          <a:lstStyle/>
+          <a:p>
+            <a:fld id="{6E2D2B3B-882E-40F3-A32F-6DD516915044}" type="slidenum">
+              <a:rPr lang="en-US" smtClean="0"/>
+              <a:pPr/>
+              <a:t>2</a:t>
+            </a:fld>
+            <a:endParaRPr lang="en-US"/>
+          </a:p>
+        </p:txBody>
+      </p:sp>
+    </p:spTree>
+    <p:extLst>
+      <p:ext uri="{BB962C8B-B14F-4D97-AF65-F5344CB8AC3E}">
+        <p14:creationId xmlns:p14="http://schemas.microsoft.com/office/powerpoint/2010/main" val="1361767439"/>
+      </p:ext>
+    </p:extLst>
+  </p:cSld>
+  <p:clrMapOvr>
+    <a:masterClrMapping/>
+  </p:clrMapOvr>
+</p:sld>
+</file>
+
+<file path=ppt/slides/slide20.xml><?xml version="1.0" encoding="utf-8"?>
+<p:sld xmlns:a="http://schemas.openxmlformats.org/drawingml/2006/main" xmlns:r="http://schemas.openxmlformats.org/officeDocument/2006/relationships" xmlns:p="http://schemas.openxmlformats.org/presentationml/2006/main">
+  <p:cSld>
+    <p:spTree>
+      <p:nvGrpSpPr>
+        <p:cNvPr id="1" name=""/>
+        <p:cNvGrpSpPr/>
+        <p:nvPr/>
+      </p:nvGrpSpPr>
+      <p:grpSpPr>
+        <a:xfrm>
+          <a:off x="0" y="0"/>
+          <a:ext cx="0" cy="0"/>
+          <a:chOff x="0" y="0"/>
+          <a:chExt cx="0" cy="0"/>
+        </a:xfrm>
+      </p:grpSpPr>
+      <p:sp>
+        <p:nvSpPr>
+          <p:cNvPr id="2" name="Title 1"/>
+          <p:cNvSpPr>
+            <a:spLocks noGrp="1"/>
+          </p:cNvSpPr>
+          <p:nvPr>
+            <p:ph type="title"/>
+          </p:nvPr>
+        </p:nvSpPr>
+        <p:spPr/>
+        <p:txBody>
+          <a:bodyPr/>
+          <a:lstStyle/>
+          <a:p>
+            <a:r>
+              <a:rPr lang="en-US" dirty="0"/>
+              <a:t>Results </a:t>
+            </a:r>
+            <a:r>
+              <a:rPr lang="mr-IN" dirty="0"/>
+              <a:t>–</a:t>
+            </a:r>
+            <a:r>
+              <a:rPr lang="en-US" dirty="0"/>
+              <a:t> phrase reading</a:t>
+            </a:r>
+          </a:p>
+        </p:txBody>
+      </p:sp>
+      <p:sp>
+        <p:nvSpPr>
+          <p:cNvPr id="3" name="Content Placeholder 2"/>
+          <p:cNvSpPr>
+            <a:spLocks noGrp="1"/>
+          </p:cNvSpPr>
+          <p:nvPr>
+            <p:ph idx="1"/>
+          </p:nvPr>
+        </p:nvSpPr>
+        <p:spPr/>
+        <p:txBody>
+          <a:bodyPr>
+            <a:normAutofit fontScale="92500" lnSpcReduction="10000"/>
+          </a:bodyPr>
+          <a:lstStyle/>
+          <a:p>
+            <a:r>
+              <a:rPr lang="en-US" dirty="0" smtClean="0"/>
+              <a:t>Participants might be producing a longer segment in the palatal condition because </a:t>
+            </a:r>
+            <a:r>
+              <a:rPr lang="en-US" dirty="0"/>
+              <a:t>of the fact that they cannot </a:t>
+            </a:r>
+            <a:r>
+              <a:rPr lang="en-US" dirty="0" smtClean="0"/>
+              <a:t>naturally produce </a:t>
+            </a:r>
+            <a:r>
+              <a:rPr lang="en-US" dirty="0"/>
+              <a:t>both. </a:t>
+            </a:r>
+          </a:p>
+          <a:p>
+            <a:r>
+              <a:rPr lang="en-US" dirty="0"/>
+              <a:t>In other words, they might be trying to produce something, but because the target is illicit, they resort to </a:t>
+            </a:r>
+            <a:r>
+              <a:rPr lang="en-US" dirty="0" smtClean="0"/>
+              <a:t>lengthening.</a:t>
+            </a:r>
+            <a:endParaRPr lang="en-US" dirty="0"/>
+          </a:p>
+          <a:p>
+            <a:endParaRPr lang="en-US" dirty="0"/>
+          </a:p>
+          <a:p>
+            <a:r>
+              <a:rPr lang="en-US" dirty="0"/>
+              <a:t>Prediction: intensity of the lengthened segment should be lower than that of a glide. </a:t>
+            </a:r>
+          </a:p>
+          <a:p>
+            <a:r>
+              <a:rPr lang="en-US" dirty="0"/>
+              <a:t>Why? More consonant-like productions have lower intensity than more vowel-like productions.</a:t>
+            </a:r>
+          </a:p>
+          <a:p>
+            <a:endParaRPr lang="en-US" dirty="0"/>
+          </a:p>
+          <a:p>
+            <a:r>
+              <a:rPr lang="en-US" sz="2400" dirty="0" smtClean="0"/>
+              <a:t>Analysis 3</a:t>
+            </a:r>
+            <a:endParaRPr lang="en-US" sz="2400" dirty="0"/>
+          </a:p>
+          <a:p>
+            <a:pPr lvl="1"/>
+            <a:r>
+              <a:rPr lang="en-US" dirty="0"/>
+              <a:t>Generalized Additive Mixed Model</a:t>
+            </a:r>
+          </a:p>
+          <a:p>
+            <a:pPr lvl="1"/>
+            <a:r>
+              <a:rPr lang="en-US" dirty="0"/>
+              <a:t>Model: Intensity ~ </a:t>
+            </a:r>
+            <a:r>
+              <a:rPr lang="en-US" dirty="0" err="1"/>
+              <a:t>preceding_consonant</a:t>
+            </a:r>
+            <a:r>
+              <a:rPr lang="en-US" dirty="0"/>
+              <a:t> + time</a:t>
+            </a:r>
+          </a:p>
+          <a:p>
+            <a:endParaRPr lang="en-US" dirty="0"/>
+          </a:p>
+        </p:txBody>
+      </p:sp>
+      <p:sp>
+        <p:nvSpPr>
+          <p:cNvPr id="4" name="Slide Number Placeholder 3">
+            <a:extLst>
+              <a:ext uri="{FF2B5EF4-FFF2-40B4-BE49-F238E27FC236}">
+                <a16:creationId xmlns:a16="http://schemas.microsoft.com/office/drawing/2014/main" xmlns="" id="{09302281-1BAB-6F41-BE95-73F5F70F114F}"/>
+              </a:ext>
+            </a:extLst>
+          </p:cNvPr>
+          <p:cNvSpPr>
+            <a:spLocks noGrp="1"/>
+          </p:cNvSpPr>
+          <p:nvPr>
+            <p:ph type="sldNum" sz="quarter" idx="12"/>
+          </p:nvPr>
+        </p:nvSpPr>
+        <p:spPr/>
+        <p:txBody>
+          <a:bodyPr/>
+          <a:lstStyle/>
+          <a:p>
+            <a:fld id="{6E2D2B3B-882E-40F3-A32F-6DD516915044}" type="slidenum">
+              <a:rPr lang="en-US" smtClean="0"/>
+              <a:pPr/>
+              <a:t>20</a:t>
+            </a:fld>
+            <a:endParaRPr lang="en-US"/>
+          </a:p>
+        </p:txBody>
+      </p:sp>
+    </p:spTree>
+    <p:extLst>
+      <p:ext uri="{BB962C8B-B14F-4D97-AF65-F5344CB8AC3E}">
+        <p14:creationId xmlns:p14="http://schemas.microsoft.com/office/powerpoint/2010/main" val="1582917198"/>
+      </p:ext>
+    </p:extLst>
+  </p:cSld>
+  <p:clrMapOvr>
+    <a:masterClrMapping/>
+  </p:clrMapOvr>
+</p:sld>
+</file>
+
+<file path=ppt/slides/slide21.xml><?xml version="1.0" encoding="utf-8"?>
+<p:sld xmlns:a="http://schemas.openxmlformats.org/drawingml/2006/main" xmlns:r="http://schemas.openxmlformats.org/officeDocument/2006/relationships" xmlns:p="http://schemas.openxmlformats.org/presentationml/2006/main" showMasterSp="0">
+  <p:cSld>
+    <p:bg>
+      <p:bgPr>
+        <a:solidFill>
+          <a:schemeClr val="bg1"/>
+        </a:solidFill>
+        <a:effectLst/>
+      </p:bgPr>
+    </p:bg>
+    <p:spTree>
+      <p:nvGrpSpPr>
+        <p:cNvPr id="1" name=""/>
+        <p:cNvGrpSpPr/>
+        <p:nvPr/>
+      </p:nvGrpSpPr>
+      <p:grpSpPr>
+        <a:xfrm>
+          <a:off x="0" y="0"/>
+          <a:ext cx="0" cy="0"/>
+          <a:chOff x="0" y="0"/>
+          <a:chExt cx="0" cy="0"/>
+        </a:xfrm>
+      </p:grpSpPr>
+      <p:pic>
+        <p:nvPicPr>
+          <p:cNvPr id="4" name="Picture 3"/>
+          <p:cNvPicPr>
+            <a:picLocks noChangeAspect="1"/>
+          </p:cNvPicPr>
+          <p:nvPr/>
+        </p:nvPicPr>
+        <p:blipFill>
+          <a:blip r:embed="rId2">
+            <a:extLst>
+              <a:ext uri="{28A0092B-C50C-407E-A947-70E740481C1C}">
+                <a14:useLocalDpi xmlns:a14="http://schemas.microsoft.com/office/drawing/2010/main" val="0"/>
+              </a:ext>
+            </a:extLst>
+          </a:blip>
+          <a:stretch>
+            <a:fillRect/>
+          </a:stretch>
+        </p:blipFill>
+        <p:spPr>
+          <a:xfrm>
+            <a:off x="551543" y="270069"/>
+            <a:ext cx="7968343" cy="6260841"/>
+          </a:xfrm>
+          <a:prstGeom prst="rect">
+            <a:avLst/>
+          </a:prstGeom>
+        </p:spPr>
+      </p:pic>
+      <p:sp>
+        <p:nvSpPr>
+          <p:cNvPr id="2" name="Slide Number Placeholder 1">
+            <a:extLst>
+              <a:ext uri="{FF2B5EF4-FFF2-40B4-BE49-F238E27FC236}">
+                <a16:creationId xmlns:a16="http://schemas.microsoft.com/office/drawing/2014/main" xmlns="" id="{DC90A512-AAC4-AC49-80FB-698E0B8181C4}"/>
+              </a:ext>
+            </a:extLst>
+          </p:cNvPr>
+          <p:cNvSpPr>
+            <a:spLocks noGrp="1"/>
+          </p:cNvSpPr>
+          <p:nvPr>
+            <p:ph type="sldNum" sz="quarter" idx="12"/>
+          </p:nvPr>
+        </p:nvSpPr>
+        <p:spPr/>
+        <p:txBody>
+          <a:bodyPr/>
+          <a:lstStyle/>
+          <a:p>
+            <a:fld id="{6E2D2B3B-882E-40F3-A32F-6DD516915044}" type="slidenum">
+              <a:rPr lang="en-US" smtClean="0"/>
+              <a:pPr/>
+              <a:t>21</a:t>
+            </a:fld>
+            <a:endParaRPr lang="en-US"/>
+          </a:p>
+        </p:txBody>
+      </p:sp>
+    </p:spTree>
+    <p:extLst>
+      <p:ext uri="{BB962C8B-B14F-4D97-AF65-F5344CB8AC3E}">
+        <p14:creationId xmlns:p14="http://schemas.microsoft.com/office/powerpoint/2010/main" val="1313545362"/>
+      </p:ext>
+    </p:extLst>
+  </p:cSld>
+  <p:clrMapOvr>
+    <a:masterClrMapping/>
+  </p:clrMapOvr>
+</p:sld>
+</file>
+
+<file path=ppt/slides/slide22.xml><?xml version="1.0" encoding="utf-8"?>
+<p:sld xmlns:a="http://schemas.openxmlformats.org/drawingml/2006/main" xmlns:r="http://schemas.openxmlformats.org/officeDocument/2006/relationships" xmlns:p="http://schemas.openxmlformats.org/presentationml/2006/main" showMasterSp="0">
+  <p:cSld>
+    <p:bg>
+      <p:bgPr>
+        <a:solidFill>
+          <a:schemeClr val="bg1"/>
+        </a:solidFill>
+        <a:effectLst/>
+      </p:bgPr>
+    </p:bg>
+    <p:spTree>
+      <p:nvGrpSpPr>
+        <p:cNvPr id="1" name=""/>
+        <p:cNvGrpSpPr/>
+        <p:nvPr/>
+      </p:nvGrpSpPr>
+      <p:grpSpPr>
+        <a:xfrm>
+          <a:off x="0" y="0"/>
+          <a:ext cx="0" cy="0"/>
+          <a:chOff x="0" y="0"/>
+          <a:chExt cx="0" cy="0"/>
+        </a:xfrm>
+      </p:grpSpPr>
+      <p:pic>
+        <p:nvPicPr>
+          <p:cNvPr id="4" name="Picture 3"/>
+          <p:cNvPicPr>
+            <a:picLocks noChangeAspect="1"/>
+          </p:cNvPicPr>
+          <p:nvPr/>
+        </p:nvPicPr>
+        <p:blipFill>
+          <a:blip r:embed="rId3">
+            <a:extLst>
+              <a:ext uri="{28A0092B-C50C-407E-A947-70E740481C1C}">
+                <a14:useLocalDpi xmlns:a14="http://schemas.microsoft.com/office/drawing/2010/main" val="0"/>
+              </a:ext>
+            </a:extLst>
+          </a:blip>
+          <a:stretch>
+            <a:fillRect/>
+          </a:stretch>
+        </p:blipFill>
+        <p:spPr>
+          <a:xfrm>
+            <a:off x="522513" y="247261"/>
+            <a:ext cx="8244115" cy="6477519"/>
+          </a:xfrm>
+          <a:prstGeom prst="rect">
+            <a:avLst/>
+          </a:prstGeom>
+        </p:spPr>
+      </p:pic>
+      <p:sp>
+        <p:nvSpPr>
+          <p:cNvPr id="2" name="Slide Number Placeholder 1">
+            <a:extLst>
+              <a:ext uri="{FF2B5EF4-FFF2-40B4-BE49-F238E27FC236}">
+                <a16:creationId xmlns:a16="http://schemas.microsoft.com/office/drawing/2014/main" xmlns="" id="{DB819E6D-7989-674B-A774-4CA2C1F7C68D}"/>
+              </a:ext>
+            </a:extLst>
+          </p:cNvPr>
+          <p:cNvSpPr>
+            <a:spLocks noGrp="1"/>
+          </p:cNvSpPr>
+          <p:nvPr>
+            <p:ph type="sldNum" sz="quarter" idx="12"/>
+          </p:nvPr>
+        </p:nvSpPr>
+        <p:spPr/>
+        <p:txBody>
+          <a:bodyPr/>
+          <a:lstStyle/>
+          <a:p>
+            <a:fld id="{6E2D2B3B-882E-40F3-A32F-6DD516915044}" type="slidenum">
+              <a:rPr lang="en-US" smtClean="0"/>
+              <a:pPr/>
+              <a:t>22</a:t>
+            </a:fld>
+            <a:endParaRPr lang="en-US"/>
+          </a:p>
+        </p:txBody>
+      </p:sp>
+    </p:spTree>
+    <p:extLst>
+      <p:ext uri="{BB962C8B-B14F-4D97-AF65-F5344CB8AC3E}">
+        <p14:creationId xmlns:p14="http://schemas.microsoft.com/office/powerpoint/2010/main" val="1647772777"/>
+      </p:ext>
+    </p:extLst>
+  </p:cSld>
+  <p:clrMapOvr>
+    <a:masterClrMapping/>
+  </p:clrMapOvr>
+</p:sld>
+</file>
+
+<file path=ppt/slides/slide23.xml><?xml version="1.0" encoding="utf-8"?>
+<p:sld xmlns:a="http://schemas.openxmlformats.org/drawingml/2006/main" xmlns:r="http://schemas.openxmlformats.org/officeDocument/2006/relationships" xmlns:p="http://schemas.openxmlformats.org/presentationml/2006/main">
+  <p:cSld>
+    <p:spTree>
+      <p:nvGrpSpPr>
+        <p:cNvPr id="1" name=""/>
+        <p:cNvGrpSpPr/>
+        <p:nvPr/>
+      </p:nvGrpSpPr>
+      <p:grpSpPr>
+        <a:xfrm>
+          <a:off x="0" y="0"/>
+          <a:ext cx="0" cy="0"/>
+          <a:chOff x="0" y="0"/>
+          <a:chExt cx="0" cy="0"/>
+        </a:xfrm>
+      </p:grpSpPr>
+      <p:sp>
+        <p:nvSpPr>
+          <p:cNvPr id="2" name="Title 1"/>
+          <p:cNvSpPr>
+            <a:spLocks noGrp="1"/>
+          </p:cNvSpPr>
+          <p:nvPr>
+            <p:ph type="title"/>
+          </p:nvPr>
+        </p:nvSpPr>
+        <p:spPr/>
+        <p:txBody>
+          <a:bodyPr/>
+          <a:lstStyle/>
+          <a:p>
+            <a:r>
+              <a:rPr lang="en-US" dirty="0"/>
+              <a:t>Summary</a:t>
+            </a:r>
+          </a:p>
+        </p:txBody>
+      </p:sp>
+      <p:sp>
+        <p:nvSpPr>
+          <p:cNvPr id="3" name="Content Placeholder 2"/>
+          <p:cNvSpPr>
+            <a:spLocks noGrp="1"/>
+          </p:cNvSpPr>
+          <p:nvPr>
+            <p:ph idx="1"/>
+          </p:nvPr>
+        </p:nvSpPr>
+        <p:spPr/>
+        <p:txBody>
+          <a:bodyPr/>
+          <a:lstStyle/>
+          <a:p>
+            <a:r>
+              <a:rPr lang="en-US" dirty="0"/>
+              <a:t>Sonoran speakers used variable strategies when producing the CGVGC sequences</a:t>
+            </a:r>
+          </a:p>
+          <a:p>
+            <a:pPr lvl="1"/>
+            <a:r>
+              <a:rPr lang="en-US" dirty="0"/>
+              <a:t>Importantly, they produced the GVG sequence at least some of the time (thus it is possible)</a:t>
+            </a:r>
+          </a:p>
+          <a:p>
+            <a:pPr lvl="1"/>
+            <a:endParaRPr lang="en-US" dirty="0"/>
+          </a:p>
+          <a:p>
+            <a:r>
+              <a:rPr lang="en-US" dirty="0"/>
+              <a:t>Acoustic analysis shows that pre-vocalic segments are longer after palatal consonants</a:t>
+            </a:r>
+          </a:p>
+          <a:p>
+            <a:pPr lvl="1"/>
+            <a:r>
+              <a:rPr lang="en-US" dirty="0"/>
+              <a:t>Not shorter (i.e., elided because they are blocked)</a:t>
+            </a:r>
+          </a:p>
+          <a:p>
+            <a:pPr lvl="1"/>
+            <a:endParaRPr lang="en-US" dirty="0"/>
+          </a:p>
+          <a:p>
+            <a:r>
+              <a:rPr lang="en-US" dirty="0"/>
+              <a:t>Analysis of the time course suggests the duration increase could be due to lengthening of onset</a:t>
+            </a:r>
+          </a:p>
+          <a:p>
+            <a:pPr lvl="1"/>
+            <a:r>
+              <a:rPr lang="en-US" dirty="0"/>
+              <a:t>Strategy to avoid illicit sequence</a:t>
+            </a:r>
+          </a:p>
+        </p:txBody>
+      </p:sp>
+      <p:sp>
+        <p:nvSpPr>
+          <p:cNvPr id="4" name="Slide Number Placeholder 3">
+            <a:extLst>
+              <a:ext uri="{FF2B5EF4-FFF2-40B4-BE49-F238E27FC236}">
+                <a16:creationId xmlns:a16="http://schemas.microsoft.com/office/drawing/2014/main" xmlns="" id="{6208D7EB-D554-114A-BED2-63BA5A566393}"/>
+              </a:ext>
+            </a:extLst>
+          </p:cNvPr>
+          <p:cNvSpPr>
+            <a:spLocks noGrp="1"/>
+          </p:cNvSpPr>
+          <p:nvPr>
+            <p:ph type="sldNum" sz="quarter" idx="12"/>
+          </p:nvPr>
+        </p:nvSpPr>
+        <p:spPr/>
+        <p:txBody>
+          <a:bodyPr/>
+          <a:lstStyle/>
+          <a:p>
+            <a:fld id="{6E2D2B3B-882E-40F3-A32F-6DD516915044}" type="slidenum">
+              <a:rPr lang="en-US" smtClean="0"/>
+              <a:pPr/>
+              <a:t>23</a:t>
+            </a:fld>
+            <a:endParaRPr lang="en-US"/>
+          </a:p>
+        </p:txBody>
+      </p:sp>
+    </p:spTree>
+    <p:extLst>
+      <p:ext uri="{BB962C8B-B14F-4D97-AF65-F5344CB8AC3E}">
+        <p14:creationId xmlns:p14="http://schemas.microsoft.com/office/powerpoint/2010/main" val="174671063"/>
+      </p:ext>
+    </p:extLst>
+  </p:cSld>
+  <p:clrMapOvr>
+    <a:masterClrMapping/>
+  </p:clrMapOvr>
+</p:sld>
+</file>
+
+<file path=ppt/slides/slide24.xml><?xml version="1.0" encoding="utf-8"?>
+<p:sld xmlns:a="http://schemas.openxmlformats.org/drawingml/2006/main" xmlns:r="http://schemas.openxmlformats.org/officeDocument/2006/relationships" xmlns:p="http://schemas.openxmlformats.org/presentationml/2006/main">
+  <p:cSld>
+    <p:spTree>
+      <p:nvGrpSpPr>
+        <p:cNvPr id="1" name=""/>
+        <p:cNvGrpSpPr/>
+        <p:nvPr/>
+      </p:nvGrpSpPr>
+      <p:grpSpPr>
+        <a:xfrm>
+          <a:off x="0" y="0"/>
+          <a:ext cx="0" cy="0"/>
+          <a:chOff x="0" y="0"/>
+          <a:chExt cx="0" cy="0"/>
+        </a:xfrm>
+      </p:grpSpPr>
+      <p:sp>
+        <p:nvSpPr>
+          <p:cNvPr id="2" name="Title 1"/>
+          <p:cNvSpPr>
+            <a:spLocks noGrp="1"/>
+          </p:cNvSpPr>
+          <p:nvPr>
+            <p:ph type="title"/>
+          </p:nvPr>
+        </p:nvSpPr>
+        <p:spPr/>
+        <p:txBody>
+          <a:bodyPr/>
+          <a:lstStyle/>
+          <a:p>
+            <a:r>
+              <a:rPr lang="en-US" dirty="0"/>
+              <a:t>Research question/s</a:t>
+            </a:r>
+          </a:p>
+        </p:txBody>
+      </p:sp>
+      <p:sp>
+        <p:nvSpPr>
+          <p:cNvPr id="3" name="Content Placeholder 2"/>
+          <p:cNvSpPr>
+            <a:spLocks noGrp="1"/>
+          </p:cNvSpPr>
+          <p:nvPr>
+            <p:ph idx="1"/>
+          </p:nvPr>
+        </p:nvSpPr>
+        <p:spPr/>
+        <p:txBody>
+          <a:bodyPr/>
+          <a:lstStyle/>
+          <a:p>
+            <a:r>
+              <a:rPr lang="en-US" dirty="0"/>
+              <a:t>RQ1: Is a postconsonantal, prevocalic glide parsed as the second segment of a complex onset in Sonoran Spanish?</a:t>
+            </a:r>
+          </a:p>
+          <a:p>
+            <a:pPr marL="114300" indent="0">
+              <a:buNone/>
+            </a:pPr>
+            <a:r>
+              <a:rPr lang="en-US" dirty="0"/>
+              <a:t>	A1:Yes, at least some of the time.</a:t>
+            </a:r>
+          </a:p>
+          <a:p>
+            <a:pPr marL="114300" indent="0">
+              <a:buNone/>
+            </a:pPr>
+            <a:endParaRPr lang="en-US" dirty="0"/>
+          </a:p>
+          <a:p>
+            <a:r>
+              <a:rPr lang="en-US" dirty="0"/>
+              <a:t>RQ2: In more general terms, the question is: are Spanish prevocalic glides always part of a complex nucleus (preceding a full vowel, in a diphthong) or can the glide be parsed in the onset in some dialects?</a:t>
+            </a:r>
+          </a:p>
+          <a:p>
+            <a:pPr marL="114300" indent="0">
+              <a:buNone/>
+            </a:pPr>
+            <a:r>
+              <a:rPr lang="en-US" dirty="0"/>
+              <a:t>	A2:The glide can be parsed in the onset in dialects like 	Sonoran Spanish, but it is not categorical</a:t>
+            </a:r>
+          </a:p>
+        </p:txBody>
+      </p:sp>
+      <p:sp>
+        <p:nvSpPr>
+          <p:cNvPr id="4" name="Slide Number Placeholder 3">
+            <a:extLst>
+              <a:ext uri="{FF2B5EF4-FFF2-40B4-BE49-F238E27FC236}">
+                <a16:creationId xmlns:a16="http://schemas.microsoft.com/office/drawing/2014/main" xmlns="" id="{A91D8E68-868C-C649-B4D1-7AA5DC6879F2}"/>
+              </a:ext>
+            </a:extLst>
+          </p:cNvPr>
+          <p:cNvSpPr>
+            <a:spLocks noGrp="1"/>
+          </p:cNvSpPr>
+          <p:nvPr>
+            <p:ph type="sldNum" sz="quarter" idx="12"/>
+          </p:nvPr>
+        </p:nvSpPr>
+        <p:spPr/>
+        <p:txBody>
+          <a:bodyPr/>
+          <a:lstStyle/>
+          <a:p>
+            <a:fld id="{6E2D2B3B-882E-40F3-A32F-6DD516915044}" type="slidenum">
+              <a:rPr lang="en-US" smtClean="0"/>
+              <a:pPr/>
+              <a:t>24</a:t>
+            </a:fld>
+            <a:endParaRPr lang="en-US"/>
+          </a:p>
+        </p:txBody>
+      </p:sp>
+    </p:spTree>
+    <p:extLst>
+      <p:ext uri="{BB962C8B-B14F-4D97-AF65-F5344CB8AC3E}">
+        <p14:creationId xmlns:p14="http://schemas.microsoft.com/office/powerpoint/2010/main" val="3544568343"/>
+      </p:ext>
+    </p:extLst>
+  </p:cSld>
+  <p:clrMapOvr>
+    <a:masterClrMapping/>
+  </p:clrMapOvr>
+</p:sld>
+</file>
+
+<file path=ppt/slides/slide25.xml><?xml version="1.0" encoding="utf-8"?>
+<p:sld xmlns:a="http://schemas.openxmlformats.org/drawingml/2006/main" xmlns:r="http://schemas.openxmlformats.org/officeDocument/2006/relationships" xmlns:p="http://schemas.openxmlformats.org/presentationml/2006/main">
+  <p:cSld>
+    <p:spTree>
+      <p:nvGrpSpPr>
+        <p:cNvPr id="1" name=""/>
+        <p:cNvGrpSpPr/>
+        <p:nvPr/>
+      </p:nvGrpSpPr>
+      <p:grpSpPr>
+        <a:xfrm>
+          <a:off x="0" y="0"/>
+          <a:ext cx="0" cy="0"/>
+          <a:chOff x="0" y="0"/>
+          <a:chExt cx="0" cy="0"/>
+        </a:xfrm>
+      </p:grpSpPr>
+      <p:sp>
+        <p:nvSpPr>
+          <p:cNvPr id="2" name="Title 1"/>
+          <p:cNvSpPr>
+            <a:spLocks noGrp="1"/>
+          </p:cNvSpPr>
+          <p:nvPr>
+            <p:ph type="title"/>
+          </p:nvPr>
+        </p:nvSpPr>
+        <p:spPr/>
+        <p:txBody>
+          <a:bodyPr/>
+          <a:lstStyle/>
+          <a:p>
+            <a:r>
+              <a:rPr lang="en-US" dirty="0"/>
+              <a:t>Discussion</a:t>
+            </a:r>
+          </a:p>
+        </p:txBody>
+      </p:sp>
+      <p:sp>
+        <p:nvSpPr>
+          <p:cNvPr id="3" name="Content Placeholder 2"/>
+          <p:cNvSpPr>
+            <a:spLocks noGrp="1"/>
+          </p:cNvSpPr>
+          <p:nvPr>
+            <p:ph idx="1"/>
+          </p:nvPr>
+        </p:nvSpPr>
+        <p:spPr/>
+        <p:txBody>
+          <a:bodyPr>
+            <a:normAutofit/>
+          </a:bodyPr>
+          <a:lstStyle/>
+          <a:p>
+            <a:r>
+              <a:rPr lang="en-US" sz="2400" dirty="0"/>
+              <a:t>Acoustic analysis shows that pre-vocalic segments are longer after palatal consonants, revealing a strategy to avoid an illicit sequence. In the syllabification task, speakers produce triphthongs in 45% of the targets, so onset parsing is possible,  but not categorical. </a:t>
+            </a:r>
+          </a:p>
+          <a:p>
+            <a:r>
+              <a:rPr lang="en-US" sz="2400" dirty="0"/>
+              <a:t>As predicted, onset parsing suggests cross-dialectal variation in the syllabic affiliation of prevocalic glides. Furthermore, the parsing of glides also exhibits dialect-internal variation, as some, but not all glides are in parsed the onset.</a:t>
+            </a:r>
+          </a:p>
+          <a:p>
+            <a:endParaRPr lang="en-US" dirty="0"/>
+          </a:p>
+        </p:txBody>
+      </p:sp>
+      <p:sp>
+        <p:nvSpPr>
+          <p:cNvPr id="4" name="Slide Number Placeholder 3">
+            <a:extLst>
+              <a:ext uri="{FF2B5EF4-FFF2-40B4-BE49-F238E27FC236}">
+                <a16:creationId xmlns:a16="http://schemas.microsoft.com/office/drawing/2014/main" xmlns="" id="{A60DA255-9D8A-DA45-8CA7-AC9CDD15AA65}"/>
+              </a:ext>
+            </a:extLst>
+          </p:cNvPr>
+          <p:cNvSpPr>
+            <a:spLocks noGrp="1"/>
+          </p:cNvSpPr>
+          <p:nvPr>
+            <p:ph type="sldNum" sz="quarter" idx="12"/>
+          </p:nvPr>
+        </p:nvSpPr>
+        <p:spPr/>
+        <p:txBody>
+          <a:bodyPr/>
+          <a:lstStyle/>
+          <a:p>
+            <a:fld id="{6E2D2B3B-882E-40F3-A32F-6DD516915044}" type="slidenum">
+              <a:rPr lang="en-US" smtClean="0"/>
+              <a:pPr/>
+              <a:t>25</a:t>
+            </a:fld>
+            <a:endParaRPr lang="en-US"/>
+          </a:p>
+        </p:txBody>
+      </p:sp>
+    </p:spTree>
+    <p:extLst>
+      <p:ext uri="{BB962C8B-B14F-4D97-AF65-F5344CB8AC3E}">
+        <p14:creationId xmlns:p14="http://schemas.microsoft.com/office/powerpoint/2010/main" val="755042536"/>
+      </p:ext>
+    </p:extLst>
+  </p:cSld>
+  <p:clrMapOvr>
+    <a:masterClrMapping/>
+  </p:clrMapOvr>
+</p:sld>
+</file>
+
+<file path=ppt/slides/slide26.xml><?xml version="1.0" encoding="utf-8"?>
+<p:sld xmlns:a="http://schemas.openxmlformats.org/drawingml/2006/main" xmlns:r="http://schemas.openxmlformats.org/officeDocument/2006/relationships" xmlns:p="http://schemas.openxmlformats.org/presentationml/2006/main">
+  <p:cSld>
+    <p:spTree>
+      <p:nvGrpSpPr>
+        <p:cNvPr id="1" name=""/>
+        <p:cNvGrpSpPr/>
+        <p:nvPr/>
+      </p:nvGrpSpPr>
+      <p:grpSpPr>
+        <a:xfrm>
+          <a:off x="0" y="0"/>
+          <a:ext cx="0" cy="0"/>
+          <a:chOff x="0" y="0"/>
+          <a:chExt cx="0" cy="0"/>
+        </a:xfrm>
+      </p:grpSpPr>
+      <p:sp>
+        <p:nvSpPr>
+          <p:cNvPr id="2" name="Title 1"/>
+          <p:cNvSpPr>
+            <a:spLocks noGrp="1"/>
+          </p:cNvSpPr>
+          <p:nvPr>
+            <p:ph type="title"/>
+          </p:nvPr>
+        </p:nvSpPr>
+        <p:spPr/>
+        <p:txBody>
+          <a:bodyPr/>
+          <a:lstStyle/>
+          <a:p>
+            <a:r>
+              <a:rPr lang="en-US" dirty="0"/>
+              <a:t>Discussion</a:t>
+            </a:r>
+          </a:p>
+        </p:txBody>
+      </p:sp>
+      <p:sp>
+        <p:nvSpPr>
+          <p:cNvPr id="3" name="Content Placeholder 2"/>
+          <p:cNvSpPr>
+            <a:spLocks noGrp="1"/>
+          </p:cNvSpPr>
+          <p:nvPr>
+            <p:ph idx="1"/>
+          </p:nvPr>
+        </p:nvSpPr>
+        <p:spPr/>
+        <p:txBody>
+          <a:bodyPr>
+            <a:normAutofit/>
+          </a:bodyPr>
+          <a:lstStyle/>
+          <a:p>
+            <a:r>
+              <a:rPr lang="en-US" dirty="0"/>
+              <a:t>The rankings predicted by an optimality-theoretic factorial typology are variable/non-categorical: (</a:t>
+            </a:r>
+            <a:r>
+              <a:rPr lang="en-US" dirty="0" err="1"/>
+              <a:t>i</a:t>
+            </a:r>
+            <a:r>
+              <a:rPr lang="en-US" dirty="0"/>
+              <a:t>) Onset, </a:t>
+            </a:r>
+            <a:r>
+              <a:rPr lang="en-US" u="sng" dirty="0"/>
+              <a:t>*Onset/glide &gt;&gt; *Complex </a:t>
+            </a:r>
+            <a:r>
+              <a:rPr lang="en-US" u="sng" dirty="0" err="1"/>
+              <a:t>Nuc</a:t>
+            </a:r>
+            <a:r>
+              <a:rPr lang="en-US" dirty="0"/>
+              <a:t>, Max-IO𝝻, Ident(cons) (nuclear glide) (ii) Onset, *</a:t>
+            </a:r>
+            <a:r>
+              <a:rPr lang="en-US" u="sng" dirty="0"/>
+              <a:t>Complex </a:t>
+            </a:r>
+            <a:r>
+              <a:rPr lang="en-US" u="sng" dirty="0" err="1"/>
+              <a:t>Nuc</a:t>
+            </a:r>
+            <a:r>
+              <a:rPr lang="en-US" u="sng" dirty="0"/>
+              <a:t> &gt;&gt; *Onset/glide</a:t>
+            </a:r>
+            <a:r>
+              <a:rPr lang="en-US" dirty="0"/>
+              <a:t>, Max-IO𝝻, Ident(cons) (onset glide) (</a:t>
+            </a:r>
+            <a:r>
+              <a:rPr lang="en-US" dirty="0" err="1"/>
+              <a:t>Colina</a:t>
+            </a:r>
+            <a:r>
+              <a:rPr lang="en-US" dirty="0"/>
+              <a:t> 2009). </a:t>
+            </a:r>
+          </a:p>
+          <a:p>
+            <a:r>
+              <a:rPr lang="en-US" dirty="0"/>
+              <a:t>The variable, non-categorical rankings above (underlined) can be modelled in stochastic OT (Boersma and Hayes 2001 )</a:t>
+            </a:r>
+          </a:p>
+          <a:p>
+            <a:r>
+              <a:rPr lang="en-US" dirty="0"/>
+              <a:t>Further research is needed to study the factors conditioning the variation (they do not appear to be phonological)</a:t>
+            </a:r>
+          </a:p>
+          <a:p>
+            <a:r>
+              <a:rPr lang="en-US" dirty="0"/>
+              <a:t>This study could be replicated with more subjects (controlled by sex, age, linguistic profile), and, for comparative purposes,  also with speakers of dialects that do not allow onset glides.</a:t>
+            </a:r>
+          </a:p>
+        </p:txBody>
+      </p:sp>
+      <p:sp>
+        <p:nvSpPr>
+          <p:cNvPr id="4" name="Slide Number Placeholder 3">
+            <a:extLst>
+              <a:ext uri="{FF2B5EF4-FFF2-40B4-BE49-F238E27FC236}">
+                <a16:creationId xmlns:a16="http://schemas.microsoft.com/office/drawing/2014/main" xmlns="" id="{72D48C38-E2D8-A848-81EB-E05D2AA0342C}"/>
+              </a:ext>
+            </a:extLst>
+          </p:cNvPr>
+          <p:cNvSpPr>
+            <a:spLocks noGrp="1"/>
+          </p:cNvSpPr>
+          <p:nvPr>
+            <p:ph type="sldNum" sz="quarter" idx="12"/>
+          </p:nvPr>
+        </p:nvSpPr>
+        <p:spPr/>
+        <p:txBody>
+          <a:bodyPr/>
+          <a:lstStyle/>
+          <a:p>
+            <a:fld id="{6E2D2B3B-882E-40F3-A32F-6DD516915044}" type="slidenum">
+              <a:rPr lang="en-US" smtClean="0"/>
+              <a:pPr/>
+              <a:t>26</a:t>
+            </a:fld>
+            <a:endParaRPr lang="en-US"/>
+          </a:p>
+        </p:txBody>
+      </p:sp>
+    </p:spTree>
+    <p:extLst>
+      <p:ext uri="{BB962C8B-B14F-4D97-AF65-F5344CB8AC3E}">
+        <p14:creationId xmlns:p14="http://schemas.microsoft.com/office/powerpoint/2010/main" val="566273899"/>
+      </p:ext>
+    </p:extLst>
+  </p:cSld>
+  <p:clrMapOvr>
+    <a:masterClrMapping/>
+  </p:clrMapOvr>
+</p:sld>
+</file>
+
+<file path=ppt/slides/slide27.xml><?xml version="1.0" encoding="utf-8"?>
+<p:sld xmlns:a="http://schemas.openxmlformats.org/drawingml/2006/main" xmlns:r="http://schemas.openxmlformats.org/officeDocument/2006/relationships" xmlns:p="http://schemas.openxmlformats.org/presentationml/2006/main">
+  <p:cSld>
+    <p:spTree>
+      <p:nvGrpSpPr>
+        <p:cNvPr id="1" name=""/>
+        <p:cNvGrpSpPr/>
+        <p:nvPr/>
+      </p:nvGrpSpPr>
+      <p:grpSpPr>
+        <a:xfrm>
+          <a:off x="0" y="0"/>
+          <a:ext cx="0" cy="0"/>
+          <a:chOff x="0" y="0"/>
+          <a:chExt cx="0" cy="0"/>
+        </a:xfrm>
+      </p:grpSpPr>
+      <p:sp>
+        <p:nvSpPr>
+          <p:cNvPr id="2" name="Title 1"/>
+          <p:cNvSpPr>
+            <a:spLocks noGrp="1"/>
+          </p:cNvSpPr>
+          <p:nvPr>
+            <p:ph type="title"/>
+          </p:nvPr>
+        </p:nvSpPr>
+        <p:spPr/>
+        <p:txBody>
+          <a:bodyPr/>
+          <a:lstStyle/>
+          <a:p>
+            <a:r>
+              <a:rPr lang="en-US" dirty="0"/>
+              <a:t>Conclusion</a:t>
+            </a:r>
+          </a:p>
+        </p:txBody>
+      </p:sp>
+      <p:sp>
+        <p:nvSpPr>
+          <p:cNvPr id="3" name="Content Placeholder 2"/>
+          <p:cNvSpPr>
+            <a:spLocks noGrp="1"/>
+          </p:cNvSpPr>
+          <p:nvPr>
+            <p:ph idx="1"/>
+          </p:nvPr>
+        </p:nvSpPr>
+        <p:spPr/>
+        <p:txBody>
+          <a:bodyPr>
+            <a:normAutofit fontScale="92500"/>
+          </a:bodyPr>
+          <a:lstStyle/>
+          <a:p>
+            <a:r>
+              <a:rPr lang="en-US" dirty="0"/>
+              <a:t>In this study we examined the syllabic affiliation of prevocalic glides in Sonoran Spanish</a:t>
+            </a:r>
+          </a:p>
+          <a:p>
+            <a:r>
+              <a:rPr lang="en-US" dirty="0"/>
+              <a:t>Since glides are licit in the onset (i.e., no onset strengthening in Sonoran Spanish), a postconsonantal, prevocalic glide could be parsed as the second segment of a complex onset in Sonoran Spanish.</a:t>
+            </a:r>
+          </a:p>
+          <a:p>
+            <a:r>
+              <a:rPr lang="en-US" dirty="0"/>
+              <a:t>Experimental evidence showed that Sonoran speakers produced the GVG sequence at least some of the time (thus it is possible). Acoustic analysis shows that pre-vocalic segments are longer after palatal consonants; the duration increase is shown to be due to lengthening of onset (a strategy to avoid illicit sequence).</a:t>
+            </a:r>
+          </a:p>
+          <a:p>
+            <a:r>
+              <a:rPr lang="en-US" dirty="0"/>
+              <a:t>Glides can be variably parsed as C2 in a complex onset.   Onset glides in Sonoran Spanish provide evidence for cross-dialectal and intra-dialectal variation in syllabic affiliation.</a:t>
+            </a:r>
+          </a:p>
+        </p:txBody>
+      </p:sp>
+      <p:sp>
+        <p:nvSpPr>
+          <p:cNvPr id="4" name="Slide Number Placeholder 3">
+            <a:extLst>
+              <a:ext uri="{FF2B5EF4-FFF2-40B4-BE49-F238E27FC236}">
+                <a16:creationId xmlns:a16="http://schemas.microsoft.com/office/drawing/2014/main" xmlns="" id="{76A281F8-BACF-DE44-8E23-81754FD679E7}"/>
+              </a:ext>
+            </a:extLst>
+          </p:cNvPr>
+          <p:cNvSpPr>
+            <a:spLocks noGrp="1"/>
+          </p:cNvSpPr>
+          <p:nvPr>
+            <p:ph type="sldNum" sz="quarter" idx="12"/>
+          </p:nvPr>
+        </p:nvSpPr>
+        <p:spPr/>
+        <p:txBody>
+          <a:bodyPr/>
+          <a:lstStyle/>
+          <a:p>
+            <a:fld id="{6E2D2B3B-882E-40F3-A32F-6DD516915044}" type="slidenum">
+              <a:rPr lang="en-US" smtClean="0"/>
+              <a:pPr/>
+              <a:t>27</a:t>
+            </a:fld>
+            <a:endParaRPr lang="en-US"/>
+          </a:p>
+        </p:txBody>
+      </p:sp>
+    </p:spTree>
+    <p:extLst>
+      <p:ext uri="{BB962C8B-B14F-4D97-AF65-F5344CB8AC3E}">
+        <p14:creationId xmlns:p14="http://schemas.microsoft.com/office/powerpoint/2010/main" val="1826730619"/>
+      </p:ext>
+    </p:extLst>
+  </p:cSld>
+  <p:clrMapOvr>
+    <a:masterClrMapping/>
+  </p:clrMapOvr>
+</p:sld>
+</file>
+
+<file path=ppt/slides/slide28.xml><?xml version="1.0" encoding="utf-8"?>
+<p:sld xmlns:a="http://schemas.openxmlformats.org/drawingml/2006/main" xmlns:r="http://schemas.openxmlformats.org/officeDocument/2006/relationships" xmlns:p="http://schemas.openxmlformats.org/presentationml/2006/main">
+  <p:cSld>
+    <p:spTree>
+      <p:nvGrpSpPr>
+        <p:cNvPr id="1" name=""/>
+        <p:cNvGrpSpPr/>
+        <p:nvPr/>
+      </p:nvGrpSpPr>
+      <p:grpSpPr>
+        <a:xfrm>
+          <a:off x="0" y="0"/>
+          <a:ext cx="0" cy="0"/>
+          <a:chOff x="0" y="0"/>
+          <a:chExt cx="0" cy="0"/>
+        </a:xfrm>
+      </p:grpSpPr>
+      <p:sp>
+        <p:nvSpPr>
+          <p:cNvPr id="2" name="Title 1"/>
+          <p:cNvSpPr>
+            <a:spLocks noGrp="1"/>
+          </p:cNvSpPr>
+          <p:nvPr>
+            <p:ph type="title"/>
+          </p:nvPr>
+        </p:nvSpPr>
+        <p:spPr/>
+        <p:txBody>
+          <a:bodyPr/>
+          <a:lstStyle/>
+          <a:p>
+            <a:r>
+              <a:rPr lang="en-US" dirty="0"/>
+              <a:t>References</a:t>
+            </a:r>
+          </a:p>
+        </p:txBody>
+      </p:sp>
+      <p:sp>
+        <p:nvSpPr>
+          <p:cNvPr id="3" name="Content Placeholder 2"/>
+          <p:cNvSpPr>
+            <a:spLocks noGrp="1"/>
+          </p:cNvSpPr>
+          <p:nvPr>
+            <p:ph idx="1"/>
+          </p:nvPr>
+        </p:nvSpPr>
+        <p:spPr>
+          <a:xfrm>
+            <a:off x="457200" y="1600200"/>
+            <a:ext cx="7620000" cy="5102578"/>
+          </a:xfrm>
+        </p:spPr>
+        <p:txBody>
+          <a:bodyPr>
+            <a:normAutofit fontScale="85000" lnSpcReduction="10000"/>
+          </a:bodyPr>
+          <a:lstStyle/>
+          <a:p>
+            <a:r>
+              <a:rPr lang="es-ES" cap="small" dirty="0"/>
+              <a:t>Alvar</a:t>
+            </a:r>
+            <a:r>
+              <a:rPr lang="es-ES" dirty="0"/>
+              <a:t>, M. (1996). </a:t>
+            </a:r>
+            <a:r>
+              <a:rPr lang="es-ES" i="1" dirty="0"/>
+              <a:t>Manual de dialectología hispánica</a:t>
+            </a:r>
+            <a:r>
+              <a:rPr lang="es-ES" dirty="0"/>
+              <a:t>.  </a:t>
+            </a:r>
+            <a:r>
+              <a:rPr lang="en-US" dirty="0"/>
+              <a:t>Barcelona: Ariel. </a:t>
+            </a:r>
+          </a:p>
+          <a:p>
+            <a:r>
+              <a:rPr lang="en-US" cap="small" dirty="0"/>
+              <a:t>Boersma, P. </a:t>
+            </a:r>
+            <a:r>
+              <a:rPr lang="en-US" dirty="0"/>
+              <a:t>and</a:t>
+            </a:r>
+            <a:r>
+              <a:rPr lang="en-US" cap="small" dirty="0"/>
+              <a:t> Hayes, B</a:t>
+            </a:r>
+            <a:r>
+              <a:rPr lang="en-US" dirty="0"/>
+              <a:t>. 2001.  Empirical tests of the Gradual Learning Algorithm. </a:t>
+            </a:r>
+            <a:r>
+              <a:rPr lang="en-US" i="1" dirty="0"/>
+              <a:t>Linguistic Inquiry</a:t>
+            </a:r>
+            <a:r>
+              <a:rPr lang="en-US" dirty="0"/>
+              <a:t> 32. 45-86.</a:t>
+            </a:r>
+          </a:p>
+          <a:p>
+            <a:r>
+              <a:rPr lang="en-US" cap="small" dirty="0"/>
+              <a:t>Boersma</a:t>
+            </a:r>
+            <a:r>
+              <a:rPr lang="en-US" dirty="0"/>
+              <a:t>, P. &amp; </a:t>
+            </a:r>
+            <a:r>
+              <a:rPr lang="en-US" cap="small" dirty="0" err="1"/>
+              <a:t>Weenink</a:t>
+            </a:r>
+            <a:r>
+              <a:rPr lang="en-US" dirty="0"/>
+              <a:t>, D. (2018). </a:t>
+            </a:r>
+            <a:r>
+              <a:rPr lang="en-US" i="1" dirty="0" err="1"/>
+              <a:t>Praat</a:t>
+            </a:r>
+            <a:r>
+              <a:rPr lang="en-US" i="1" dirty="0"/>
+              <a:t>: doing phonetics by computer</a:t>
+            </a:r>
+            <a:r>
+              <a:rPr lang="en-US" dirty="0"/>
+              <a:t>. Version 6.0.39, retrieved 3 April 2018 from http://</a:t>
+            </a:r>
+            <a:r>
+              <a:rPr lang="en-US" dirty="0" err="1"/>
+              <a:t>www.praat.org</a:t>
+            </a:r>
+            <a:r>
+              <a:rPr lang="en-US" dirty="0"/>
+              <a:t>/.</a:t>
+            </a:r>
+          </a:p>
+          <a:p>
+            <a:r>
+              <a:rPr lang="en-US" cap="small" dirty="0"/>
+              <a:t>Canfield</a:t>
+            </a:r>
+            <a:r>
+              <a:rPr lang="en-US" dirty="0"/>
+              <a:t>, L. (1981).  </a:t>
+            </a:r>
+            <a:r>
+              <a:rPr lang="en-US" i="1" dirty="0"/>
+              <a:t>Spanish Pronunciation in the Americas</a:t>
+            </a:r>
+            <a:r>
+              <a:rPr lang="en-US" dirty="0"/>
+              <a:t>.  Chicago: U. of Chicago P. </a:t>
+            </a:r>
+          </a:p>
+          <a:p>
+            <a:r>
+              <a:rPr lang="en-US" cap="small" dirty="0" err="1"/>
+              <a:t>Colina</a:t>
+            </a:r>
+            <a:r>
+              <a:rPr lang="en-US" dirty="0"/>
+              <a:t>, S. (2009). </a:t>
+            </a:r>
+            <a:r>
+              <a:rPr lang="en-US" i="1" dirty="0"/>
+              <a:t>Spanish Phonology: A syllabic perspective</a:t>
+            </a:r>
+            <a:r>
+              <a:rPr lang="en-US" dirty="0"/>
+              <a:t>. Washington, DC: GUP. </a:t>
+            </a:r>
+          </a:p>
+          <a:p>
+            <a:r>
+              <a:rPr lang="en-US" cap="small" dirty="0"/>
+              <a:t>Harris</a:t>
+            </a:r>
+            <a:r>
+              <a:rPr lang="en-US" dirty="0"/>
+              <a:t>, J. W. (1983). </a:t>
+            </a:r>
+            <a:r>
+              <a:rPr lang="en-US" i="1" dirty="0"/>
+              <a:t>Syllable structure and stress in Spanish</a:t>
+            </a:r>
+            <a:r>
+              <a:rPr lang="en-US" dirty="0"/>
+              <a:t>. Cambridge, MA; MIT Press.</a:t>
+            </a:r>
+          </a:p>
+          <a:p>
+            <a:r>
+              <a:rPr lang="en-US" cap="small" dirty="0"/>
+              <a:t>Harris, J. W.  </a:t>
+            </a:r>
+            <a:r>
+              <a:rPr lang="en-US" dirty="0"/>
+              <a:t>and</a:t>
+            </a:r>
+            <a:r>
+              <a:rPr lang="en-US" cap="small" dirty="0"/>
+              <a:t> E. M. </a:t>
+            </a:r>
+            <a:r>
+              <a:rPr lang="en-US" cap="small" dirty="0" err="1"/>
+              <a:t>Kaisse</a:t>
+            </a:r>
+            <a:r>
+              <a:rPr lang="en-US" dirty="0"/>
+              <a:t>. (1999). Palatal vowels, glides, and </a:t>
+            </a:r>
+            <a:r>
+              <a:rPr lang="en-US" dirty="0" err="1"/>
+              <a:t>obstruents</a:t>
+            </a:r>
+            <a:r>
+              <a:rPr lang="en-US" dirty="0"/>
+              <a:t> in Argentinian Spanish. </a:t>
+            </a:r>
+            <a:r>
+              <a:rPr lang="en-US" i="1" dirty="0"/>
+              <a:t>Phonology</a:t>
+            </a:r>
+            <a:r>
+              <a:rPr lang="en-US" dirty="0"/>
+              <a:t> 16.117-190.</a:t>
+            </a:r>
+          </a:p>
+          <a:p>
+            <a:r>
+              <a:rPr lang="en-US" cap="small" dirty="0" err="1"/>
+              <a:t>Hualde</a:t>
+            </a:r>
+            <a:r>
+              <a:rPr lang="en-US" dirty="0"/>
+              <a:t>, J. I. (2005). </a:t>
+            </a:r>
+            <a:r>
+              <a:rPr lang="en-US" i="1" dirty="0"/>
+              <a:t>The Sounds of Spanish</a:t>
+            </a:r>
+            <a:r>
+              <a:rPr lang="en-US" dirty="0"/>
+              <a:t>. </a:t>
+            </a:r>
+            <a:r>
+              <a:rPr lang="es-ES" dirty="0"/>
+              <a:t>Cambridge, UK: CUP. </a:t>
+            </a:r>
+            <a:endParaRPr lang="en-US" dirty="0"/>
+          </a:p>
+          <a:p>
+            <a:r>
+              <a:rPr lang="es-ES" cap="small" dirty="0" err="1"/>
+              <a:t>Hualde</a:t>
+            </a:r>
+            <a:r>
+              <a:rPr lang="es-ES" dirty="0"/>
+              <a:t>, J.I. (2014) La </a:t>
+            </a:r>
+            <a:r>
+              <a:rPr lang="es-ES" dirty="0" err="1"/>
+              <a:t>silabificación</a:t>
+            </a:r>
+            <a:r>
+              <a:rPr lang="es-ES" dirty="0"/>
+              <a:t> en español. In </a:t>
+            </a:r>
+            <a:r>
+              <a:rPr lang="es-ES" cap="small" dirty="0"/>
+              <a:t>Núñez-Cedeño</a:t>
+            </a:r>
+            <a:r>
+              <a:rPr lang="es-ES" dirty="0"/>
+              <a:t>, et al. (Eds.). (2014). </a:t>
+            </a:r>
+            <a:r>
+              <a:rPr lang="es-ES" i="1" dirty="0"/>
+              <a:t>Fonología generativa contemporánea de la lengua española</a:t>
+            </a:r>
+            <a:r>
+              <a:rPr lang="es-ES" dirty="0"/>
+              <a:t>. </a:t>
+            </a:r>
+            <a:r>
+              <a:rPr lang="en-US" dirty="0"/>
+              <a:t>Washington, DC: Georgetown UP, pp. 195-215.</a:t>
+            </a:r>
+          </a:p>
+          <a:p>
+            <a:pPr marL="114300" indent="0">
+              <a:buNone/>
+            </a:pPr>
+            <a:endParaRPr lang="en-US" dirty="0"/>
+          </a:p>
+          <a:p>
+            <a:endParaRPr lang="en-US" dirty="0"/>
+          </a:p>
+        </p:txBody>
+      </p:sp>
+      <p:sp>
+        <p:nvSpPr>
+          <p:cNvPr id="4" name="Slide Number Placeholder 3">
+            <a:extLst>
+              <a:ext uri="{FF2B5EF4-FFF2-40B4-BE49-F238E27FC236}">
+                <a16:creationId xmlns:a16="http://schemas.microsoft.com/office/drawing/2014/main" xmlns="" id="{65299EA9-42F9-9D48-A3C7-971DBC5E964B}"/>
+              </a:ext>
+            </a:extLst>
+          </p:cNvPr>
+          <p:cNvSpPr>
+            <a:spLocks noGrp="1"/>
+          </p:cNvSpPr>
+          <p:nvPr>
+            <p:ph type="sldNum" sz="quarter" idx="12"/>
+          </p:nvPr>
+        </p:nvSpPr>
+        <p:spPr/>
+        <p:txBody>
+          <a:bodyPr/>
+          <a:lstStyle/>
+          <a:p>
+            <a:fld id="{6E2D2B3B-882E-40F3-A32F-6DD516915044}" type="slidenum">
+              <a:rPr lang="en-US" smtClean="0"/>
+              <a:pPr/>
+              <a:t>28</a:t>
+            </a:fld>
+            <a:endParaRPr lang="en-US"/>
+          </a:p>
+        </p:txBody>
+      </p:sp>
+    </p:spTree>
+    <p:extLst>
+      <p:ext uri="{BB962C8B-B14F-4D97-AF65-F5344CB8AC3E}">
+        <p14:creationId xmlns:p14="http://schemas.microsoft.com/office/powerpoint/2010/main" val="1953993528"/>
+      </p:ext>
+    </p:extLst>
+  </p:cSld>
+  <p:clrMapOvr>
+    <a:masterClrMapping/>
+  </p:clrMapOvr>
+</p:sld>
+</file>
+
+<file path=ppt/slides/slide29.xml><?xml version="1.0" encoding="utf-8"?>
 <p:sld xmlns:a="http://schemas.openxmlformats.org/drawingml/2006/main" xmlns:r="http://schemas.openxmlformats.org/officeDocument/2006/relationships" xmlns:p="http://schemas.openxmlformats.org/presentationml/2006/main" showMasterSp="0">
   <p:cSld>
     <p:bg>
@@ -6234,1816 +9005,40 @@
           </a:prstGeom>
         </p:spPr>
       </p:pic>
+      <p:sp>
+        <p:nvSpPr>
+          <p:cNvPr id="3" name="Slide Number Placeholder 2">
+            <a:extLst>
+              <a:ext uri="{FF2B5EF4-FFF2-40B4-BE49-F238E27FC236}">
+                <a16:creationId xmlns:a16="http://schemas.microsoft.com/office/drawing/2014/main" xmlns="" id="{E86DCAB6-45A9-844B-8E4D-BE17CBF73FB7}"/>
+              </a:ext>
+            </a:extLst>
+          </p:cNvPr>
+          <p:cNvSpPr>
+            <a:spLocks noGrp="1"/>
+          </p:cNvSpPr>
+          <p:nvPr>
+            <p:ph type="sldNum" sz="quarter" idx="12"/>
+          </p:nvPr>
+        </p:nvSpPr>
+        <p:spPr/>
+        <p:txBody>
+          <a:bodyPr/>
+          <a:lstStyle/>
+          <a:p>
+            <a:fld id="{6E2D2B3B-882E-40F3-A32F-6DD516915044}" type="slidenum">
+              <a:rPr lang="en-US" smtClean="0"/>
+              <a:pPr/>
+              <a:t>29</a:t>
+            </a:fld>
+            <a:endParaRPr lang="en-US"/>
+          </a:p>
+        </p:txBody>
+      </p:sp>
     </p:spTree>
     <p:extLst>
       <p:ext uri="{BB962C8B-B14F-4D97-AF65-F5344CB8AC3E}">
-        <p14:creationId xmlns:p14="http://schemas.microsoft.com/office/powerpoint/2010/main" val="662277862"/>
-      </p:ext>
-    </p:extLst>
-  </p:cSld>
-  <p:clrMapOvr>
-    <a:masterClrMapping/>
-  </p:clrMapOvr>
-</p:sld>
-</file>
-
-<file path=ppt/slides/slide15.xml><?xml version="1.0" encoding="utf-8"?>
-<p:sld xmlns:a="http://schemas.openxmlformats.org/drawingml/2006/main" xmlns:r="http://schemas.openxmlformats.org/officeDocument/2006/relationships" xmlns:p="http://schemas.openxmlformats.org/presentationml/2006/main">
-  <p:cSld>
-    <p:spTree>
-      <p:nvGrpSpPr>
-        <p:cNvPr id="1" name=""/>
-        <p:cNvGrpSpPr/>
-        <p:nvPr/>
-      </p:nvGrpSpPr>
-      <p:grpSpPr>
-        <a:xfrm>
-          <a:off x="0" y="0"/>
-          <a:ext cx="0" cy="0"/>
-          <a:chOff x="0" y="0"/>
-          <a:chExt cx="0" cy="0"/>
-        </a:xfrm>
-      </p:grpSpPr>
-      <p:sp>
-        <p:nvSpPr>
-          <p:cNvPr id="2" name="Title 1"/>
-          <p:cNvSpPr>
-            <a:spLocks noGrp="1"/>
-          </p:cNvSpPr>
-          <p:nvPr>
-            <p:ph type="title"/>
-          </p:nvPr>
-        </p:nvSpPr>
-        <p:spPr/>
-        <p:txBody>
-          <a:bodyPr/>
-          <a:lstStyle/>
-          <a:p>
-            <a:r>
-              <a:rPr lang="en-US" dirty="0"/>
-              <a:t>Takeaways</a:t>
-            </a:r>
-          </a:p>
-        </p:txBody>
-      </p:sp>
-      <p:sp>
-        <p:nvSpPr>
-          <p:cNvPr id="3" name="Content Placeholder 2"/>
-          <p:cNvSpPr>
-            <a:spLocks noGrp="1"/>
-          </p:cNvSpPr>
-          <p:nvPr>
-            <p:ph idx="1"/>
-          </p:nvPr>
-        </p:nvSpPr>
-        <p:spPr/>
-        <p:txBody>
-          <a:bodyPr/>
-          <a:lstStyle/>
-          <a:p>
-            <a:r>
-              <a:rPr lang="en-US" dirty="0"/>
-              <a:t>Triphthongs were produced in approximately 40% of the targets. </a:t>
-            </a:r>
-          </a:p>
-          <a:p>
-            <a:endParaRPr lang="en-US" dirty="0"/>
-          </a:p>
-          <a:p>
-            <a:r>
-              <a:rPr lang="en-US" dirty="0"/>
-              <a:t>A production containing a hiatus made up roughly 30% of the data, followed by a simplification of some sort (~25% of the time)</a:t>
-            </a:r>
-          </a:p>
-          <a:p>
-            <a:endParaRPr lang="en-US" dirty="0"/>
-          </a:p>
-          <a:p>
-            <a:r>
-              <a:rPr lang="en-US" dirty="0"/>
-              <a:t>Overall, the task provides evidence supporting the hypothesis that pre-vocalic glides </a:t>
-            </a:r>
-            <a:r>
-              <a:rPr lang="en-US" b="1" dirty="0"/>
-              <a:t>can</a:t>
-            </a:r>
-            <a:r>
-              <a:rPr lang="en-US" dirty="0"/>
-              <a:t> be part of the onset in this variety of Spanish.</a:t>
-            </a:r>
-          </a:p>
-        </p:txBody>
-      </p:sp>
-    </p:spTree>
-    <p:extLst>
-      <p:ext uri="{BB962C8B-B14F-4D97-AF65-F5344CB8AC3E}">
-        <p14:creationId xmlns:p14="http://schemas.microsoft.com/office/powerpoint/2010/main" val="2069031679"/>
-      </p:ext>
-    </p:extLst>
-  </p:cSld>
-  <p:clrMapOvr>
-    <a:masterClrMapping/>
-  </p:clrMapOvr>
-</p:sld>
-</file>
-
-<file path=ppt/slides/slide16.xml><?xml version="1.0" encoding="utf-8"?>
-<p:sld xmlns:a="http://schemas.openxmlformats.org/drawingml/2006/main" xmlns:r="http://schemas.openxmlformats.org/officeDocument/2006/relationships" xmlns:p="http://schemas.openxmlformats.org/presentationml/2006/main">
-  <p:cSld>
-    <p:spTree>
-      <p:nvGrpSpPr>
-        <p:cNvPr id="1" name=""/>
-        <p:cNvGrpSpPr/>
-        <p:nvPr/>
-      </p:nvGrpSpPr>
-      <p:grpSpPr>
-        <a:xfrm>
-          <a:off x="0" y="0"/>
-          <a:ext cx="0" cy="0"/>
-          <a:chOff x="0" y="0"/>
-          <a:chExt cx="0" cy="0"/>
-        </a:xfrm>
-      </p:grpSpPr>
-      <p:sp>
-        <p:nvSpPr>
-          <p:cNvPr id="2" name="Title 1"/>
-          <p:cNvSpPr>
-            <a:spLocks noGrp="1"/>
-          </p:cNvSpPr>
-          <p:nvPr>
-            <p:ph type="title"/>
-          </p:nvPr>
-        </p:nvSpPr>
-        <p:spPr/>
-        <p:txBody>
-          <a:bodyPr/>
-          <a:lstStyle/>
-          <a:p>
-            <a:r>
-              <a:rPr lang="en-US" dirty="0"/>
-              <a:t>Results </a:t>
-            </a:r>
-            <a:r>
-              <a:rPr lang="mr-IN" dirty="0"/>
-              <a:t>–</a:t>
-            </a:r>
-            <a:r>
-              <a:rPr lang="en-US" dirty="0"/>
-              <a:t> phrase reading</a:t>
-            </a:r>
-          </a:p>
-        </p:txBody>
-      </p:sp>
-      <p:sp>
-        <p:nvSpPr>
-          <p:cNvPr id="3" name="Content Placeholder 2"/>
-          <p:cNvSpPr>
-            <a:spLocks noGrp="1"/>
-          </p:cNvSpPr>
-          <p:nvPr>
-            <p:ph idx="1"/>
-          </p:nvPr>
-        </p:nvSpPr>
-        <p:spPr/>
-        <p:txBody>
-          <a:bodyPr/>
-          <a:lstStyle/>
-          <a:p>
-            <a:r>
-              <a:rPr lang="en-US" dirty="0"/>
-              <a:t>Hypothesis: Pre-vocalic glides will be disallowed if preceded by a palatal consonant</a:t>
-            </a:r>
-          </a:p>
-          <a:p>
-            <a:endParaRPr lang="en-US" dirty="0"/>
-          </a:p>
-          <a:p>
-            <a:r>
-              <a:rPr lang="en-US" dirty="0"/>
-              <a:t>Measure duration, F1, and intensity of the pre-vocalic glide in two environments: after a palatal consonant, after any other consonant</a:t>
-            </a:r>
-          </a:p>
-        </p:txBody>
-      </p:sp>
-    </p:spTree>
-    <p:extLst>
-      <p:ext uri="{BB962C8B-B14F-4D97-AF65-F5344CB8AC3E}">
-        <p14:creationId xmlns:p14="http://schemas.microsoft.com/office/powerpoint/2010/main" val="1380022895"/>
-      </p:ext>
-    </p:extLst>
-  </p:cSld>
-  <p:clrMapOvr>
-    <a:masterClrMapping/>
-  </p:clrMapOvr>
-</p:sld>
-</file>
-
-<file path=ppt/slides/slide17.xml><?xml version="1.0" encoding="utf-8"?>
-<p:sld xmlns:a="http://schemas.openxmlformats.org/drawingml/2006/main" xmlns:r="http://schemas.openxmlformats.org/officeDocument/2006/relationships" xmlns:p="http://schemas.openxmlformats.org/presentationml/2006/main">
-  <p:cSld>
-    <p:spTree>
-      <p:nvGrpSpPr>
-        <p:cNvPr id="1" name=""/>
-        <p:cNvGrpSpPr/>
-        <p:nvPr/>
-      </p:nvGrpSpPr>
-      <p:grpSpPr>
-        <a:xfrm>
-          <a:off x="0" y="0"/>
-          <a:ext cx="0" cy="0"/>
-          <a:chOff x="0" y="0"/>
-          <a:chExt cx="0" cy="0"/>
-        </a:xfrm>
-      </p:grpSpPr>
-      <p:sp>
-        <p:nvSpPr>
-          <p:cNvPr id="2" name="Title 1"/>
-          <p:cNvSpPr>
-            <a:spLocks noGrp="1"/>
-          </p:cNvSpPr>
-          <p:nvPr>
-            <p:ph type="title"/>
-          </p:nvPr>
-        </p:nvSpPr>
-        <p:spPr/>
-        <p:txBody>
-          <a:bodyPr/>
-          <a:lstStyle/>
-          <a:p>
-            <a:r>
-              <a:rPr lang="en-US" dirty="0"/>
-              <a:t>Results </a:t>
-            </a:r>
-            <a:r>
-              <a:rPr lang="mr-IN" dirty="0"/>
-              <a:t>–</a:t>
-            </a:r>
-            <a:r>
-              <a:rPr lang="en-US" dirty="0"/>
-              <a:t> phrase reading</a:t>
-            </a:r>
-          </a:p>
-        </p:txBody>
-      </p:sp>
-      <p:sp>
-        <p:nvSpPr>
-          <p:cNvPr id="3" name="Content Placeholder 2"/>
-          <p:cNvSpPr>
-            <a:spLocks noGrp="1"/>
-          </p:cNvSpPr>
-          <p:nvPr>
-            <p:ph idx="1"/>
-          </p:nvPr>
-        </p:nvSpPr>
-        <p:spPr/>
-        <p:txBody>
-          <a:bodyPr/>
-          <a:lstStyle/>
-          <a:p>
-            <a:r>
-              <a:rPr lang="en-US" dirty="0"/>
-              <a:t>If pre-vocalic glides are blocked after palatals, we expect to observe differences in overall duration.</a:t>
-            </a:r>
-          </a:p>
-          <a:p>
-            <a:endParaRPr lang="en-US" dirty="0"/>
-          </a:p>
-          <a:p>
-            <a:r>
-              <a:rPr lang="en-US" dirty="0"/>
-              <a:t>Analysis</a:t>
-            </a:r>
-          </a:p>
-          <a:p>
-            <a:pPr lvl="1"/>
-            <a:r>
-              <a:rPr lang="en-US" dirty="0"/>
-              <a:t>Linear mixed effects model</a:t>
-            </a:r>
-          </a:p>
-          <a:p>
-            <a:pPr lvl="1"/>
-            <a:r>
-              <a:rPr lang="en-US" dirty="0"/>
-              <a:t>Model: duration ~ environment</a:t>
-            </a:r>
-          </a:p>
-          <a:p>
-            <a:pPr lvl="1"/>
-            <a:r>
-              <a:rPr lang="en-US" dirty="0"/>
-              <a:t>Random effect: by-subject/by-item intercepts with random slopes for preceding consonant</a:t>
-            </a:r>
-          </a:p>
-        </p:txBody>
-      </p:sp>
-    </p:spTree>
-    <p:extLst>
-      <p:ext uri="{BB962C8B-B14F-4D97-AF65-F5344CB8AC3E}">
-        <p14:creationId xmlns:p14="http://schemas.microsoft.com/office/powerpoint/2010/main" val="1430413637"/>
-      </p:ext>
-    </p:extLst>
-  </p:cSld>
-  <p:clrMapOvr>
-    <a:masterClrMapping/>
-  </p:clrMapOvr>
-</p:sld>
-</file>
-
-<file path=ppt/slides/slide18.xml><?xml version="1.0" encoding="utf-8"?>
-<p:sld xmlns:a="http://schemas.openxmlformats.org/drawingml/2006/main" xmlns:r="http://schemas.openxmlformats.org/officeDocument/2006/relationships" xmlns:p="http://schemas.openxmlformats.org/presentationml/2006/main" showMasterSp="0">
-  <p:cSld>
-    <p:bg>
-      <p:bgPr>
-        <a:solidFill>
-          <a:schemeClr val="bg1"/>
-        </a:solidFill>
-        <a:effectLst/>
-      </p:bgPr>
-    </p:bg>
-    <p:spTree>
-      <p:nvGrpSpPr>
-        <p:cNvPr id="1" name=""/>
-        <p:cNvGrpSpPr/>
-        <p:nvPr/>
-      </p:nvGrpSpPr>
-      <p:grpSpPr>
-        <a:xfrm>
-          <a:off x="0" y="0"/>
-          <a:ext cx="0" cy="0"/>
-          <a:chOff x="0" y="0"/>
-          <a:chExt cx="0" cy="0"/>
-        </a:xfrm>
-      </p:grpSpPr>
-      <p:pic>
-        <p:nvPicPr>
-          <p:cNvPr id="8" name="Picture 7"/>
-          <p:cNvPicPr>
-            <a:picLocks noChangeAspect="1"/>
-          </p:cNvPicPr>
-          <p:nvPr/>
-        </p:nvPicPr>
-        <p:blipFill>
-          <a:blip r:embed="rId3">
-            <a:extLst>
-              <a:ext uri="{28A0092B-C50C-407E-A947-70E740481C1C}">
-                <a14:useLocalDpi xmlns:a14="http://schemas.microsoft.com/office/drawing/2010/main" val="0"/>
-              </a:ext>
-            </a:extLst>
-          </a:blip>
-          <a:stretch>
-            <a:fillRect/>
-          </a:stretch>
-        </p:blipFill>
-        <p:spPr>
-          <a:xfrm>
-            <a:off x="0" y="482600"/>
-            <a:ext cx="9144000" cy="5878286"/>
-          </a:xfrm>
-          <a:prstGeom prst="rect">
-            <a:avLst/>
-          </a:prstGeom>
-        </p:spPr>
-      </p:pic>
-    </p:spTree>
-    <p:extLst>
-      <p:ext uri="{BB962C8B-B14F-4D97-AF65-F5344CB8AC3E}">
-        <p14:creationId xmlns:p14="http://schemas.microsoft.com/office/powerpoint/2010/main" val="935075436"/>
-      </p:ext>
-    </p:extLst>
-  </p:cSld>
-  <p:clrMapOvr>
-    <a:masterClrMapping/>
-  </p:clrMapOvr>
-</p:sld>
-</file>
-
-<file path=ppt/slides/slide19.xml><?xml version="1.0" encoding="utf-8"?>
-<p:sld xmlns:a="http://schemas.openxmlformats.org/drawingml/2006/main" xmlns:r="http://schemas.openxmlformats.org/officeDocument/2006/relationships" xmlns:p="http://schemas.openxmlformats.org/presentationml/2006/main">
-  <p:cSld>
-    <p:spTree>
-      <p:nvGrpSpPr>
-        <p:cNvPr id="1" name=""/>
-        <p:cNvGrpSpPr/>
-        <p:nvPr/>
-      </p:nvGrpSpPr>
-      <p:grpSpPr>
-        <a:xfrm>
-          <a:off x="0" y="0"/>
-          <a:ext cx="0" cy="0"/>
-          <a:chOff x="0" y="0"/>
-          <a:chExt cx="0" cy="0"/>
-        </a:xfrm>
-      </p:grpSpPr>
-      <p:sp>
-        <p:nvSpPr>
-          <p:cNvPr id="2" name="Title 1"/>
-          <p:cNvSpPr>
-            <a:spLocks noGrp="1"/>
-          </p:cNvSpPr>
-          <p:nvPr>
-            <p:ph type="title"/>
-          </p:nvPr>
-        </p:nvSpPr>
-        <p:spPr/>
-        <p:txBody>
-          <a:bodyPr/>
-          <a:lstStyle/>
-          <a:p>
-            <a:r>
-              <a:rPr lang="en-US" dirty="0"/>
-              <a:t>Results </a:t>
-            </a:r>
-            <a:r>
-              <a:rPr lang="mr-IN" dirty="0"/>
-              <a:t>–</a:t>
-            </a:r>
-            <a:r>
-              <a:rPr lang="en-US" dirty="0"/>
-              <a:t> phrase reading</a:t>
-            </a:r>
-          </a:p>
-        </p:txBody>
-      </p:sp>
-      <p:sp>
-        <p:nvSpPr>
-          <p:cNvPr id="3" name="Content Placeholder 2"/>
-          <p:cNvSpPr>
-            <a:spLocks noGrp="1"/>
-          </p:cNvSpPr>
-          <p:nvPr>
-            <p:ph idx="1"/>
-          </p:nvPr>
-        </p:nvSpPr>
-        <p:spPr/>
-        <p:txBody>
-          <a:bodyPr/>
-          <a:lstStyle/>
-          <a:p>
-            <a:r>
-              <a:rPr lang="en-US" sz="2400" dirty="0"/>
-              <a:t>We can examine the plausibility of (1) by looking at the formant trajectory over the course of the segment. </a:t>
-            </a:r>
-          </a:p>
-          <a:p>
-            <a:endParaRPr lang="en-US" sz="2400" dirty="0"/>
-          </a:p>
-          <a:p>
-            <a:r>
-              <a:rPr lang="en-US" sz="2400" dirty="0"/>
-              <a:t>If the participants are able to produce a glide in some contexts but not others we should see differences in F1 as a function of the preceding consonant.</a:t>
-            </a:r>
-          </a:p>
-          <a:p>
-            <a:endParaRPr lang="en-US" sz="2400" dirty="0"/>
-          </a:p>
-          <a:p>
-            <a:r>
-              <a:rPr lang="en-US" sz="2400" dirty="0"/>
-              <a:t>Analysis</a:t>
-            </a:r>
-          </a:p>
-          <a:p>
-            <a:pPr lvl="1"/>
-            <a:r>
-              <a:rPr lang="en-US" dirty="0"/>
-              <a:t>Generalized Additive Mixed Model</a:t>
-            </a:r>
-          </a:p>
-          <a:p>
-            <a:pPr lvl="1"/>
-            <a:r>
-              <a:rPr lang="en-US" dirty="0"/>
-              <a:t>Model: F1 ~ </a:t>
-            </a:r>
-            <a:r>
-              <a:rPr lang="en-US" dirty="0" err="1"/>
-              <a:t>preceding_consonant</a:t>
-            </a:r>
-            <a:r>
-              <a:rPr lang="en-US" dirty="0"/>
-              <a:t> + time</a:t>
-            </a:r>
-          </a:p>
-          <a:p>
-            <a:endParaRPr lang="en-US" dirty="0"/>
-          </a:p>
-        </p:txBody>
-      </p:sp>
-    </p:spTree>
-    <p:extLst>
-      <p:ext uri="{BB962C8B-B14F-4D97-AF65-F5344CB8AC3E}">
-        <p14:creationId xmlns:p14="http://schemas.microsoft.com/office/powerpoint/2010/main" val="949474114"/>
-      </p:ext>
-    </p:extLst>
-  </p:cSld>
-  <p:clrMapOvr>
-    <a:masterClrMapping/>
-  </p:clrMapOvr>
-</p:sld>
-</file>
-
-<file path=ppt/slides/slide2.xml><?xml version="1.0" encoding="utf-8"?>
-<p:sld xmlns:a="http://schemas.openxmlformats.org/drawingml/2006/main" xmlns:r="http://schemas.openxmlformats.org/officeDocument/2006/relationships" xmlns:p="http://schemas.openxmlformats.org/presentationml/2006/main">
-  <p:cSld>
-    <p:spTree>
-      <p:nvGrpSpPr>
-        <p:cNvPr id="1" name=""/>
-        <p:cNvGrpSpPr/>
-        <p:nvPr/>
-      </p:nvGrpSpPr>
-      <p:grpSpPr>
-        <a:xfrm>
-          <a:off x="0" y="0"/>
-          <a:ext cx="0" cy="0"/>
-          <a:chOff x="0" y="0"/>
-          <a:chExt cx="0" cy="0"/>
-        </a:xfrm>
-      </p:grpSpPr>
-      <p:sp>
-        <p:nvSpPr>
-          <p:cNvPr id="2" name="Title 1">
-            <a:extLst>
-              <a:ext uri="{FF2B5EF4-FFF2-40B4-BE49-F238E27FC236}">
-                <a16:creationId xmlns:a16="http://schemas.microsoft.com/office/drawing/2014/main" id="{75BAE48F-7BA8-7D40-81DC-62AD5141EADC}"/>
-              </a:ext>
-            </a:extLst>
-          </p:cNvPr>
-          <p:cNvSpPr>
-            <a:spLocks noGrp="1"/>
-          </p:cNvSpPr>
-          <p:nvPr>
-            <p:ph type="title"/>
-          </p:nvPr>
-        </p:nvSpPr>
-        <p:spPr/>
-        <p:txBody>
-          <a:bodyPr/>
-          <a:lstStyle/>
-          <a:p>
-            <a:r>
-              <a:rPr lang="en-US" dirty="0"/>
-              <a:t>Goal</a:t>
-            </a:r>
-          </a:p>
-        </p:txBody>
-      </p:sp>
-      <p:sp>
-        <p:nvSpPr>
-          <p:cNvPr id="3" name="Content Placeholder 2">
-            <a:extLst>
-              <a:ext uri="{FF2B5EF4-FFF2-40B4-BE49-F238E27FC236}">
-                <a16:creationId xmlns:a16="http://schemas.microsoft.com/office/drawing/2014/main" id="{F058774F-FF51-0F4D-AB13-F19A0D6541AD}"/>
-              </a:ext>
-            </a:extLst>
-          </p:cNvPr>
-          <p:cNvSpPr>
-            <a:spLocks noGrp="1"/>
-          </p:cNvSpPr>
-          <p:nvPr>
-            <p:ph idx="1"/>
-          </p:nvPr>
-        </p:nvSpPr>
-        <p:spPr/>
-        <p:txBody>
-          <a:bodyPr/>
-          <a:lstStyle/>
-          <a:p>
-            <a:r>
-              <a:rPr lang="en-US" dirty="0"/>
-              <a:t>To investigate the syllabic affiliation of prevocalic, post-consonantal glides in Spanish, e.g., ‘</a:t>
-            </a:r>
-            <a:r>
-              <a:rPr lang="en-US" dirty="0" err="1"/>
-              <a:t>i</a:t>
-            </a:r>
-            <a:r>
-              <a:rPr lang="en-US" dirty="0"/>
-              <a:t>’ in </a:t>
-            </a:r>
-            <a:r>
-              <a:rPr lang="en-US" i="1" dirty="0" err="1"/>
-              <a:t>mie.do</a:t>
-            </a:r>
-            <a:r>
-              <a:rPr lang="en-US" dirty="0"/>
-              <a:t> ‘fear’.</a:t>
-            </a:r>
-          </a:p>
-          <a:p>
-            <a:r>
-              <a:rPr lang="en-US" dirty="0"/>
-              <a:t>To determine whether prevocalic glides are parsed as a complex onset in some varieties of Spanish. </a:t>
-            </a:r>
-          </a:p>
-        </p:txBody>
-      </p:sp>
-    </p:spTree>
-    <p:extLst>
-      <p:ext uri="{BB962C8B-B14F-4D97-AF65-F5344CB8AC3E}">
-        <p14:creationId xmlns:p14="http://schemas.microsoft.com/office/powerpoint/2010/main" val="1361767439"/>
-      </p:ext>
-    </p:extLst>
-  </p:cSld>
-  <p:clrMapOvr>
-    <a:masterClrMapping/>
-  </p:clrMapOvr>
-</p:sld>
-</file>
-
-<file path=ppt/slides/slide20.xml><?xml version="1.0" encoding="utf-8"?>
-<p:sld xmlns:a="http://schemas.openxmlformats.org/drawingml/2006/main" xmlns:r="http://schemas.openxmlformats.org/officeDocument/2006/relationships" xmlns:p="http://schemas.openxmlformats.org/presentationml/2006/main" showMasterSp="0">
-  <p:cSld>
-    <p:bg>
-      <p:bgPr>
-        <a:solidFill>
-          <a:schemeClr val="bg1"/>
-        </a:solidFill>
-        <a:effectLst/>
-      </p:bgPr>
-    </p:bg>
-    <p:spTree>
-      <p:nvGrpSpPr>
-        <p:cNvPr id="1" name=""/>
-        <p:cNvGrpSpPr/>
-        <p:nvPr/>
-      </p:nvGrpSpPr>
-      <p:grpSpPr>
-        <a:xfrm>
-          <a:off x="0" y="0"/>
-          <a:ext cx="0" cy="0"/>
-          <a:chOff x="0" y="0"/>
-          <a:chExt cx="0" cy="0"/>
-        </a:xfrm>
-      </p:grpSpPr>
-      <p:pic>
-        <p:nvPicPr>
-          <p:cNvPr id="9" name="Picture 8"/>
-          <p:cNvPicPr>
-            <a:picLocks noChangeAspect="1"/>
-          </p:cNvPicPr>
-          <p:nvPr/>
-        </p:nvPicPr>
-        <p:blipFill>
-          <a:blip r:embed="rId3">
-            <a:extLst>
-              <a:ext uri="{28A0092B-C50C-407E-A947-70E740481C1C}">
-                <a14:useLocalDpi xmlns:a14="http://schemas.microsoft.com/office/drawing/2010/main" val="0"/>
-              </a:ext>
-            </a:extLst>
-          </a:blip>
-          <a:stretch>
-            <a:fillRect/>
-          </a:stretch>
-        </p:blipFill>
-        <p:spPr>
-          <a:xfrm>
-            <a:off x="348344" y="28506"/>
-            <a:ext cx="8534400" cy="6705600"/>
-          </a:xfrm>
-          <a:prstGeom prst="rect">
-            <a:avLst/>
-          </a:prstGeom>
-        </p:spPr>
-      </p:pic>
-    </p:spTree>
-    <p:extLst>
-      <p:ext uri="{BB962C8B-B14F-4D97-AF65-F5344CB8AC3E}">
-        <p14:creationId xmlns:p14="http://schemas.microsoft.com/office/powerpoint/2010/main" val="195220451"/>
-      </p:ext>
-    </p:extLst>
-  </p:cSld>
-  <p:clrMapOvr>
-    <a:masterClrMapping/>
-  </p:clrMapOvr>
-</p:sld>
-</file>
-
-<file path=ppt/slides/slide21.xml><?xml version="1.0" encoding="utf-8"?>
-<p:sld xmlns:a="http://schemas.openxmlformats.org/drawingml/2006/main" xmlns:r="http://schemas.openxmlformats.org/officeDocument/2006/relationships" xmlns:p="http://schemas.openxmlformats.org/presentationml/2006/main">
-  <p:cSld>
-    <p:spTree>
-      <p:nvGrpSpPr>
-        <p:cNvPr id="1" name=""/>
-        <p:cNvGrpSpPr/>
-        <p:nvPr/>
-      </p:nvGrpSpPr>
-      <p:grpSpPr>
-        <a:xfrm>
-          <a:off x="0" y="0"/>
-          <a:ext cx="0" cy="0"/>
-          <a:chOff x="0" y="0"/>
-          <a:chExt cx="0" cy="0"/>
-        </a:xfrm>
-      </p:grpSpPr>
-      <p:sp>
-        <p:nvSpPr>
-          <p:cNvPr id="2" name="Title 1"/>
-          <p:cNvSpPr>
-            <a:spLocks noGrp="1"/>
-          </p:cNvSpPr>
-          <p:nvPr>
-            <p:ph type="title"/>
-          </p:nvPr>
-        </p:nvSpPr>
-        <p:spPr/>
-        <p:txBody>
-          <a:bodyPr/>
-          <a:lstStyle/>
-          <a:p>
-            <a:r>
-              <a:rPr lang="en-US" dirty="0"/>
-              <a:t>Results </a:t>
-            </a:r>
-            <a:r>
-              <a:rPr lang="mr-IN" dirty="0"/>
-              <a:t>–</a:t>
-            </a:r>
-            <a:r>
-              <a:rPr lang="en-US" dirty="0"/>
-              <a:t> phrase reading</a:t>
-            </a:r>
-          </a:p>
-        </p:txBody>
-      </p:sp>
-      <p:sp>
-        <p:nvSpPr>
-          <p:cNvPr id="3" name="Content Placeholder 2"/>
-          <p:cNvSpPr>
-            <a:spLocks noGrp="1"/>
-          </p:cNvSpPr>
-          <p:nvPr>
-            <p:ph idx="1"/>
-          </p:nvPr>
-        </p:nvSpPr>
-        <p:spPr/>
-        <p:txBody>
-          <a:bodyPr>
-            <a:normAutofit fontScale="92500" lnSpcReduction="10000"/>
-          </a:bodyPr>
-          <a:lstStyle/>
-          <a:p>
-            <a:r>
-              <a:rPr lang="en-US" dirty="0"/>
-              <a:t>Second possibility: participants are lengthening the palatal consonant (not producing a glide) because of the fact that they cannot produce both. </a:t>
-            </a:r>
-          </a:p>
-          <a:p>
-            <a:r>
-              <a:rPr lang="en-US" dirty="0"/>
-              <a:t>In other words, they might be trying to produce something, but because the target is illicit, they resort to lengthening the onset.</a:t>
-            </a:r>
-          </a:p>
-          <a:p>
-            <a:endParaRPr lang="en-US" dirty="0"/>
-          </a:p>
-          <a:p>
-            <a:r>
-              <a:rPr lang="en-US" dirty="0"/>
-              <a:t>Prediction: intensity of the lengthened segment should be lower than that of a glide. </a:t>
-            </a:r>
-          </a:p>
-          <a:p>
-            <a:r>
-              <a:rPr lang="en-US" dirty="0"/>
-              <a:t>Why? More consonant-like productions have lower intensity than more vowel-like productions.</a:t>
-            </a:r>
-          </a:p>
-          <a:p>
-            <a:endParaRPr lang="en-US" dirty="0"/>
-          </a:p>
-          <a:p>
-            <a:r>
-              <a:rPr lang="en-US" sz="2400" dirty="0"/>
-              <a:t>Analysis</a:t>
-            </a:r>
-          </a:p>
-          <a:p>
-            <a:pPr lvl="1"/>
-            <a:r>
-              <a:rPr lang="en-US" dirty="0"/>
-              <a:t>Generalized Additive Mixed Model</a:t>
-            </a:r>
-          </a:p>
-          <a:p>
-            <a:pPr lvl="1"/>
-            <a:r>
-              <a:rPr lang="en-US" dirty="0"/>
-              <a:t>Model: Intensity ~ </a:t>
-            </a:r>
-            <a:r>
-              <a:rPr lang="en-US" dirty="0" err="1"/>
-              <a:t>preceding_consonant</a:t>
-            </a:r>
-            <a:r>
-              <a:rPr lang="en-US" dirty="0"/>
-              <a:t> + time</a:t>
-            </a:r>
-          </a:p>
-          <a:p>
-            <a:endParaRPr lang="en-US" dirty="0"/>
-          </a:p>
-        </p:txBody>
-      </p:sp>
-    </p:spTree>
-    <p:extLst>
-      <p:ext uri="{BB962C8B-B14F-4D97-AF65-F5344CB8AC3E}">
-        <p14:creationId xmlns:p14="http://schemas.microsoft.com/office/powerpoint/2010/main" val="1582917198"/>
-      </p:ext>
-    </p:extLst>
-  </p:cSld>
-  <p:clrMapOvr>
-    <a:masterClrMapping/>
-  </p:clrMapOvr>
-</p:sld>
-</file>
-
-<file path=ppt/slides/slide22.xml><?xml version="1.0" encoding="utf-8"?>
-<p:sld xmlns:a="http://schemas.openxmlformats.org/drawingml/2006/main" xmlns:r="http://schemas.openxmlformats.org/officeDocument/2006/relationships" xmlns:p="http://schemas.openxmlformats.org/presentationml/2006/main" showMasterSp="0">
-  <p:cSld>
-    <p:bg>
-      <p:bgPr>
-        <a:solidFill>
-          <a:schemeClr val="bg1"/>
-        </a:solidFill>
-        <a:effectLst/>
-      </p:bgPr>
-    </p:bg>
-    <p:spTree>
-      <p:nvGrpSpPr>
-        <p:cNvPr id="1" name=""/>
-        <p:cNvGrpSpPr/>
-        <p:nvPr/>
-      </p:nvGrpSpPr>
-      <p:grpSpPr>
-        <a:xfrm>
-          <a:off x="0" y="0"/>
-          <a:ext cx="0" cy="0"/>
-          <a:chOff x="0" y="0"/>
-          <a:chExt cx="0" cy="0"/>
-        </a:xfrm>
-      </p:grpSpPr>
-      <p:pic>
-        <p:nvPicPr>
-          <p:cNvPr id="4" name="Picture 3"/>
-          <p:cNvPicPr>
-            <a:picLocks noChangeAspect="1"/>
-          </p:cNvPicPr>
-          <p:nvPr/>
-        </p:nvPicPr>
-        <p:blipFill>
-          <a:blip r:embed="rId2">
-            <a:extLst>
-              <a:ext uri="{28A0092B-C50C-407E-A947-70E740481C1C}">
-                <a14:useLocalDpi xmlns:a14="http://schemas.microsoft.com/office/drawing/2010/main" val="0"/>
-              </a:ext>
-            </a:extLst>
-          </a:blip>
-          <a:stretch>
-            <a:fillRect/>
-          </a:stretch>
-        </p:blipFill>
-        <p:spPr>
-          <a:xfrm>
-            <a:off x="551543" y="270069"/>
-            <a:ext cx="7968343" cy="6260841"/>
-          </a:xfrm>
-          <a:prstGeom prst="rect">
-            <a:avLst/>
-          </a:prstGeom>
-        </p:spPr>
-      </p:pic>
-    </p:spTree>
-    <p:extLst>
-      <p:ext uri="{BB962C8B-B14F-4D97-AF65-F5344CB8AC3E}">
-        <p14:creationId xmlns:p14="http://schemas.microsoft.com/office/powerpoint/2010/main" val="1313545362"/>
-      </p:ext>
-    </p:extLst>
-  </p:cSld>
-  <p:clrMapOvr>
-    <a:masterClrMapping/>
-  </p:clrMapOvr>
-</p:sld>
-</file>
-
-<file path=ppt/slides/slide23.xml><?xml version="1.0" encoding="utf-8"?>
-<p:sld xmlns:a="http://schemas.openxmlformats.org/drawingml/2006/main" xmlns:r="http://schemas.openxmlformats.org/officeDocument/2006/relationships" xmlns:p="http://schemas.openxmlformats.org/presentationml/2006/main" showMasterSp="0">
-  <p:cSld>
-    <p:bg>
-      <p:bgPr>
-        <a:solidFill>
-          <a:schemeClr val="bg1"/>
-        </a:solidFill>
-        <a:effectLst/>
-      </p:bgPr>
-    </p:bg>
-    <p:spTree>
-      <p:nvGrpSpPr>
-        <p:cNvPr id="1" name=""/>
-        <p:cNvGrpSpPr/>
-        <p:nvPr/>
-      </p:nvGrpSpPr>
-      <p:grpSpPr>
-        <a:xfrm>
-          <a:off x="0" y="0"/>
-          <a:ext cx="0" cy="0"/>
-          <a:chOff x="0" y="0"/>
-          <a:chExt cx="0" cy="0"/>
-        </a:xfrm>
-      </p:grpSpPr>
-      <p:pic>
-        <p:nvPicPr>
-          <p:cNvPr id="4" name="Picture 3"/>
-          <p:cNvPicPr>
-            <a:picLocks noChangeAspect="1"/>
-          </p:cNvPicPr>
-          <p:nvPr/>
-        </p:nvPicPr>
-        <p:blipFill>
-          <a:blip r:embed="rId3">
-            <a:extLst>
-              <a:ext uri="{28A0092B-C50C-407E-A947-70E740481C1C}">
-                <a14:useLocalDpi xmlns:a14="http://schemas.microsoft.com/office/drawing/2010/main" val="0"/>
-              </a:ext>
-            </a:extLst>
-          </a:blip>
-          <a:stretch>
-            <a:fillRect/>
-          </a:stretch>
-        </p:blipFill>
-        <p:spPr>
-          <a:xfrm>
-            <a:off x="522513" y="247261"/>
-            <a:ext cx="8244115" cy="6477519"/>
-          </a:xfrm>
-          <a:prstGeom prst="rect">
-            <a:avLst/>
-          </a:prstGeom>
-        </p:spPr>
-      </p:pic>
-    </p:spTree>
-    <p:extLst>
-      <p:ext uri="{BB962C8B-B14F-4D97-AF65-F5344CB8AC3E}">
-        <p14:creationId xmlns:p14="http://schemas.microsoft.com/office/powerpoint/2010/main" val="1647772777"/>
-      </p:ext>
-    </p:extLst>
-  </p:cSld>
-  <p:clrMapOvr>
-    <a:masterClrMapping/>
-  </p:clrMapOvr>
-</p:sld>
-</file>
-
-<file path=ppt/slides/slide24.xml><?xml version="1.0" encoding="utf-8"?>
-<p:sld xmlns:a="http://schemas.openxmlformats.org/drawingml/2006/main" xmlns:r="http://schemas.openxmlformats.org/officeDocument/2006/relationships" xmlns:p="http://schemas.openxmlformats.org/presentationml/2006/main">
-  <p:cSld>
-    <p:spTree>
-      <p:nvGrpSpPr>
-        <p:cNvPr id="1" name=""/>
-        <p:cNvGrpSpPr/>
-        <p:nvPr/>
-      </p:nvGrpSpPr>
-      <p:grpSpPr>
-        <a:xfrm>
-          <a:off x="0" y="0"/>
-          <a:ext cx="0" cy="0"/>
-          <a:chOff x="0" y="0"/>
-          <a:chExt cx="0" cy="0"/>
-        </a:xfrm>
-      </p:grpSpPr>
-      <p:sp>
-        <p:nvSpPr>
-          <p:cNvPr id="2" name="Title 1"/>
-          <p:cNvSpPr>
-            <a:spLocks noGrp="1"/>
-          </p:cNvSpPr>
-          <p:nvPr>
-            <p:ph type="title"/>
-          </p:nvPr>
-        </p:nvSpPr>
-        <p:spPr/>
-        <p:txBody>
-          <a:bodyPr/>
-          <a:lstStyle/>
-          <a:p>
-            <a:r>
-              <a:rPr lang="en-US" dirty="0"/>
-              <a:t>Summary</a:t>
-            </a:r>
-          </a:p>
-        </p:txBody>
-      </p:sp>
-      <p:sp>
-        <p:nvSpPr>
-          <p:cNvPr id="3" name="Content Placeholder 2"/>
-          <p:cNvSpPr>
-            <a:spLocks noGrp="1"/>
-          </p:cNvSpPr>
-          <p:nvPr>
-            <p:ph idx="1"/>
-          </p:nvPr>
-        </p:nvSpPr>
-        <p:spPr/>
-        <p:txBody>
-          <a:bodyPr/>
-          <a:lstStyle/>
-          <a:p>
-            <a:r>
-              <a:rPr lang="en-US" dirty="0"/>
-              <a:t>Sonoran speakers used variable strategies when producing the CGVGC sequences</a:t>
-            </a:r>
-          </a:p>
-          <a:p>
-            <a:pPr lvl="1"/>
-            <a:r>
-              <a:rPr lang="en-US" dirty="0"/>
-              <a:t>Importantly, they produced the GVG sequence at least some of the time (thus it is possible)</a:t>
-            </a:r>
-          </a:p>
-          <a:p>
-            <a:pPr lvl="1"/>
-            <a:endParaRPr lang="en-US" dirty="0"/>
-          </a:p>
-          <a:p>
-            <a:r>
-              <a:rPr lang="en-US" dirty="0"/>
-              <a:t>Acoustic analysis shows that pre-vocalic segments are longer after palatal consonants</a:t>
-            </a:r>
-          </a:p>
-          <a:p>
-            <a:pPr lvl="1"/>
-            <a:r>
-              <a:rPr lang="en-US" dirty="0"/>
-              <a:t>Not shorter (i.e., elided because they are blocked)</a:t>
-            </a:r>
-          </a:p>
-          <a:p>
-            <a:pPr lvl="1"/>
-            <a:endParaRPr lang="en-US" dirty="0"/>
-          </a:p>
-          <a:p>
-            <a:r>
-              <a:rPr lang="en-US" dirty="0"/>
-              <a:t>Analysis of the time course suggests the duration increase could be due to lengthening of onset</a:t>
-            </a:r>
-          </a:p>
-          <a:p>
-            <a:pPr lvl="1"/>
-            <a:r>
-              <a:rPr lang="en-US" dirty="0"/>
-              <a:t>Strategy to avoid illicit sequence</a:t>
-            </a:r>
-          </a:p>
-        </p:txBody>
-      </p:sp>
-    </p:spTree>
-    <p:extLst>
-      <p:ext uri="{BB962C8B-B14F-4D97-AF65-F5344CB8AC3E}">
-        <p14:creationId xmlns:p14="http://schemas.microsoft.com/office/powerpoint/2010/main" val="174671063"/>
-      </p:ext>
-    </p:extLst>
-  </p:cSld>
-  <p:clrMapOvr>
-    <a:masterClrMapping/>
-  </p:clrMapOvr>
-</p:sld>
-</file>
-
-<file path=ppt/slides/slide25.xml><?xml version="1.0" encoding="utf-8"?>
-<p:sld xmlns:a="http://schemas.openxmlformats.org/drawingml/2006/main" xmlns:r="http://schemas.openxmlformats.org/officeDocument/2006/relationships" xmlns:p="http://schemas.openxmlformats.org/presentationml/2006/main">
-  <p:cSld>
-    <p:spTree>
-      <p:nvGrpSpPr>
-        <p:cNvPr id="1" name=""/>
-        <p:cNvGrpSpPr/>
-        <p:nvPr/>
-      </p:nvGrpSpPr>
-      <p:grpSpPr>
-        <a:xfrm>
-          <a:off x="0" y="0"/>
-          <a:ext cx="0" cy="0"/>
-          <a:chOff x="0" y="0"/>
-          <a:chExt cx="0" cy="0"/>
-        </a:xfrm>
-      </p:grpSpPr>
-      <p:sp>
-        <p:nvSpPr>
-          <p:cNvPr id="2" name="Title 1"/>
-          <p:cNvSpPr>
-            <a:spLocks noGrp="1"/>
-          </p:cNvSpPr>
-          <p:nvPr>
-            <p:ph type="title"/>
-          </p:nvPr>
-        </p:nvSpPr>
-        <p:spPr/>
-        <p:txBody>
-          <a:bodyPr/>
-          <a:lstStyle/>
-          <a:p>
-            <a:r>
-              <a:rPr lang="en-US" dirty="0"/>
-              <a:t>Research question/s</a:t>
-            </a:r>
-          </a:p>
-        </p:txBody>
-      </p:sp>
-      <p:sp>
-        <p:nvSpPr>
-          <p:cNvPr id="3" name="Content Placeholder 2"/>
-          <p:cNvSpPr>
-            <a:spLocks noGrp="1"/>
-          </p:cNvSpPr>
-          <p:nvPr>
-            <p:ph idx="1"/>
-          </p:nvPr>
-        </p:nvSpPr>
-        <p:spPr/>
-        <p:txBody>
-          <a:bodyPr/>
-          <a:lstStyle/>
-          <a:p>
-            <a:r>
-              <a:rPr lang="en-US" dirty="0"/>
-              <a:t>Q1: Is a postconsonantal, prevocalic glide parsed as the second segment of a complex onset in Sonoran Spanish?</a:t>
-            </a:r>
-          </a:p>
-          <a:p>
-            <a:pPr marL="114300" indent="0">
-              <a:buNone/>
-            </a:pPr>
-            <a:r>
-              <a:rPr lang="en-US" dirty="0"/>
-              <a:t>	A1:Yes, at least some of the time.</a:t>
-            </a:r>
-          </a:p>
-          <a:p>
-            <a:pPr marL="114300" indent="0">
-              <a:buNone/>
-            </a:pPr>
-            <a:endParaRPr lang="en-US" dirty="0"/>
-          </a:p>
-          <a:p>
-            <a:r>
-              <a:rPr lang="en-US" dirty="0"/>
-              <a:t>Q2: In more general terms, the question is: are Spanish prevocalic glides always part of a complex nucleus (preceding a full vowel, in a diphthong) or can the glide be parsed in the onset in some dialects?</a:t>
-            </a:r>
-          </a:p>
-          <a:p>
-            <a:pPr marL="114300" indent="0">
-              <a:buNone/>
-            </a:pPr>
-            <a:r>
-              <a:rPr lang="en-US" dirty="0"/>
-              <a:t>	A2:The glide can be parsed in the onset in dialects like 	Sonoran Spanish, but it is not categorical</a:t>
-            </a:r>
-          </a:p>
-        </p:txBody>
-      </p:sp>
-    </p:spTree>
-    <p:extLst>
-      <p:ext uri="{BB962C8B-B14F-4D97-AF65-F5344CB8AC3E}">
-        <p14:creationId xmlns:p14="http://schemas.microsoft.com/office/powerpoint/2010/main" val="3544568343"/>
-      </p:ext>
-    </p:extLst>
-  </p:cSld>
-  <p:clrMapOvr>
-    <a:masterClrMapping/>
-  </p:clrMapOvr>
-</p:sld>
-</file>
-
-<file path=ppt/slides/slide26.xml><?xml version="1.0" encoding="utf-8"?>
-<p:sld xmlns:a="http://schemas.openxmlformats.org/drawingml/2006/main" xmlns:r="http://schemas.openxmlformats.org/officeDocument/2006/relationships" xmlns:p="http://schemas.openxmlformats.org/presentationml/2006/main">
-  <p:cSld>
-    <p:spTree>
-      <p:nvGrpSpPr>
-        <p:cNvPr id="1" name=""/>
-        <p:cNvGrpSpPr/>
-        <p:nvPr/>
-      </p:nvGrpSpPr>
-      <p:grpSpPr>
-        <a:xfrm>
-          <a:off x="0" y="0"/>
-          <a:ext cx="0" cy="0"/>
-          <a:chOff x="0" y="0"/>
-          <a:chExt cx="0" cy="0"/>
-        </a:xfrm>
-      </p:grpSpPr>
-      <p:sp>
-        <p:nvSpPr>
-          <p:cNvPr id="2" name="Title 1"/>
-          <p:cNvSpPr>
-            <a:spLocks noGrp="1"/>
-          </p:cNvSpPr>
-          <p:nvPr>
-            <p:ph type="title"/>
-          </p:nvPr>
-        </p:nvSpPr>
-        <p:spPr/>
-        <p:txBody>
-          <a:bodyPr/>
-          <a:lstStyle/>
-          <a:p>
-            <a:r>
-              <a:rPr lang="en-US" dirty="0"/>
-              <a:t>Discussion</a:t>
-            </a:r>
-          </a:p>
-        </p:txBody>
-      </p:sp>
-      <p:sp>
-        <p:nvSpPr>
-          <p:cNvPr id="3" name="Content Placeholder 2"/>
-          <p:cNvSpPr>
-            <a:spLocks noGrp="1"/>
-          </p:cNvSpPr>
-          <p:nvPr>
-            <p:ph idx="1"/>
-          </p:nvPr>
-        </p:nvSpPr>
-        <p:spPr/>
-        <p:txBody>
-          <a:bodyPr>
-            <a:normAutofit/>
-          </a:bodyPr>
-          <a:lstStyle/>
-          <a:p>
-            <a:r>
-              <a:rPr lang="en-US" sz="2400" dirty="0"/>
-              <a:t>Acoustic analysis shows that pre-vocalic segments are longer after palatal consonants, revealing a strategy to avoid an illicit sequence. In the syllabification task, speakers produce triphthongs in 45% of the targets, so onset parsing is possible,  but not categorical. </a:t>
-            </a:r>
-          </a:p>
-          <a:p>
-            <a:r>
-              <a:rPr lang="en-US" sz="2400" dirty="0"/>
-              <a:t>As predicted, onset parsing suggests cross-dialectal variation in the syllabic affiliation of prevocalic glides. Furthermore, the parsing of glides also exhibits dialect-internal variation, as some, but not all glides are in parsed the onset.</a:t>
-            </a:r>
-          </a:p>
-          <a:p>
-            <a:endParaRPr lang="en-US" dirty="0"/>
-          </a:p>
-        </p:txBody>
-      </p:sp>
-    </p:spTree>
-    <p:extLst>
-      <p:ext uri="{BB962C8B-B14F-4D97-AF65-F5344CB8AC3E}">
-        <p14:creationId xmlns:p14="http://schemas.microsoft.com/office/powerpoint/2010/main" val="755042536"/>
-      </p:ext>
-    </p:extLst>
-  </p:cSld>
-  <p:clrMapOvr>
-    <a:masterClrMapping/>
-  </p:clrMapOvr>
-</p:sld>
-</file>
-
-<file path=ppt/slides/slide27.xml><?xml version="1.0" encoding="utf-8"?>
-<p:sld xmlns:a="http://schemas.openxmlformats.org/drawingml/2006/main" xmlns:r="http://schemas.openxmlformats.org/officeDocument/2006/relationships" xmlns:p="http://schemas.openxmlformats.org/presentationml/2006/main">
-  <p:cSld>
-    <p:spTree>
-      <p:nvGrpSpPr>
-        <p:cNvPr id="1" name=""/>
-        <p:cNvGrpSpPr/>
-        <p:nvPr/>
-      </p:nvGrpSpPr>
-      <p:grpSpPr>
-        <a:xfrm>
-          <a:off x="0" y="0"/>
-          <a:ext cx="0" cy="0"/>
-          <a:chOff x="0" y="0"/>
-          <a:chExt cx="0" cy="0"/>
-        </a:xfrm>
-      </p:grpSpPr>
-      <p:sp>
-        <p:nvSpPr>
-          <p:cNvPr id="2" name="Title 1"/>
-          <p:cNvSpPr>
-            <a:spLocks noGrp="1"/>
-          </p:cNvSpPr>
-          <p:nvPr>
-            <p:ph type="title"/>
-          </p:nvPr>
-        </p:nvSpPr>
-        <p:spPr/>
-        <p:txBody>
-          <a:bodyPr/>
-          <a:lstStyle/>
-          <a:p>
-            <a:r>
-              <a:rPr lang="en-US" dirty="0"/>
-              <a:t>Discussion</a:t>
-            </a:r>
-          </a:p>
-        </p:txBody>
-      </p:sp>
-      <p:sp>
-        <p:nvSpPr>
-          <p:cNvPr id="3" name="Content Placeholder 2"/>
-          <p:cNvSpPr>
-            <a:spLocks noGrp="1"/>
-          </p:cNvSpPr>
-          <p:nvPr>
-            <p:ph idx="1"/>
-          </p:nvPr>
-        </p:nvSpPr>
-        <p:spPr/>
-        <p:txBody>
-          <a:bodyPr>
-            <a:normAutofit/>
-          </a:bodyPr>
-          <a:lstStyle/>
-          <a:p>
-            <a:r>
-              <a:rPr lang="en-US" dirty="0"/>
-              <a:t>The rankings predicted by an optimality-theoretic factorial typology are variable/non-categorical: (</a:t>
-            </a:r>
-            <a:r>
-              <a:rPr lang="en-US" dirty="0" err="1"/>
-              <a:t>i</a:t>
-            </a:r>
-            <a:r>
-              <a:rPr lang="en-US" dirty="0"/>
-              <a:t>) Onset, </a:t>
-            </a:r>
-            <a:r>
-              <a:rPr lang="en-US" u="sng" dirty="0"/>
-              <a:t>*Onset/glide &gt;&gt; *Complex </a:t>
-            </a:r>
-            <a:r>
-              <a:rPr lang="en-US" u="sng" dirty="0" err="1"/>
-              <a:t>Nuc</a:t>
-            </a:r>
-            <a:r>
-              <a:rPr lang="en-US" dirty="0"/>
-              <a:t>, Max-IO𝝻, Ident(cons) (nuclear glide) (ii) Onset, *</a:t>
-            </a:r>
-            <a:r>
-              <a:rPr lang="en-US" u="sng" dirty="0"/>
-              <a:t>Complex </a:t>
-            </a:r>
-            <a:r>
-              <a:rPr lang="en-US" u="sng" dirty="0" err="1"/>
-              <a:t>Nuc</a:t>
-            </a:r>
-            <a:r>
-              <a:rPr lang="en-US" u="sng" dirty="0"/>
-              <a:t> &gt;&gt; *Onset/glide</a:t>
-            </a:r>
-            <a:r>
-              <a:rPr lang="en-US" dirty="0"/>
-              <a:t>, Max-IO𝝻, Ident(cons) (onset glide) (</a:t>
-            </a:r>
-            <a:r>
-              <a:rPr lang="en-US" dirty="0" err="1"/>
-              <a:t>Colina</a:t>
-            </a:r>
-            <a:r>
-              <a:rPr lang="en-US" dirty="0"/>
-              <a:t> 2009). </a:t>
-            </a:r>
-          </a:p>
-          <a:p>
-            <a:r>
-              <a:rPr lang="en-US" dirty="0"/>
-              <a:t>The variable, non-categorical rankings above (underlined) can be modelled in stochastic OT (Boersma and Hayes 2001 )</a:t>
-            </a:r>
-          </a:p>
-          <a:p>
-            <a:r>
-              <a:rPr lang="en-US" dirty="0"/>
-              <a:t>Further research is needed to study the factors conditioning the variation (they do not appear to be phonological)</a:t>
-            </a:r>
-          </a:p>
-          <a:p>
-            <a:r>
-              <a:rPr lang="en-US" dirty="0"/>
-              <a:t>This study could be replicated with more subjects (controlled by sex, age, linguistic profile), and, for comparative purposes,  also with speakers of dialects that do not allow onset glides.</a:t>
-            </a:r>
-          </a:p>
-        </p:txBody>
-      </p:sp>
-    </p:spTree>
-    <p:extLst>
-      <p:ext uri="{BB962C8B-B14F-4D97-AF65-F5344CB8AC3E}">
-        <p14:creationId xmlns:p14="http://schemas.microsoft.com/office/powerpoint/2010/main" val="566273899"/>
-      </p:ext>
-    </p:extLst>
-  </p:cSld>
-  <p:clrMapOvr>
-    <a:masterClrMapping/>
-  </p:clrMapOvr>
-</p:sld>
-</file>
-
-<file path=ppt/slides/slide28.xml><?xml version="1.0" encoding="utf-8"?>
-<p:sld xmlns:a="http://schemas.openxmlformats.org/drawingml/2006/main" xmlns:r="http://schemas.openxmlformats.org/officeDocument/2006/relationships" xmlns:p="http://schemas.openxmlformats.org/presentationml/2006/main">
-  <p:cSld>
-    <p:spTree>
-      <p:nvGrpSpPr>
-        <p:cNvPr id="1" name=""/>
-        <p:cNvGrpSpPr/>
-        <p:nvPr/>
-      </p:nvGrpSpPr>
-      <p:grpSpPr>
-        <a:xfrm>
-          <a:off x="0" y="0"/>
-          <a:ext cx="0" cy="0"/>
-          <a:chOff x="0" y="0"/>
-          <a:chExt cx="0" cy="0"/>
-        </a:xfrm>
-      </p:grpSpPr>
-      <p:sp>
-        <p:nvSpPr>
-          <p:cNvPr id="2" name="Title 1"/>
-          <p:cNvSpPr>
-            <a:spLocks noGrp="1"/>
-          </p:cNvSpPr>
-          <p:nvPr>
-            <p:ph type="title"/>
-          </p:nvPr>
-        </p:nvSpPr>
-        <p:spPr/>
-        <p:txBody>
-          <a:bodyPr/>
-          <a:lstStyle/>
-          <a:p>
-            <a:r>
-              <a:rPr lang="en-US" dirty="0"/>
-              <a:t>Conclusion</a:t>
-            </a:r>
-          </a:p>
-        </p:txBody>
-      </p:sp>
-      <p:sp>
-        <p:nvSpPr>
-          <p:cNvPr id="3" name="Content Placeholder 2"/>
-          <p:cNvSpPr>
-            <a:spLocks noGrp="1"/>
-          </p:cNvSpPr>
-          <p:nvPr>
-            <p:ph idx="1"/>
-          </p:nvPr>
-        </p:nvSpPr>
-        <p:spPr/>
-        <p:txBody>
-          <a:bodyPr>
-            <a:normAutofit fontScale="92500"/>
-          </a:bodyPr>
-          <a:lstStyle/>
-          <a:p>
-            <a:r>
-              <a:rPr lang="en-US" dirty="0"/>
-              <a:t>In this study we examined the syllabic affiliation of prevocalic glides in Sonoran Spanish</a:t>
-            </a:r>
-          </a:p>
-          <a:p>
-            <a:r>
-              <a:rPr lang="en-US" dirty="0"/>
-              <a:t>Since glides are licit in the onset (i.e., no onset strengthening in Sonoran Spanish), a postconsonantal, prevocalic glide could be parsed as the second segment of a complex onset in Sonoran Spanish.</a:t>
-            </a:r>
-          </a:p>
-          <a:p>
-            <a:r>
-              <a:rPr lang="en-US" dirty="0"/>
-              <a:t>Experimental evidence showed that Sonoran speakers produced the GVG sequence at least some of the time (thus it is possible). Acoustic analysis shows that pre-vocalic segments are longer after palatal consonants; the duration increase is shown to be due to lengthening of onset (a strategy to avoid illicit sequence).</a:t>
-            </a:r>
-          </a:p>
-          <a:p>
-            <a:r>
-              <a:rPr lang="en-US" dirty="0"/>
-              <a:t>Glides can be variably parsed as C2 in a complex onset.   Onset glides in Sonoran Spanish provide evidence for cross-dialectal and intra-dialectal variation in syllabic affiliation.</a:t>
-            </a:r>
-          </a:p>
-        </p:txBody>
-      </p:sp>
-    </p:spTree>
-    <p:extLst>
-      <p:ext uri="{BB962C8B-B14F-4D97-AF65-F5344CB8AC3E}">
-        <p14:creationId xmlns:p14="http://schemas.microsoft.com/office/powerpoint/2010/main" val="1826730619"/>
-      </p:ext>
-    </p:extLst>
-  </p:cSld>
-  <p:clrMapOvr>
-    <a:masterClrMapping/>
-  </p:clrMapOvr>
-</p:sld>
-</file>
-
-<file path=ppt/slides/slide29.xml><?xml version="1.0" encoding="utf-8"?>
-<p:sld xmlns:a="http://schemas.openxmlformats.org/drawingml/2006/main" xmlns:r="http://schemas.openxmlformats.org/officeDocument/2006/relationships" xmlns:p="http://schemas.openxmlformats.org/presentationml/2006/main">
-  <p:cSld>
-    <p:spTree>
-      <p:nvGrpSpPr>
-        <p:cNvPr id="1" name=""/>
-        <p:cNvGrpSpPr/>
-        <p:nvPr/>
-      </p:nvGrpSpPr>
-      <p:grpSpPr>
-        <a:xfrm>
-          <a:off x="0" y="0"/>
-          <a:ext cx="0" cy="0"/>
-          <a:chOff x="0" y="0"/>
-          <a:chExt cx="0" cy="0"/>
-        </a:xfrm>
-      </p:grpSpPr>
-      <p:sp>
-        <p:nvSpPr>
-          <p:cNvPr id="2" name="Title 1"/>
-          <p:cNvSpPr>
-            <a:spLocks noGrp="1"/>
-          </p:cNvSpPr>
-          <p:nvPr>
-            <p:ph type="title"/>
-          </p:nvPr>
-        </p:nvSpPr>
-        <p:spPr/>
-        <p:txBody>
-          <a:bodyPr/>
-          <a:lstStyle/>
-          <a:p>
-            <a:r>
-              <a:rPr lang="en-US" dirty="0"/>
-              <a:t>References</a:t>
-            </a:r>
-          </a:p>
-        </p:txBody>
-      </p:sp>
-      <p:sp>
-        <p:nvSpPr>
-          <p:cNvPr id="3" name="Content Placeholder 2"/>
-          <p:cNvSpPr>
-            <a:spLocks noGrp="1"/>
-          </p:cNvSpPr>
-          <p:nvPr>
-            <p:ph idx="1"/>
-          </p:nvPr>
-        </p:nvSpPr>
-        <p:spPr>
-          <a:xfrm>
-            <a:off x="457200" y="1600200"/>
-            <a:ext cx="7620000" cy="5102578"/>
-          </a:xfrm>
-        </p:spPr>
-        <p:txBody>
-          <a:bodyPr>
-            <a:normAutofit fontScale="85000" lnSpcReduction="10000"/>
-          </a:bodyPr>
-          <a:lstStyle/>
-          <a:p>
-            <a:r>
-              <a:rPr lang="es-ES" cap="small" dirty="0"/>
-              <a:t>Alvar</a:t>
-            </a:r>
-            <a:r>
-              <a:rPr lang="es-ES" dirty="0"/>
-              <a:t>, M. (1996). </a:t>
-            </a:r>
-            <a:r>
-              <a:rPr lang="es-ES" i="1" dirty="0"/>
-              <a:t>Manual de dialectología hispánica</a:t>
-            </a:r>
-            <a:r>
-              <a:rPr lang="es-ES" dirty="0"/>
-              <a:t>.  </a:t>
-            </a:r>
-            <a:r>
-              <a:rPr lang="en-US" dirty="0"/>
-              <a:t>Barcelona: Ariel. </a:t>
-            </a:r>
-          </a:p>
-          <a:p>
-            <a:r>
-              <a:rPr lang="en-US" cap="small" dirty="0"/>
-              <a:t>Boersma, P. </a:t>
-            </a:r>
-            <a:r>
-              <a:rPr lang="en-US" dirty="0"/>
-              <a:t>and</a:t>
-            </a:r>
-            <a:r>
-              <a:rPr lang="en-US" cap="small" dirty="0"/>
-              <a:t> Hayes, B</a:t>
-            </a:r>
-            <a:r>
-              <a:rPr lang="en-US" dirty="0"/>
-              <a:t>. 2001.  Empirical tests of the Gradual Learning Algorithm. </a:t>
-            </a:r>
-            <a:r>
-              <a:rPr lang="en-US" i="1" dirty="0"/>
-              <a:t>Linguistic Inquiry</a:t>
-            </a:r>
-            <a:r>
-              <a:rPr lang="en-US" dirty="0"/>
-              <a:t> 32. 45-86.</a:t>
-            </a:r>
-          </a:p>
-          <a:p>
-            <a:r>
-              <a:rPr lang="en-US" cap="small" dirty="0"/>
-              <a:t>Boersma</a:t>
-            </a:r>
-            <a:r>
-              <a:rPr lang="en-US" dirty="0"/>
-              <a:t>, P. &amp; </a:t>
-            </a:r>
-            <a:r>
-              <a:rPr lang="en-US" cap="small" dirty="0" err="1"/>
-              <a:t>Weenink</a:t>
-            </a:r>
-            <a:r>
-              <a:rPr lang="en-US" dirty="0"/>
-              <a:t>, D. (2018). </a:t>
-            </a:r>
-            <a:r>
-              <a:rPr lang="en-US" i="1" dirty="0" err="1"/>
-              <a:t>Praat</a:t>
-            </a:r>
-            <a:r>
-              <a:rPr lang="en-US" i="1" dirty="0"/>
-              <a:t>: doing phonetics by computer</a:t>
-            </a:r>
-            <a:r>
-              <a:rPr lang="en-US" dirty="0"/>
-              <a:t>. Version 6.0.39, retrieved 3 April 2018 from http://</a:t>
-            </a:r>
-            <a:r>
-              <a:rPr lang="en-US" dirty="0" err="1"/>
-              <a:t>www.praat.org</a:t>
-            </a:r>
-            <a:r>
-              <a:rPr lang="en-US" dirty="0"/>
-              <a:t>/.</a:t>
-            </a:r>
-          </a:p>
-          <a:p>
-            <a:r>
-              <a:rPr lang="en-US" cap="small" dirty="0"/>
-              <a:t>Canfield</a:t>
-            </a:r>
-            <a:r>
-              <a:rPr lang="en-US" dirty="0"/>
-              <a:t>, L. (1981).  </a:t>
-            </a:r>
-            <a:r>
-              <a:rPr lang="en-US" i="1" dirty="0"/>
-              <a:t>Spanish Pronunciation in the Americas</a:t>
-            </a:r>
-            <a:r>
-              <a:rPr lang="en-US" dirty="0"/>
-              <a:t>.  Chicago: U. of Chicago P. </a:t>
-            </a:r>
-          </a:p>
-          <a:p>
-            <a:r>
-              <a:rPr lang="en-US" cap="small" dirty="0" err="1"/>
-              <a:t>Colina</a:t>
-            </a:r>
-            <a:r>
-              <a:rPr lang="en-US" dirty="0"/>
-              <a:t>, S. (2009). </a:t>
-            </a:r>
-            <a:r>
-              <a:rPr lang="en-US" i="1" dirty="0"/>
-              <a:t>Spanish Phonology: A syllabic perspective</a:t>
-            </a:r>
-            <a:r>
-              <a:rPr lang="en-US" dirty="0"/>
-              <a:t>. Washington, DC: GUP. </a:t>
-            </a:r>
-          </a:p>
-          <a:p>
-            <a:r>
-              <a:rPr lang="en-US" cap="small" dirty="0"/>
-              <a:t>Harris</a:t>
-            </a:r>
-            <a:r>
-              <a:rPr lang="en-US" dirty="0"/>
-              <a:t>, J. W. (1983). </a:t>
-            </a:r>
-            <a:r>
-              <a:rPr lang="en-US" i="1" dirty="0"/>
-              <a:t>Syllable structure and stress in Spanish</a:t>
-            </a:r>
-            <a:r>
-              <a:rPr lang="en-US" dirty="0"/>
-              <a:t>. Cambridge, MA; MIT Press.</a:t>
-            </a:r>
-          </a:p>
-          <a:p>
-            <a:r>
-              <a:rPr lang="en-US" cap="small" dirty="0"/>
-              <a:t>Harris, J. W.  </a:t>
-            </a:r>
-            <a:r>
-              <a:rPr lang="en-US" dirty="0"/>
-              <a:t>and</a:t>
-            </a:r>
-            <a:r>
-              <a:rPr lang="en-US" cap="small" dirty="0"/>
-              <a:t> E. M. </a:t>
-            </a:r>
-            <a:r>
-              <a:rPr lang="en-US" cap="small" dirty="0" err="1"/>
-              <a:t>Kaisse</a:t>
-            </a:r>
-            <a:r>
-              <a:rPr lang="en-US" dirty="0"/>
-              <a:t>. (1999). Palatal vowels, glides, and </a:t>
-            </a:r>
-            <a:r>
-              <a:rPr lang="en-US" dirty="0" err="1"/>
-              <a:t>obstruents</a:t>
-            </a:r>
-            <a:r>
-              <a:rPr lang="en-US" dirty="0"/>
-              <a:t> in Argentinian Spanish. </a:t>
-            </a:r>
-            <a:r>
-              <a:rPr lang="en-US" i="1" dirty="0"/>
-              <a:t>Phonology</a:t>
-            </a:r>
-            <a:r>
-              <a:rPr lang="en-US" dirty="0"/>
-              <a:t> 16.117-190.</a:t>
-            </a:r>
-          </a:p>
-          <a:p>
-            <a:r>
-              <a:rPr lang="en-US" cap="small" dirty="0" err="1"/>
-              <a:t>Hualde</a:t>
-            </a:r>
-            <a:r>
-              <a:rPr lang="en-US" dirty="0"/>
-              <a:t>, J. I. (2005). </a:t>
-            </a:r>
-            <a:r>
-              <a:rPr lang="en-US" i="1" dirty="0"/>
-              <a:t>The Sounds of Spanish</a:t>
-            </a:r>
-            <a:r>
-              <a:rPr lang="en-US" dirty="0"/>
-              <a:t>. </a:t>
-            </a:r>
-            <a:r>
-              <a:rPr lang="es-ES" dirty="0"/>
-              <a:t>Cambridge, UK: CUP. </a:t>
-            </a:r>
-            <a:endParaRPr lang="en-US" dirty="0"/>
-          </a:p>
-          <a:p>
-            <a:r>
-              <a:rPr lang="es-ES" cap="small" dirty="0" err="1"/>
-              <a:t>Hualde</a:t>
-            </a:r>
-            <a:r>
-              <a:rPr lang="es-ES" dirty="0"/>
-              <a:t>, J.I. (2014) La </a:t>
-            </a:r>
-            <a:r>
-              <a:rPr lang="es-ES" dirty="0" err="1"/>
-              <a:t>silabificación</a:t>
-            </a:r>
-            <a:r>
-              <a:rPr lang="es-ES" dirty="0"/>
-              <a:t> en español. In </a:t>
-            </a:r>
-            <a:r>
-              <a:rPr lang="es-ES" cap="small" dirty="0"/>
-              <a:t>Núñez-Cedeño</a:t>
-            </a:r>
-            <a:r>
-              <a:rPr lang="es-ES" dirty="0"/>
-              <a:t>, et al. (Eds.). (2014). </a:t>
-            </a:r>
-            <a:r>
-              <a:rPr lang="es-ES" i="1" dirty="0"/>
-              <a:t>Fonología generativa contemporánea de la lengua española</a:t>
-            </a:r>
-            <a:r>
-              <a:rPr lang="es-ES" dirty="0"/>
-              <a:t>. </a:t>
-            </a:r>
-            <a:r>
-              <a:rPr lang="en-US" dirty="0"/>
-              <a:t>Washington, DC: Georgetown UP, pp. 195-215.</a:t>
-            </a:r>
-          </a:p>
-          <a:p>
-            <a:pPr marL="114300" indent="0">
-              <a:buNone/>
-            </a:pPr>
-            <a:endParaRPr lang="en-US" dirty="0"/>
-          </a:p>
-          <a:p>
-            <a:endParaRPr lang="en-US" dirty="0"/>
-          </a:p>
-        </p:txBody>
-      </p:sp>
-    </p:spTree>
-    <p:extLst>
-      <p:ext uri="{BB962C8B-B14F-4D97-AF65-F5344CB8AC3E}">
-        <p14:creationId xmlns:p14="http://schemas.microsoft.com/office/powerpoint/2010/main" val="1953993528"/>
+        <p14:creationId xmlns:p14="http://schemas.microsoft.com/office/powerpoint/2010/main" val="1682197105"/>
       </p:ext>
     </p:extLst>
   </p:cSld>
@@ -8075,7 +9070,7 @@
           <p:cNvPr id="2" name="Title 1">
             <a:extLst>
               <a:ext uri="{FF2B5EF4-FFF2-40B4-BE49-F238E27FC236}">
-                <a16:creationId xmlns:a16="http://schemas.microsoft.com/office/drawing/2014/main" id="{A07010FC-4E57-DB4A-AE74-BB164736ED48}"/>
+                <a16:creationId xmlns:a16="http://schemas.microsoft.com/office/drawing/2014/main" xmlns="" id="{A07010FC-4E57-DB4A-AE74-BB164736ED48}"/>
               </a:ext>
             </a:extLst>
           </p:cNvPr>
@@ -8103,7 +9098,7 @@
           <p:cNvPr id="3" name="Content Placeholder 2">
             <a:extLst>
               <a:ext uri="{FF2B5EF4-FFF2-40B4-BE49-F238E27FC236}">
-                <a16:creationId xmlns:a16="http://schemas.microsoft.com/office/drawing/2014/main" id="{16E71D18-0184-8E49-B2DD-4AC61CABB8F7}"/>
+                <a16:creationId xmlns:a16="http://schemas.microsoft.com/office/drawing/2014/main" xmlns="" id="{16E71D18-0184-8E49-B2DD-4AC61CABB8F7}"/>
               </a:ext>
             </a:extLst>
           </p:cNvPr>
@@ -8138,7 +9133,7 @@
           <p:cNvPr id="27" name="Content Placeholder 26">
             <a:extLst>
               <a:ext uri="{FF2B5EF4-FFF2-40B4-BE49-F238E27FC236}">
-                <a16:creationId xmlns:a16="http://schemas.microsoft.com/office/drawing/2014/main" id="{D2063125-9A3E-4441-BD2E-7ECF40AA8583}"/>
+                <a16:creationId xmlns:a16="http://schemas.microsoft.com/office/drawing/2014/main" xmlns="" id="{D2063125-9A3E-4441-BD2E-7ECF40AA8583}"/>
               </a:ext>
             </a:extLst>
           </p:cNvPr>
@@ -8173,7 +9168,7 @@
           <p:cNvPr id="24" name="TextBox 23">
             <a:extLst>
               <a:ext uri="{FF2B5EF4-FFF2-40B4-BE49-F238E27FC236}">
-                <a16:creationId xmlns:a16="http://schemas.microsoft.com/office/drawing/2014/main" id="{37DBAD5E-8726-834E-B8EF-F21E7CBEA464}"/>
+                <a16:creationId xmlns:a16="http://schemas.microsoft.com/office/drawing/2014/main" xmlns="" id="{37DBAD5E-8726-834E-B8EF-F21E7CBEA464}"/>
               </a:ext>
             </a:extLst>
           </p:cNvPr>
@@ -8243,7 +9238,7 @@
           <p:cNvPr id="29" name="Picture 28">
             <a:extLst>
               <a:ext uri="{FF2B5EF4-FFF2-40B4-BE49-F238E27FC236}">
-                <a16:creationId xmlns:a16="http://schemas.microsoft.com/office/drawing/2014/main" id="{05786AA7-A6D4-C540-A3E5-537391730D62}"/>
+                <a16:creationId xmlns:a16="http://schemas.microsoft.com/office/drawing/2014/main" xmlns="" id="{05786AA7-A6D4-C540-A3E5-537391730D62}"/>
               </a:ext>
             </a:extLst>
           </p:cNvPr>
@@ -8274,6 +9269,36 @@
           </a:prstGeom>
         </p:spPr>
       </p:pic>
+      <p:sp>
+        <p:nvSpPr>
+          <p:cNvPr id="4" name="Slide Number Placeholder 3">
+            <a:extLst>
+              <a:ext uri="{FF2B5EF4-FFF2-40B4-BE49-F238E27FC236}">
+                <a16:creationId xmlns:a16="http://schemas.microsoft.com/office/drawing/2014/main" xmlns="" id="{D61CF472-D4DB-984F-9321-FFA8E22F1440}"/>
+              </a:ext>
+            </a:extLst>
+          </p:cNvPr>
+          <p:cNvSpPr>
+            <a:spLocks noGrp="1"/>
+          </p:cNvSpPr>
+          <p:nvPr>
+            <p:ph type="sldNum" sz="quarter" idx="12"/>
+          </p:nvPr>
+        </p:nvSpPr>
+        <p:spPr/>
+        <p:txBody>
+          <a:bodyPr/>
+          <a:lstStyle/>
+          <a:p>
+            <a:fld id="{6E2D2B3B-882E-40F3-A32F-6DD516915044}" type="slidenum">
+              <a:rPr lang="en-US" smtClean="0"/>
+              <a:pPr/>
+              <a:t>3</a:t>
+            </a:fld>
+            <a:endParaRPr lang="en-US"/>
+          </a:p>
+        </p:txBody>
+      </p:sp>
     </p:spTree>
     <p:extLst>
       <p:ext uri="{BB962C8B-B14F-4D97-AF65-F5344CB8AC3E}">
@@ -8292,9 +9317,24 @@
   <p:cSld>
     <p:bg>
       <p:bgPr>
-        <a:solidFill>
-          <a:schemeClr val="bg1"/>
-        </a:solidFill>
+        <a:gradFill>
+          <a:gsLst>
+            <a:gs pos="0">
+              <a:schemeClr val="bg1">
+                <a:tint val="90000"/>
+              </a:schemeClr>
+            </a:gs>
+            <a:gs pos="0">
+              <a:schemeClr val="bg1">
+                <a:shade val="100000"/>
+                <a:satMod val="115000"/>
+              </a:schemeClr>
+            </a:gs>
+          </a:gsLst>
+          <a:path path="circle">
+            <a:fillToRect l="20000" t="50000" r="100000" b="50000"/>
+          </a:path>
+        </a:gradFill>
         <a:effectLst/>
       </p:bgPr>
     </p:bg>
@@ -8342,10 +9382,40 @@
           </a:prstGeom>
         </p:spPr>
       </p:pic>
+      <p:sp>
+        <p:nvSpPr>
+          <p:cNvPr id="3" name="Slide Number Placeholder 2">
+            <a:extLst>
+              <a:ext uri="{FF2B5EF4-FFF2-40B4-BE49-F238E27FC236}">
+                <a16:creationId xmlns:a16="http://schemas.microsoft.com/office/drawing/2014/main" xmlns="" id="{EE779AD6-1F67-7549-87FB-FD81024F6788}"/>
+              </a:ext>
+            </a:extLst>
+          </p:cNvPr>
+          <p:cNvSpPr>
+            <a:spLocks noGrp="1"/>
+          </p:cNvSpPr>
+          <p:nvPr>
+            <p:ph type="sldNum" sz="quarter" idx="12"/>
+          </p:nvPr>
+        </p:nvSpPr>
+        <p:spPr/>
+        <p:txBody>
+          <a:bodyPr/>
+          <a:lstStyle/>
+          <a:p>
+            <a:fld id="{6E2D2B3B-882E-40F3-A32F-6DD516915044}" type="slidenum">
+              <a:rPr lang="en-US" smtClean="0"/>
+              <a:pPr/>
+              <a:t>30</a:t>
+            </a:fld>
+            <a:endParaRPr lang="en-US"/>
+          </a:p>
+        </p:txBody>
+      </p:sp>
     </p:spTree>
     <p:extLst>
       <p:ext uri="{BB962C8B-B14F-4D97-AF65-F5344CB8AC3E}">
-        <p14:creationId xmlns:p14="http://schemas.microsoft.com/office/powerpoint/2010/main" val="1682197105"/>
+        <p14:creationId xmlns:p14="http://schemas.microsoft.com/office/powerpoint/2010/main" val="313231293"/>
       </p:ext>
     </p:extLst>
   </p:cSld>
@@ -8377,7 +9447,7 @@
           <p:cNvPr id="2" name="Title 1">
             <a:extLst>
               <a:ext uri="{FF2B5EF4-FFF2-40B4-BE49-F238E27FC236}">
-                <a16:creationId xmlns:a16="http://schemas.microsoft.com/office/drawing/2014/main" id="{A07010FC-4E57-DB4A-AE74-BB164736ED48}"/>
+                <a16:creationId xmlns:a16="http://schemas.microsoft.com/office/drawing/2014/main" xmlns="" id="{A07010FC-4E57-DB4A-AE74-BB164736ED48}"/>
               </a:ext>
             </a:extLst>
           </p:cNvPr>
@@ -8405,7 +9475,7 @@
           <p:cNvPr id="3" name="Content Placeholder 2">
             <a:extLst>
               <a:ext uri="{FF2B5EF4-FFF2-40B4-BE49-F238E27FC236}">
-                <a16:creationId xmlns:a16="http://schemas.microsoft.com/office/drawing/2014/main" id="{16E71D18-0184-8E49-B2DD-4AC61CABB8F7}"/>
+                <a16:creationId xmlns:a16="http://schemas.microsoft.com/office/drawing/2014/main" xmlns="" id="{16E71D18-0184-8E49-B2DD-4AC61CABB8F7}"/>
               </a:ext>
             </a:extLst>
           </p:cNvPr>
@@ -8518,7 +9588,7 @@
           <p:cNvPr id="7" name="Picture 6">
             <a:extLst>
               <a:ext uri="{FF2B5EF4-FFF2-40B4-BE49-F238E27FC236}">
-                <a16:creationId xmlns:a16="http://schemas.microsoft.com/office/drawing/2014/main" id="{A1F2D7A7-65CB-2D48-B04A-968935368B24}"/>
+                <a16:creationId xmlns:a16="http://schemas.microsoft.com/office/drawing/2014/main" xmlns="" id="{A1F2D7A7-65CB-2D48-B04A-968935368B24}"/>
               </a:ext>
             </a:extLst>
           </p:cNvPr>
@@ -8549,6 +9619,36 @@
           </a:prstGeom>
         </p:spPr>
       </p:pic>
+      <p:sp>
+        <p:nvSpPr>
+          <p:cNvPr id="4" name="Slide Number Placeholder 3">
+            <a:extLst>
+              <a:ext uri="{FF2B5EF4-FFF2-40B4-BE49-F238E27FC236}">
+                <a16:creationId xmlns:a16="http://schemas.microsoft.com/office/drawing/2014/main" xmlns="" id="{D428549C-C500-E34B-8AA0-7AE009F4593A}"/>
+              </a:ext>
+            </a:extLst>
+          </p:cNvPr>
+          <p:cNvSpPr>
+            <a:spLocks noGrp="1"/>
+          </p:cNvSpPr>
+          <p:nvPr>
+            <p:ph type="sldNum" sz="quarter" idx="12"/>
+          </p:nvPr>
+        </p:nvSpPr>
+        <p:spPr/>
+        <p:txBody>
+          <a:bodyPr/>
+          <a:lstStyle/>
+          <a:p>
+            <a:fld id="{6E2D2B3B-882E-40F3-A32F-6DD516915044}" type="slidenum">
+              <a:rPr lang="en-US" smtClean="0"/>
+              <a:pPr/>
+              <a:t>4</a:t>
+            </a:fld>
+            <a:endParaRPr lang="en-US"/>
+          </a:p>
+        </p:txBody>
+      </p:sp>
     </p:spTree>
     <p:extLst>
       <p:ext uri="{BB962C8B-B14F-4D97-AF65-F5344CB8AC3E}">
@@ -8584,7 +9684,7 @@
           <p:cNvPr id="2" name="Title 1">
             <a:extLst>
               <a:ext uri="{FF2B5EF4-FFF2-40B4-BE49-F238E27FC236}">
-                <a16:creationId xmlns:a16="http://schemas.microsoft.com/office/drawing/2014/main" id="{A07010FC-4E57-DB4A-AE74-BB164736ED48}"/>
+                <a16:creationId xmlns:a16="http://schemas.microsoft.com/office/drawing/2014/main" xmlns="" id="{A07010FC-4E57-DB4A-AE74-BB164736ED48}"/>
               </a:ext>
             </a:extLst>
           </p:cNvPr>
@@ -8612,7 +9712,7 @@
           <p:cNvPr id="3" name="Content Placeholder 2">
             <a:extLst>
               <a:ext uri="{FF2B5EF4-FFF2-40B4-BE49-F238E27FC236}">
-                <a16:creationId xmlns:a16="http://schemas.microsoft.com/office/drawing/2014/main" id="{16E71D18-0184-8E49-B2DD-4AC61CABB8F7}"/>
+                <a16:creationId xmlns:a16="http://schemas.microsoft.com/office/drawing/2014/main" xmlns="" id="{16E71D18-0184-8E49-B2DD-4AC61CABB8F7}"/>
               </a:ext>
             </a:extLst>
           </p:cNvPr>
@@ -8699,6 +9799,36 @@
               <a:rPr lang="en-US" dirty="0"/>
               <a:t> 2009). </a:t>
             </a:r>
+          </a:p>
+        </p:txBody>
+      </p:sp>
+      <p:sp>
+        <p:nvSpPr>
+          <p:cNvPr id="4" name="Slide Number Placeholder 3">
+            <a:extLst>
+              <a:ext uri="{FF2B5EF4-FFF2-40B4-BE49-F238E27FC236}">
+                <a16:creationId xmlns:a16="http://schemas.microsoft.com/office/drawing/2014/main" xmlns="" id="{C97C819D-8E09-4D49-8099-54273887FD86}"/>
+              </a:ext>
+            </a:extLst>
+          </p:cNvPr>
+          <p:cNvSpPr>
+            <a:spLocks noGrp="1"/>
+          </p:cNvSpPr>
+          <p:nvPr>
+            <p:ph type="sldNum" sz="quarter" idx="12"/>
+          </p:nvPr>
+        </p:nvSpPr>
+        <p:spPr/>
+        <p:txBody>
+          <a:bodyPr/>
+          <a:lstStyle/>
+          <a:p>
+            <a:fld id="{6E2D2B3B-882E-40F3-A32F-6DD516915044}" type="slidenum">
+              <a:rPr lang="en-US" smtClean="0"/>
+              <a:pPr/>
+              <a:t>5</a:t>
+            </a:fld>
+            <a:endParaRPr lang="en-US"/>
           </a:p>
         </p:txBody>
       </p:sp>
@@ -8737,7 +9867,7 @@
           <p:cNvPr id="2" name="Title 1">
             <a:extLst>
               <a:ext uri="{FF2B5EF4-FFF2-40B4-BE49-F238E27FC236}">
-                <a16:creationId xmlns:a16="http://schemas.microsoft.com/office/drawing/2014/main" id="{7F87B78A-232D-2847-A7AA-AFD7AA805FF4}"/>
+                <a16:creationId xmlns:a16="http://schemas.microsoft.com/office/drawing/2014/main" xmlns="" id="{7F87B78A-232D-2847-A7AA-AFD7AA805FF4}"/>
               </a:ext>
             </a:extLst>
           </p:cNvPr>
@@ -8765,7 +9895,7 @@
           <p:cNvPr id="3" name="Content Placeholder 2">
             <a:extLst>
               <a:ext uri="{FF2B5EF4-FFF2-40B4-BE49-F238E27FC236}">
-                <a16:creationId xmlns:a16="http://schemas.microsoft.com/office/drawing/2014/main" id="{87783A97-661D-C34A-A6B5-11F57DC14336}"/>
+                <a16:creationId xmlns:a16="http://schemas.microsoft.com/office/drawing/2014/main" xmlns="" id="{87783A97-661D-C34A-A6B5-11F57DC14336}"/>
               </a:ext>
             </a:extLst>
           </p:cNvPr>
@@ -8839,6 +9969,36 @@
               <a:rPr lang="en-US" dirty="0"/>
               <a:t>] (i.e. an onset cluster), rather than in the nucleus [ja]. </a:t>
             </a:r>
+          </a:p>
+        </p:txBody>
+      </p:sp>
+      <p:sp>
+        <p:nvSpPr>
+          <p:cNvPr id="4" name="Slide Number Placeholder 3">
+            <a:extLst>
+              <a:ext uri="{FF2B5EF4-FFF2-40B4-BE49-F238E27FC236}">
+                <a16:creationId xmlns:a16="http://schemas.microsoft.com/office/drawing/2014/main" xmlns="" id="{DA3F9E6F-3795-8342-BE01-F947715581B7}"/>
+              </a:ext>
+            </a:extLst>
+          </p:cNvPr>
+          <p:cNvSpPr>
+            <a:spLocks noGrp="1"/>
+          </p:cNvSpPr>
+          <p:nvPr>
+            <p:ph type="sldNum" sz="quarter" idx="12"/>
+          </p:nvPr>
+        </p:nvSpPr>
+        <p:spPr/>
+        <p:txBody>
+          <a:bodyPr/>
+          <a:lstStyle/>
+          <a:p>
+            <a:fld id="{6E2D2B3B-882E-40F3-A32F-6DD516915044}" type="slidenum">
+              <a:rPr lang="en-US" smtClean="0"/>
+              <a:pPr/>
+              <a:t>6</a:t>
+            </a:fld>
+            <a:endParaRPr lang="en-US"/>
           </a:p>
         </p:txBody>
       </p:sp>
@@ -8877,7 +10037,7 @@
           <p:cNvPr id="2" name="Title 1">
             <a:extLst>
               <a:ext uri="{FF2B5EF4-FFF2-40B4-BE49-F238E27FC236}">
-                <a16:creationId xmlns:a16="http://schemas.microsoft.com/office/drawing/2014/main" id="{7F87B78A-232D-2847-A7AA-AFD7AA805FF4}"/>
+                <a16:creationId xmlns:a16="http://schemas.microsoft.com/office/drawing/2014/main" xmlns="" id="{7F87B78A-232D-2847-A7AA-AFD7AA805FF4}"/>
               </a:ext>
             </a:extLst>
           </p:cNvPr>
@@ -8905,7 +10065,7 @@
           <p:cNvPr id="3" name="Content Placeholder 2">
             <a:extLst>
               <a:ext uri="{FF2B5EF4-FFF2-40B4-BE49-F238E27FC236}">
-                <a16:creationId xmlns:a16="http://schemas.microsoft.com/office/drawing/2014/main" id="{87783A97-661D-C34A-A6B5-11F57DC14336}"/>
+                <a16:creationId xmlns:a16="http://schemas.microsoft.com/office/drawing/2014/main" xmlns="" id="{87783A97-661D-C34A-A6B5-11F57DC14336}"/>
               </a:ext>
             </a:extLst>
           </p:cNvPr>
@@ -8923,7 +10083,7 @@
           <a:p>
             <a:r>
               <a:rPr lang="en-US" dirty="0"/>
-              <a:t>Q1: Is a postconsonantal, prevocalic glide parsed as the second segment of a complex onset in Sonoran Spanish?</a:t>
+              <a:t>RQ1: Is a postconsonantal, prevocalic glide parsed as the second segment of a complex onset in Sonoran Spanish?</a:t>
             </a:r>
           </a:p>
           <a:p>
@@ -8935,8 +10095,38 @@
           <a:p>
             <a:r>
               <a:rPr lang="en-US" dirty="0"/>
-              <a:t>Q2: In more general terms, the question is: are Spanish prevocalic glides always part of a complex nucleus (preceding a full vowel, in a diphthong) or can the glide be parsed in the onset in some dialects?</a:t>
-            </a:r>
+              <a:t>RQ2: In more general terms, the question is: are Spanish prevocalic glides always part of a complex nucleus (preceding a full vowel, in a diphthong) or can the glide be parsed in the onset in some dialects?</a:t>
+            </a:r>
+          </a:p>
+        </p:txBody>
+      </p:sp>
+      <p:sp>
+        <p:nvSpPr>
+          <p:cNvPr id="4" name="Slide Number Placeholder 3">
+            <a:extLst>
+              <a:ext uri="{FF2B5EF4-FFF2-40B4-BE49-F238E27FC236}">
+                <a16:creationId xmlns:a16="http://schemas.microsoft.com/office/drawing/2014/main" xmlns="" id="{9E88E031-60C4-D142-BC5A-CB17B53E0779}"/>
+              </a:ext>
+            </a:extLst>
+          </p:cNvPr>
+          <p:cNvSpPr>
+            <a:spLocks noGrp="1"/>
+          </p:cNvSpPr>
+          <p:nvPr>
+            <p:ph type="sldNum" sz="quarter" idx="12"/>
+          </p:nvPr>
+        </p:nvSpPr>
+        <p:spPr/>
+        <p:txBody>
+          <a:bodyPr/>
+          <a:lstStyle/>
+          <a:p>
+            <a:fld id="{6E2D2B3B-882E-40F3-A32F-6DD516915044}" type="slidenum">
+              <a:rPr lang="en-US" smtClean="0"/>
+              <a:pPr/>
+              <a:t>7</a:t>
+            </a:fld>
+            <a:endParaRPr lang="en-US"/>
           </a:p>
         </p:txBody>
       </p:sp>
@@ -8975,7 +10165,7 @@
           <p:cNvPr id="2" name="Title 1">
             <a:extLst>
               <a:ext uri="{FF2B5EF4-FFF2-40B4-BE49-F238E27FC236}">
-                <a16:creationId xmlns:a16="http://schemas.microsoft.com/office/drawing/2014/main" id="{D45FBAD9-A6F8-2445-A34C-CB0DFE2F2A3E}"/>
+                <a16:creationId xmlns:a16="http://schemas.microsoft.com/office/drawing/2014/main" xmlns="" id="{D45FBAD9-A6F8-2445-A34C-CB0DFE2F2A3E}"/>
               </a:ext>
             </a:extLst>
           </p:cNvPr>
@@ -9003,7 +10193,7 @@
           <p:cNvPr id="3" name="Content Placeholder 2">
             <a:extLst>
               <a:ext uri="{FF2B5EF4-FFF2-40B4-BE49-F238E27FC236}">
-                <a16:creationId xmlns:a16="http://schemas.microsoft.com/office/drawing/2014/main" id="{E2A13F4D-2C12-9242-B657-F4F8E7140D18}"/>
+                <a16:creationId xmlns:a16="http://schemas.microsoft.com/office/drawing/2014/main" xmlns="" id="{E2A13F4D-2C12-9242-B657-F4F8E7140D18}"/>
               </a:ext>
             </a:extLst>
           </p:cNvPr>
@@ -9150,6 +10340,36 @@
           </a:p>
           <a:p>
             <a:endParaRPr lang="en-US" dirty="0"/>
+          </a:p>
+        </p:txBody>
+      </p:sp>
+      <p:sp>
+        <p:nvSpPr>
+          <p:cNvPr id="4" name="Slide Number Placeholder 3">
+            <a:extLst>
+              <a:ext uri="{FF2B5EF4-FFF2-40B4-BE49-F238E27FC236}">
+                <a16:creationId xmlns:a16="http://schemas.microsoft.com/office/drawing/2014/main" xmlns="" id="{DBC15AD2-913E-7E46-BD56-A91B4C5E0313}"/>
+              </a:ext>
+            </a:extLst>
+          </p:cNvPr>
+          <p:cNvSpPr>
+            <a:spLocks noGrp="1"/>
+          </p:cNvSpPr>
+          <p:nvPr>
+            <p:ph type="sldNum" sz="quarter" idx="12"/>
+          </p:nvPr>
+        </p:nvSpPr>
+        <p:spPr/>
+        <p:txBody>
+          <a:bodyPr/>
+          <a:lstStyle/>
+          <a:p>
+            <a:fld id="{6E2D2B3B-882E-40F3-A32F-6DD516915044}" type="slidenum">
+              <a:rPr lang="en-US" smtClean="0"/>
+              <a:pPr/>
+              <a:t>8</a:t>
+            </a:fld>
+            <a:endParaRPr lang="en-US"/>
           </a:p>
         </p:txBody>
       </p:sp>
@@ -9188,7 +10408,7 @@
           <p:cNvPr id="2" name="Title 1">
             <a:extLst>
               <a:ext uri="{FF2B5EF4-FFF2-40B4-BE49-F238E27FC236}">
-                <a16:creationId xmlns:a16="http://schemas.microsoft.com/office/drawing/2014/main" id="{6CCAD466-EE8C-0B4E-B0DF-08BF74C467A5}"/>
+                <a16:creationId xmlns:a16="http://schemas.microsoft.com/office/drawing/2014/main" xmlns="" id="{6CCAD466-EE8C-0B4E-B0DF-08BF74C467A5}"/>
               </a:ext>
             </a:extLst>
           </p:cNvPr>
@@ -9216,7 +10436,7 @@
           <p:cNvPr id="3" name="Content Placeholder 2">
             <a:extLst>
               <a:ext uri="{FF2B5EF4-FFF2-40B4-BE49-F238E27FC236}">
-                <a16:creationId xmlns:a16="http://schemas.microsoft.com/office/drawing/2014/main" id="{E1802F1D-6C4A-BA4F-AFEA-EF28322B2A17}"/>
+                <a16:creationId xmlns:a16="http://schemas.microsoft.com/office/drawing/2014/main" xmlns="" id="{E1802F1D-6C4A-BA4F-AFEA-EF28322B2A17}"/>
               </a:ext>
             </a:extLst>
           </p:cNvPr>
@@ -9234,14 +10454,29 @@
           <a:p>
             <a:r>
               <a:rPr lang="en-US" dirty="0"/>
-              <a:t>Oral data</a:t>
-            </a:r>
-          </a:p>
-          <a:p>
-            <a:r>
-              <a:rPr lang="en-US" dirty="0"/>
-              <a:t>10 speakers of Sonoran Mexican Spanish (limited English proficiency) </a:t>
-            </a:r>
+              <a:t>Oral recorded data</a:t>
+            </a:r>
+          </a:p>
+          <a:p>
+            <a:r>
+              <a:rPr lang="en-US" dirty="0"/>
+              <a:t>10 speakers of Sonoran Mexican Spanish, 18-25 years old</a:t>
+            </a:r>
+            <a:r>
+              <a:rPr lang="en-US" dirty="0" smtClean="0"/>
+              <a:t>.</a:t>
+            </a:r>
+          </a:p>
+          <a:p>
+            <a:r>
+              <a:rPr lang="en-US" dirty="0"/>
+              <a:t>Recordings took place in a sound isolated booth using a Shure SM10A Head mounted </a:t>
+            </a:r>
+            <a:r>
+              <a:rPr lang="en-US" dirty="0" smtClean="0"/>
+              <a:t>microphone</a:t>
+            </a:r>
+            <a:endParaRPr lang="en-US" dirty="0"/>
           </a:p>
           <a:p>
             <a:r>
@@ -9287,8 +10522,35 @@
               <a:t>Stimuli:  a total of 21 nonce words (alongside 21 fillers) with a C+G+V sequence </a:t>
             </a:r>
           </a:p>
-          <a:p>
-            <a:endParaRPr lang="en-US" dirty="0"/>
+        </p:txBody>
+      </p:sp>
+      <p:sp>
+        <p:nvSpPr>
+          <p:cNvPr id="4" name="Slide Number Placeholder 3">
+            <a:extLst>
+              <a:ext uri="{FF2B5EF4-FFF2-40B4-BE49-F238E27FC236}">
+                <a16:creationId xmlns:a16="http://schemas.microsoft.com/office/drawing/2014/main" xmlns="" id="{E907EBA4-3932-DC44-B1DA-3271BCADC4BD}"/>
+              </a:ext>
+            </a:extLst>
+          </p:cNvPr>
+          <p:cNvSpPr>
+            <a:spLocks noGrp="1"/>
+          </p:cNvSpPr>
+          <p:nvPr>
+            <p:ph type="sldNum" sz="quarter" idx="12"/>
+          </p:nvPr>
+        </p:nvSpPr>
+        <p:spPr/>
+        <p:txBody>
+          <a:bodyPr/>
+          <a:lstStyle/>
+          <a:p>
+            <a:fld id="{6E2D2B3B-882E-40F3-A32F-6DD516915044}" type="slidenum">
+              <a:rPr lang="en-US" smtClean="0"/>
+              <a:pPr/>
+              <a:t>9</a:t>
+            </a:fld>
+            <a:endParaRPr lang="en-US"/>
           </a:p>
         </p:txBody>
       </p:sp>

--- a/Colina, Casillas & Díaz HLS 2018.pptx
+++ b/Colina, Casillas & Díaz HLS 2018.pptx
@@ -248,7 +248,7 @@
           <a:p>
             <a:fld id="{F7A997DC-2566-1F49-938B-F7FAC7252CD3}" type="datetimeFigureOut">
               <a:rPr lang="en-US" smtClean="0"/>
-              <a:t>10/25/18</a:t>
+              <a:t>10/26/18</a:t>
             </a:fld>
             <a:endParaRPr lang="en-US"/>
           </a:p>
@@ -413,7 +413,7 @@
           <a:p>
             <a:fld id="{52DA3CF6-9E1E-1346-B10E-CF7AE5F98066}" type="datetimeFigureOut">
               <a:rPr lang="en-US" smtClean="0"/>
-              <a:t>10/25/18</a:t>
+              <a:t>10/26/18</a:t>
             </a:fld>
             <a:endParaRPr lang="es-ES_tradnl"/>
           </a:p>
@@ -736,15 +736,7 @@
           <a:p>
             <a:r>
               <a:rPr lang="en-US" baseline="0" dirty="0"/>
-              <a:t>First, how do participants syllabify the </a:t>
-            </a:r>
-            <a:r>
-              <a:rPr lang="en-US" baseline="0" dirty="0" err="1"/>
-              <a:t>nonse</a:t>
-            </a:r>
-            <a:r>
-              <a:rPr lang="en-US" baseline="0" dirty="0"/>
-              <a:t> words? Is glide-vowel-glide a possible realization?</a:t>
+              <a:t>First, how do participants syllabify the nonce words? Is glide-vowel-glide a possible realization?</a:t>
             </a:r>
           </a:p>
           <a:p>
@@ -938,18 +930,6 @@
           <a:lstStyle/>
           <a:p>
             <a:r>
-              <a:rPr lang="en-US" sz="1200" b="0" i="0" u="none" strike="noStrike" kern="1200" dirty="0" err="1">
-                <a:solidFill>
-                  <a:schemeClr val="tx1"/>
-                </a:solidFill>
-                <a:effectLst/>
-                <a:latin typeface="+mn-lt"/>
-                <a:ea typeface="+mn-ea"/>
-                <a:cs typeface="+mn-cs"/>
-              </a:rPr>
-              <a:t>Datos</a:t>
-            </a:r>
-            <a:r>
               <a:rPr lang="en-US" sz="1200" b="0" i="0" u="none" strike="noStrike" kern="1200" dirty="0">
                 <a:solidFill>
                   <a:schemeClr val="tx1"/>
@@ -959,8 +939,37 @@
                 <a:ea typeface="+mn-ea"/>
                 <a:cs typeface="+mn-cs"/>
               </a:rPr>
-              <a:t> sin labial + w: </a:t>
-            </a:r>
+              <a:t>Data without labial + w, without </a:t>
+            </a:r>
+            <a:r>
+              <a:rPr lang="en-US" i="1" dirty="0" err="1"/>
+              <a:t>lacap</a:t>
+            </a:r>
+            <a:r>
+              <a:rPr lang="en-US" dirty="0"/>
+              <a:t>[</a:t>
+            </a:r>
+            <a:r>
+              <a:rPr lang="en-US" dirty="0" err="1"/>
+              <a:t>waj</a:t>
+            </a:r>
+            <a:r>
+              <a:rPr lang="en-US" dirty="0"/>
+              <a:t>]</a:t>
+            </a:r>
+            <a:r>
+              <a:rPr lang="en-US" i="1" dirty="0" err="1"/>
+              <a:t>sto</a:t>
+            </a:r>
+            <a:endParaRPr lang="en-US" sz="1200" b="0" i="0" u="none" strike="noStrike" kern="1200" dirty="0">
+              <a:solidFill>
+                <a:schemeClr val="tx1"/>
+              </a:solidFill>
+              <a:effectLst/>
+              <a:latin typeface="+mn-lt"/>
+              <a:ea typeface="+mn-ea"/>
+              <a:cs typeface="+mn-cs"/>
+            </a:endParaRPr>
           </a:p>
           <a:p>
             <a:r>
@@ -1249,10 +1258,6 @@
             </a:r>
           </a:p>
           <a:p>
-            <a:r>
-              <a:rPr lang="en-US" dirty="0"/>
-              <a:t/>
-            </a:r>
             <a:br>
               <a:rPr lang="en-US" dirty="0"/>
             </a:br>
@@ -1608,51 +1613,51 @@
           <a:lstStyle/>
           <a:p>
             <a:r>
-              <a:rPr lang="en-US" b="1" dirty="0" smtClean="0"/>
+              <a:rPr lang="en-US" b="1" dirty="0"/>
               <a:t>Differences in duration</a:t>
             </a:r>
             <a:r>
-              <a:rPr lang="en-US" dirty="0" smtClean="0"/>
+              <a:rPr lang="en-US" dirty="0"/>
               <a:t>: Why? Because something is theoretically</a:t>
             </a:r>
             <a:r>
-              <a:rPr lang="en-US" baseline="0" dirty="0" smtClean="0"/>
+              <a:rPr lang="en-US" baseline="0" dirty="0"/>
               <a:t> elided</a:t>
             </a:r>
           </a:p>
           <a:p>
-            <a:endParaRPr lang="en-US" baseline="0" dirty="0" smtClean="0"/>
-          </a:p>
-          <a:p>
-            <a:r>
-              <a:rPr lang="en-US" b="1" baseline="0" dirty="0" smtClean="0"/>
+            <a:endParaRPr lang="en-US" baseline="0" dirty="0"/>
+          </a:p>
+          <a:p>
+            <a:r>
+              <a:rPr lang="en-US" b="1" baseline="0" dirty="0"/>
               <a:t>Differences in F1</a:t>
             </a:r>
             <a:r>
-              <a:rPr lang="en-US" baseline="0" dirty="0" smtClean="0"/>
+              <a:rPr lang="en-US" baseline="0" dirty="0"/>
               <a:t>: Why? Because in one case (piano) a glide should be </a:t>
             </a:r>
           </a:p>
           <a:p>
             <a:r>
-              <a:rPr lang="en-US" baseline="0" dirty="0" smtClean="0"/>
+              <a:rPr lang="en-US" baseline="0" dirty="0"/>
               <a:t>produced without problems and in the other case (</a:t>
             </a:r>
             <a:r>
-              <a:rPr lang="en-US" baseline="0" dirty="0" err="1" smtClean="0"/>
+              <a:rPr lang="en-US" baseline="0" dirty="0" err="1"/>
               <a:t>lliape</a:t>
             </a:r>
             <a:r>
-              <a:rPr lang="en-US" baseline="0" dirty="0" smtClean="0"/>
+              <a:rPr lang="en-US" baseline="0" dirty="0"/>
               <a:t>) it shouldn’t </a:t>
             </a:r>
           </a:p>
           <a:p>
-            <a:endParaRPr lang="en-US" baseline="0" dirty="0" smtClean="0"/>
-          </a:p>
-          <a:p>
-            <a:r>
-              <a:rPr lang="en-US" baseline="0" dirty="0" smtClean="0"/>
+            <a:endParaRPr lang="en-US" baseline="0" dirty="0"/>
+          </a:p>
+          <a:p>
+            <a:r>
+              <a:rPr lang="en-US" baseline="0" dirty="0"/>
               <a:t>thus there should be differences in formant movement between the two conditions: </a:t>
             </a:r>
           </a:p>
@@ -1675,30 +1680,30 @@
               <a:defRPr/>
             </a:pPr>
             <a:r>
-              <a:rPr lang="en-US" baseline="0" dirty="0" smtClean="0"/>
+              <a:rPr lang="en-US" baseline="0" dirty="0"/>
               <a:t>(F1 correlates with height)</a:t>
             </a:r>
           </a:p>
           <a:p>
-            <a:endParaRPr lang="en-US" baseline="0" dirty="0" smtClean="0"/>
-          </a:p>
-          <a:p>
-            <a:r>
-              <a:rPr lang="en-US" baseline="0" dirty="0" smtClean="0"/>
+            <a:endParaRPr lang="en-US" baseline="0" dirty="0"/>
+          </a:p>
+          <a:p>
+            <a:r>
+              <a:rPr lang="en-US" baseline="0" dirty="0"/>
               <a:t>PIANO: formant movement the high </a:t>
             </a:r>
             <a:r>
-              <a:rPr lang="en-US" baseline="0" dirty="0" err="1" smtClean="0"/>
+              <a:rPr lang="en-US" baseline="0" dirty="0" err="1"/>
               <a:t>vocoid</a:t>
             </a:r>
             <a:r>
-              <a:rPr lang="en-US" baseline="0" dirty="0" smtClean="0"/>
+              <a:rPr lang="en-US" baseline="0" dirty="0"/>
               <a:t> [j] to the low vowel [a]</a:t>
             </a:r>
           </a:p>
           <a:p>
             <a:r>
-              <a:rPr lang="en-US" baseline="0" dirty="0" smtClean="0"/>
+              <a:rPr lang="en-US" baseline="0" dirty="0"/>
               <a:t>LLIAPE: if pre-vocalic glide is blocked then we shouldn’t see the same formant movement</a:t>
             </a:r>
           </a:p>
@@ -1827,34 +1832,21 @@
           <a:p>
             <a:r>
               <a:rPr lang="en-US" baseline="0" dirty="0"/>
-              <a:t>Not </a:t>
-            </a:r>
-            <a:r>
-              <a:rPr lang="en-US" baseline="0" dirty="0" smtClean="0"/>
-              <a:t>exactly expected </a:t>
-            </a:r>
+              <a:t>Not exactly expected (intuitively, if glide is blocked, one might expect a shorter duration, at least I did)</a:t>
+            </a:r>
+          </a:p>
+          <a:p>
             <a:r>
               <a:rPr lang="en-US" baseline="0" dirty="0"/>
-              <a:t>(intuitively, if glide is blocked, one might expect a shorter duration, at least I did</a:t>
-            </a:r>
-            <a:r>
-              <a:rPr lang="en-US" baseline="0" dirty="0" smtClean="0"/>
-              <a:t>)</a:t>
-            </a:r>
-          </a:p>
-          <a:p>
-            <a:r>
-              <a:rPr lang="en-US" baseline="0" dirty="0" smtClean="0"/>
               <a:t>But is initially evidence supporting our hypothesis</a:t>
             </a:r>
+          </a:p>
+          <a:p>
             <a:endParaRPr lang="en-US" baseline="0" dirty="0"/>
           </a:p>
           <a:p>
-            <a:endParaRPr lang="en-US" baseline="0" dirty="0" smtClean="0"/>
-          </a:p>
-          <a:p>
-            <a:r>
-              <a:rPr lang="en-US" baseline="0" dirty="0" smtClean="0"/>
+            <a:r>
+              <a:rPr lang="en-US" baseline="0" dirty="0"/>
               <a:t>What about formant trajectories?</a:t>
             </a:r>
           </a:p>
@@ -1944,18 +1936,6 @@
           <a:lstStyle/>
           <a:p>
             <a:r>
-              <a:rPr lang="en-US" sz="1200" b="0" i="0" kern="1200" dirty="0" smtClean="0">
-                <a:solidFill>
-                  <a:schemeClr val="tx1"/>
-                </a:solidFill>
-                <a:effectLst/>
-                <a:latin typeface="+mn-lt"/>
-                <a:ea typeface="+mn-ea"/>
-                <a:cs typeface="+mn-cs"/>
-              </a:rPr>
-              <a:t>If </a:t>
-            </a:r>
-            <a:r>
               <a:rPr lang="en-US" sz="1200" b="0" i="0" kern="1200" dirty="0">
                 <a:solidFill>
                   <a:schemeClr val="tx1"/>
@@ -1965,22 +1945,10 @@
                 <a:ea typeface="+mn-ea"/>
                 <a:cs typeface="+mn-cs"/>
               </a:rPr>
-              <a:t>the participants are able to produce a glide in some </a:t>
-            </a:r>
-            <a:r>
-              <a:rPr lang="en-US" sz="1200" b="0" i="0" kern="1200" dirty="0" smtClean="0">
-                <a:solidFill>
-                  <a:schemeClr val="tx1"/>
-                </a:solidFill>
-                <a:effectLst/>
-                <a:latin typeface="+mn-lt"/>
-                <a:ea typeface="+mn-ea"/>
-                <a:cs typeface="+mn-cs"/>
-              </a:rPr>
-              <a:t>contexts (piano,</a:t>
-            </a:r>
-            <a:r>
-              <a:rPr lang="en-US" sz="1200" b="0" i="0" kern="1200" baseline="0" dirty="0" smtClean="0">
+              <a:t>If the participants are able to produce a glide in some contexts (piano,</a:t>
+            </a:r>
+            <a:r>
+              <a:rPr lang="en-US" sz="1200" b="0" i="0" kern="1200" baseline="0" dirty="0">
                 <a:solidFill>
                   <a:schemeClr val="tx1"/>
                 </a:solidFill>
@@ -1992,7 +1960,7 @@
               <a:t> i.e., when there is no palatal onset)</a:t>
             </a:r>
             <a:r>
-              <a:rPr lang="en-US" sz="1200" b="0" i="0" kern="1200" dirty="0" smtClean="0">
+              <a:rPr lang="en-US" sz="1200" b="0" i="0" kern="1200" dirty="0">
                 <a:solidFill>
                   <a:schemeClr val="tx1"/>
                 </a:solidFill>
@@ -2006,18 +1974,6 @@
           </a:p>
           <a:p>
             <a:r>
-              <a:rPr lang="en-US" sz="1200" b="0" i="0" kern="1200" dirty="0" smtClean="0">
-                <a:solidFill>
-                  <a:schemeClr val="tx1"/>
-                </a:solidFill>
-                <a:effectLst/>
-                <a:latin typeface="+mn-lt"/>
-                <a:ea typeface="+mn-ea"/>
-                <a:cs typeface="+mn-cs"/>
-              </a:rPr>
-              <a:t>but </a:t>
-            </a:r>
-            <a:r>
               <a:rPr lang="en-US" sz="1200" b="0" i="0" kern="1200" dirty="0">
                 <a:solidFill>
                   <a:schemeClr val="tx1"/>
@@ -2027,22 +1983,10 @@
                 <a:ea typeface="+mn-ea"/>
                 <a:cs typeface="+mn-cs"/>
               </a:rPr>
-              <a:t>not others </a:t>
-            </a:r>
-            <a:r>
-              <a:rPr lang="en-US" sz="1200" b="0" i="0" kern="1200" dirty="0" smtClean="0">
-                <a:solidFill>
-                  <a:schemeClr val="tx1"/>
-                </a:solidFill>
-                <a:effectLst/>
-                <a:latin typeface="+mn-lt"/>
-                <a:ea typeface="+mn-ea"/>
-                <a:cs typeface="+mn-cs"/>
-              </a:rPr>
-              <a:t>(</a:t>
-            </a:r>
-            <a:r>
-              <a:rPr lang="en-US" sz="1200" b="0" i="0" kern="1200" dirty="0" err="1" smtClean="0">
+              <a:t>but not others (</a:t>
+            </a:r>
+            <a:r>
+              <a:rPr lang="en-US" sz="1200" b="0" i="0" kern="1200" dirty="0" err="1">
                 <a:solidFill>
                   <a:schemeClr val="tx1"/>
                 </a:solidFill>
@@ -2054,7 +1998,7 @@
               <a:t>lliape</a:t>
             </a:r>
             <a:r>
-              <a:rPr lang="en-US" sz="1200" b="0" i="0" kern="1200" dirty="0" smtClean="0">
+              <a:rPr lang="en-US" sz="1200" b="0" i="0" kern="1200" dirty="0">
                 <a:solidFill>
                   <a:schemeClr val="tx1"/>
                 </a:solidFill>
@@ -2065,15 +2009,6 @@
               </a:rPr>
               <a:t>, when there is a palatal onset)</a:t>
             </a:r>
-            <a:endParaRPr lang="en-US" sz="1200" b="0" i="0" kern="1200" dirty="0">
-              <a:solidFill>
-                <a:schemeClr val="tx1"/>
-              </a:solidFill>
-              <a:effectLst/>
-              <a:latin typeface="+mn-lt"/>
-              <a:ea typeface="+mn-ea"/>
-              <a:cs typeface="+mn-cs"/>
-            </a:endParaRPr>
           </a:p>
           <a:p>
             <a:r>
@@ -2086,46 +2021,10 @@
                 <a:ea typeface="+mn-ea"/>
                 <a:cs typeface="+mn-cs"/>
               </a:rPr>
-              <a:t>we should see differences in </a:t>
-            </a:r>
-            <a:r>
-              <a:rPr lang="en-US" sz="1200" b="0" i="0" kern="1200" dirty="0" smtClean="0">
-                <a:solidFill>
-                  <a:schemeClr val="tx1"/>
-                </a:solidFill>
-                <a:effectLst/>
-                <a:latin typeface="+mn-lt"/>
-                <a:ea typeface="+mn-ea"/>
-                <a:cs typeface="+mn-cs"/>
-              </a:rPr>
-              <a:t>F1 over time </a:t>
-            </a:r>
-            <a:r>
-              <a:rPr lang="en-US" sz="1200" b="0" i="0" kern="1200" dirty="0">
-                <a:solidFill>
-                  <a:schemeClr val="tx1"/>
-                </a:solidFill>
-                <a:effectLst/>
-                <a:latin typeface="+mn-lt"/>
-                <a:ea typeface="+mn-ea"/>
-                <a:cs typeface="+mn-cs"/>
-              </a:rPr>
-              <a:t>as a function of the preceding </a:t>
-            </a:r>
-            <a:r>
-              <a:rPr lang="en-US" sz="1200" b="0" i="0" kern="1200" dirty="0" smtClean="0">
-                <a:solidFill>
-                  <a:schemeClr val="tx1"/>
-                </a:solidFill>
-                <a:effectLst/>
-                <a:latin typeface="+mn-lt"/>
-                <a:ea typeface="+mn-ea"/>
-                <a:cs typeface="+mn-cs"/>
-              </a:rPr>
-              <a:t>consonant</a:t>
-            </a:r>
-            <a:r>
-              <a:rPr lang="en-US" sz="1200" b="0" i="0" kern="1200" baseline="0" dirty="0" smtClean="0">
+              <a:t>we should see differences in F1 over time as a function of the preceding consonant</a:t>
+            </a:r>
+            <a:r>
+              <a:rPr lang="en-US" sz="1200" b="0" i="0" kern="1200" baseline="0" dirty="0">
                 <a:solidFill>
                   <a:schemeClr val="tx1"/>
                 </a:solidFill>
@@ -2222,13 +2121,8 @@
           <a:p>
             <a:r>
               <a:rPr lang="en-US" dirty="0"/>
-              <a:t>No effect of preceding consonant: </a:t>
-            </a:r>
-            <a:r>
-              <a:rPr lang="en-US" dirty="0" smtClean="0"/>
-              <a:t>the trajectories are the same over time</a:t>
-            </a:r>
-            <a:endParaRPr lang="en-US" dirty="0"/>
+              <a:t>No effect of preceding consonant: the trajectories are the same over time</a:t>
+            </a:r>
           </a:p>
           <a:p>
             <a:r>
@@ -2246,33 +2140,25 @@
           <a:p>
             <a:r>
               <a:rPr lang="en-US" dirty="0"/>
-              <a:t>F1 movement </a:t>
-            </a:r>
-            <a:r>
-              <a:rPr lang="en-US" dirty="0" smtClean="0"/>
-              <a:t>similar </a:t>
-            </a:r>
-            <a:r>
-              <a:rPr lang="en-US" dirty="0"/>
-              <a:t>across contexts. </a:t>
-            </a:r>
-          </a:p>
-          <a:p>
-            <a:r>
-              <a:rPr lang="en-US" dirty="0" smtClean="0"/>
+              <a:t>F1 movement similar across contexts. </a:t>
+            </a:r>
+          </a:p>
+          <a:p>
+            <a:r>
+              <a:rPr lang="en-US" dirty="0"/>
               <a:t>Does</a:t>
             </a:r>
             <a:r>
-              <a:rPr lang="en-US" baseline="0" dirty="0" smtClean="0"/>
+              <a:rPr lang="en-US" baseline="0" dirty="0"/>
               <a:t> this mean pre-vocalic glides aren’t blocked after palatal consonants?</a:t>
             </a:r>
           </a:p>
           <a:p>
             <a:r>
-              <a:rPr lang="en-US" baseline="0" dirty="0" smtClean="0"/>
+              <a:rPr lang="en-US" baseline="0" dirty="0"/>
               <a:t>How do we explain the duration difference?</a:t>
             </a:r>
-            <a:endParaRPr lang="en-US" dirty="0" smtClean="0"/>
+            <a:endParaRPr lang="en-US" dirty="0"/>
           </a:p>
         </p:txBody>
       </p:sp>
@@ -2691,7 +2577,7 @@
           <a:p>
             <a:fld id="{BBB3CC71-8B7D-5944-9F77-6FB65855BAAA}" type="datetime1">
               <a:rPr lang="en-US" smtClean="0"/>
-              <a:t>10/25/18</a:t>
+              <a:t>10/26/18</a:t>
             </a:fld>
             <a:endParaRPr lang="en-US"/>
           </a:p>
@@ -2857,7 +2743,7 @@
           <a:p>
             <a:fld id="{BD1A13ED-A70A-994E-A93E-43AB673760AE}" type="datetime1">
               <a:rPr lang="en-US" smtClean="0"/>
-              <a:t>10/25/18</a:t>
+              <a:t>10/26/18</a:t>
             </a:fld>
             <a:endParaRPr lang="en-US"/>
           </a:p>
@@ -3033,7 +2919,7 @@
           <a:p>
             <a:fld id="{34981665-76A8-8F49-9E90-422A79CA1A6A}" type="datetime1">
               <a:rPr lang="en-US" smtClean="0"/>
-              <a:t>10/25/18</a:t>
+              <a:t>10/26/18</a:t>
             </a:fld>
             <a:endParaRPr lang="en-US"/>
           </a:p>
@@ -3199,7 +3085,7 @@
           <a:p>
             <a:fld id="{B35FD36A-CFCA-CC44-8097-A5D1EA7282C9}" type="datetime1">
               <a:rPr lang="en-US" smtClean="0"/>
-              <a:t>10/25/18</a:t>
+              <a:t>10/26/18</a:t>
             </a:fld>
             <a:endParaRPr lang="en-US"/>
           </a:p>
@@ -3441,7 +3327,7 @@
           <a:p>
             <a:fld id="{F5E3ECE2-349A-BF49-BC55-FA40B3451742}" type="datetime1">
               <a:rPr lang="en-US" smtClean="0"/>
-              <a:t>10/25/18</a:t>
+              <a:t>10/26/18</a:t>
             </a:fld>
             <a:endParaRPr lang="en-US"/>
           </a:p>
@@ -3725,7 +3611,7 @@
           <a:p>
             <a:fld id="{F76066AC-CC14-C04C-ABFD-75803D07B900}" type="datetime1">
               <a:rPr lang="en-US" smtClean="0"/>
-              <a:t>10/25/18</a:t>
+              <a:t>10/26/18</a:t>
             </a:fld>
             <a:endParaRPr lang="en-US"/>
           </a:p>
@@ -4155,7 +4041,7 @@
           <a:p>
             <a:fld id="{B192650E-FE40-CA4B-B3BA-714FC2447B7D}" type="datetime1">
               <a:rPr lang="en-US" smtClean="0"/>
-              <a:t>10/25/18</a:t>
+              <a:t>10/26/18</a:t>
             </a:fld>
             <a:endParaRPr lang="en-US"/>
           </a:p>
@@ -4269,7 +4155,7 @@
           <a:p>
             <a:fld id="{E2EDFC8D-E264-6A46-82EB-372883C50344}" type="datetime1">
               <a:rPr lang="en-US" smtClean="0"/>
-              <a:t>10/25/18</a:t>
+              <a:t>10/26/18</a:t>
             </a:fld>
             <a:endParaRPr lang="en-US"/>
           </a:p>
@@ -4360,7 +4246,7 @@
           <a:p>
             <a:fld id="{C86CF07B-8B16-3C48-8714-31BB859B475A}" type="datetime1">
               <a:rPr lang="en-US" smtClean="0"/>
-              <a:t>10/25/18</a:t>
+              <a:t>10/26/18</a:t>
             </a:fld>
             <a:endParaRPr lang="en-US"/>
           </a:p>
@@ -4550,7 +4436,7 @@
           <a:p>
             <a:fld id="{9F5DCF6B-7E16-2843-BB50-8A9475452E76}" type="datetime1">
               <a:rPr lang="en-US" smtClean="0"/>
-              <a:t>10/25/18</a:t>
+              <a:t>10/26/18</a:t>
             </a:fld>
             <a:endParaRPr lang="en-US"/>
           </a:p>
@@ -4869,7 +4755,7 @@
           <a:p>
             <a:fld id="{F7282DC8-6963-5748-A9BF-4FA971BB49FC}" type="datetime1">
               <a:rPr lang="en-US" smtClean="0"/>
-              <a:t>10/25/18</a:t>
+              <a:t>10/26/18</a:t>
             </a:fld>
             <a:endParaRPr lang="en-US" dirty="0"/>
           </a:p>
@@ -5250,7 +5136,7 @@
           <a:p>
             <a:fld id="{E5D81220-9A6E-7D40-B778-C6EB154E6BAA}" type="datetime1">
               <a:rPr lang="en-US" smtClean="0"/>
-              <a:t>10/25/18</a:t>
+              <a:t>10/26/18</a:t>
             </a:fld>
             <a:endParaRPr lang="en-US" dirty="0"/>
           </a:p>
@@ -5712,7 +5598,7 @@
           <p:cNvPr id="2" name="Title 1">
             <a:extLst>
               <a:ext uri="{FF2B5EF4-FFF2-40B4-BE49-F238E27FC236}">
-                <a16:creationId xmlns:a16="http://schemas.microsoft.com/office/drawing/2014/main" xmlns="" id="{6CCAD466-EE8C-0B4E-B0DF-08BF74C467A5}"/>
+                <a16:creationId xmlns:a16="http://schemas.microsoft.com/office/drawing/2014/main" id="{6CCAD466-EE8C-0B4E-B0DF-08BF74C467A5}"/>
               </a:ext>
             </a:extLst>
           </p:cNvPr>
@@ -5740,7 +5626,7 @@
           <p:cNvPr id="3" name="Content Placeholder 2">
             <a:extLst>
               <a:ext uri="{FF2B5EF4-FFF2-40B4-BE49-F238E27FC236}">
-                <a16:creationId xmlns:a16="http://schemas.microsoft.com/office/drawing/2014/main" xmlns="" id="{E1802F1D-6C4A-BA4F-AFEA-EF28322B2A17}"/>
+                <a16:creationId xmlns:a16="http://schemas.microsoft.com/office/drawing/2014/main" id="{E1802F1D-6C4A-BA4F-AFEA-EF28322B2A17}"/>
               </a:ext>
             </a:extLst>
           </p:cNvPr>
@@ -5860,7 +5746,7 @@
           <p:cNvPr id="4" name="Slide Number Placeholder 3">
             <a:extLst>
               <a:ext uri="{FF2B5EF4-FFF2-40B4-BE49-F238E27FC236}">
-                <a16:creationId xmlns:a16="http://schemas.microsoft.com/office/drawing/2014/main" xmlns="" id="{C16D0362-5F06-2440-ADD5-11069E2071EE}"/>
+                <a16:creationId xmlns:a16="http://schemas.microsoft.com/office/drawing/2014/main" id="{C16D0362-5F06-2440-ADD5-11069E2071EE}"/>
               </a:ext>
             </a:extLst>
           </p:cNvPr>
@@ -6053,7 +5939,7 @@
           <p:cNvPr id="4" name="Slide Number Placeholder 3">
             <a:extLst>
               <a:ext uri="{FF2B5EF4-FFF2-40B4-BE49-F238E27FC236}">
-                <a16:creationId xmlns:a16="http://schemas.microsoft.com/office/drawing/2014/main" xmlns="" id="{449C5BAD-2756-3449-A8E3-D7E8D5DABCAE}"/>
+                <a16:creationId xmlns:a16="http://schemas.microsoft.com/office/drawing/2014/main" id="{449C5BAD-2756-3449-A8E3-D7E8D5DABCAE}"/>
               </a:ext>
             </a:extLst>
           </p:cNvPr>
@@ -6350,7 +6236,7 @@
           <p:cNvPr id="4" name="Slide Number Placeholder 3">
             <a:extLst>
               <a:ext uri="{FF2B5EF4-FFF2-40B4-BE49-F238E27FC236}">
-                <a16:creationId xmlns:a16="http://schemas.microsoft.com/office/drawing/2014/main" xmlns="" id="{D882A42B-195B-FC49-9900-74462873461F}"/>
+                <a16:creationId xmlns:a16="http://schemas.microsoft.com/office/drawing/2014/main" id="{D882A42B-195B-FC49-9900-74462873461F}"/>
               </a:ext>
             </a:extLst>
           </p:cNvPr>
@@ -6448,7 +6334,7 @@
           <p:cNvPr id="3" name="Slide Number Placeholder 2">
             <a:extLst>
               <a:ext uri="{FF2B5EF4-FFF2-40B4-BE49-F238E27FC236}">
-                <a16:creationId xmlns:a16="http://schemas.microsoft.com/office/drawing/2014/main" xmlns="" id="{2D66FF41-7C8D-D348-8300-EAB2A28199B7}"/>
+                <a16:creationId xmlns:a16="http://schemas.microsoft.com/office/drawing/2014/main" id="{2D66FF41-7C8D-D348-8300-EAB2A28199B7}"/>
               </a:ext>
             </a:extLst>
           </p:cNvPr>
@@ -6578,7 +6464,7 @@
           <p:cNvPr id="4" name="Slide Number Placeholder 3">
             <a:extLst>
               <a:ext uri="{FF2B5EF4-FFF2-40B4-BE49-F238E27FC236}">
-                <a16:creationId xmlns:a16="http://schemas.microsoft.com/office/drawing/2014/main" xmlns="" id="{AFF47760-FCD9-A84D-AB22-60AABB00BD1C}"/>
+                <a16:creationId xmlns:a16="http://schemas.microsoft.com/office/drawing/2014/main" id="{AFF47760-FCD9-A84D-AB22-60AABB00BD1C}"/>
               </a:ext>
             </a:extLst>
           </p:cNvPr>
@@ -6699,7 +6585,7 @@
           <p:cNvPr id="4" name="Slide Number Placeholder 3">
             <a:extLst>
               <a:ext uri="{FF2B5EF4-FFF2-40B4-BE49-F238E27FC236}">
-                <a16:creationId xmlns:a16="http://schemas.microsoft.com/office/drawing/2014/main" xmlns="" id="{CC125AC5-6490-0E41-BA36-F9AE8C029E1B}"/>
+                <a16:creationId xmlns:a16="http://schemas.microsoft.com/office/drawing/2014/main" id="{CC125AC5-6490-0E41-BA36-F9AE8C029E1B}"/>
               </a:ext>
             </a:extLst>
           </p:cNvPr>
@@ -6803,98 +6689,46 @@
           <a:p>
             <a:r>
               <a:rPr lang="en-US" dirty="0"/>
-              <a:t>If pre-vocalic glides are blocked after </a:t>
-            </a:r>
-            <a:r>
-              <a:rPr lang="en-US" dirty="0" smtClean="0"/>
-              <a:t>palatals (i.e., “</a:t>
-            </a:r>
-            <a:r>
-              <a:rPr lang="en-US" b="1" dirty="0" err="1" smtClean="0"/>
-              <a:t>ll</a:t>
-            </a:r>
-            <a:r>
-              <a:rPr lang="en-US" b="1" dirty="0" err="1" smtClean="0"/>
-              <a:t>i</a:t>
-            </a:r>
-            <a:r>
-              <a:rPr lang="en-US" dirty="0" err="1" smtClean="0"/>
+              <a:t>If pre-vocalic glides are blocked after palatals (i.e., “</a:t>
+            </a:r>
+            <a:r>
+              <a:rPr lang="en-US" b="1" dirty="0" err="1"/>
+              <a:t>lli</a:t>
+            </a:r>
+            <a:r>
+              <a:rPr lang="en-US" dirty="0" err="1"/>
               <a:t>ape</a:t>
             </a:r>
             <a:r>
-              <a:rPr lang="en-US" dirty="0" smtClean="0"/>
-              <a:t>”), w</a:t>
-            </a:r>
-            <a:r>
-              <a:rPr lang="en-US" dirty="0" smtClean="0"/>
-              <a:t>hen </a:t>
-            </a:r>
-            <a:r>
-              <a:rPr lang="en-US" dirty="0"/>
-              <a:t>compared with pre-vocalic glides that are not </a:t>
-            </a:r>
-            <a:r>
-              <a:rPr lang="en-US" dirty="0" smtClean="0"/>
-              <a:t>preceded </a:t>
-            </a:r>
-            <a:r>
-              <a:rPr lang="en-US" dirty="0"/>
-              <a:t>by a palatal </a:t>
-            </a:r>
-            <a:r>
-              <a:rPr lang="en-US" dirty="0" smtClean="0"/>
-              <a:t>segment (i.e., “</a:t>
-            </a:r>
-            <a:r>
-              <a:rPr lang="en-US" b="1" dirty="0" smtClean="0"/>
+              <a:rPr lang="en-US" dirty="0"/>
+              <a:t>”), when compared with pre-vocalic glides that are not preceded by a palatal segment (i.e., “</a:t>
+            </a:r>
+            <a:r>
+              <a:rPr lang="en-US" b="1" dirty="0"/>
               <a:t>pi</a:t>
             </a:r>
             <a:r>
-              <a:rPr lang="en-US" dirty="0" smtClean="0"/>
-              <a:t>ano”) </a:t>
-            </a:r>
-            <a:r>
-              <a:rPr lang="en-US" dirty="0" smtClean="0"/>
-              <a:t>we </a:t>
-            </a:r>
-            <a:r>
-              <a:rPr lang="en-US" dirty="0"/>
-              <a:t>expect to </a:t>
-            </a:r>
-            <a:r>
-              <a:rPr lang="en-US" dirty="0" smtClean="0"/>
-              <a:t>observe</a:t>
-            </a:r>
-            <a:r>
-              <a:rPr lang="mr-IN" dirty="0" smtClean="0"/>
+              <a:rPr lang="en-US" dirty="0"/>
+              <a:t>ano”) we expect to observe</a:t>
+            </a:r>
+            <a:r>
+              <a:rPr lang="mr-IN" dirty="0"/>
               <a:t>…</a:t>
             </a:r>
-            <a:endParaRPr lang="en-US" dirty="0" smtClean="0"/>
+            <a:endParaRPr lang="en-US" dirty="0"/>
           </a:p>
           <a:p>
             <a:pPr lvl="1"/>
             <a:r>
-              <a:rPr lang="en-US" dirty="0" smtClean="0"/>
-              <a:t>differences </a:t>
-            </a:r>
-            <a:r>
-              <a:rPr lang="en-US" dirty="0"/>
-              <a:t>in overall </a:t>
-            </a:r>
-            <a:r>
-              <a:rPr lang="en-US" dirty="0" smtClean="0"/>
-              <a:t>duration</a:t>
+              <a:rPr lang="en-US" dirty="0"/>
+              <a:t>differences in overall duration</a:t>
             </a:r>
           </a:p>
           <a:p>
             <a:pPr lvl="1"/>
             <a:r>
               <a:rPr lang="en-US" dirty="0"/>
-              <a:t>f</a:t>
-            </a:r>
-            <a:r>
-              <a:rPr lang="en-US" dirty="0" smtClean="0"/>
-              <a:t>ormant trajectory differences related to height (F1)</a:t>
+              <a:t>formant trajectory differences related to height (F1)</a:t>
             </a:r>
           </a:p>
           <a:p>
@@ -6905,10 +6739,9 @@
           </a:p>
           <a:p>
             <a:r>
-              <a:rPr lang="en-US" dirty="0" smtClean="0"/>
+              <a:rPr lang="en-US" dirty="0"/>
               <a:t>Analysis 1 (duration)</a:t>
             </a:r>
-            <a:endParaRPr lang="en-US" dirty="0"/>
           </a:p>
           <a:p>
             <a:pPr lvl="1"/>
@@ -6920,27 +6753,15 @@
           <a:p>
             <a:pPr lvl="1"/>
             <a:r>
-              <a:rPr lang="en-US" dirty="0" smtClean="0"/>
-              <a:t>Model: </a:t>
-            </a:r>
-            <a:r>
-              <a:rPr lang="en-US" dirty="0"/>
-              <a:t>duration ~ </a:t>
-            </a:r>
-            <a:r>
-              <a:rPr lang="en-US" dirty="0" smtClean="0"/>
-              <a:t>environment</a:t>
+              <a:rPr lang="en-US" dirty="0"/>
+              <a:t>Model: duration ~ environment</a:t>
             </a:r>
           </a:p>
           <a:p>
             <a:pPr lvl="1"/>
             <a:r>
-              <a:rPr lang="en-US" dirty="0" smtClean="0"/>
-              <a:t>Random </a:t>
-            </a:r>
-            <a:r>
-              <a:rPr lang="en-US" dirty="0"/>
-              <a:t>effect: by-subject/by-item intercepts with random slopes for preceding consonant</a:t>
+              <a:rPr lang="en-US" dirty="0"/>
+              <a:t>Random effect: by-subject/by-item intercepts with random slopes for preceding consonant</a:t>
             </a:r>
           </a:p>
         </p:txBody>
@@ -6950,7 +6771,7 @@
           <p:cNvPr id="4" name="Slide Number Placeholder 3">
             <a:extLst>
               <a:ext uri="{FF2B5EF4-FFF2-40B4-BE49-F238E27FC236}">
-                <a16:creationId xmlns:a16="http://schemas.microsoft.com/office/drawing/2014/main" xmlns="" id="{D9901EF5-C648-FD4B-8E82-3A2976EABB60}"/>
+                <a16:creationId xmlns:a16="http://schemas.microsoft.com/office/drawing/2014/main" id="{D9901EF5-C648-FD4B-8E82-3A2976EABB60}"/>
               </a:ext>
             </a:extLst>
           </p:cNvPr>
@@ -7048,7 +6869,7 @@
           <p:cNvPr id="2" name="Slide Number Placeholder 1">
             <a:extLst>
               <a:ext uri="{FF2B5EF4-FFF2-40B4-BE49-F238E27FC236}">
-                <a16:creationId xmlns:a16="http://schemas.microsoft.com/office/drawing/2014/main" xmlns="" id="{7529365C-D2E8-7E45-8DB1-6F7C1FC3E44C}"/>
+                <a16:creationId xmlns:a16="http://schemas.microsoft.com/office/drawing/2014/main" id="{7529365C-D2E8-7E45-8DB1-6F7C1FC3E44C}"/>
               </a:ext>
             </a:extLst>
           </p:cNvPr>
@@ -7149,55 +6970,26 @@
           <a:lstStyle/>
           <a:p>
             <a:r>
-              <a:rPr lang="en-US" sz="2400" dirty="0" smtClean="0"/>
-              <a:t>If </a:t>
-            </a:r>
-            <a:r>
               <a:rPr lang="en-US" sz="2400" dirty="0"/>
-              <a:t>the participants are able to produce a glide in some </a:t>
-            </a:r>
-            <a:r>
-              <a:rPr lang="en-US" sz="2400" dirty="0" smtClean="0"/>
-              <a:t>contexts (piano) </a:t>
+              <a:t>If the participants are able to produce a glide in some contexts (piano) but not others (</a:t>
+            </a:r>
+            <a:r>
+              <a:rPr lang="en-US" sz="2400" dirty="0" err="1"/>
+              <a:t>lliape</a:t>
             </a:r>
             <a:r>
               <a:rPr lang="en-US" sz="2400" dirty="0"/>
-              <a:t>but not </a:t>
-            </a:r>
-            <a:r>
-              <a:rPr lang="en-US" sz="2400" dirty="0" smtClean="0"/>
-              <a:t>others (</a:t>
-            </a:r>
-            <a:r>
-              <a:rPr lang="en-US" sz="2400" dirty="0" err="1" smtClean="0"/>
-              <a:t>lliape</a:t>
-            </a:r>
-            <a:r>
-              <a:rPr lang="en-US" sz="2400" dirty="0" smtClean="0"/>
-              <a:t>) </a:t>
-            </a:r>
+              <a:t>) we should also see differences in F1 as a function of the preceding consonant.</a:t>
+            </a:r>
+          </a:p>
+          <a:p>
+            <a:endParaRPr lang="en-US" sz="2400" dirty="0"/>
+          </a:p>
+          <a:p>
             <a:r>
               <a:rPr lang="en-US" sz="2400" dirty="0"/>
-              <a:t>we should </a:t>
-            </a:r>
-            <a:r>
-              <a:rPr lang="en-US" sz="2400" dirty="0" smtClean="0"/>
-              <a:t>also see </a:t>
-            </a:r>
-            <a:r>
-              <a:rPr lang="en-US" sz="2400" dirty="0"/>
-              <a:t>differences in F1 as a function of the preceding consonant.</a:t>
-            </a:r>
-          </a:p>
-          <a:p>
-            <a:endParaRPr lang="en-US" sz="2400" dirty="0"/>
-          </a:p>
-          <a:p>
-            <a:r>
-              <a:rPr lang="en-US" sz="2400" dirty="0" smtClean="0"/>
               <a:t>Analysis 2</a:t>
             </a:r>
-            <a:endParaRPr lang="en-US" sz="2400" dirty="0"/>
           </a:p>
           <a:p>
             <a:pPr lvl="1"/>
@@ -7218,28 +7010,24 @@
             </a:r>
             <a:r>
               <a:rPr lang="en-US" dirty="0"/>
-              <a:t> + </a:t>
-            </a:r>
-            <a:r>
-              <a:rPr lang="en-US" dirty="0" smtClean="0"/>
-              <a:t>time</a:t>
+              <a:t> + time</a:t>
             </a:r>
           </a:p>
           <a:p>
             <a:pPr lvl="1"/>
             <a:r>
-              <a:rPr lang="en-US" dirty="0" smtClean="0"/>
+              <a:rPr lang="en-US" dirty="0"/>
               <a:t>Reference smooth for time, participant</a:t>
             </a:r>
           </a:p>
           <a:p>
             <a:pPr lvl="1"/>
             <a:r>
-              <a:rPr lang="en-US" dirty="0" smtClean="0"/>
+              <a:rPr lang="en-US" dirty="0"/>
               <a:t>Difference smooth for </a:t>
             </a:r>
             <a:r>
-              <a:rPr lang="en-US" dirty="0" err="1" smtClean="0"/>
+              <a:rPr lang="en-US" dirty="0" err="1"/>
               <a:t>preceding_consonant</a:t>
             </a:r>
             <a:endParaRPr lang="en-US" dirty="0"/>
@@ -7254,7 +7042,7 @@
           <p:cNvPr id="4" name="Slide Number Placeholder 3">
             <a:extLst>
               <a:ext uri="{FF2B5EF4-FFF2-40B4-BE49-F238E27FC236}">
-                <a16:creationId xmlns:a16="http://schemas.microsoft.com/office/drawing/2014/main" xmlns="" id="{17B04354-1C74-B54A-9641-463881A9F597}"/>
+                <a16:creationId xmlns:a16="http://schemas.microsoft.com/office/drawing/2014/main" id="{17B04354-1C74-B54A-9641-463881A9F597}"/>
               </a:ext>
             </a:extLst>
           </p:cNvPr>
@@ -7352,7 +7140,7 @@
           <p:cNvPr id="2" name="Slide Number Placeholder 1">
             <a:extLst>
               <a:ext uri="{FF2B5EF4-FFF2-40B4-BE49-F238E27FC236}">
-                <a16:creationId xmlns:a16="http://schemas.microsoft.com/office/drawing/2014/main" xmlns="" id="{5D16EB75-892C-2440-970C-3BE161D200EC}"/>
+                <a16:creationId xmlns:a16="http://schemas.microsoft.com/office/drawing/2014/main" id="{5D16EB75-892C-2440-970C-3BE161D200EC}"/>
               </a:ext>
             </a:extLst>
           </p:cNvPr>
@@ -7412,7 +7200,7 @@
           <p:cNvPr id="2" name="Title 1">
             <a:extLst>
               <a:ext uri="{FF2B5EF4-FFF2-40B4-BE49-F238E27FC236}">
-                <a16:creationId xmlns:a16="http://schemas.microsoft.com/office/drawing/2014/main" xmlns="" id="{75BAE48F-7BA8-7D40-81DC-62AD5141EADC}"/>
+                <a16:creationId xmlns:a16="http://schemas.microsoft.com/office/drawing/2014/main" id="{75BAE48F-7BA8-7D40-81DC-62AD5141EADC}"/>
               </a:ext>
             </a:extLst>
           </p:cNvPr>
@@ -7440,7 +7228,7 @@
           <p:cNvPr id="3" name="Content Placeholder 2">
             <a:extLst>
               <a:ext uri="{FF2B5EF4-FFF2-40B4-BE49-F238E27FC236}">
-                <a16:creationId xmlns:a16="http://schemas.microsoft.com/office/drawing/2014/main" xmlns="" id="{F058774F-FF51-0F4D-AB13-F19A0D6541AD}"/>
+                <a16:creationId xmlns:a16="http://schemas.microsoft.com/office/drawing/2014/main" id="{F058774F-FF51-0F4D-AB13-F19A0D6541AD}"/>
               </a:ext>
             </a:extLst>
           </p:cNvPr>
@@ -7490,7 +7278,7 @@
           <p:cNvPr id="4" name="Slide Number Placeholder 3">
             <a:extLst>
               <a:ext uri="{FF2B5EF4-FFF2-40B4-BE49-F238E27FC236}">
-                <a16:creationId xmlns:a16="http://schemas.microsoft.com/office/drawing/2014/main" xmlns="" id="{08AE4646-19C0-D846-91CC-51B265C1A8C0}"/>
+                <a16:creationId xmlns:a16="http://schemas.microsoft.com/office/drawing/2014/main" id="{08AE4646-19C0-D846-91CC-51B265C1A8C0}"/>
               </a:ext>
             </a:extLst>
           </p:cNvPr>
@@ -7593,57 +7381,39 @@
           <a:lstStyle/>
           <a:p>
             <a:r>
-              <a:rPr lang="en-US" dirty="0" smtClean="0"/>
-              <a:t>Participants might be producing a longer segment in the palatal condition because </a:t>
-            </a:r>
-            <a:r>
-              <a:rPr lang="en-US" dirty="0"/>
-              <a:t>of the fact that they cannot </a:t>
-            </a:r>
-            <a:r>
-              <a:rPr lang="en-US" dirty="0" smtClean="0"/>
-              <a:t>naturally produce </a:t>
-            </a:r>
-            <a:r>
-              <a:rPr lang="en-US" dirty="0"/>
-              <a:t>both. </a:t>
-            </a:r>
-          </a:p>
-          <a:p>
-            <a:r>
-              <a:rPr lang="en-US" dirty="0"/>
-              <a:t>In other words, they might be trying to produce something, but because the target is illicit, they resort to </a:t>
-            </a:r>
-            <a:r>
-              <a:rPr lang="en-US" dirty="0" smtClean="0"/>
-              <a:t>lengthening.</a:t>
-            </a:r>
+              <a:rPr lang="en-US" dirty="0"/>
+              <a:t>Participants might be producing a longer segment in the palatal condition because of the fact that they cannot naturally produce both. </a:t>
+            </a:r>
+          </a:p>
+          <a:p>
+            <a:r>
+              <a:rPr lang="en-US" dirty="0"/>
+              <a:t>In other words, they might be trying to produce something, but because the target is illicit, they resort to lengthening.</a:t>
+            </a:r>
+          </a:p>
+          <a:p>
             <a:endParaRPr lang="en-US" dirty="0"/>
           </a:p>
           <a:p>
+            <a:r>
+              <a:rPr lang="en-US" dirty="0"/>
+              <a:t>Prediction: intensity of the lengthened segment should be lower than that of a glide. </a:t>
+            </a:r>
+          </a:p>
+          <a:p>
+            <a:r>
+              <a:rPr lang="en-US" dirty="0"/>
+              <a:t>Why? More consonant-like productions have lower intensity than more vowel-like productions.</a:t>
+            </a:r>
+          </a:p>
+          <a:p>
             <a:endParaRPr lang="en-US" dirty="0"/>
           </a:p>
           <a:p>
             <a:r>
-              <a:rPr lang="en-US" dirty="0"/>
-              <a:t>Prediction: intensity of the lengthened segment should be lower than that of a glide. </a:t>
-            </a:r>
-          </a:p>
-          <a:p>
-            <a:r>
-              <a:rPr lang="en-US" dirty="0"/>
-              <a:t>Why? More consonant-like productions have lower intensity than more vowel-like productions.</a:t>
-            </a:r>
-          </a:p>
-          <a:p>
-            <a:endParaRPr lang="en-US" dirty="0"/>
-          </a:p>
-          <a:p>
-            <a:r>
-              <a:rPr lang="en-US" sz="2400" dirty="0" smtClean="0"/>
+              <a:rPr lang="en-US" sz="2400" dirty="0"/>
               <a:t>Analysis 3</a:t>
             </a:r>
-            <a:endParaRPr lang="en-US" sz="2400" dirty="0"/>
           </a:p>
           <a:p>
             <a:pPr lvl="1"/>
@@ -7677,7 +7447,7 @@
           <p:cNvPr id="4" name="Slide Number Placeholder 3">
             <a:extLst>
               <a:ext uri="{FF2B5EF4-FFF2-40B4-BE49-F238E27FC236}">
-                <a16:creationId xmlns:a16="http://schemas.microsoft.com/office/drawing/2014/main" xmlns="" id="{09302281-1BAB-6F41-BE95-73F5F70F114F}"/>
+                <a16:creationId xmlns:a16="http://schemas.microsoft.com/office/drawing/2014/main" id="{09302281-1BAB-6F41-BE95-73F5F70F114F}"/>
               </a:ext>
             </a:extLst>
           </p:cNvPr>
@@ -7775,7 +7545,7 @@
           <p:cNvPr id="2" name="Slide Number Placeholder 1">
             <a:extLst>
               <a:ext uri="{FF2B5EF4-FFF2-40B4-BE49-F238E27FC236}">
-                <a16:creationId xmlns:a16="http://schemas.microsoft.com/office/drawing/2014/main" xmlns="" id="{DC90A512-AAC4-AC49-80FB-698E0B8181C4}"/>
+                <a16:creationId xmlns:a16="http://schemas.microsoft.com/office/drawing/2014/main" id="{DC90A512-AAC4-AC49-80FB-698E0B8181C4}"/>
               </a:ext>
             </a:extLst>
           </p:cNvPr>
@@ -7873,7 +7643,7 @@
           <p:cNvPr id="2" name="Slide Number Placeholder 1">
             <a:extLst>
               <a:ext uri="{FF2B5EF4-FFF2-40B4-BE49-F238E27FC236}">
-                <a16:creationId xmlns:a16="http://schemas.microsoft.com/office/drawing/2014/main" xmlns="" id="{DB819E6D-7989-674B-A774-4CA2C1F7C68D}"/>
+                <a16:creationId xmlns:a16="http://schemas.microsoft.com/office/drawing/2014/main" id="{DB819E6D-7989-674B-A774-4CA2C1F7C68D}"/>
               </a:ext>
             </a:extLst>
           </p:cNvPr>
@@ -8018,7 +7788,7 @@
           <p:cNvPr id="4" name="Slide Number Placeholder 3">
             <a:extLst>
               <a:ext uri="{FF2B5EF4-FFF2-40B4-BE49-F238E27FC236}">
-                <a16:creationId xmlns:a16="http://schemas.microsoft.com/office/drawing/2014/main" xmlns="" id="{6208D7EB-D554-114A-BED2-63BA5A566393}"/>
+                <a16:creationId xmlns:a16="http://schemas.microsoft.com/office/drawing/2014/main" id="{6208D7EB-D554-114A-BED2-63BA5A566393}"/>
               </a:ext>
             </a:extLst>
           </p:cNvPr>
@@ -8152,7 +7922,7 @@
           <p:cNvPr id="4" name="Slide Number Placeholder 3">
             <a:extLst>
               <a:ext uri="{FF2B5EF4-FFF2-40B4-BE49-F238E27FC236}">
-                <a16:creationId xmlns:a16="http://schemas.microsoft.com/office/drawing/2014/main" xmlns="" id="{A91D8E68-868C-C649-B4D1-7AA5DC6879F2}"/>
+                <a16:creationId xmlns:a16="http://schemas.microsoft.com/office/drawing/2014/main" id="{A91D8E68-868C-C649-B4D1-7AA5DC6879F2}"/>
               </a:ext>
             </a:extLst>
           </p:cNvPr>
@@ -8267,7 +8037,7 @@
           <p:cNvPr id="4" name="Slide Number Placeholder 3">
             <a:extLst>
               <a:ext uri="{FF2B5EF4-FFF2-40B4-BE49-F238E27FC236}">
-                <a16:creationId xmlns:a16="http://schemas.microsoft.com/office/drawing/2014/main" xmlns="" id="{A60DA255-9D8A-DA45-8CA7-AC9CDD15AA65}"/>
+                <a16:creationId xmlns:a16="http://schemas.microsoft.com/office/drawing/2014/main" id="{A60DA255-9D8A-DA45-8CA7-AC9CDD15AA65}"/>
               </a:ext>
             </a:extLst>
           </p:cNvPr>
@@ -8425,7 +8195,15 @@
           <a:p>
             <a:r>
               <a:rPr lang="en-US" dirty="0"/>
-              <a:t>This study could be replicated with more subjects (controlled by sex, age, linguistic profile), and, for comparative purposes,  also with speakers of dialects that do not allow onset glides.</a:t>
+              <a:t>This study could be replicated with more subjects (</a:t>
+            </a:r>
+            <a:r>
+              <a:rPr lang="en-US"/>
+              <a:t>controlled for </a:t>
+            </a:r>
+            <a:r>
+              <a:rPr lang="en-US" dirty="0"/>
+              <a:t>sex, age, linguistic profile), and, for comparative purposes,  also with speakers of dialects that do not allow onset glides.</a:t>
             </a:r>
           </a:p>
         </p:txBody>
@@ -8435,7 +8213,7 @@
           <p:cNvPr id="4" name="Slide Number Placeholder 3">
             <a:extLst>
               <a:ext uri="{FF2B5EF4-FFF2-40B4-BE49-F238E27FC236}">
-                <a16:creationId xmlns:a16="http://schemas.microsoft.com/office/drawing/2014/main" xmlns="" id="{72D48C38-E2D8-A848-81EB-E05D2AA0342C}"/>
+                <a16:creationId xmlns:a16="http://schemas.microsoft.com/office/drawing/2014/main" id="{72D48C38-E2D8-A848-81EB-E05D2AA0342C}"/>
               </a:ext>
             </a:extLst>
           </p:cNvPr>
@@ -8559,7 +8337,7 @@
           <p:cNvPr id="4" name="Slide Number Placeholder 3">
             <a:extLst>
               <a:ext uri="{FF2B5EF4-FFF2-40B4-BE49-F238E27FC236}">
-                <a16:creationId xmlns:a16="http://schemas.microsoft.com/office/drawing/2014/main" xmlns="" id="{76A281F8-BACF-DE44-8E23-81754FD679E7}"/>
+                <a16:creationId xmlns:a16="http://schemas.microsoft.com/office/drawing/2014/main" id="{76A281F8-BACF-DE44-8E23-81754FD679E7}"/>
               </a:ext>
             </a:extLst>
           </p:cNvPr>
@@ -8912,7 +8690,7 @@
           <p:cNvPr id="4" name="Slide Number Placeholder 3">
             <a:extLst>
               <a:ext uri="{FF2B5EF4-FFF2-40B4-BE49-F238E27FC236}">
-                <a16:creationId xmlns:a16="http://schemas.microsoft.com/office/drawing/2014/main" xmlns="" id="{65299EA9-42F9-9D48-A3C7-971DBC5E964B}"/>
+                <a16:creationId xmlns:a16="http://schemas.microsoft.com/office/drawing/2014/main" id="{65299EA9-42F9-9D48-A3C7-971DBC5E964B}"/>
               </a:ext>
             </a:extLst>
           </p:cNvPr>
@@ -9010,7 +8788,7 @@
           <p:cNvPr id="3" name="Slide Number Placeholder 2">
             <a:extLst>
               <a:ext uri="{FF2B5EF4-FFF2-40B4-BE49-F238E27FC236}">
-                <a16:creationId xmlns:a16="http://schemas.microsoft.com/office/drawing/2014/main" xmlns="" id="{E86DCAB6-45A9-844B-8E4D-BE17CBF73FB7}"/>
+                <a16:creationId xmlns:a16="http://schemas.microsoft.com/office/drawing/2014/main" id="{E86DCAB6-45A9-844B-8E4D-BE17CBF73FB7}"/>
               </a:ext>
             </a:extLst>
           </p:cNvPr>
@@ -9070,7 +8848,7 @@
           <p:cNvPr id="2" name="Title 1">
             <a:extLst>
               <a:ext uri="{FF2B5EF4-FFF2-40B4-BE49-F238E27FC236}">
-                <a16:creationId xmlns:a16="http://schemas.microsoft.com/office/drawing/2014/main" xmlns="" id="{A07010FC-4E57-DB4A-AE74-BB164736ED48}"/>
+                <a16:creationId xmlns:a16="http://schemas.microsoft.com/office/drawing/2014/main" id="{A07010FC-4E57-DB4A-AE74-BB164736ED48}"/>
               </a:ext>
             </a:extLst>
           </p:cNvPr>
@@ -9098,7 +8876,7 @@
           <p:cNvPr id="3" name="Content Placeholder 2">
             <a:extLst>
               <a:ext uri="{FF2B5EF4-FFF2-40B4-BE49-F238E27FC236}">
-                <a16:creationId xmlns:a16="http://schemas.microsoft.com/office/drawing/2014/main" xmlns="" id="{16E71D18-0184-8E49-B2DD-4AC61CABB8F7}"/>
+                <a16:creationId xmlns:a16="http://schemas.microsoft.com/office/drawing/2014/main" id="{16E71D18-0184-8E49-B2DD-4AC61CABB8F7}"/>
               </a:ext>
             </a:extLst>
           </p:cNvPr>
@@ -9133,7 +8911,7 @@
           <p:cNvPr id="27" name="Content Placeholder 26">
             <a:extLst>
               <a:ext uri="{FF2B5EF4-FFF2-40B4-BE49-F238E27FC236}">
-                <a16:creationId xmlns:a16="http://schemas.microsoft.com/office/drawing/2014/main" xmlns="" id="{D2063125-9A3E-4441-BD2E-7ECF40AA8583}"/>
+                <a16:creationId xmlns:a16="http://schemas.microsoft.com/office/drawing/2014/main" id="{D2063125-9A3E-4441-BD2E-7ECF40AA8583}"/>
               </a:ext>
             </a:extLst>
           </p:cNvPr>
@@ -9168,7 +8946,7 @@
           <p:cNvPr id="24" name="TextBox 23">
             <a:extLst>
               <a:ext uri="{FF2B5EF4-FFF2-40B4-BE49-F238E27FC236}">
-                <a16:creationId xmlns:a16="http://schemas.microsoft.com/office/drawing/2014/main" xmlns="" id="{37DBAD5E-8726-834E-B8EF-F21E7CBEA464}"/>
+                <a16:creationId xmlns:a16="http://schemas.microsoft.com/office/drawing/2014/main" id="{37DBAD5E-8726-834E-B8EF-F21E7CBEA464}"/>
               </a:ext>
             </a:extLst>
           </p:cNvPr>
@@ -9238,7 +9016,7 @@
           <p:cNvPr id="29" name="Picture 28">
             <a:extLst>
               <a:ext uri="{FF2B5EF4-FFF2-40B4-BE49-F238E27FC236}">
-                <a16:creationId xmlns:a16="http://schemas.microsoft.com/office/drawing/2014/main" xmlns="" id="{05786AA7-A6D4-C540-A3E5-537391730D62}"/>
+                <a16:creationId xmlns:a16="http://schemas.microsoft.com/office/drawing/2014/main" id="{05786AA7-A6D4-C540-A3E5-537391730D62}"/>
               </a:ext>
             </a:extLst>
           </p:cNvPr>
@@ -9274,7 +9052,7 @@
           <p:cNvPr id="4" name="Slide Number Placeholder 3">
             <a:extLst>
               <a:ext uri="{FF2B5EF4-FFF2-40B4-BE49-F238E27FC236}">
-                <a16:creationId xmlns:a16="http://schemas.microsoft.com/office/drawing/2014/main" xmlns="" id="{D61CF472-D4DB-984F-9321-FFA8E22F1440}"/>
+                <a16:creationId xmlns:a16="http://schemas.microsoft.com/office/drawing/2014/main" id="{D61CF472-D4DB-984F-9321-FFA8E22F1440}"/>
               </a:ext>
             </a:extLst>
           </p:cNvPr>
@@ -9387,7 +9165,7 @@
           <p:cNvPr id="3" name="Slide Number Placeholder 2">
             <a:extLst>
               <a:ext uri="{FF2B5EF4-FFF2-40B4-BE49-F238E27FC236}">
-                <a16:creationId xmlns:a16="http://schemas.microsoft.com/office/drawing/2014/main" xmlns="" id="{EE779AD6-1F67-7549-87FB-FD81024F6788}"/>
+                <a16:creationId xmlns:a16="http://schemas.microsoft.com/office/drawing/2014/main" id="{EE779AD6-1F67-7549-87FB-FD81024F6788}"/>
               </a:ext>
             </a:extLst>
           </p:cNvPr>
@@ -9447,7 +9225,7 @@
           <p:cNvPr id="2" name="Title 1">
             <a:extLst>
               <a:ext uri="{FF2B5EF4-FFF2-40B4-BE49-F238E27FC236}">
-                <a16:creationId xmlns:a16="http://schemas.microsoft.com/office/drawing/2014/main" xmlns="" id="{A07010FC-4E57-DB4A-AE74-BB164736ED48}"/>
+                <a16:creationId xmlns:a16="http://schemas.microsoft.com/office/drawing/2014/main" id="{A07010FC-4E57-DB4A-AE74-BB164736ED48}"/>
               </a:ext>
             </a:extLst>
           </p:cNvPr>
@@ -9475,7 +9253,7 @@
           <p:cNvPr id="3" name="Content Placeholder 2">
             <a:extLst>
               <a:ext uri="{FF2B5EF4-FFF2-40B4-BE49-F238E27FC236}">
-                <a16:creationId xmlns:a16="http://schemas.microsoft.com/office/drawing/2014/main" xmlns="" id="{16E71D18-0184-8E49-B2DD-4AC61CABB8F7}"/>
+                <a16:creationId xmlns:a16="http://schemas.microsoft.com/office/drawing/2014/main" id="{16E71D18-0184-8E49-B2DD-4AC61CABB8F7}"/>
               </a:ext>
             </a:extLst>
           </p:cNvPr>
@@ -9588,7 +9366,7 @@
           <p:cNvPr id="7" name="Picture 6">
             <a:extLst>
               <a:ext uri="{FF2B5EF4-FFF2-40B4-BE49-F238E27FC236}">
-                <a16:creationId xmlns:a16="http://schemas.microsoft.com/office/drawing/2014/main" xmlns="" id="{A1F2D7A7-65CB-2D48-B04A-968935368B24}"/>
+                <a16:creationId xmlns:a16="http://schemas.microsoft.com/office/drawing/2014/main" id="{A1F2D7A7-65CB-2D48-B04A-968935368B24}"/>
               </a:ext>
             </a:extLst>
           </p:cNvPr>
@@ -9624,7 +9402,7 @@
           <p:cNvPr id="4" name="Slide Number Placeholder 3">
             <a:extLst>
               <a:ext uri="{FF2B5EF4-FFF2-40B4-BE49-F238E27FC236}">
-                <a16:creationId xmlns:a16="http://schemas.microsoft.com/office/drawing/2014/main" xmlns="" id="{D428549C-C500-E34B-8AA0-7AE009F4593A}"/>
+                <a16:creationId xmlns:a16="http://schemas.microsoft.com/office/drawing/2014/main" id="{D428549C-C500-E34B-8AA0-7AE009F4593A}"/>
               </a:ext>
             </a:extLst>
           </p:cNvPr>
@@ -9684,7 +9462,7 @@
           <p:cNvPr id="2" name="Title 1">
             <a:extLst>
               <a:ext uri="{FF2B5EF4-FFF2-40B4-BE49-F238E27FC236}">
-                <a16:creationId xmlns:a16="http://schemas.microsoft.com/office/drawing/2014/main" xmlns="" id="{A07010FC-4E57-DB4A-AE74-BB164736ED48}"/>
+                <a16:creationId xmlns:a16="http://schemas.microsoft.com/office/drawing/2014/main" id="{A07010FC-4E57-DB4A-AE74-BB164736ED48}"/>
               </a:ext>
             </a:extLst>
           </p:cNvPr>
@@ -9712,7 +9490,7 @@
           <p:cNvPr id="3" name="Content Placeholder 2">
             <a:extLst>
               <a:ext uri="{FF2B5EF4-FFF2-40B4-BE49-F238E27FC236}">
-                <a16:creationId xmlns:a16="http://schemas.microsoft.com/office/drawing/2014/main" xmlns="" id="{16E71D18-0184-8E49-B2DD-4AC61CABB8F7}"/>
+                <a16:creationId xmlns:a16="http://schemas.microsoft.com/office/drawing/2014/main" id="{16E71D18-0184-8E49-B2DD-4AC61CABB8F7}"/>
               </a:ext>
             </a:extLst>
           </p:cNvPr>
@@ -9807,7 +9585,7 @@
           <p:cNvPr id="4" name="Slide Number Placeholder 3">
             <a:extLst>
               <a:ext uri="{FF2B5EF4-FFF2-40B4-BE49-F238E27FC236}">
-                <a16:creationId xmlns:a16="http://schemas.microsoft.com/office/drawing/2014/main" xmlns="" id="{C97C819D-8E09-4D49-8099-54273887FD86}"/>
+                <a16:creationId xmlns:a16="http://schemas.microsoft.com/office/drawing/2014/main" id="{C97C819D-8E09-4D49-8099-54273887FD86}"/>
               </a:ext>
             </a:extLst>
           </p:cNvPr>
@@ -9867,7 +9645,7 @@
           <p:cNvPr id="2" name="Title 1">
             <a:extLst>
               <a:ext uri="{FF2B5EF4-FFF2-40B4-BE49-F238E27FC236}">
-                <a16:creationId xmlns:a16="http://schemas.microsoft.com/office/drawing/2014/main" xmlns="" id="{7F87B78A-232D-2847-A7AA-AFD7AA805FF4}"/>
+                <a16:creationId xmlns:a16="http://schemas.microsoft.com/office/drawing/2014/main" id="{7F87B78A-232D-2847-A7AA-AFD7AA805FF4}"/>
               </a:ext>
             </a:extLst>
           </p:cNvPr>
@@ -9895,7 +9673,7 @@
           <p:cNvPr id="3" name="Content Placeholder 2">
             <a:extLst>
               <a:ext uri="{FF2B5EF4-FFF2-40B4-BE49-F238E27FC236}">
-                <a16:creationId xmlns:a16="http://schemas.microsoft.com/office/drawing/2014/main" xmlns="" id="{87783A97-661D-C34A-A6B5-11F57DC14336}"/>
+                <a16:creationId xmlns:a16="http://schemas.microsoft.com/office/drawing/2014/main" id="{87783A97-661D-C34A-A6B5-11F57DC14336}"/>
               </a:ext>
             </a:extLst>
           </p:cNvPr>
@@ -9977,7 +9755,7 @@
           <p:cNvPr id="4" name="Slide Number Placeholder 3">
             <a:extLst>
               <a:ext uri="{FF2B5EF4-FFF2-40B4-BE49-F238E27FC236}">
-                <a16:creationId xmlns:a16="http://schemas.microsoft.com/office/drawing/2014/main" xmlns="" id="{DA3F9E6F-3795-8342-BE01-F947715581B7}"/>
+                <a16:creationId xmlns:a16="http://schemas.microsoft.com/office/drawing/2014/main" id="{DA3F9E6F-3795-8342-BE01-F947715581B7}"/>
               </a:ext>
             </a:extLst>
           </p:cNvPr>
@@ -10037,7 +9815,7 @@
           <p:cNvPr id="2" name="Title 1">
             <a:extLst>
               <a:ext uri="{FF2B5EF4-FFF2-40B4-BE49-F238E27FC236}">
-                <a16:creationId xmlns:a16="http://schemas.microsoft.com/office/drawing/2014/main" xmlns="" id="{7F87B78A-232D-2847-A7AA-AFD7AA805FF4}"/>
+                <a16:creationId xmlns:a16="http://schemas.microsoft.com/office/drawing/2014/main" id="{7F87B78A-232D-2847-A7AA-AFD7AA805FF4}"/>
               </a:ext>
             </a:extLst>
           </p:cNvPr>
@@ -10065,7 +9843,7 @@
           <p:cNvPr id="3" name="Content Placeholder 2">
             <a:extLst>
               <a:ext uri="{FF2B5EF4-FFF2-40B4-BE49-F238E27FC236}">
-                <a16:creationId xmlns:a16="http://schemas.microsoft.com/office/drawing/2014/main" xmlns="" id="{87783A97-661D-C34A-A6B5-11F57DC14336}"/>
+                <a16:creationId xmlns:a16="http://schemas.microsoft.com/office/drawing/2014/main" id="{87783A97-661D-C34A-A6B5-11F57DC14336}"/>
               </a:ext>
             </a:extLst>
           </p:cNvPr>
@@ -10105,7 +9883,7 @@
           <p:cNvPr id="4" name="Slide Number Placeholder 3">
             <a:extLst>
               <a:ext uri="{FF2B5EF4-FFF2-40B4-BE49-F238E27FC236}">
-                <a16:creationId xmlns:a16="http://schemas.microsoft.com/office/drawing/2014/main" xmlns="" id="{9E88E031-60C4-D142-BC5A-CB17B53E0779}"/>
+                <a16:creationId xmlns:a16="http://schemas.microsoft.com/office/drawing/2014/main" id="{9E88E031-60C4-D142-BC5A-CB17B53E0779}"/>
               </a:ext>
             </a:extLst>
           </p:cNvPr>
@@ -10165,7 +9943,7 @@
           <p:cNvPr id="2" name="Title 1">
             <a:extLst>
               <a:ext uri="{FF2B5EF4-FFF2-40B4-BE49-F238E27FC236}">
-                <a16:creationId xmlns:a16="http://schemas.microsoft.com/office/drawing/2014/main" xmlns="" id="{D45FBAD9-A6F8-2445-A34C-CB0DFE2F2A3E}"/>
+                <a16:creationId xmlns:a16="http://schemas.microsoft.com/office/drawing/2014/main" id="{D45FBAD9-A6F8-2445-A34C-CB0DFE2F2A3E}"/>
               </a:ext>
             </a:extLst>
           </p:cNvPr>
@@ -10193,7 +9971,7 @@
           <p:cNvPr id="3" name="Content Placeholder 2">
             <a:extLst>
               <a:ext uri="{FF2B5EF4-FFF2-40B4-BE49-F238E27FC236}">
-                <a16:creationId xmlns:a16="http://schemas.microsoft.com/office/drawing/2014/main" xmlns="" id="{E2A13F4D-2C12-9242-B657-F4F8E7140D18}"/>
+                <a16:creationId xmlns:a16="http://schemas.microsoft.com/office/drawing/2014/main" id="{E2A13F4D-2C12-9242-B657-F4F8E7140D18}"/>
               </a:ext>
             </a:extLst>
           </p:cNvPr>
@@ -10348,7 +10126,7 @@
           <p:cNvPr id="4" name="Slide Number Placeholder 3">
             <a:extLst>
               <a:ext uri="{FF2B5EF4-FFF2-40B4-BE49-F238E27FC236}">
-                <a16:creationId xmlns:a16="http://schemas.microsoft.com/office/drawing/2014/main" xmlns="" id="{DBC15AD2-913E-7E46-BD56-A91B4C5E0313}"/>
+                <a16:creationId xmlns:a16="http://schemas.microsoft.com/office/drawing/2014/main" id="{DBC15AD2-913E-7E46-BD56-A91B4C5E0313}"/>
               </a:ext>
             </a:extLst>
           </p:cNvPr>
@@ -10408,7 +10186,7 @@
           <p:cNvPr id="2" name="Title 1">
             <a:extLst>
               <a:ext uri="{FF2B5EF4-FFF2-40B4-BE49-F238E27FC236}">
-                <a16:creationId xmlns:a16="http://schemas.microsoft.com/office/drawing/2014/main" xmlns="" id="{6CCAD466-EE8C-0B4E-B0DF-08BF74C467A5}"/>
+                <a16:creationId xmlns:a16="http://schemas.microsoft.com/office/drawing/2014/main" id="{6CCAD466-EE8C-0B4E-B0DF-08BF74C467A5}"/>
               </a:ext>
             </a:extLst>
           </p:cNvPr>
@@ -10436,7 +10214,7 @@
           <p:cNvPr id="3" name="Content Placeholder 2">
             <a:extLst>
               <a:ext uri="{FF2B5EF4-FFF2-40B4-BE49-F238E27FC236}">
-                <a16:creationId xmlns:a16="http://schemas.microsoft.com/office/drawing/2014/main" xmlns="" id="{E1802F1D-6C4A-BA4F-AFEA-EF28322B2A17}"/>
+                <a16:creationId xmlns:a16="http://schemas.microsoft.com/office/drawing/2014/main" id="{E1802F1D-6C4A-BA4F-AFEA-EF28322B2A17}"/>
               </a:ext>
             </a:extLst>
           </p:cNvPr>
@@ -10460,23 +10238,14 @@
           <a:p>
             <a:r>
               <a:rPr lang="en-US" dirty="0"/>
-              <a:t>10 speakers of Sonoran Mexican Spanish, 18-25 years old</a:t>
-            </a:r>
-            <a:r>
-              <a:rPr lang="en-US" dirty="0" smtClean="0"/>
-              <a:t>.</a:t>
-            </a:r>
-          </a:p>
-          <a:p>
-            <a:r>
-              <a:rPr lang="en-US" dirty="0"/>
-              <a:t>Recordings took place in a sound isolated booth using a Shure SM10A Head mounted </a:t>
-            </a:r>
-            <a:r>
-              <a:rPr lang="en-US" dirty="0" smtClean="0"/>
-              <a:t>microphone</a:t>
-            </a:r>
-            <a:endParaRPr lang="en-US" dirty="0"/>
+              <a:t>10 speakers of Sonoran Mexican Spanish, 18-25 years old.</a:t>
+            </a:r>
+          </a:p>
+          <a:p>
+            <a:r>
+              <a:rPr lang="en-US" dirty="0"/>
+              <a:t>Recordings took place in a sound isolated booth using a Shure SM10A Head mounted microphone</a:t>
+            </a:r>
           </a:p>
           <a:p>
             <a:r>
@@ -10529,7 +10298,7 @@
           <p:cNvPr id="4" name="Slide Number Placeholder 3">
             <a:extLst>
               <a:ext uri="{FF2B5EF4-FFF2-40B4-BE49-F238E27FC236}">
-                <a16:creationId xmlns:a16="http://schemas.microsoft.com/office/drawing/2014/main" xmlns="" id="{E907EBA4-3932-DC44-B1DA-3271BCADC4BD}"/>
+                <a16:creationId xmlns:a16="http://schemas.microsoft.com/office/drawing/2014/main" id="{E907EBA4-3932-DC44-B1DA-3271BCADC4BD}"/>
               </a:ext>
             </a:extLst>
           </p:cNvPr>
